--- a/Slides.pptx
+++ b/Slides.pptx
@@ -5,10 +5,10 @@
     <p:sldMasterId id="2147483648" r:id="rId1"/>
   </p:sldMasterIdLst>
   <p:notesMasterIdLst>
-    <p:notesMasterId r:id="rId9"/>
+    <p:notesMasterId r:id="rId11"/>
   </p:notesMasterIdLst>
   <p:handoutMasterIdLst>
-    <p:handoutMasterId r:id="rId10"/>
+    <p:handoutMasterId r:id="rId12"/>
   </p:handoutMasterIdLst>
   <p:sldIdLst>
     <p:sldId id="328" r:id="rId2"/>
@@ -18,6 +18,8 @@
     <p:sldId id="284" r:id="rId6"/>
     <p:sldId id="329" r:id="rId7"/>
     <p:sldId id="330" r:id="rId8"/>
+    <p:sldId id="259" r:id="rId9"/>
+    <p:sldId id="331" r:id="rId10"/>
   </p:sldIdLst>
   <p:sldSz cx="12192000" cy="6858000"/>
   <p:notesSz cx="7099300" cy="10234613"/>
@@ -139,6 +141,6114 @@
 <p:cmAuthorLst xmlns:a="http://schemas.openxmlformats.org/drawingml/2006/main" xmlns:r="http://schemas.openxmlformats.org/officeDocument/2006/relationships" xmlns:p="http://schemas.openxmlformats.org/presentationml/2006/main">
   <p:cmAuthor id="0" name="Windows User" initials="WU" lastIdx="3" clrIdx="0"/>
 </p:cmAuthorLst>
+</file>
+
+<file path=ppt/diagrams/colors1.xml><?xml version="1.0" encoding="utf-8"?>
+<dgm:colorsDef xmlns:dgm="http://schemas.openxmlformats.org/drawingml/2006/diagram" xmlns:a="http://schemas.openxmlformats.org/drawingml/2006/main" uniqueId="urn:microsoft.com/office/officeart/2005/8/colors/accent1_2">
+  <dgm:title val=""/>
+  <dgm:desc val=""/>
+  <dgm:catLst>
+    <dgm:cat type="accent1" pri="11200"/>
+  </dgm:catLst>
+  <dgm:styleLbl name="node0">
+    <dgm:fillClrLst meth="repeat">
+      <a:schemeClr val="accent1"/>
+    </dgm:fillClrLst>
+    <dgm:linClrLst meth="repeat">
+      <a:schemeClr val="lt1"/>
+    </dgm:linClrLst>
+    <dgm:effectClrLst/>
+    <dgm:txLinClrLst/>
+    <dgm:txFillClrLst/>
+    <dgm:txEffectClrLst/>
+  </dgm:styleLbl>
+  <dgm:styleLbl name="alignNode1">
+    <dgm:fillClrLst meth="repeat">
+      <a:schemeClr val="accent1"/>
+    </dgm:fillClrLst>
+    <dgm:linClrLst meth="repeat">
+      <a:schemeClr val="accent1"/>
+    </dgm:linClrLst>
+    <dgm:effectClrLst/>
+    <dgm:txLinClrLst/>
+    <dgm:txFillClrLst/>
+    <dgm:txEffectClrLst/>
+  </dgm:styleLbl>
+  <dgm:styleLbl name="node1">
+    <dgm:fillClrLst meth="repeat">
+      <a:schemeClr val="accent1"/>
+    </dgm:fillClrLst>
+    <dgm:linClrLst meth="repeat">
+      <a:schemeClr val="lt1"/>
+    </dgm:linClrLst>
+    <dgm:effectClrLst/>
+    <dgm:txLinClrLst/>
+    <dgm:txFillClrLst/>
+    <dgm:txEffectClrLst/>
+  </dgm:styleLbl>
+  <dgm:styleLbl name="lnNode1">
+    <dgm:fillClrLst meth="repeat">
+      <a:schemeClr val="accent1"/>
+    </dgm:fillClrLst>
+    <dgm:linClrLst meth="repeat">
+      <a:schemeClr val="lt1"/>
+    </dgm:linClrLst>
+    <dgm:effectClrLst/>
+    <dgm:txLinClrLst/>
+    <dgm:txFillClrLst/>
+    <dgm:txEffectClrLst/>
+  </dgm:styleLbl>
+  <dgm:styleLbl name="vennNode1">
+    <dgm:fillClrLst meth="repeat">
+      <a:schemeClr val="accent1">
+        <a:alpha val="50000"/>
+      </a:schemeClr>
+    </dgm:fillClrLst>
+    <dgm:linClrLst meth="repeat">
+      <a:schemeClr val="lt1"/>
+    </dgm:linClrLst>
+    <dgm:effectClrLst/>
+    <dgm:txLinClrLst/>
+    <dgm:txFillClrLst/>
+    <dgm:txEffectClrLst/>
+  </dgm:styleLbl>
+  <dgm:styleLbl name="node2">
+    <dgm:fillClrLst meth="repeat">
+      <a:schemeClr val="accent1"/>
+    </dgm:fillClrLst>
+    <dgm:linClrLst meth="repeat">
+      <a:schemeClr val="lt1"/>
+    </dgm:linClrLst>
+    <dgm:effectClrLst/>
+    <dgm:txLinClrLst/>
+    <dgm:txFillClrLst/>
+    <dgm:txEffectClrLst/>
+  </dgm:styleLbl>
+  <dgm:styleLbl name="node3">
+    <dgm:fillClrLst meth="repeat">
+      <a:schemeClr val="accent1"/>
+    </dgm:fillClrLst>
+    <dgm:linClrLst meth="repeat">
+      <a:schemeClr val="lt1"/>
+    </dgm:linClrLst>
+    <dgm:effectClrLst/>
+    <dgm:txLinClrLst/>
+    <dgm:txFillClrLst/>
+    <dgm:txEffectClrLst/>
+  </dgm:styleLbl>
+  <dgm:styleLbl name="node4">
+    <dgm:fillClrLst meth="repeat">
+      <a:schemeClr val="accent1"/>
+    </dgm:fillClrLst>
+    <dgm:linClrLst meth="repeat">
+      <a:schemeClr val="lt1"/>
+    </dgm:linClrLst>
+    <dgm:effectClrLst/>
+    <dgm:txLinClrLst/>
+    <dgm:txFillClrLst/>
+    <dgm:txEffectClrLst/>
+  </dgm:styleLbl>
+  <dgm:styleLbl name="fgImgPlace1">
+    <dgm:fillClrLst meth="repeat">
+      <a:schemeClr val="accent1">
+        <a:tint val="50000"/>
+      </a:schemeClr>
+    </dgm:fillClrLst>
+    <dgm:linClrLst meth="repeat">
+      <a:schemeClr val="lt1"/>
+    </dgm:linClrLst>
+    <dgm:effectClrLst/>
+    <dgm:txLinClrLst/>
+    <dgm:txFillClrLst meth="repeat">
+      <a:schemeClr val="lt1"/>
+    </dgm:txFillClrLst>
+    <dgm:txEffectClrLst/>
+  </dgm:styleLbl>
+  <dgm:styleLbl name="alignImgPlace1">
+    <dgm:fillClrLst meth="repeat">
+      <a:schemeClr val="accent1">
+        <a:tint val="50000"/>
+      </a:schemeClr>
+    </dgm:fillClrLst>
+    <dgm:linClrLst meth="repeat">
+      <a:schemeClr val="lt1"/>
+    </dgm:linClrLst>
+    <dgm:effectClrLst/>
+    <dgm:txLinClrLst/>
+    <dgm:txFillClrLst meth="repeat">
+      <a:schemeClr val="lt1"/>
+    </dgm:txFillClrLst>
+    <dgm:txEffectClrLst/>
+  </dgm:styleLbl>
+  <dgm:styleLbl name="bgImgPlace1">
+    <dgm:fillClrLst meth="repeat">
+      <a:schemeClr val="accent1">
+        <a:tint val="50000"/>
+      </a:schemeClr>
+    </dgm:fillClrLst>
+    <dgm:linClrLst meth="repeat">
+      <a:schemeClr val="lt1"/>
+    </dgm:linClrLst>
+    <dgm:effectClrLst/>
+    <dgm:txLinClrLst/>
+    <dgm:txFillClrLst meth="repeat">
+      <a:schemeClr val="lt1"/>
+    </dgm:txFillClrLst>
+    <dgm:txEffectClrLst/>
+  </dgm:styleLbl>
+  <dgm:styleLbl name="sibTrans2D1">
+    <dgm:fillClrLst meth="repeat">
+      <a:schemeClr val="accent1">
+        <a:tint val="60000"/>
+      </a:schemeClr>
+    </dgm:fillClrLst>
+    <dgm:linClrLst meth="repeat">
+      <a:schemeClr val="accent1">
+        <a:tint val="60000"/>
+      </a:schemeClr>
+    </dgm:linClrLst>
+    <dgm:effectClrLst/>
+    <dgm:txLinClrLst/>
+    <dgm:txFillClrLst/>
+    <dgm:txEffectClrLst/>
+  </dgm:styleLbl>
+  <dgm:styleLbl name="fgSibTrans2D1">
+    <dgm:fillClrLst meth="repeat">
+      <a:schemeClr val="accent1">
+        <a:tint val="60000"/>
+      </a:schemeClr>
+    </dgm:fillClrLst>
+    <dgm:linClrLst meth="repeat">
+      <a:schemeClr val="accent1">
+        <a:tint val="60000"/>
+      </a:schemeClr>
+    </dgm:linClrLst>
+    <dgm:effectClrLst/>
+    <dgm:txLinClrLst/>
+    <dgm:txFillClrLst/>
+    <dgm:txEffectClrLst/>
+  </dgm:styleLbl>
+  <dgm:styleLbl name="bgSibTrans2D1">
+    <dgm:fillClrLst meth="repeat">
+      <a:schemeClr val="accent1">
+        <a:tint val="60000"/>
+      </a:schemeClr>
+    </dgm:fillClrLst>
+    <dgm:linClrLst meth="repeat">
+      <a:schemeClr val="accent1">
+        <a:tint val="60000"/>
+      </a:schemeClr>
+    </dgm:linClrLst>
+    <dgm:effectClrLst/>
+    <dgm:txLinClrLst/>
+    <dgm:txFillClrLst/>
+    <dgm:txEffectClrLst/>
+  </dgm:styleLbl>
+  <dgm:styleLbl name="sibTrans1D1">
+    <dgm:fillClrLst meth="repeat">
+      <a:schemeClr val="accent1"/>
+    </dgm:fillClrLst>
+    <dgm:linClrLst meth="repeat">
+      <a:schemeClr val="accent1"/>
+    </dgm:linClrLst>
+    <dgm:effectClrLst/>
+    <dgm:txLinClrLst/>
+    <dgm:txFillClrLst meth="repeat">
+      <a:schemeClr val="tx1"/>
+    </dgm:txFillClrLst>
+    <dgm:txEffectClrLst/>
+  </dgm:styleLbl>
+  <dgm:styleLbl name="callout">
+    <dgm:fillClrLst meth="repeat">
+      <a:schemeClr val="accent1"/>
+    </dgm:fillClrLst>
+    <dgm:linClrLst meth="repeat">
+      <a:schemeClr val="accent1">
+        <a:tint val="50000"/>
+      </a:schemeClr>
+    </dgm:linClrLst>
+    <dgm:effectClrLst/>
+    <dgm:txLinClrLst/>
+    <dgm:txFillClrLst meth="repeat">
+      <a:schemeClr val="tx1"/>
+    </dgm:txFillClrLst>
+    <dgm:txEffectClrLst/>
+  </dgm:styleLbl>
+  <dgm:styleLbl name="asst0">
+    <dgm:fillClrLst meth="repeat">
+      <a:schemeClr val="accent1"/>
+    </dgm:fillClrLst>
+    <dgm:linClrLst meth="repeat">
+      <a:schemeClr val="lt1"/>
+    </dgm:linClrLst>
+    <dgm:effectClrLst/>
+    <dgm:txLinClrLst/>
+    <dgm:txFillClrLst/>
+    <dgm:txEffectClrLst/>
+  </dgm:styleLbl>
+  <dgm:styleLbl name="asst1">
+    <dgm:fillClrLst meth="repeat">
+      <a:schemeClr val="accent1"/>
+    </dgm:fillClrLst>
+    <dgm:linClrLst meth="repeat">
+      <a:schemeClr val="lt1"/>
+    </dgm:linClrLst>
+    <dgm:effectClrLst/>
+    <dgm:txLinClrLst/>
+    <dgm:txFillClrLst/>
+    <dgm:txEffectClrLst/>
+  </dgm:styleLbl>
+  <dgm:styleLbl name="asst2">
+    <dgm:fillClrLst meth="repeat">
+      <a:schemeClr val="accent1"/>
+    </dgm:fillClrLst>
+    <dgm:linClrLst meth="repeat">
+      <a:schemeClr val="lt1"/>
+    </dgm:linClrLst>
+    <dgm:effectClrLst/>
+    <dgm:txLinClrLst/>
+    <dgm:txFillClrLst/>
+    <dgm:txEffectClrLst/>
+  </dgm:styleLbl>
+  <dgm:styleLbl name="asst3">
+    <dgm:fillClrLst meth="repeat">
+      <a:schemeClr val="accent1"/>
+    </dgm:fillClrLst>
+    <dgm:linClrLst meth="repeat">
+      <a:schemeClr val="lt1"/>
+    </dgm:linClrLst>
+    <dgm:effectClrLst/>
+    <dgm:txLinClrLst/>
+    <dgm:txFillClrLst/>
+    <dgm:txEffectClrLst/>
+  </dgm:styleLbl>
+  <dgm:styleLbl name="asst4">
+    <dgm:fillClrLst meth="repeat">
+      <a:schemeClr val="accent1"/>
+    </dgm:fillClrLst>
+    <dgm:linClrLst meth="repeat">
+      <a:schemeClr val="lt1"/>
+    </dgm:linClrLst>
+    <dgm:effectClrLst/>
+    <dgm:txLinClrLst/>
+    <dgm:txFillClrLst/>
+    <dgm:txEffectClrLst/>
+  </dgm:styleLbl>
+  <dgm:styleLbl name="parChTrans2D1">
+    <dgm:fillClrLst meth="repeat">
+      <a:schemeClr val="accent1">
+        <a:tint val="60000"/>
+      </a:schemeClr>
+    </dgm:fillClrLst>
+    <dgm:linClrLst meth="repeat">
+      <a:schemeClr val="accent1">
+        <a:tint val="60000"/>
+      </a:schemeClr>
+    </dgm:linClrLst>
+    <dgm:effectClrLst/>
+    <dgm:txLinClrLst/>
+    <dgm:txFillClrLst meth="repeat">
+      <a:schemeClr val="lt1"/>
+    </dgm:txFillClrLst>
+    <dgm:txEffectClrLst/>
+  </dgm:styleLbl>
+  <dgm:styleLbl name="parChTrans2D2">
+    <dgm:fillClrLst meth="repeat">
+      <a:schemeClr val="accent1"/>
+    </dgm:fillClrLst>
+    <dgm:linClrLst meth="repeat">
+      <a:schemeClr val="accent1"/>
+    </dgm:linClrLst>
+    <dgm:effectClrLst/>
+    <dgm:txLinClrLst/>
+    <dgm:txFillClrLst meth="repeat">
+      <a:schemeClr val="lt1"/>
+    </dgm:txFillClrLst>
+    <dgm:txEffectClrLst/>
+  </dgm:styleLbl>
+  <dgm:styleLbl name="parChTrans2D3">
+    <dgm:fillClrLst meth="repeat">
+      <a:schemeClr val="accent1"/>
+    </dgm:fillClrLst>
+    <dgm:linClrLst meth="repeat">
+      <a:schemeClr val="accent1"/>
+    </dgm:linClrLst>
+    <dgm:effectClrLst/>
+    <dgm:txLinClrLst/>
+    <dgm:txFillClrLst meth="repeat">
+      <a:schemeClr val="lt1"/>
+    </dgm:txFillClrLst>
+    <dgm:txEffectClrLst/>
+  </dgm:styleLbl>
+  <dgm:styleLbl name="parChTrans2D4">
+    <dgm:fillClrLst meth="repeat">
+      <a:schemeClr val="accent1"/>
+    </dgm:fillClrLst>
+    <dgm:linClrLst meth="repeat">
+      <a:schemeClr val="accent1"/>
+    </dgm:linClrLst>
+    <dgm:effectClrLst/>
+    <dgm:txLinClrLst/>
+    <dgm:txFillClrLst meth="repeat">
+      <a:schemeClr val="lt1"/>
+    </dgm:txFillClrLst>
+    <dgm:txEffectClrLst/>
+  </dgm:styleLbl>
+  <dgm:styleLbl name="parChTrans1D1">
+    <dgm:fillClrLst meth="repeat">
+      <a:schemeClr val="accent1"/>
+    </dgm:fillClrLst>
+    <dgm:linClrLst meth="repeat">
+      <a:schemeClr val="accent1">
+        <a:shade val="60000"/>
+      </a:schemeClr>
+    </dgm:linClrLst>
+    <dgm:effectClrLst/>
+    <dgm:txLinClrLst/>
+    <dgm:txFillClrLst meth="repeat">
+      <a:schemeClr val="tx1"/>
+    </dgm:txFillClrLst>
+    <dgm:txEffectClrLst/>
+  </dgm:styleLbl>
+  <dgm:styleLbl name="parChTrans1D2">
+    <dgm:fillClrLst meth="repeat">
+      <a:schemeClr val="accent1"/>
+    </dgm:fillClrLst>
+    <dgm:linClrLst meth="repeat">
+      <a:schemeClr val="accent1">
+        <a:shade val="60000"/>
+      </a:schemeClr>
+    </dgm:linClrLst>
+    <dgm:effectClrLst/>
+    <dgm:txLinClrLst/>
+    <dgm:txFillClrLst meth="repeat">
+      <a:schemeClr val="tx1"/>
+    </dgm:txFillClrLst>
+    <dgm:txEffectClrLst/>
+  </dgm:styleLbl>
+  <dgm:styleLbl name="parChTrans1D3">
+    <dgm:fillClrLst meth="repeat">
+      <a:schemeClr val="accent1"/>
+    </dgm:fillClrLst>
+    <dgm:linClrLst meth="repeat">
+      <a:schemeClr val="accent1">
+        <a:shade val="80000"/>
+      </a:schemeClr>
+    </dgm:linClrLst>
+    <dgm:effectClrLst/>
+    <dgm:txLinClrLst/>
+    <dgm:txFillClrLst meth="repeat">
+      <a:schemeClr val="tx1"/>
+    </dgm:txFillClrLst>
+    <dgm:txEffectClrLst/>
+  </dgm:styleLbl>
+  <dgm:styleLbl name="parChTrans1D4">
+    <dgm:fillClrLst meth="repeat">
+      <a:schemeClr val="accent1"/>
+    </dgm:fillClrLst>
+    <dgm:linClrLst meth="repeat">
+      <a:schemeClr val="accent1">
+        <a:shade val="80000"/>
+      </a:schemeClr>
+    </dgm:linClrLst>
+    <dgm:effectClrLst/>
+    <dgm:txLinClrLst/>
+    <dgm:txFillClrLst meth="repeat">
+      <a:schemeClr val="tx1"/>
+    </dgm:txFillClrLst>
+    <dgm:txEffectClrLst/>
+  </dgm:styleLbl>
+  <dgm:styleLbl name="fgAcc1">
+    <dgm:fillClrLst meth="repeat">
+      <a:schemeClr val="lt1">
+        <a:alpha val="90000"/>
+      </a:schemeClr>
+    </dgm:fillClrLst>
+    <dgm:linClrLst meth="repeat">
+      <a:schemeClr val="accent1"/>
+    </dgm:linClrLst>
+    <dgm:effectClrLst/>
+    <dgm:txLinClrLst/>
+    <dgm:txFillClrLst meth="repeat">
+      <a:schemeClr val="dk1"/>
+    </dgm:txFillClrLst>
+    <dgm:txEffectClrLst/>
+  </dgm:styleLbl>
+  <dgm:styleLbl name="conFgAcc1">
+    <dgm:fillClrLst meth="repeat">
+      <a:schemeClr val="lt1">
+        <a:alpha val="90000"/>
+      </a:schemeClr>
+    </dgm:fillClrLst>
+    <dgm:linClrLst meth="repeat">
+      <a:schemeClr val="accent1"/>
+    </dgm:linClrLst>
+    <dgm:effectClrLst/>
+    <dgm:txLinClrLst/>
+    <dgm:txFillClrLst meth="repeat">
+      <a:schemeClr val="dk1"/>
+    </dgm:txFillClrLst>
+    <dgm:txEffectClrLst/>
+  </dgm:styleLbl>
+  <dgm:styleLbl name="alignAcc1">
+    <dgm:fillClrLst meth="repeat">
+      <a:schemeClr val="lt1">
+        <a:alpha val="90000"/>
+      </a:schemeClr>
+    </dgm:fillClrLst>
+    <dgm:linClrLst meth="repeat">
+      <a:schemeClr val="accent1"/>
+    </dgm:linClrLst>
+    <dgm:effectClrLst/>
+    <dgm:txLinClrLst/>
+    <dgm:txFillClrLst meth="repeat">
+      <a:schemeClr val="dk1"/>
+    </dgm:txFillClrLst>
+    <dgm:txEffectClrLst/>
+  </dgm:styleLbl>
+  <dgm:styleLbl name="trAlignAcc1">
+    <dgm:fillClrLst meth="repeat">
+      <a:schemeClr val="lt1">
+        <a:alpha val="40000"/>
+      </a:schemeClr>
+    </dgm:fillClrLst>
+    <dgm:linClrLst meth="repeat">
+      <a:schemeClr val="accent1"/>
+    </dgm:linClrLst>
+    <dgm:effectClrLst/>
+    <dgm:txLinClrLst/>
+    <dgm:txFillClrLst meth="repeat">
+      <a:schemeClr val="dk1"/>
+    </dgm:txFillClrLst>
+    <dgm:txEffectClrLst/>
+  </dgm:styleLbl>
+  <dgm:styleLbl name="bgAcc1">
+    <dgm:fillClrLst meth="repeat">
+      <a:schemeClr val="lt1">
+        <a:alpha val="90000"/>
+      </a:schemeClr>
+    </dgm:fillClrLst>
+    <dgm:linClrLst meth="repeat">
+      <a:schemeClr val="accent1"/>
+    </dgm:linClrLst>
+    <dgm:effectClrLst/>
+    <dgm:txLinClrLst/>
+    <dgm:txFillClrLst meth="repeat">
+      <a:schemeClr val="dk1"/>
+    </dgm:txFillClrLst>
+    <dgm:txEffectClrLst/>
+  </dgm:styleLbl>
+  <dgm:styleLbl name="solidFgAcc1">
+    <dgm:fillClrLst meth="repeat">
+      <a:schemeClr val="lt1"/>
+    </dgm:fillClrLst>
+    <dgm:linClrLst meth="repeat">
+      <a:schemeClr val="accent1"/>
+    </dgm:linClrLst>
+    <dgm:effectClrLst/>
+    <dgm:txLinClrLst/>
+    <dgm:txFillClrLst meth="repeat">
+      <a:schemeClr val="dk1"/>
+    </dgm:txFillClrLst>
+    <dgm:txEffectClrLst/>
+  </dgm:styleLbl>
+  <dgm:styleLbl name="solidAlignAcc1">
+    <dgm:fillClrLst meth="repeat">
+      <a:schemeClr val="lt1"/>
+    </dgm:fillClrLst>
+    <dgm:linClrLst meth="repeat">
+      <a:schemeClr val="accent1"/>
+    </dgm:linClrLst>
+    <dgm:effectClrLst/>
+    <dgm:txLinClrLst/>
+    <dgm:txFillClrLst meth="repeat">
+      <a:schemeClr val="dk1"/>
+    </dgm:txFillClrLst>
+    <dgm:txEffectClrLst/>
+  </dgm:styleLbl>
+  <dgm:styleLbl name="solidBgAcc1">
+    <dgm:fillClrLst meth="repeat">
+      <a:schemeClr val="lt1"/>
+    </dgm:fillClrLst>
+    <dgm:linClrLst meth="repeat">
+      <a:schemeClr val="accent1"/>
+    </dgm:linClrLst>
+    <dgm:effectClrLst/>
+    <dgm:txLinClrLst/>
+    <dgm:txFillClrLst meth="repeat">
+      <a:schemeClr val="dk1"/>
+    </dgm:txFillClrLst>
+    <dgm:txEffectClrLst/>
+  </dgm:styleLbl>
+  <dgm:styleLbl name="fgAccFollowNode1">
+    <dgm:fillClrLst meth="repeat">
+      <a:schemeClr val="accent1">
+        <a:alpha val="90000"/>
+        <a:tint val="40000"/>
+      </a:schemeClr>
+    </dgm:fillClrLst>
+    <dgm:linClrLst meth="repeat">
+      <a:schemeClr val="accent1">
+        <a:alpha val="90000"/>
+        <a:tint val="40000"/>
+      </a:schemeClr>
+    </dgm:linClrLst>
+    <dgm:effectClrLst/>
+    <dgm:txLinClrLst/>
+    <dgm:txFillClrLst meth="repeat">
+      <a:schemeClr val="dk1"/>
+    </dgm:txFillClrLst>
+    <dgm:txEffectClrLst/>
+  </dgm:styleLbl>
+  <dgm:styleLbl name="alignAccFollowNode1">
+    <dgm:fillClrLst meth="repeat">
+      <a:schemeClr val="accent1">
+        <a:alpha val="90000"/>
+        <a:tint val="40000"/>
+      </a:schemeClr>
+    </dgm:fillClrLst>
+    <dgm:linClrLst meth="repeat">
+      <a:schemeClr val="accent1">
+        <a:alpha val="90000"/>
+        <a:tint val="40000"/>
+      </a:schemeClr>
+    </dgm:linClrLst>
+    <dgm:effectClrLst/>
+    <dgm:txLinClrLst/>
+    <dgm:txFillClrLst meth="repeat">
+      <a:schemeClr val="dk1"/>
+    </dgm:txFillClrLst>
+    <dgm:txEffectClrLst/>
+  </dgm:styleLbl>
+  <dgm:styleLbl name="bgAccFollowNode1">
+    <dgm:fillClrLst meth="repeat">
+      <a:schemeClr val="accent1">
+        <a:alpha val="90000"/>
+        <a:tint val="40000"/>
+      </a:schemeClr>
+    </dgm:fillClrLst>
+    <dgm:linClrLst meth="repeat">
+      <a:schemeClr val="accent1">
+        <a:alpha val="90000"/>
+        <a:tint val="40000"/>
+      </a:schemeClr>
+    </dgm:linClrLst>
+    <dgm:effectClrLst/>
+    <dgm:txLinClrLst/>
+    <dgm:txFillClrLst meth="repeat">
+      <a:schemeClr val="dk1"/>
+    </dgm:txFillClrLst>
+    <dgm:txEffectClrLst/>
+  </dgm:styleLbl>
+  <dgm:styleLbl name="fgAcc0">
+    <dgm:fillClrLst meth="repeat">
+      <a:schemeClr val="lt1">
+        <a:alpha val="90000"/>
+      </a:schemeClr>
+    </dgm:fillClrLst>
+    <dgm:linClrLst meth="repeat">
+      <a:schemeClr val="accent1"/>
+    </dgm:linClrLst>
+    <dgm:effectClrLst/>
+    <dgm:txLinClrLst/>
+    <dgm:txFillClrLst meth="repeat">
+      <a:schemeClr val="dk1"/>
+    </dgm:txFillClrLst>
+    <dgm:txEffectClrLst/>
+  </dgm:styleLbl>
+  <dgm:styleLbl name="fgAcc2">
+    <dgm:fillClrLst meth="repeat">
+      <a:schemeClr val="lt1">
+        <a:alpha val="90000"/>
+      </a:schemeClr>
+    </dgm:fillClrLst>
+    <dgm:linClrLst meth="repeat">
+      <a:schemeClr val="accent1"/>
+    </dgm:linClrLst>
+    <dgm:effectClrLst/>
+    <dgm:txLinClrLst/>
+    <dgm:txFillClrLst meth="repeat">
+      <a:schemeClr val="dk1"/>
+    </dgm:txFillClrLst>
+    <dgm:txEffectClrLst/>
+  </dgm:styleLbl>
+  <dgm:styleLbl name="fgAcc3">
+    <dgm:fillClrLst meth="repeat">
+      <a:schemeClr val="lt1">
+        <a:alpha val="90000"/>
+      </a:schemeClr>
+    </dgm:fillClrLst>
+    <dgm:linClrLst meth="repeat">
+      <a:schemeClr val="accent1"/>
+    </dgm:linClrLst>
+    <dgm:effectClrLst/>
+    <dgm:txLinClrLst/>
+    <dgm:txFillClrLst meth="repeat">
+      <a:schemeClr val="dk1"/>
+    </dgm:txFillClrLst>
+    <dgm:txEffectClrLst/>
+  </dgm:styleLbl>
+  <dgm:styleLbl name="fgAcc4">
+    <dgm:fillClrLst meth="repeat">
+      <a:schemeClr val="lt1">
+        <a:alpha val="90000"/>
+      </a:schemeClr>
+    </dgm:fillClrLst>
+    <dgm:linClrLst meth="repeat">
+      <a:schemeClr val="accent1"/>
+    </dgm:linClrLst>
+    <dgm:effectClrLst/>
+    <dgm:txLinClrLst/>
+    <dgm:txFillClrLst meth="repeat">
+      <a:schemeClr val="dk1"/>
+    </dgm:txFillClrLst>
+    <dgm:txEffectClrLst/>
+  </dgm:styleLbl>
+  <dgm:styleLbl name="bgShp">
+    <dgm:fillClrLst meth="repeat">
+      <a:schemeClr val="accent1">
+        <a:tint val="40000"/>
+      </a:schemeClr>
+    </dgm:fillClrLst>
+    <dgm:linClrLst meth="repeat">
+      <a:schemeClr val="accent1"/>
+    </dgm:linClrLst>
+    <dgm:effectClrLst/>
+    <dgm:txLinClrLst/>
+    <dgm:txFillClrLst meth="repeat">
+      <a:schemeClr val="dk1"/>
+    </dgm:txFillClrLst>
+    <dgm:txEffectClrLst/>
+  </dgm:styleLbl>
+  <dgm:styleLbl name="dkBgShp">
+    <dgm:fillClrLst meth="repeat">
+      <a:schemeClr val="accent1">
+        <a:shade val="80000"/>
+      </a:schemeClr>
+    </dgm:fillClrLst>
+    <dgm:linClrLst meth="repeat">
+      <a:schemeClr val="accent1"/>
+    </dgm:linClrLst>
+    <dgm:effectClrLst/>
+    <dgm:txLinClrLst/>
+    <dgm:txFillClrLst meth="repeat">
+      <a:schemeClr val="lt1"/>
+    </dgm:txFillClrLst>
+    <dgm:txEffectClrLst/>
+  </dgm:styleLbl>
+  <dgm:styleLbl name="trBgShp">
+    <dgm:fillClrLst meth="repeat">
+      <a:schemeClr val="accent1">
+        <a:tint val="50000"/>
+        <a:alpha val="40000"/>
+      </a:schemeClr>
+    </dgm:fillClrLst>
+    <dgm:linClrLst meth="repeat">
+      <a:schemeClr val="accent1"/>
+    </dgm:linClrLst>
+    <dgm:effectClrLst/>
+    <dgm:txLinClrLst/>
+    <dgm:txFillClrLst meth="repeat">
+      <a:schemeClr val="lt1"/>
+    </dgm:txFillClrLst>
+    <dgm:txEffectClrLst/>
+  </dgm:styleLbl>
+  <dgm:styleLbl name="fgShp">
+    <dgm:fillClrLst meth="repeat">
+      <a:schemeClr val="accent1">
+        <a:tint val="60000"/>
+      </a:schemeClr>
+    </dgm:fillClrLst>
+    <dgm:linClrLst meth="repeat">
+      <a:schemeClr val="lt1"/>
+    </dgm:linClrLst>
+    <dgm:effectClrLst/>
+    <dgm:txLinClrLst/>
+    <dgm:txFillClrLst meth="repeat">
+      <a:schemeClr val="dk1"/>
+    </dgm:txFillClrLst>
+    <dgm:txEffectClrLst/>
+  </dgm:styleLbl>
+  <dgm:styleLbl name="revTx">
+    <dgm:fillClrLst meth="repeat">
+      <a:schemeClr val="lt1">
+        <a:alpha val="0"/>
+      </a:schemeClr>
+    </dgm:fillClrLst>
+    <dgm:linClrLst meth="repeat">
+      <a:schemeClr val="dk1">
+        <a:alpha val="0"/>
+      </a:schemeClr>
+    </dgm:linClrLst>
+    <dgm:effectClrLst/>
+    <dgm:txLinClrLst/>
+    <dgm:txFillClrLst meth="repeat">
+      <a:schemeClr val="tx1"/>
+    </dgm:txFillClrLst>
+    <dgm:txEffectClrLst/>
+  </dgm:styleLbl>
+</dgm:colorsDef>
+</file>
+
+<file path=ppt/diagrams/colors2.xml><?xml version="1.0" encoding="utf-8"?>
+<dgm:colorsDef xmlns:dgm="http://schemas.openxmlformats.org/drawingml/2006/diagram" xmlns:a="http://schemas.openxmlformats.org/drawingml/2006/main" uniqueId="urn:microsoft.com/office/officeart/2005/8/colors/accent1_2">
+  <dgm:title val=""/>
+  <dgm:desc val=""/>
+  <dgm:catLst>
+    <dgm:cat type="accent1" pri="11200"/>
+  </dgm:catLst>
+  <dgm:styleLbl name="node0">
+    <dgm:fillClrLst meth="repeat">
+      <a:schemeClr val="accent1"/>
+    </dgm:fillClrLst>
+    <dgm:linClrLst meth="repeat">
+      <a:schemeClr val="lt1"/>
+    </dgm:linClrLst>
+    <dgm:effectClrLst/>
+    <dgm:txLinClrLst/>
+    <dgm:txFillClrLst/>
+    <dgm:txEffectClrLst/>
+  </dgm:styleLbl>
+  <dgm:styleLbl name="alignNode1">
+    <dgm:fillClrLst meth="repeat">
+      <a:schemeClr val="accent1"/>
+    </dgm:fillClrLst>
+    <dgm:linClrLst meth="repeat">
+      <a:schemeClr val="accent1"/>
+    </dgm:linClrLst>
+    <dgm:effectClrLst/>
+    <dgm:txLinClrLst/>
+    <dgm:txFillClrLst/>
+    <dgm:txEffectClrLst/>
+  </dgm:styleLbl>
+  <dgm:styleLbl name="node1">
+    <dgm:fillClrLst meth="repeat">
+      <a:schemeClr val="accent1"/>
+    </dgm:fillClrLst>
+    <dgm:linClrLst meth="repeat">
+      <a:schemeClr val="lt1"/>
+    </dgm:linClrLst>
+    <dgm:effectClrLst/>
+    <dgm:txLinClrLst/>
+    <dgm:txFillClrLst/>
+    <dgm:txEffectClrLst/>
+  </dgm:styleLbl>
+  <dgm:styleLbl name="lnNode1">
+    <dgm:fillClrLst meth="repeat">
+      <a:schemeClr val="accent1"/>
+    </dgm:fillClrLst>
+    <dgm:linClrLst meth="repeat">
+      <a:schemeClr val="lt1"/>
+    </dgm:linClrLst>
+    <dgm:effectClrLst/>
+    <dgm:txLinClrLst/>
+    <dgm:txFillClrLst/>
+    <dgm:txEffectClrLst/>
+  </dgm:styleLbl>
+  <dgm:styleLbl name="vennNode1">
+    <dgm:fillClrLst meth="repeat">
+      <a:schemeClr val="accent1">
+        <a:alpha val="50000"/>
+      </a:schemeClr>
+    </dgm:fillClrLst>
+    <dgm:linClrLst meth="repeat">
+      <a:schemeClr val="lt1"/>
+    </dgm:linClrLst>
+    <dgm:effectClrLst/>
+    <dgm:txLinClrLst/>
+    <dgm:txFillClrLst/>
+    <dgm:txEffectClrLst/>
+  </dgm:styleLbl>
+  <dgm:styleLbl name="node2">
+    <dgm:fillClrLst meth="repeat">
+      <a:schemeClr val="accent1"/>
+    </dgm:fillClrLst>
+    <dgm:linClrLst meth="repeat">
+      <a:schemeClr val="lt1"/>
+    </dgm:linClrLst>
+    <dgm:effectClrLst/>
+    <dgm:txLinClrLst/>
+    <dgm:txFillClrLst/>
+    <dgm:txEffectClrLst/>
+  </dgm:styleLbl>
+  <dgm:styleLbl name="node3">
+    <dgm:fillClrLst meth="repeat">
+      <a:schemeClr val="accent1"/>
+    </dgm:fillClrLst>
+    <dgm:linClrLst meth="repeat">
+      <a:schemeClr val="lt1"/>
+    </dgm:linClrLst>
+    <dgm:effectClrLst/>
+    <dgm:txLinClrLst/>
+    <dgm:txFillClrLst/>
+    <dgm:txEffectClrLst/>
+  </dgm:styleLbl>
+  <dgm:styleLbl name="node4">
+    <dgm:fillClrLst meth="repeat">
+      <a:schemeClr val="accent1"/>
+    </dgm:fillClrLst>
+    <dgm:linClrLst meth="repeat">
+      <a:schemeClr val="lt1"/>
+    </dgm:linClrLst>
+    <dgm:effectClrLst/>
+    <dgm:txLinClrLst/>
+    <dgm:txFillClrLst/>
+    <dgm:txEffectClrLst/>
+  </dgm:styleLbl>
+  <dgm:styleLbl name="fgImgPlace1">
+    <dgm:fillClrLst meth="repeat">
+      <a:schemeClr val="accent1">
+        <a:tint val="50000"/>
+      </a:schemeClr>
+    </dgm:fillClrLst>
+    <dgm:linClrLst meth="repeat">
+      <a:schemeClr val="lt1"/>
+    </dgm:linClrLst>
+    <dgm:effectClrLst/>
+    <dgm:txLinClrLst/>
+    <dgm:txFillClrLst meth="repeat">
+      <a:schemeClr val="lt1"/>
+    </dgm:txFillClrLst>
+    <dgm:txEffectClrLst/>
+  </dgm:styleLbl>
+  <dgm:styleLbl name="alignImgPlace1">
+    <dgm:fillClrLst meth="repeat">
+      <a:schemeClr val="accent1">
+        <a:tint val="50000"/>
+      </a:schemeClr>
+    </dgm:fillClrLst>
+    <dgm:linClrLst meth="repeat">
+      <a:schemeClr val="lt1"/>
+    </dgm:linClrLst>
+    <dgm:effectClrLst/>
+    <dgm:txLinClrLst/>
+    <dgm:txFillClrLst meth="repeat">
+      <a:schemeClr val="lt1"/>
+    </dgm:txFillClrLst>
+    <dgm:txEffectClrLst/>
+  </dgm:styleLbl>
+  <dgm:styleLbl name="bgImgPlace1">
+    <dgm:fillClrLst meth="repeat">
+      <a:schemeClr val="accent1">
+        <a:tint val="50000"/>
+      </a:schemeClr>
+    </dgm:fillClrLst>
+    <dgm:linClrLst meth="repeat">
+      <a:schemeClr val="lt1"/>
+    </dgm:linClrLst>
+    <dgm:effectClrLst/>
+    <dgm:txLinClrLst/>
+    <dgm:txFillClrLst meth="repeat">
+      <a:schemeClr val="lt1"/>
+    </dgm:txFillClrLst>
+    <dgm:txEffectClrLst/>
+  </dgm:styleLbl>
+  <dgm:styleLbl name="sibTrans2D1">
+    <dgm:fillClrLst meth="repeat">
+      <a:schemeClr val="accent1">
+        <a:tint val="60000"/>
+      </a:schemeClr>
+    </dgm:fillClrLst>
+    <dgm:linClrLst meth="repeat">
+      <a:schemeClr val="accent1">
+        <a:tint val="60000"/>
+      </a:schemeClr>
+    </dgm:linClrLst>
+    <dgm:effectClrLst/>
+    <dgm:txLinClrLst/>
+    <dgm:txFillClrLst/>
+    <dgm:txEffectClrLst/>
+  </dgm:styleLbl>
+  <dgm:styleLbl name="fgSibTrans2D1">
+    <dgm:fillClrLst meth="repeat">
+      <a:schemeClr val="accent1">
+        <a:tint val="60000"/>
+      </a:schemeClr>
+    </dgm:fillClrLst>
+    <dgm:linClrLst meth="repeat">
+      <a:schemeClr val="accent1">
+        <a:tint val="60000"/>
+      </a:schemeClr>
+    </dgm:linClrLst>
+    <dgm:effectClrLst/>
+    <dgm:txLinClrLst/>
+    <dgm:txFillClrLst/>
+    <dgm:txEffectClrLst/>
+  </dgm:styleLbl>
+  <dgm:styleLbl name="bgSibTrans2D1">
+    <dgm:fillClrLst meth="repeat">
+      <a:schemeClr val="accent1">
+        <a:tint val="60000"/>
+      </a:schemeClr>
+    </dgm:fillClrLst>
+    <dgm:linClrLst meth="repeat">
+      <a:schemeClr val="accent1">
+        <a:tint val="60000"/>
+      </a:schemeClr>
+    </dgm:linClrLst>
+    <dgm:effectClrLst/>
+    <dgm:txLinClrLst/>
+    <dgm:txFillClrLst/>
+    <dgm:txEffectClrLst/>
+  </dgm:styleLbl>
+  <dgm:styleLbl name="sibTrans1D1">
+    <dgm:fillClrLst meth="repeat">
+      <a:schemeClr val="accent1"/>
+    </dgm:fillClrLst>
+    <dgm:linClrLst meth="repeat">
+      <a:schemeClr val="accent1"/>
+    </dgm:linClrLst>
+    <dgm:effectClrLst/>
+    <dgm:txLinClrLst/>
+    <dgm:txFillClrLst meth="repeat">
+      <a:schemeClr val="tx1"/>
+    </dgm:txFillClrLst>
+    <dgm:txEffectClrLst/>
+  </dgm:styleLbl>
+  <dgm:styleLbl name="callout">
+    <dgm:fillClrLst meth="repeat">
+      <a:schemeClr val="accent1"/>
+    </dgm:fillClrLst>
+    <dgm:linClrLst meth="repeat">
+      <a:schemeClr val="accent1">
+        <a:tint val="50000"/>
+      </a:schemeClr>
+    </dgm:linClrLst>
+    <dgm:effectClrLst/>
+    <dgm:txLinClrLst/>
+    <dgm:txFillClrLst meth="repeat">
+      <a:schemeClr val="tx1"/>
+    </dgm:txFillClrLst>
+    <dgm:txEffectClrLst/>
+  </dgm:styleLbl>
+  <dgm:styleLbl name="asst0">
+    <dgm:fillClrLst meth="repeat">
+      <a:schemeClr val="accent1"/>
+    </dgm:fillClrLst>
+    <dgm:linClrLst meth="repeat">
+      <a:schemeClr val="lt1"/>
+    </dgm:linClrLst>
+    <dgm:effectClrLst/>
+    <dgm:txLinClrLst/>
+    <dgm:txFillClrLst/>
+    <dgm:txEffectClrLst/>
+  </dgm:styleLbl>
+  <dgm:styleLbl name="asst1">
+    <dgm:fillClrLst meth="repeat">
+      <a:schemeClr val="accent1"/>
+    </dgm:fillClrLst>
+    <dgm:linClrLst meth="repeat">
+      <a:schemeClr val="lt1"/>
+    </dgm:linClrLst>
+    <dgm:effectClrLst/>
+    <dgm:txLinClrLst/>
+    <dgm:txFillClrLst/>
+    <dgm:txEffectClrLst/>
+  </dgm:styleLbl>
+  <dgm:styleLbl name="asst2">
+    <dgm:fillClrLst meth="repeat">
+      <a:schemeClr val="accent1"/>
+    </dgm:fillClrLst>
+    <dgm:linClrLst meth="repeat">
+      <a:schemeClr val="lt1"/>
+    </dgm:linClrLst>
+    <dgm:effectClrLst/>
+    <dgm:txLinClrLst/>
+    <dgm:txFillClrLst/>
+    <dgm:txEffectClrLst/>
+  </dgm:styleLbl>
+  <dgm:styleLbl name="asst3">
+    <dgm:fillClrLst meth="repeat">
+      <a:schemeClr val="accent1"/>
+    </dgm:fillClrLst>
+    <dgm:linClrLst meth="repeat">
+      <a:schemeClr val="lt1"/>
+    </dgm:linClrLst>
+    <dgm:effectClrLst/>
+    <dgm:txLinClrLst/>
+    <dgm:txFillClrLst/>
+    <dgm:txEffectClrLst/>
+  </dgm:styleLbl>
+  <dgm:styleLbl name="asst4">
+    <dgm:fillClrLst meth="repeat">
+      <a:schemeClr val="accent1"/>
+    </dgm:fillClrLst>
+    <dgm:linClrLst meth="repeat">
+      <a:schemeClr val="lt1"/>
+    </dgm:linClrLst>
+    <dgm:effectClrLst/>
+    <dgm:txLinClrLst/>
+    <dgm:txFillClrLst/>
+    <dgm:txEffectClrLst/>
+  </dgm:styleLbl>
+  <dgm:styleLbl name="parChTrans2D1">
+    <dgm:fillClrLst meth="repeat">
+      <a:schemeClr val="accent1">
+        <a:tint val="60000"/>
+      </a:schemeClr>
+    </dgm:fillClrLst>
+    <dgm:linClrLst meth="repeat">
+      <a:schemeClr val="accent1">
+        <a:tint val="60000"/>
+      </a:schemeClr>
+    </dgm:linClrLst>
+    <dgm:effectClrLst/>
+    <dgm:txLinClrLst/>
+    <dgm:txFillClrLst meth="repeat">
+      <a:schemeClr val="lt1"/>
+    </dgm:txFillClrLst>
+    <dgm:txEffectClrLst/>
+  </dgm:styleLbl>
+  <dgm:styleLbl name="parChTrans2D2">
+    <dgm:fillClrLst meth="repeat">
+      <a:schemeClr val="accent1"/>
+    </dgm:fillClrLst>
+    <dgm:linClrLst meth="repeat">
+      <a:schemeClr val="accent1"/>
+    </dgm:linClrLst>
+    <dgm:effectClrLst/>
+    <dgm:txLinClrLst/>
+    <dgm:txFillClrLst meth="repeat">
+      <a:schemeClr val="lt1"/>
+    </dgm:txFillClrLst>
+    <dgm:txEffectClrLst/>
+  </dgm:styleLbl>
+  <dgm:styleLbl name="parChTrans2D3">
+    <dgm:fillClrLst meth="repeat">
+      <a:schemeClr val="accent1"/>
+    </dgm:fillClrLst>
+    <dgm:linClrLst meth="repeat">
+      <a:schemeClr val="accent1"/>
+    </dgm:linClrLst>
+    <dgm:effectClrLst/>
+    <dgm:txLinClrLst/>
+    <dgm:txFillClrLst meth="repeat">
+      <a:schemeClr val="lt1"/>
+    </dgm:txFillClrLst>
+    <dgm:txEffectClrLst/>
+  </dgm:styleLbl>
+  <dgm:styleLbl name="parChTrans2D4">
+    <dgm:fillClrLst meth="repeat">
+      <a:schemeClr val="accent1"/>
+    </dgm:fillClrLst>
+    <dgm:linClrLst meth="repeat">
+      <a:schemeClr val="accent1"/>
+    </dgm:linClrLst>
+    <dgm:effectClrLst/>
+    <dgm:txLinClrLst/>
+    <dgm:txFillClrLst meth="repeat">
+      <a:schemeClr val="lt1"/>
+    </dgm:txFillClrLst>
+    <dgm:txEffectClrLst/>
+  </dgm:styleLbl>
+  <dgm:styleLbl name="parChTrans1D1">
+    <dgm:fillClrLst meth="repeat">
+      <a:schemeClr val="accent1"/>
+    </dgm:fillClrLst>
+    <dgm:linClrLst meth="repeat">
+      <a:schemeClr val="accent1">
+        <a:shade val="60000"/>
+      </a:schemeClr>
+    </dgm:linClrLst>
+    <dgm:effectClrLst/>
+    <dgm:txLinClrLst/>
+    <dgm:txFillClrLst meth="repeat">
+      <a:schemeClr val="tx1"/>
+    </dgm:txFillClrLst>
+    <dgm:txEffectClrLst/>
+  </dgm:styleLbl>
+  <dgm:styleLbl name="parChTrans1D2">
+    <dgm:fillClrLst meth="repeat">
+      <a:schemeClr val="accent1"/>
+    </dgm:fillClrLst>
+    <dgm:linClrLst meth="repeat">
+      <a:schemeClr val="accent1">
+        <a:shade val="60000"/>
+      </a:schemeClr>
+    </dgm:linClrLst>
+    <dgm:effectClrLst/>
+    <dgm:txLinClrLst/>
+    <dgm:txFillClrLst meth="repeat">
+      <a:schemeClr val="tx1"/>
+    </dgm:txFillClrLst>
+    <dgm:txEffectClrLst/>
+  </dgm:styleLbl>
+  <dgm:styleLbl name="parChTrans1D3">
+    <dgm:fillClrLst meth="repeat">
+      <a:schemeClr val="accent1"/>
+    </dgm:fillClrLst>
+    <dgm:linClrLst meth="repeat">
+      <a:schemeClr val="accent1">
+        <a:shade val="80000"/>
+      </a:schemeClr>
+    </dgm:linClrLst>
+    <dgm:effectClrLst/>
+    <dgm:txLinClrLst/>
+    <dgm:txFillClrLst meth="repeat">
+      <a:schemeClr val="tx1"/>
+    </dgm:txFillClrLst>
+    <dgm:txEffectClrLst/>
+  </dgm:styleLbl>
+  <dgm:styleLbl name="parChTrans1D4">
+    <dgm:fillClrLst meth="repeat">
+      <a:schemeClr val="accent1"/>
+    </dgm:fillClrLst>
+    <dgm:linClrLst meth="repeat">
+      <a:schemeClr val="accent1">
+        <a:shade val="80000"/>
+      </a:schemeClr>
+    </dgm:linClrLst>
+    <dgm:effectClrLst/>
+    <dgm:txLinClrLst/>
+    <dgm:txFillClrLst meth="repeat">
+      <a:schemeClr val="tx1"/>
+    </dgm:txFillClrLst>
+    <dgm:txEffectClrLst/>
+  </dgm:styleLbl>
+  <dgm:styleLbl name="fgAcc1">
+    <dgm:fillClrLst meth="repeat">
+      <a:schemeClr val="lt1">
+        <a:alpha val="90000"/>
+      </a:schemeClr>
+    </dgm:fillClrLst>
+    <dgm:linClrLst meth="repeat">
+      <a:schemeClr val="accent1"/>
+    </dgm:linClrLst>
+    <dgm:effectClrLst/>
+    <dgm:txLinClrLst/>
+    <dgm:txFillClrLst meth="repeat">
+      <a:schemeClr val="dk1"/>
+    </dgm:txFillClrLst>
+    <dgm:txEffectClrLst/>
+  </dgm:styleLbl>
+  <dgm:styleLbl name="conFgAcc1">
+    <dgm:fillClrLst meth="repeat">
+      <a:schemeClr val="lt1">
+        <a:alpha val="90000"/>
+      </a:schemeClr>
+    </dgm:fillClrLst>
+    <dgm:linClrLst meth="repeat">
+      <a:schemeClr val="accent1"/>
+    </dgm:linClrLst>
+    <dgm:effectClrLst/>
+    <dgm:txLinClrLst/>
+    <dgm:txFillClrLst meth="repeat">
+      <a:schemeClr val="dk1"/>
+    </dgm:txFillClrLst>
+    <dgm:txEffectClrLst/>
+  </dgm:styleLbl>
+  <dgm:styleLbl name="alignAcc1">
+    <dgm:fillClrLst meth="repeat">
+      <a:schemeClr val="lt1">
+        <a:alpha val="90000"/>
+      </a:schemeClr>
+    </dgm:fillClrLst>
+    <dgm:linClrLst meth="repeat">
+      <a:schemeClr val="accent1"/>
+    </dgm:linClrLst>
+    <dgm:effectClrLst/>
+    <dgm:txLinClrLst/>
+    <dgm:txFillClrLst meth="repeat">
+      <a:schemeClr val="dk1"/>
+    </dgm:txFillClrLst>
+    <dgm:txEffectClrLst/>
+  </dgm:styleLbl>
+  <dgm:styleLbl name="trAlignAcc1">
+    <dgm:fillClrLst meth="repeat">
+      <a:schemeClr val="lt1">
+        <a:alpha val="40000"/>
+      </a:schemeClr>
+    </dgm:fillClrLst>
+    <dgm:linClrLst meth="repeat">
+      <a:schemeClr val="accent1"/>
+    </dgm:linClrLst>
+    <dgm:effectClrLst/>
+    <dgm:txLinClrLst/>
+    <dgm:txFillClrLst meth="repeat">
+      <a:schemeClr val="dk1"/>
+    </dgm:txFillClrLst>
+    <dgm:txEffectClrLst/>
+  </dgm:styleLbl>
+  <dgm:styleLbl name="bgAcc1">
+    <dgm:fillClrLst meth="repeat">
+      <a:schemeClr val="lt1">
+        <a:alpha val="90000"/>
+      </a:schemeClr>
+    </dgm:fillClrLst>
+    <dgm:linClrLst meth="repeat">
+      <a:schemeClr val="accent1"/>
+    </dgm:linClrLst>
+    <dgm:effectClrLst/>
+    <dgm:txLinClrLst/>
+    <dgm:txFillClrLst meth="repeat">
+      <a:schemeClr val="dk1"/>
+    </dgm:txFillClrLst>
+    <dgm:txEffectClrLst/>
+  </dgm:styleLbl>
+  <dgm:styleLbl name="solidFgAcc1">
+    <dgm:fillClrLst meth="repeat">
+      <a:schemeClr val="lt1"/>
+    </dgm:fillClrLst>
+    <dgm:linClrLst meth="repeat">
+      <a:schemeClr val="accent1"/>
+    </dgm:linClrLst>
+    <dgm:effectClrLst/>
+    <dgm:txLinClrLst/>
+    <dgm:txFillClrLst meth="repeat">
+      <a:schemeClr val="dk1"/>
+    </dgm:txFillClrLst>
+    <dgm:txEffectClrLst/>
+  </dgm:styleLbl>
+  <dgm:styleLbl name="solidAlignAcc1">
+    <dgm:fillClrLst meth="repeat">
+      <a:schemeClr val="lt1"/>
+    </dgm:fillClrLst>
+    <dgm:linClrLst meth="repeat">
+      <a:schemeClr val="accent1"/>
+    </dgm:linClrLst>
+    <dgm:effectClrLst/>
+    <dgm:txLinClrLst/>
+    <dgm:txFillClrLst meth="repeat">
+      <a:schemeClr val="dk1"/>
+    </dgm:txFillClrLst>
+    <dgm:txEffectClrLst/>
+  </dgm:styleLbl>
+  <dgm:styleLbl name="solidBgAcc1">
+    <dgm:fillClrLst meth="repeat">
+      <a:schemeClr val="lt1"/>
+    </dgm:fillClrLst>
+    <dgm:linClrLst meth="repeat">
+      <a:schemeClr val="accent1"/>
+    </dgm:linClrLst>
+    <dgm:effectClrLst/>
+    <dgm:txLinClrLst/>
+    <dgm:txFillClrLst meth="repeat">
+      <a:schemeClr val="dk1"/>
+    </dgm:txFillClrLst>
+    <dgm:txEffectClrLst/>
+  </dgm:styleLbl>
+  <dgm:styleLbl name="fgAccFollowNode1">
+    <dgm:fillClrLst meth="repeat">
+      <a:schemeClr val="accent1">
+        <a:alpha val="90000"/>
+        <a:tint val="40000"/>
+      </a:schemeClr>
+    </dgm:fillClrLst>
+    <dgm:linClrLst meth="repeat">
+      <a:schemeClr val="accent1">
+        <a:alpha val="90000"/>
+        <a:tint val="40000"/>
+      </a:schemeClr>
+    </dgm:linClrLst>
+    <dgm:effectClrLst/>
+    <dgm:txLinClrLst/>
+    <dgm:txFillClrLst meth="repeat">
+      <a:schemeClr val="dk1"/>
+    </dgm:txFillClrLst>
+    <dgm:txEffectClrLst/>
+  </dgm:styleLbl>
+  <dgm:styleLbl name="alignAccFollowNode1">
+    <dgm:fillClrLst meth="repeat">
+      <a:schemeClr val="accent1">
+        <a:alpha val="90000"/>
+        <a:tint val="40000"/>
+      </a:schemeClr>
+    </dgm:fillClrLst>
+    <dgm:linClrLst meth="repeat">
+      <a:schemeClr val="accent1">
+        <a:alpha val="90000"/>
+        <a:tint val="40000"/>
+      </a:schemeClr>
+    </dgm:linClrLst>
+    <dgm:effectClrLst/>
+    <dgm:txLinClrLst/>
+    <dgm:txFillClrLst meth="repeat">
+      <a:schemeClr val="dk1"/>
+    </dgm:txFillClrLst>
+    <dgm:txEffectClrLst/>
+  </dgm:styleLbl>
+  <dgm:styleLbl name="bgAccFollowNode1">
+    <dgm:fillClrLst meth="repeat">
+      <a:schemeClr val="accent1">
+        <a:alpha val="90000"/>
+        <a:tint val="40000"/>
+      </a:schemeClr>
+    </dgm:fillClrLst>
+    <dgm:linClrLst meth="repeat">
+      <a:schemeClr val="accent1">
+        <a:alpha val="90000"/>
+        <a:tint val="40000"/>
+      </a:schemeClr>
+    </dgm:linClrLst>
+    <dgm:effectClrLst/>
+    <dgm:txLinClrLst/>
+    <dgm:txFillClrLst meth="repeat">
+      <a:schemeClr val="dk1"/>
+    </dgm:txFillClrLst>
+    <dgm:txEffectClrLst/>
+  </dgm:styleLbl>
+  <dgm:styleLbl name="fgAcc0">
+    <dgm:fillClrLst meth="repeat">
+      <a:schemeClr val="lt1">
+        <a:alpha val="90000"/>
+      </a:schemeClr>
+    </dgm:fillClrLst>
+    <dgm:linClrLst meth="repeat">
+      <a:schemeClr val="accent1"/>
+    </dgm:linClrLst>
+    <dgm:effectClrLst/>
+    <dgm:txLinClrLst/>
+    <dgm:txFillClrLst meth="repeat">
+      <a:schemeClr val="dk1"/>
+    </dgm:txFillClrLst>
+    <dgm:txEffectClrLst/>
+  </dgm:styleLbl>
+  <dgm:styleLbl name="fgAcc2">
+    <dgm:fillClrLst meth="repeat">
+      <a:schemeClr val="lt1">
+        <a:alpha val="90000"/>
+      </a:schemeClr>
+    </dgm:fillClrLst>
+    <dgm:linClrLst meth="repeat">
+      <a:schemeClr val="accent1"/>
+    </dgm:linClrLst>
+    <dgm:effectClrLst/>
+    <dgm:txLinClrLst/>
+    <dgm:txFillClrLst meth="repeat">
+      <a:schemeClr val="dk1"/>
+    </dgm:txFillClrLst>
+    <dgm:txEffectClrLst/>
+  </dgm:styleLbl>
+  <dgm:styleLbl name="fgAcc3">
+    <dgm:fillClrLst meth="repeat">
+      <a:schemeClr val="lt1">
+        <a:alpha val="90000"/>
+      </a:schemeClr>
+    </dgm:fillClrLst>
+    <dgm:linClrLst meth="repeat">
+      <a:schemeClr val="accent1"/>
+    </dgm:linClrLst>
+    <dgm:effectClrLst/>
+    <dgm:txLinClrLst/>
+    <dgm:txFillClrLst meth="repeat">
+      <a:schemeClr val="dk1"/>
+    </dgm:txFillClrLst>
+    <dgm:txEffectClrLst/>
+  </dgm:styleLbl>
+  <dgm:styleLbl name="fgAcc4">
+    <dgm:fillClrLst meth="repeat">
+      <a:schemeClr val="lt1">
+        <a:alpha val="90000"/>
+      </a:schemeClr>
+    </dgm:fillClrLst>
+    <dgm:linClrLst meth="repeat">
+      <a:schemeClr val="accent1"/>
+    </dgm:linClrLst>
+    <dgm:effectClrLst/>
+    <dgm:txLinClrLst/>
+    <dgm:txFillClrLst meth="repeat">
+      <a:schemeClr val="dk1"/>
+    </dgm:txFillClrLst>
+    <dgm:txEffectClrLst/>
+  </dgm:styleLbl>
+  <dgm:styleLbl name="bgShp">
+    <dgm:fillClrLst meth="repeat">
+      <a:schemeClr val="accent1">
+        <a:tint val="40000"/>
+      </a:schemeClr>
+    </dgm:fillClrLst>
+    <dgm:linClrLst meth="repeat">
+      <a:schemeClr val="accent1"/>
+    </dgm:linClrLst>
+    <dgm:effectClrLst/>
+    <dgm:txLinClrLst/>
+    <dgm:txFillClrLst meth="repeat">
+      <a:schemeClr val="dk1"/>
+    </dgm:txFillClrLst>
+    <dgm:txEffectClrLst/>
+  </dgm:styleLbl>
+  <dgm:styleLbl name="dkBgShp">
+    <dgm:fillClrLst meth="repeat">
+      <a:schemeClr val="accent1">
+        <a:shade val="80000"/>
+      </a:schemeClr>
+    </dgm:fillClrLst>
+    <dgm:linClrLst meth="repeat">
+      <a:schemeClr val="accent1"/>
+    </dgm:linClrLst>
+    <dgm:effectClrLst/>
+    <dgm:txLinClrLst/>
+    <dgm:txFillClrLst meth="repeat">
+      <a:schemeClr val="lt1"/>
+    </dgm:txFillClrLst>
+    <dgm:txEffectClrLst/>
+  </dgm:styleLbl>
+  <dgm:styleLbl name="trBgShp">
+    <dgm:fillClrLst meth="repeat">
+      <a:schemeClr val="accent1">
+        <a:tint val="50000"/>
+        <a:alpha val="40000"/>
+      </a:schemeClr>
+    </dgm:fillClrLst>
+    <dgm:linClrLst meth="repeat">
+      <a:schemeClr val="accent1"/>
+    </dgm:linClrLst>
+    <dgm:effectClrLst/>
+    <dgm:txLinClrLst/>
+    <dgm:txFillClrLst meth="repeat">
+      <a:schemeClr val="lt1"/>
+    </dgm:txFillClrLst>
+    <dgm:txEffectClrLst/>
+  </dgm:styleLbl>
+  <dgm:styleLbl name="fgShp">
+    <dgm:fillClrLst meth="repeat">
+      <a:schemeClr val="accent1">
+        <a:tint val="60000"/>
+      </a:schemeClr>
+    </dgm:fillClrLst>
+    <dgm:linClrLst meth="repeat">
+      <a:schemeClr val="lt1"/>
+    </dgm:linClrLst>
+    <dgm:effectClrLst/>
+    <dgm:txLinClrLst/>
+    <dgm:txFillClrLst meth="repeat">
+      <a:schemeClr val="dk1"/>
+    </dgm:txFillClrLst>
+    <dgm:txEffectClrLst/>
+  </dgm:styleLbl>
+  <dgm:styleLbl name="revTx">
+    <dgm:fillClrLst meth="repeat">
+      <a:schemeClr val="lt1">
+        <a:alpha val="0"/>
+      </a:schemeClr>
+    </dgm:fillClrLst>
+    <dgm:linClrLst meth="repeat">
+      <a:schemeClr val="dk1">
+        <a:alpha val="0"/>
+      </a:schemeClr>
+    </dgm:linClrLst>
+    <dgm:effectClrLst/>
+    <dgm:txLinClrLst/>
+    <dgm:txFillClrLst meth="repeat">
+      <a:schemeClr val="tx1"/>
+    </dgm:txFillClrLst>
+    <dgm:txEffectClrLst/>
+  </dgm:styleLbl>
+</dgm:colorsDef>
+</file>
+
+<file path=ppt/diagrams/data1.xml><?xml version="1.0" encoding="utf-8"?>
+<dgm:dataModel xmlns:dgm="http://schemas.openxmlformats.org/drawingml/2006/diagram" xmlns:a="http://schemas.openxmlformats.org/drawingml/2006/main">
+  <dgm:ptLst>
+    <dgm:pt modelId="{CF59450B-FA7B-3341-89B8-D3017DBD1A72}" type="doc">
+      <dgm:prSet loTypeId="urn:microsoft.com/office/officeart/2005/8/layout/process1" loCatId="process" qsTypeId="urn:microsoft.com/office/officeart/2005/8/quickstyle/simple1" qsCatId="simple" csTypeId="urn:microsoft.com/office/officeart/2005/8/colors/accent1_2" csCatId="accent1" phldr="1"/>
+      <dgm:spPr/>
+      <dgm:t>
+        <a:bodyPr/>
+        <a:lstStyle/>
+        <a:p>
+          <a:endParaRPr lang="en-US"/>
+        </a:p>
+      </dgm:t>
+    </dgm:pt>
+    <dgm:pt modelId="{27D93719-4061-664B-9956-9141B6270EEF}">
+      <dgm:prSet/>
+      <dgm:spPr/>
+      <dgm:t>
+        <a:bodyPr/>
+        <a:lstStyle/>
+        <a:p>
+          <a:r>
+            <a:rPr lang="en-US" baseline="0" dirty="0"/>
+            <a:t> Build tree</a:t>
+          </a:r>
+          <a:endParaRPr lang="en-US" dirty="0"/>
+        </a:p>
+      </dgm:t>
+    </dgm:pt>
+    <dgm:pt modelId="{32AD6995-B3C6-EA42-A7DA-2AB3C9D8154C}" type="parTrans" cxnId="{C011A285-52B6-4D4C-A4D9-9386270F017B}">
+      <dgm:prSet/>
+      <dgm:spPr/>
+      <dgm:t>
+        <a:bodyPr/>
+        <a:lstStyle/>
+        <a:p>
+          <a:endParaRPr lang="en-US"/>
+        </a:p>
+      </dgm:t>
+    </dgm:pt>
+    <dgm:pt modelId="{B9C1421A-F156-D24C-A22E-C896067ADA22}" type="sibTrans" cxnId="{C011A285-52B6-4D4C-A4D9-9386270F017B}">
+      <dgm:prSet/>
+      <dgm:spPr/>
+      <dgm:t>
+        <a:bodyPr/>
+        <a:lstStyle/>
+        <a:p>
+          <a:endParaRPr lang="en-US"/>
+        </a:p>
+      </dgm:t>
+    </dgm:pt>
+    <dgm:pt modelId="{46387D9F-4B1D-5541-A0EB-E139BE6419CD}">
+      <dgm:prSet/>
+      <dgm:spPr/>
+      <dgm:t>
+        <a:bodyPr/>
+        <a:lstStyle/>
+        <a:p>
+          <a:r>
+            <a:rPr lang="en-US" i="1" dirty="0"/>
+            <a:t>Sort by cost</a:t>
+          </a:r>
+          <a:endParaRPr lang="en-US" dirty="0"/>
+        </a:p>
+      </dgm:t>
+    </dgm:pt>
+    <dgm:pt modelId="{39CEF8AA-4364-F043-8BD6-B92AB25C880D}" type="parTrans" cxnId="{9DC11A73-282C-104D-A7F6-D9348CF40AD6}">
+      <dgm:prSet/>
+      <dgm:spPr/>
+      <dgm:t>
+        <a:bodyPr/>
+        <a:lstStyle/>
+        <a:p>
+          <a:endParaRPr lang="en-US"/>
+        </a:p>
+      </dgm:t>
+    </dgm:pt>
+    <dgm:pt modelId="{98A2C46D-67F4-554E-8740-A1A0B539E410}" type="sibTrans" cxnId="{9DC11A73-282C-104D-A7F6-D9348CF40AD6}">
+      <dgm:prSet/>
+      <dgm:spPr/>
+      <dgm:t>
+        <a:bodyPr/>
+        <a:lstStyle/>
+        <a:p>
+          <a:endParaRPr lang="en-US"/>
+        </a:p>
+      </dgm:t>
+    </dgm:pt>
+    <dgm:pt modelId="{0F492B9D-AD08-024B-A3D8-1292713D72C6}">
+      <dgm:prSet/>
+      <dgm:spPr/>
+      <dgm:t>
+        <a:bodyPr/>
+        <a:lstStyle/>
+        <a:p>
+          <a:r>
+            <a:rPr lang="en-US" baseline="0" dirty="0"/>
+            <a:t> traverse with priority queue</a:t>
+          </a:r>
+          <a:endParaRPr lang="en-US" dirty="0"/>
+        </a:p>
+      </dgm:t>
+    </dgm:pt>
+    <dgm:pt modelId="{6080ECD5-69D0-0541-B6F7-42034483A50A}" type="parTrans" cxnId="{A4F56943-072C-C146-97A8-7FC0117B8838}">
+      <dgm:prSet/>
+      <dgm:spPr/>
+      <dgm:t>
+        <a:bodyPr/>
+        <a:lstStyle/>
+        <a:p>
+          <a:endParaRPr lang="en-US"/>
+        </a:p>
+      </dgm:t>
+    </dgm:pt>
+    <dgm:pt modelId="{273A7FF5-BA85-9848-991C-EC65F273E3B5}" type="sibTrans" cxnId="{A4F56943-072C-C146-97A8-7FC0117B8838}">
+      <dgm:prSet/>
+      <dgm:spPr/>
+      <dgm:t>
+        <a:bodyPr/>
+        <a:lstStyle/>
+        <a:p>
+          <a:endParaRPr lang="en-US"/>
+        </a:p>
+      </dgm:t>
+    </dgm:pt>
+    <dgm:pt modelId="{1EF11302-52AC-4643-BE82-2922A6BA87D2}">
+      <dgm:prSet/>
+      <dgm:spPr/>
+      <dgm:t>
+        <a:bodyPr/>
+        <a:lstStyle/>
+        <a:p>
+          <a:r>
+            <a:rPr lang="en-US" baseline="0" dirty="0"/>
+            <a:t>prune aggressively</a:t>
+          </a:r>
+          <a:endParaRPr lang="en-US" dirty="0"/>
+        </a:p>
+      </dgm:t>
+    </dgm:pt>
+    <dgm:pt modelId="{A1F4A026-DD4F-B94D-B1D8-EE2E44C90EBE}" type="parTrans" cxnId="{88BB0C56-3436-A24A-8EB4-46C031C2CBBB}">
+      <dgm:prSet/>
+      <dgm:spPr/>
+      <dgm:t>
+        <a:bodyPr/>
+        <a:lstStyle/>
+        <a:p>
+          <a:endParaRPr lang="en-US"/>
+        </a:p>
+      </dgm:t>
+    </dgm:pt>
+    <dgm:pt modelId="{01FB1A6A-FD31-5F4E-BF19-AC9CCA1C5481}" type="sibTrans" cxnId="{88BB0C56-3436-A24A-8EB4-46C031C2CBBB}">
+      <dgm:prSet/>
+      <dgm:spPr/>
+      <dgm:t>
+        <a:bodyPr/>
+        <a:lstStyle/>
+        <a:p>
+          <a:endParaRPr lang="en-US"/>
+        </a:p>
+      </dgm:t>
+    </dgm:pt>
+    <dgm:pt modelId="{EDF62313-EE66-9E40-85E8-3527D77078F4}">
+      <dgm:prSet/>
+      <dgm:spPr/>
+      <dgm:t>
+        <a:bodyPr/>
+        <a:lstStyle/>
+        <a:p>
+          <a:r>
+            <a:rPr lang="en-US" i="1" dirty="0"/>
+            <a:t>chunk into groups</a:t>
+          </a:r>
+          <a:endParaRPr lang="en-US" dirty="0"/>
+        </a:p>
+      </dgm:t>
+    </dgm:pt>
+    <dgm:pt modelId="{16859481-3229-494D-AE63-57056980D5D1}" type="parTrans" cxnId="{CF992132-6D27-2D48-919E-C490A1CEB8B5}">
+      <dgm:prSet/>
+      <dgm:spPr/>
+      <dgm:t>
+        <a:bodyPr/>
+        <a:lstStyle/>
+        <a:p>
+          <a:endParaRPr lang="en-US"/>
+        </a:p>
+      </dgm:t>
+    </dgm:pt>
+    <dgm:pt modelId="{61738E26-D4FD-CE4A-8F72-F84465E5D62F}" type="sibTrans" cxnId="{CF992132-6D27-2D48-919E-C490A1CEB8B5}">
+      <dgm:prSet/>
+      <dgm:spPr/>
+      <dgm:t>
+        <a:bodyPr/>
+        <a:lstStyle/>
+        <a:p>
+          <a:endParaRPr lang="en-US"/>
+        </a:p>
+      </dgm:t>
+    </dgm:pt>
+    <dgm:pt modelId="{3D511D8D-2175-374D-8B12-C293AE5921D9}">
+      <dgm:prSet/>
+      <dgm:spPr/>
+      <dgm:t>
+        <a:bodyPr/>
+        <a:lstStyle/>
+        <a:p>
+          <a:r>
+            <a:rPr lang="en-US" i="1" dirty="0"/>
+            <a:t> build levels</a:t>
+          </a:r>
+          <a:endParaRPr lang="en-US" dirty="0"/>
+        </a:p>
+      </dgm:t>
+    </dgm:pt>
+    <dgm:pt modelId="{60553CBA-9A00-DB42-BB09-85DC6EB3BCCD}" type="parTrans" cxnId="{621A6846-89A0-4045-B936-DF7DF442E1B5}">
+      <dgm:prSet/>
+      <dgm:spPr/>
+      <dgm:t>
+        <a:bodyPr/>
+        <a:lstStyle/>
+        <a:p>
+          <a:endParaRPr lang="en-US"/>
+        </a:p>
+      </dgm:t>
+    </dgm:pt>
+    <dgm:pt modelId="{005233B2-58B4-0D43-B4C7-C3511C463946}" type="sibTrans" cxnId="{621A6846-89A0-4045-B936-DF7DF442E1B5}">
+      <dgm:prSet/>
+      <dgm:spPr/>
+      <dgm:t>
+        <a:bodyPr/>
+        <a:lstStyle/>
+        <a:p>
+          <a:endParaRPr lang="en-US"/>
+        </a:p>
+      </dgm:t>
+    </dgm:pt>
+    <dgm:pt modelId="{3521924A-7009-3F4F-A6D8-993889D40FF5}">
+      <dgm:prSet/>
+      <dgm:spPr/>
+      <dgm:t>
+        <a:bodyPr/>
+        <a:lstStyle/>
+        <a:p>
+          <a:r>
+            <a:rPr lang="en-US" i="1" dirty="0"/>
+            <a:t>search most promising regions first</a:t>
+          </a:r>
+          <a:endParaRPr lang="en-US" dirty="0"/>
+        </a:p>
+      </dgm:t>
+    </dgm:pt>
+    <dgm:pt modelId="{FF770285-9F09-A54F-8375-CC9F70F5091F}" type="parTrans" cxnId="{BE7F9795-39BD-BE43-BCFD-73903B55E56C}">
+      <dgm:prSet/>
+      <dgm:spPr/>
+      <dgm:t>
+        <a:bodyPr/>
+        <a:lstStyle/>
+        <a:p>
+          <a:endParaRPr lang="en-US"/>
+        </a:p>
+      </dgm:t>
+    </dgm:pt>
+    <dgm:pt modelId="{6F096E53-F752-A24D-8BF1-DD3A326847B0}" type="sibTrans" cxnId="{BE7F9795-39BD-BE43-BCFD-73903B55E56C}">
+      <dgm:prSet/>
+      <dgm:spPr/>
+      <dgm:t>
+        <a:bodyPr/>
+        <a:lstStyle/>
+        <a:p>
+          <a:endParaRPr lang="en-US"/>
+        </a:p>
+      </dgm:t>
+    </dgm:pt>
+    <dgm:pt modelId="{B1A92D3D-93E7-684C-961F-7E22A103C163}" type="pres">
+      <dgm:prSet presAssocID="{CF59450B-FA7B-3341-89B8-D3017DBD1A72}" presName="Name0" presStyleCnt="0">
+        <dgm:presLayoutVars>
+          <dgm:dir/>
+          <dgm:resizeHandles val="exact"/>
+        </dgm:presLayoutVars>
+      </dgm:prSet>
+      <dgm:spPr/>
+    </dgm:pt>
+    <dgm:pt modelId="{E486F908-43E2-D045-A731-FB7C0DB48D3A}" type="pres">
+      <dgm:prSet presAssocID="{27D93719-4061-664B-9956-9141B6270EEF}" presName="node" presStyleLbl="node1" presStyleIdx="0" presStyleCnt="7">
+        <dgm:presLayoutVars>
+          <dgm:bulletEnabled val="1"/>
+        </dgm:presLayoutVars>
+      </dgm:prSet>
+      <dgm:spPr/>
+    </dgm:pt>
+    <dgm:pt modelId="{DF391383-4C71-074A-86AB-890C55D5BC5E}" type="pres">
+      <dgm:prSet presAssocID="{B9C1421A-F156-D24C-A22E-C896067ADA22}" presName="sibTrans" presStyleLbl="sibTrans2D1" presStyleIdx="0" presStyleCnt="6"/>
+      <dgm:spPr/>
+    </dgm:pt>
+    <dgm:pt modelId="{BF5F4D45-7C16-9C4A-AA65-A3A18E4BCCBC}" type="pres">
+      <dgm:prSet presAssocID="{B9C1421A-F156-D24C-A22E-C896067ADA22}" presName="connectorText" presStyleLbl="sibTrans2D1" presStyleIdx="0" presStyleCnt="6"/>
+      <dgm:spPr/>
+    </dgm:pt>
+    <dgm:pt modelId="{C6220A3A-C93E-1D4C-8007-BA55276B29D3}" type="pres">
+      <dgm:prSet presAssocID="{0F492B9D-AD08-024B-A3D8-1292713D72C6}" presName="node" presStyleLbl="node1" presStyleIdx="1" presStyleCnt="7">
+        <dgm:presLayoutVars>
+          <dgm:bulletEnabled val="1"/>
+        </dgm:presLayoutVars>
+      </dgm:prSet>
+      <dgm:spPr/>
+    </dgm:pt>
+    <dgm:pt modelId="{61B2ED6E-BDBE-EA44-9654-9AA797219885}" type="pres">
+      <dgm:prSet presAssocID="{273A7FF5-BA85-9848-991C-EC65F273E3B5}" presName="sibTrans" presStyleLbl="sibTrans2D1" presStyleIdx="1" presStyleCnt="6"/>
+      <dgm:spPr/>
+    </dgm:pt>
+    <dgm:pt modelId="{ADE6D9F4-23DA-5947-B4C0-40A140FB2D13}" type="pres">
+      <dgm:prSet presAssocID="{273A7FF5-BA85-9848-991C-EC65F273E3B5}" presName="connectorText" presStyleLbl="sibTrans2D1" presStyleIdx="1" presStyleCnt="6"/>
+      <dgm:spPr/>
+    </dgm:pt>
+    <dgm:pt modelId="{71D8F636-A497-F245-A36A-9AD94D705F73}" type="pres">
+      <dgm:prSet presAssocID="{1EF11302-52AC-4643-BE82-2922A6BA87D2}" presName="node" presStyleLbl="node1" presStyleIdx="2" presStyleCnt="7">
+        <dgm:presLayoutVars>
+          <dgm:bulletEnabled val="1"/>
+        </dgm:presLayoutVars>
+      </dgm:prSet>
+      <dgm:spPr/>
+    </dgm:pt>
+    <dgm:pt modelId="{9902C82A-EF70-0842-A586-64EC59F343E3}" type="pres">
+      <dgm:prSet presAssocID="{01FB1A6A-FD31-5F4E-BF19-AC9CCA1C5481}" presName="sibTrans" presStyleLbl="sibTrans2D1" presStyleIdx="2" presStyleCnt="6"/>
+      <dgm:spPr/>
+    </dgm:pt>
+    <dgm:pt modelId="{BC94DF45-A6B6-A649-9473-70230BFB82D8}" type="pres">
+      <dgm:prSet presAssocID="{01FB1A6A-FD31-5F4E-BF19-AC9CCA1C5481}" presName="connectorText" presStyleLbl="sibTrans2D1" presStyleIdx="2" presStyleCnt="6"/>
+      <dgm:spPr/>
+    </dgm:pt>
+    <dgm:pt modelId="{23E89909-B3C7-884D-8451-851715244850}" type="pres">
+      <dgm:prSet presAssocID="{46387D9F-4B1D-5541-A0EB-E139BE6419CD}" presName="node" presStyleLbl="node1" presStyleIdx="3" presStyleCnt="7">
+        <dgm:presLayoutVars>
+          <dgm:bulletEnabled val="1"/>
+        </dgm:presLayoutVars>
+      </dgm:prSet>
+      <dgm:spPr/>
+    </dgm:pt>
+    <dgm:pt modelId="{6237A407-3CB4-AD45-91F1-2E2C5BAF6044}" type="pres">
+      <dgm:prSet presAssocID="{98A2C46D-67F4-554E-8740-A1A0B539E410}" presName="sibTrans" presStyleLbl="sibTrans2D1" presStyleIdx="3" presStyleCnt="6"/>
+      <dgm:spPr/>
+    </dgm:pt>
+    <dgm:pt modelId="{E2B13A44-3811-2D42-AA0F-9B5CA74A14DF}" type="pres">
+      <dgm:prSet presAssocID="{98A2C46D-67F4-554E-8740-A1A0B539E410}" presName="connectorText" presStyleLbl="sibTrans2D1" presStyleIdx="3" presStyleCnt="6"/>
+      <dgm:spPr/>
+    </dgm:pt>
+    <dgm:pt modelId="{FB9E8825-203F-7441-BD9F-C5508E0E8A50}" type="pres">
+      <dgm:prSet presAssocID="{EDF62313-EE66-9E40-85E8-3527D77078F4}" presName="node" presStyleLbl="node1" presStyleIdx="4" presStyleCnt="7">
+        <dgm:presLayoutVars>
+          <dgm:bulletEnabled val="1"/>
+        </dgm:presLayoutVars>
+      </dgm:prSet>
+      <dgm:spPr/>
+    </dgm:pt>
+    <dgm:pt modelId="{A881ABDA-1C17-9D4C-BDE4-D0DD02E59FA7}" type="pres">
+      <dgm:prSet presAssocID="{61738E26-D4FD-CE4A-8F72-F84465E5D62F}" presName="sibTrans" presStyleLbl="sibTrans2D1" presStyleIdx="4" presStyleCnt="6"/>
+      <dgm:spPr/>
+    </dgm:pt>
+    <dgm:pt modelId="{A784DD2C-C19C-FE48-A2A2-B09829D518AE}" type="pres">
+      <dgm:prSet presAssocID="{61738E26-D4FD-CE4A-8F72-F84465E5D62F}" presName="connectorText" presStyleLbl="sibTrans2D1" presStyleIdx="4" presStyleCnt="6"/>
+      <dgm:spPr/>
+    </dgm:pt>
+    <dgm:pt modelId="{F96CF766-FC41-294A-8D43-4CA417C7FA0C}" type="pres">
+      <dgm:prSet presAssocID="{3D511D8D-2175-374D-8B12-C293AE5921D9}" presName="node" presStyleLbl="node1" presStyleIdx="5" presStyleCnt="7">
+        <dgm:presLayoutVars>
+          <dgm:bulletEnabled val="1"/>
+        </dgm:presLayoutVars>
+      </dgm:prSet>
+      <dgm:spPr/>
+    </dgm:pt>
+    <dgm:pt modelId="{C16A224E-751D-2547-B8A9-1689E310BD32}" type="pres">
+      <dgm:prSet presAssocID="{005233B2-58B4-0D43-B4C7-C3511C463946}" presName="sibTrans" presStyleLbl="sibTrans2D1" presStyleIdx="5" presStyleCnt="6"/>
+      <dgm:spPr/>
+    </dgm:pt>
+    <dgm:pt modelId="{C4E28DBA-91C6-5745-9875-AAF5B863FD5E}" type="pres">
+      <dgm:prSet presAssocID="{005233B2-58B4-0D43-B4C7-C3511C463946}" presName="connectorText" presStyleLbl="sibTrans2D1" presStyleIdx="5" presStyleCnt="6"/>
+      <dgm:spPr/>
+    </dgm:pt>
+    <dgm:pt modelId="{E31D816A-D98F-A042-880C-F0C321819F5D}" type="pres">
+      <dgm:prSet presAssocID="{3521924A-7009-3F4F-A6D8-993889D40FF5}" presName="node" presStyleLbl="node1" presStyleIdx="6" presStyleCnt="7">
+        <dgm:presLayoutVars>
+          <dgm:bulletEnabled val="1"/>
+        </dgm:presLayoutVars>
+      </dgm:prSet>
+      <dgm:spPr/>
+    </dgm:pt>
+  </dgm:ptLst>
+  <dgm:cxnLst>
+    <dgm:cxn modelId="{9EEF280F-B45E-5443-AB9C-5F9CCD100B80}" type="presOf" srcId="{005233B2-58B4-0D43-B4C7-C3511C463946}" destId="{C4E28DBA-91C6-5745-9875-AAF5B863FD5E}" srcOrd="1" destOrd="0" presId="urn:microsoft.com/office/officeart/2005/8/layout/process1"/>
+    <dgm:cxn modelId="{C51CDF15-CF76-6942-9F95-6FBBE25A457D}" type="presOf" srcId="{B9C1421A-F156-D24C-A22E-C896067ADA22}" destId="{DF391383-4C71-074A-86AB-890C55D5BC5E}" srcOrd="0" destOrd="0" presId="urn:microsoft.com/office/officeart/2005/8/layout/process1"/>
+    <dgm:cxn modelId="{1EEB7A2A-FBC3-F84B-B3C5-1501B2AD8E9A}" type="presOf" srcId="{0F492B9D-AD08-024B-A3D8-1292713D72C6}" destId="{C6220A3A-C93E-1D4C-8007-BA55276B29D3}" srcOrd="0" destOrd="0" presId="urn:microsoft.com/office/officeart/2005/8/layout/process1"/>
+    <dgm:cxn modelId="{65C08E2D-753B-804D-8B89-F84449AEB11E}" type="presOf" srcId="{EDF62313-EE66-9E40-85E8-3527D77078F4}" destId="{FB9E8825-203F-7441-BD9F-C5508E0E8A50}" srcOrd="0" destOrd="0" presId="urn:microsoft.com/office/officeart/2005/8/layout/process1"/>
+    <dgm:cxn modelId="{CF992132-6D27-2D48-919E-C490A1CEB8B5}" srcId="{CF59450B-FA7B-3341-89B8-D3017DBD1A72}" destId="{EDF62313-EE66-9E40-85E8-3527D77078F4}" srcOrd="4" destOrd="0" parTransId="{16859481-3229-494D-AE63-57056980D5D1}" sibTransId="{61738E26-D4FD-CE4A-8F72-F84465E5D62F}"/>
+    <dgm:cxn modelId="{2A921D40-783E-3C45-A207-9AB9129B6AA5}" type="presOf" srcId="{3521924A-7009-3F4F-A6D8-993889D40FF5}" destId="{E31D816A-D98F-A042-880C-F0C321819F5D}" srcOrd="0" destOrd="0" presId="urn:microsoft.com/office/officeart/2005/8/layout/process1"/>
+    <dgm:cxn modelId="{A4F56943-072C-C146-97A8-7FC0117B8838}" srcId="{CF59450B-FA7B-3341-89B8-D3017DBD1A72}" destId="{0F492B9D-AD08-024B-A3D8-1292713D72C6}" srcOrd="1" destOrd="0" parTransId="{6080ECD5-69D0-0541-B6F7-42034483A50A}" sibTransId="{273A7FF5-BA85-9848-991C-EC65F273E3B5}"/>
+    <dgm:cxn modelId="{621A6846-89A0-4045-B936-DF7DF442E1B5}" srcId="{CF59450B-FA7B-3341-89B8-D3017DBD1A72}" destId="{3D511D8D-2175-374D-8B12-C293AE5921D9}" srcOrd="5" destOrd="0" parTransId="{60553CBA-9A00-DB42-BB09-85DC6EB3BCCD}" sibTransId="{005233B2-58B4-0D43-B4C7-C3511C463946}"/>
+    <dgm:cxn modelId="{F23C1E50-8F94-8C46-8199-B42A776789B0}" type="presOf" srcId="{46387D9F-4B1D-5541-A0EB-E139BE6419CD}" destId="{23E89909-B3C7-884D-8451-851715244850}" srcOrd="0" destOrd="0" presId="urn:microsoft.com/office/officeart/2005/8/layout/process1"/>
+    <dgm:cxn modelId="{A3C19350-40F2-AD40-B0F8-D1C1595B9EB6}" type="presOf" srcId="{1EF11302-52AC-4643-BE82-2922A6BA87D2}" destId="{71D8F636-A497-F245-A36A-9AD94D705F73}" srcOrd="0" destOrd="0" presId="urn:microsoft.com/office/officeart/2005/8/layout/process1"/>
+    <dgm:cxn modelId="{88BB0C56-3436-A24A-8EB4-46C031C2CBBB}" srcId="{CF59450B-FA7B-3341-89B8-D3017DBD1A72}" destId="{1EF11302-52AC-4643-BE82-2922A6BA87D2}" srcOrd="2" destOrd="0" parTransId="{A1F4A026-DD4F-B94D-B1D8-EE2E44C90EBE}" sibTransId="{01FB1A6A-FD31-5F4E-BF19-AC9CCA1C5481}"/>
+    <dgm:cxn modelId="{8F681A5A-1984-3641-8451-7497DF25873F}" type="presOf" srcId="{61738E26-D4FD-CE4A-8F72-F84465E5D62F}" destId="{A881ABDA-1C17-9D4C-BDE4-D0DD02E59FA7}" srcOrd="0" destOrd="0" presId="urn:microsoft.com/office/officeart/2005/8/layout/process1"/>
+    <dgm:cxn modelId="{5C15D471-979D-484F-86EB-151FCA818A1C}" type="presOf" srcId="{01FB1A6A-FD31-5F4E-BF19-AC9CCA1C5481}" destId="{9902C82A-EF70-0842-A586-64EC59F343E3}" srcOrd="0" destOrd="0" presId="urn:microsoft.com/office/officeart/2005/8/layout/process1"/>
+    <dgm:cxn modelId="{9DC11A73-282C-104D-A7F6-D9348CF40AD6}" srcId="{CF59450B-FA7B-3341-89B8-D3017DBD1A72}" destId="{46387D9F-4B1D-5541-A0EB-E139BE6419CD}" srcOrd="3" destOrd="0" parTransId="{39CEF8AA-4364-F043-8BD6-B92AB25C880D}" sibTransId="{98A2C46D-67F4-554E-8740-A1A0B539E410}"/>
+    <dgm:cxn modelId="{42D8FB78-3F87-9944-BAE1-2440CB59B454}" type="presOf" srcId="{005233B2-58B4-0D43-B4C7-C3511C463946}" destId="{C16A224E-751D-2547-B8A9-1689E310BD32}" srcOrd="0" destOrd="0" presId="urn:microsoft.com/office/officeart/2005/8/layout/process1"/>
+    <dgm:cxn modelId="{4F5FFD7D-BA20-D046-B445-AF0771A9E699}" type="presOf" srcId="{27D93719-4061-664B-9956-9141B6270EEF}" destId="{E486F908-43E2-D045-A731-FB7C0DB48D3A}" srcOrd="0" destOrd="0" presId="urn:microsoft.com/office/officeart/2005/8/layout/process1"/>
+    <dgm:cxn modelId="{C011A285-52B6-4D4C-A4D9-9386270F017B}" srcId="{CF59450B-FA7B-3341-89B8-D3017DBD1A72}" destId="{27D93719-4061-664B-9956-9141B6270EEF}" srcOrd="0" destOrd="0" parTransId="{32AD6995-B3C6-EA42-A7DA-2AB3C9D8154C}" sibTransId="{B9C1421A-F156-D24C-A22E-C896067ADA22}"/>
+    <dgm:cxn modelId="{108E1087-E815-6F44-A7AB-A95B00F290C6}" type="presOf" srcId="{61738E26-D4FD-CE4A-8F72-F84465E5D62F}" destId="{A784DD2C-C19C-FE48-A2A2-B09829D518AE}" srcOrd="1" destOrd="0" presId="urn:microsoft.com/office/officeart/2005/8/layout/process1"/>
+    <dgm:cxn modelId="{63E37B89-C6BC-704F-8329-301C9ABB7D15}" type="presOf" srcId="{273A7FF5-BA85-9848-991C-EC65F273E3B5}" destId="{61B2ED6E-BDBE-EA44-9654-9AA797219885}" srcOrd="0" destOrd="0" presId="urn:microsoft.com/office/officeart/2005/8/layout/process1"/>
+    <dgm:cxn modelId="{0849478D-84F3-B446-B993-610475CA87A1}" type="presOf" srcId="{B9C1421A-F156-D24C-A22E-C896067ADA22}" destId="{BF5F4D45-7C16-9C4A-AA65-A3A18E4BCCBC}" srcOrd="1" destOrd="0" presId="urn:microsoft.com/office/officeart/2005/8/layout/process1"/>
+    <dgm:cxn modelId="{EAFB1A8E-F4C8-DB42-81BA-7BEA7B54BD36}" type="presOf" srcId="{273A7FF5-BA85-9848-991C-EC65F273E3B5}" destId="{ADE6D9F4-23DA-5947-B4C0-40A140FB2D13}" srcOrd="1" destOrd="0" presId="urn:microsoft.com/office/officeart/2005/8/layout/process1"/>
+    <dgm:cxn modelId="{BE7F9795-39BD-BE43-BCFD-73903B55E56C}" srcId="{CF59450B-FA7B-3341-89B8-D3017DBD1A72}" destId="{3521924A-7009-3F4F-A6D8-993889D40FF5}" srcOrd="6" destOrd="0" parTransId="{FF770285-9F09-A54F-8375-CC9F70F5091F}" sibTransId="{6F096E53-F752-A24D-8BF1-DD3A326847B0}"/>
+    <dgm:cxn modelId="{8DAFD5CA-118E-B74E-A2AE-DEA21E02884E}" type="presOf" srcId="{98A2C46D-67F4-554E-8740-A1A0B539E410}" destId="{6237A407-3CB4-AD45-91F1-2E2C5BAF6044}" srcOrd="0" destOrd="0" presId="urn:microsoft.com/office/officeart/2005/8/layout/process1"/>
+    <dgm:cxn modelId="{7337FFCF-3683-3947-B49D-783BEB215A0F}" type="presOf" srcId="{01FB1A6A-FD31-5F4E-BF19-AC9CCA1C5481}" destId="{BC94DF45-A6B6-A649-9473-70230BFB82D8}" srcOrd="1" destOrd="0" presId="urn:microsoft.com/office/officeart/2005/8/layout/process1"/>
+    <dgm:cxn modelId="{5279C5D8-AFEC-2D40-ABFF-8B3F6A419AC7}" type="presOf" srcId="{98A2C46D-67F4-554E-8740-A1A0B539E410}" destId="{E2B13A44-3811-2D42-AA0F-9B5CA74A14DF}" srcOrd="1" destOrd="0" presId="urn:microsoft.com/office/officeart/2005/8/layout/process1"/>
+    <dgm:cxn modelId="{107B3FE0-F9DF-E844-8703-E62D80194170}" type="presOf" srcId="{CF59450B-FA7B-3341-89B8-D3017DBD1A72}" destId="{B1A92D3D-93E7-684C-961F-7E22A103C163}" srcOrd="0" destOrd="0" presId="urn:microsoft.com/office/officeart/2005/8/layout/process1"/>
+    <dgm:cxn modelId="{F52E5BE9-E461-7647-82FE-CFD634B4B6EB}" type="presOf" srcId="{3D511D8D-2175-374D-8B12-C293AE5921D9}" destId="{F96CF766-FC41-294A-8D43-4CA417C7FA0C}" srcOrd="0" destOrd="0" presId="urn:microsoft.com/office/officeart/2005/8/layout/process1"/>
+    <dgm:cxn modelId="{2C9953A5-5724-3147-94B3-0AD46A613977}" type="presParOf" srcId="{B1A92D3D-93E7-684C-961F-7E22A103C163}" destId="{E486F908-43E2-D045-A731-FB7C0DB48D3A}" srcOrd="0" destOrd="0" presId="urn:microsoft.com/office/officeart/2005/8/layout/process1"/>
+    <dgm:cxn modelId="{0B644D07-D49C-8B47-8DC1-10EAA4E762E4}" type="presParOf" srcId="{B1A92D3D-93E7-684C-961F-7E22A103C163}" destId="{DF391383-4C71-074A-86AB-890C55D5BC5E}" srcOrd="1" destOrd="0" presId="urn:microsoft.com/office/officeart/2005/8/layout/process1"/>
+    <dgm:cxn modelId="{44C05E72-F6B9-9E43-BB67-1AC63CB4BCC3}" type="presParOf" srcId="{DF391383-4C71-074A-86AB-890C55D5BC5E}" destId="{BF5F4D45-7C16-9C4A-AA65-A3A18E4BCCBC}" srcOrd="0" destOrd="0" presId="urn:microsoft.com/office/officeart/2005/8/layout/process1"/>
+    <dgm:cxn modelId="{3A0639FA-3E61-EE4B-B576-6BAF4440704D}" type="presParOf" srcId="{B1A92D3D-93E7-684C-961F-7E22A103C163}" destId="{C6220A3A-C93E-1D4C-8007-BA55276B29D3}" srcOrd="2" destOrd="0" presId="urn:microsoft.com/office/officeart/2005/8/layout/process1"/>
+    <dgm:cxn modelId="{3DB02C77-FD23-D740-B545-EB42AC70B114}" type="presParOf" srcId="{B1A92D3D-93E7-684C-961F-7E22A103C163}" destId="{61B2ED6E-BDBE-EA44-9654-9AA797219885}" srcOrd="3" destOrd="0" presId="urn:microsoft.com/office/officeart/2005/8/layout/process1"/>
+    <dgm:cxn modelId="{B2380ABD-B150-E647-8B78-23D38ABD2925}" type="presParOf" srcId="{61B2ED6E-BDBE-EA44-9654-9AA797219885}" destId="{ADE6D9F4-23DA-5947-B4C0-40A140FB2D13}" srcOrd="0" destOrd="0" presId="urn:microsoft.com/office/officeart/2005/8/layout/process1"/>
+    <dgm:cxn modelId="{242A4FA7-20FB-1E4B-B7A0-D47C8FED7D85}" type="presParOf" srcId="{B1A92D3D-93E7-684C-961F-7E22A103C163}" destId="{71D8F636-A497-F245-A36A-9AD94D705F73}" srcOrd="4" destOrd="0" presId="urn:microsoft.com/office/officeart/2005/8/layout/process1"/>
+    <dgm:cxn modelId="{D4A66AAE-7042-9F45-B41B-5CF6303B08A9}" type="presParOf" srcId="{B1A92D3D-93E7-684C-961F-7E22A103C163}" destId="{9902C82A-EF70-0842-A586-64EC59F343E3}" srcOrd="5" destOrd="0" presId="urn:microsoft.com/office/officeart/2005/8/layout/process1"/>
+    <dgm:cxn modelId="{FCD38A93-FF44-C143-AC35-9056818D14BF}" type="presParOf" srcId="{9902C82A-EF70-0842-A586-64EC59F343E3}" destId="{BC94DF45-A6B6-A649-9473-70230BFB82D8}" srcOrd="0" destOrd="0" presId="urn:microsoft.com/office/officeart/2005/8/layout/process1"/>
+    <dgm:cxn modelId="{1D1EB6F2-BE0F-3243-83AB-7040002EB52C}" type="presParOf" srcId="{B1A92D3D-93E7-684C-961F-7E22A103C163}" destId="{23E89909-B3C7-884D-8451-851715244850}" srcOrd="6" destOrd="0" presId="urn:microsoft.com/office/officeart/2005/8/layout/process1"/>
+    <dgm:cxn modelId="{32988DE4-9B56-004B-AD31-7E6BCF1C8895}" type="presParOf" srcId="{B1A92D3D-93E7-684C-961F-7E22A103C163}" destId="{6237A407-3CB4-AD45-91F1-2E2C5BAF6044}" srcOrd="7" destOrd="0" presId="urn:microsoft.com/office/officeart/2005/8/layout/process1"/>
+    <dgm:cxn modelId="{D3DAC544-DA01-344C-AAC2-25C04F2C606F}" type="presParOf" srcId="{6237A407-3CB4-AD45-91F1-2E2C5BAF6044}" destId="{E2B13A44-3811-2D42-AA0F-9B5CA74A14DF}" srcOrd="0" destOrd="0" presId="urn:microsoft.com/office/officeart/2005/8/layout/process1"/>
+    <dgm:cxn modelId="{9D6F0182-9689-2F4E-B927-41FE79E58D43}" type="presParOf" srcId="{B1A92D3D-93E7-684C-961F-7E22A103C163}" destId="{FB9E8825-203F-7441-BD9F-C5508E0E8A50}" srcOrd="8" destOrd="0" presId="urn:microsoft.com/office/officeart/2005/8/layout/process1"/>
+    <dgm:cxn modelId="{7B2AD57C-AA9C-ED4B-B23F-F819FF26DDDD}" type="presParOf" srcId="{B1A92D3D-93E7-684C-961F-7E22A103C163}" destId="{A881ABDA-1C17-9D4C-BDE4-D0DD02E59FA7}" srcOrd="9" destOrd="0" presId="urn:microsoft.com/office/officeart/2005/8/layout/process1"/>
+    <dgm:cxn modelId="{6F539CBB-4C6A-FB45-973E-60C01C356285}" type="presParOf" srcId="{A881ABDA-1C17-9D4C-BDE4-D0DD02E59FA7}" destId="{A784DD2C-C19C-FE48-A2A2-B09829D518AE}" srcOrd="0" destOrd="0" presId="urn:microsoft.com/office/officeart/2005/8/layout/process1"/>
+    <dgm:cxn modelId="{83CF5566-1C11-0C46-9E9E-F2625FC1B3B3}" type="presParOf" srcId="{B1A92D3D-93E7-684C-961F-7E22A103C163}" destId="{F96CF766-FC41-294A-8D43-4CA417C7FA0C}" srcOrd="10" destOrd="0" presId="urn:microsoft.com/office/officeart/2005/8/layout/process1"/>
+    <dgm:cxn modelId="{9A9BA1E2-3037-454D-8785-700A67C1C4B1}" type="presParOf" srcId="{B1A92D3D-93E7-684C-961F-7E22A103C163}" destId="{C16A224E-751D-2547-B8A9-1689E310BD32}" srcOrd="11" destOrd="0" presId="urn:microsoft.com/office/officeart/2005/8/layout/process1"/>
+    <dgm:cxn modelId="{5A7967DC-972F-6C4D-9067-811BB1CA0B30}" type="presParOf" srcId="{C16A224E-751D-2547-B8A9-1689E310BD32}" destId="{C4E28DBA-91C6-5745-9875-AAF5B863FD5E}" srcOrd="0" destOrd="0" presId="urn:microsoft.com/office/officeart/2005/8/layout/process1"/>
+    <dgm:cxn modelId="{43D03917-AED0-444A-BCB4-08BAC4C822DC}" type="presParOf" srcId="{B1A92D3D-93E7-684C-961F-7E22A103C163}" destId="{E31D816A-D98F-A042-880C-F0C321819F5D}" srcOrd="12" destOrd="0" presId="urn:microsoft.com/office/officeart/2005/8/layout/process1"/>
+  </dgm:cxnLst>
+  <dgm:bg/>
+  <dgm:whole/>
+  <dgm:extLst>
+    <a:ext uri="http://schemas.microsoft.com/office/drawing/2008/diagram">
+      <dsp:dataModelExt xmlns:dsp="http://schemas.microsoft.com/office/drawing/2008/diagram" relId="rId6" minVer="http://schemas.openxmlformats.org/drawingml/2006/diagram"/>
+    </a:ext>
+  </dgm:extLst>
+</dgm:dataModel>
+</file>
+
+<file path=ppt/diagrams/data2.xml><?xml version="1.0" encoding="utf-8"?>
+<dgm:dataModel xmlns:dgm="http://schemas.openxmlformats.org/drawingml/2006/diagram" xmlns:a="http://schemas.openxmlformats.org/drawingml/2006/main">
+  <dgm:ptLst>
+    <dgm:pt modelId="{523EA00D-21F3-7E47-9F46-31E7071808F2}" type="doc">
+      <dgm:prSet loTypeId="urn:microsoft.com/office/officeart/2005/8/layout/process2" loCatId="process" qsTypeId="urn:microsoft.com/office/officeart/2005/8/quickstyle/simple1" qsCatId="simple" csTypeId="urn:microsoft.com/office/officeart/2005/8/colors/accent1_2" csCatId="accent1" phldr="1"/>
+      <dgm:spPr/>
+      <dgm:t>
+        <a:bodyPr/>
+        <a:lstStyle/>
+        <a:p>
+          <a:endParaRPr lang="en-US"/>
+        </a:p>
+      </dgm:t>
+    </dgm:pt>
+    <dgm:pt modelId="{6DCF9E46-9A2E-5F4E-8506-621A5EF8B219}">
+      <dgm:prSet/>
+      <dgm:spPr/>
+      <dgm:t>
+        <a:bodyPr/>
+        <a:lstStyle/>
+        <a:p>
+          <a:r>
+            <a:rPr lang="en-US" dirty="0"/>
+            <a:t>Sorting</a:t>
+          </a:r>
+          <a:br>
+            <a:rPr lang="en-US" dirty="0"/>
+          </a:br>
+          <a:endParaRPr lang="en-US" dirty="0"/>
+        </a:p>
+      </dgm:t>
+    </dgm:pt>
+    <dgm:pt modelId="{B75BBBB2-A220-6244-8C15-39CDE06C9A98}" type="parTrans" cxnId="{B0CEEF28-6663-CA4F-9FDB-ACAD623EE8AC}">
+      <dgm:prSet/>
+      <dgm:spPr/>
+      <dgm:t>
+        <a:bodyPr/>
+        <a:lstStyle/>
+        <a:p>
+          <a:endParaRPr lang="en-US"/>
+        </a:p>
+      </dgm:t>
+    </dgm:pt>
+    <dgm:pt modelId="{C266CD39-B6F4-4845-A878-AFDBF86E72BE}" type="sibTrans" cxnId="{B0CEEF28-6663-CA4F-9FDB-ACAD623EE8AC}">
+      <dgm:prSet/>
+      <dgm:spPr/>
+      <dgm:t>
+        <a:bodyPr/>
+        <a:lstStyle/>
+        <a:p>
+          <a:endParaRPr lang="en-US"/>
+        </a:p>
+      </dgm:t>
+    </dgm:pt>
+    <dgm:pt modelId="{C75CBB5E-1C65-0B44-8764-6220EE814722}">
+      <dgm:prSet/>
+      <dgm:spPr/>
+      <dgm:t>
+        <a:bodyPr/>
+        <a:lstStyle/>
+        <a:p>
+          <a:r>
+            <a:rPr lang="en-US"/>
+            <a:t>Splitting </a:t>
+          </a:r>
+          <a:r>
+            <a:rPr lang="en-US" dirty="0"/>
+            <a:t>at the median</a:t>
+          </a:r>
+        </a:p>
+      </dgm:t>
+    </dgm:pt>
+    <dgm:pt modelId="{EEA6CA9E-910D-034E-8BE0-BFA28B6A995E}" type="parTrans" cxnId="{F40F6FC5-4552-2B49-9563-B6FC524CD6DF}">
+      <dgm:prSet/>
+      <dgm:spPr/>
+      <dgm:t>
+        <a:bodyPr/>
+        <a:lstStyle/>
+        <a:p>
+          <a:endParaRPr lang="en-US"/>
+        </a:p>
+      </dgm:t>
+    </dgm:pt>
+    <dgm:pt modelId="{92E4E18F-5A4C-874B-9738-43DE3C0A0EE0}" type="sibTrans" cxnId="{F40F6FC5-4552-2B49-9563-B6FC524CD6DF}">
+      <dgm:prSet/>
+      <dgm:spPr/>
+      <dgm:t>
+        <a:bodyPr/>
+        <a:lstStyle/>
+        <a:p>
+          <a:endParaRPr lang="en-US"/>
+        </a:p>
+      </dgm:t>
+    </dgm:pt>
+    <dgm:pt modelId="{EA2412F8-1E8F-DE49-980F-E3EE374E9380}">
+      <dgm:prSet/>
+      <dgm:spPr/>
+      <dgm:t>
+        <a:bodyPr/>
+        <a:lstStyle/>
+        <a:p>
+          <a:r>
+            <a:rPr lang="en-US" dirty="0"/>
+            <a:t>Applying BBS to each half</a:t>
+          </a:r>
+        </a:p>
+      </dgm:t>
+    </dgm:pt>
+    <dgm:pt modelId="{EFAFDFAB-E0B7-0E41-8667-27D241C52654}" type="parTrans" cxnId="{E0A77151-644E-4445-B4CB-36563B2FCC73}">
+      <dgm:prSet/>
+      <dgm:spPr/>
+      <dgm:t>
+        <a:bodyPr/>
+        <a:lstStyle/>
+        <a:p>
+          <a:endParaRPr lang="en-US"/>
+        </a:p>
+      </dgm:t>
+    </dgm:pt>
+    <dgm:pt modelId="{419A5F7B-4D36-894C-89DE-3875257B7FD2}" type="sibTrans" cxnId="{E0A77151-644E-4445-B4CB-36563B2FCC73}">
+      <dgm:prSet/>
+      <dgm:spPr/>
+      <dgm:t>
+        <a:bodyPr/>
+        <a:lstStyle/>
+        <a:p>
+          <a:endParaRPr lang="en-US"/>
+        </a:p>
+      </dgm:t>
+    </dgm:pt>
+    <dgm:pt modelId="{8FA836D6-0FDD-9C4B-8B64-4EB48F9F9702}">
+      <dgm:prSet/>
+      <dgm:spPr/>
+      <dgm:t>
+        <a:bodyPr/>
+        <a:lstStyle/>
+        <a:p>
+          <a:r>
+            <a:rPr lang="en-US" dirty="0"/>
+            <a:t>Merging</a:t>
+          </a:r>
+        </a:p>
+      </dgm:t>
+    </dgm:pt>
+    <dgm:pt modelId="{BBBC5D96-F2AD-D744-87CB-97EE1C4A157F}" type="parTrans" cxnId="{F5028958-C9B3-6941-B218-E42B9AC8537F}">
+      <dgm:prSet/>
+      <dgm:spPr/>
+      <dgm:t>
+        <a:bodyPr/>
+        <a:lstStyle/>
+        <a:p>
+          <a:endParaRPr lang="en-US"/>
+        </a:p>
+      </dgm:t>
+    </dgm:pt>
+    <dgm:pt modelId="{D4A0AB78-4C52-3244-BCD6-DED61E7FBA6B}" type="sibTrans" cxnId="{F5028958-C9B3-6941-B218-E42B9AC8537F}">
+      <dgm:prSet/>
+      <dgm:spPr/>
+      <dgm:t>
+        <a:bodyPr/>
+        <a:lstStyle/>
+        <a:p>
+          <a:endParaRPr lang="en-US"/>
+        </a:p>
+      </dgm:t>
+    </dgm:pt>
+    <dgm:pt modelId="{E122829B-736B-5547-8382-E2D65B6302E4}" type="pres">
+      <dgm:prSet presAssocID="{523EA00D-21F3-7E47-9F46-31E7071808F2}" presName="linearFlow" presStyleCnt="0">
+        <dgm:presLayoutVars>
+          <dgm:resizeHandles val="exact"/>
+        </dgm:presLayoutVars>
+      </dgm:prSet>
+      <dgm:spPr/>
+    </dgm:pt>
+    <dgm:pt modelId="{CB31FAC1-CD40-7345-B58C-09B8470C79A4}" type="pres">
+      <dgm:prSet presAssocID="{6DCF9E46-9A2E-5F4E-8506-621A5EF8B219}" presName="node" presStyleLbl="node1" presStyleIdx="0" presStyleCnt="4">
+        <dgm:presLayoutVars>
+          <dgm:bulletEnabled val="1"/>
+        </dgm:presLayoutVars>
+      </dgm:prSet>
+      <dgm:spPr/>
+    </dgm:pt>
+    <dgm:pt modelId="{C9CCB7A3-70F2-8D47-A001-F77A5C78827C}" type="pres">
+      <dgm:prSet presAssocID="{C266CD39-B6F4-4845-A878-AFDBF86E72BE}" presName="sibTrans" presStyleLbl="sibTrans2D1" presStyleIdx="0" presStyleCnt="3"/>
+      <dgm:spPr/>
+    </dgm:pt>
+    <dgm:pt modelId="{FDF86C91-8A57-B84A-A2C8-323DA85F37B6}" type="pres">
+      <dgm:prSet presAssocID="{C266CD39-B6F4-4845-A878-AFDBF86E72BE}" presName="connectorText" presStyleLbl="sibTrans2D1" presStyleIdx="0" presStyleCnt="3"/>
+      <dgm:spPr/>
+    </dgm:pt>
+    <dgm:pt modelId="{A4D5DBAA-00D1-7C49-ABE5-7FF88C02BE5E}" type="pres">
+      <dgm:prSet presAssocID="{C75CBB5E-1C65-0B44-8764-6220EE814722}" presName="node" presStyleLbl="node1" presStyleIdx="1" presStyleCnt="4">
+        <dgm:presLayoutVars>
+          <dgm:bulletEnabled val="1"/>
+        </dgm:presLayoutVars>
+      </dgm:prSet>
+      <dgm:spPr/>
+    </dgm:pt>
+    <dgm:pt modelId="{9F661577-5ABF-664E-8FB1-AB1BC3EA82A4}" type="pres">
+      <dgm:prSet presAssocID="{92E4E18F-5A4C-874B-9738-43DE3C0A0EE0}" presName="sibTrans" presStyleLbl="sibTrans2D1" presStyleIdx="1" presStyleCnt="3"/>
+      <dgm:spPr/>
+    </dgm:pt>
+    <dgm:pt modelId="{FE38BE22-0507-F047-8403-2932C43FD225}" type="pres">
+      <dgm:prSet presAssocID="{92E4E18F-5A4C-874B-9738-43DE3C0A0EE0}" presName="connectorText" presStyleLbl="sibTrans2D1" presStyleIdx="1" presStyleCnt="3"/>
+      <dgm:spPr/>
+    </dgm:pt>
+    <dgm:pt modelId="{F35DA6AE-F24D-924F-97C5-D3AA1A895B0E}" type="pres">
+      <dgm:prSet presAssocID="{EA2412F8-1E8F-DE49-980F-E3EE374E9380}" presName="node" presStyleLbl="node1" presStyleIdx="2" presStyleCnt="4">
+        <dgm:presLayoutVars>
+          <dgm:bulletEnabled val="1"/>
+        </dgm:presLayoutVars>
+      </dgm:prSet>
+      <dgm:spPr/>
+    </dgm:pt>
+    <dgm:pt modelId="{D4E1F3FC-275E-164A-B2A8-E0C074709F71}" type="pres">
+      <dgm:prSet presAssocID="{419A5F7B-4D36-894C-89DE-3875257B7FD2}" presName="sibTrans" presStyleLbl="sibTrans2D1" presStyleIdx="2" presStyleCnt="3"/>
+      <dgm:spPr/>
+    </dgm:pt>
+    <dgm:pt modelId="{A32575DD-4DDA-F245-98A6-188C37CDDAAF}" type="pres">
+      <dgm:prSet presAssocID="{419A5F7B-4D36-894C-89DE-3875257B7FD2}" presName="connectorText" presStyleLbl="sibTrans2D1" presStyleIdx="2" presStyleCnt="3"/>
+      <dgm:spPr/>
+    </dgm:pt>
+    <dgm:pt modelId="{538B4804-B2BD-984E-AABF-7D13E8F5D45E}" type="pres">
+      <dgm:prSet presAssocID="{8FA836D6-0FDD-9C4B-8B64-4EB48F9F9702}" presName="node" presStyleLbl="node1" presStyleIdx="3" presStyleCnt="4">
+        <dgm:presLayoutVars>
+          <dgm:bulletEnabled val="1"/>
+        </dgm:presLayoutVars>
+      </dgm:prSet>
+      <dgm:spPr/>
+    </dgm:pt>
+  </dgm:ptLst>
+  <dgm:cxnLst>
+    <dgm:cxn modelId="{B0CEEF28-6663-CA4F-9FDB-ACAD623EE8AC}" srcId="{523EA00D-21F3-7E47-9F46-31E7071808F2}" destId="{6DCF9E46-9A2E-5F4E-8506-621A5EF8B219}" srcOrd="0" destOrd="0" parTransId="{B75BBBB2-A220-6244-8C15-39CDE06C9A98}" sibTransId="{C266CD39-B6F4-4845-A878-AFDBF86E72BE}"/>
+    <dgm:cxn modelId="{E0A77151-644E-4445-B4CB-36563B2FCC73}" srcId="{523EA00D-21F3-7E47-9F46-31E7071808F2}" destId="{EA2412F8-1E8F-DE49-980F-E3EE374E9380}" srcOrd="2" destOrd="0" parTransId="{EFAFDFAB-E0B7-0E41-8667-27D241C52654}" sibTransId="{419A5F7B-4D36-894C-89DE-3875257B7FD2}"/>
+    <dgm:cxn modelId="{F5028958-C9B3-6941-B218-E42B9AC8537F}" srcId="{523EA00D-21F3-7E47-9F46-31E7071808F2}" destId="{8FA836D6-0FDD-9C4B-8B64-4EB48F9F9702}" srcOrd="3" destOrd="0" parTransId="{BBBC5D96-F2AD-D744-87CB-97EE1C4A157F}" sibTransId="{D4A0AB78-4C52-3244-BCD6-DED61E7FBA6B}"/>
+    <dgm:cxn modelId="{ABFB476A-56BE-B144-9740-DE157CBF4E5D}" type="presOf" srcId="{C266CD39-B6F4-4845-A878-AFDBF86E72BE}" destId="{C9CCB7A3-70F2-8D47-A001-F77A5C78827C}" srcOrd="0" destOrd="0" presId="urn:microsoft.com/office/officeart/2005/8/layout/process2"/>
+    <dgm:cxn modelId="{A6572A74-80C5-F945-9B1A-695D66CD6C25}" type="presOf" srcId="{92E4E18F-5A4C-874B-9738-43DE3C0A0EE0}" destId="{FE38BE22-0507-F047-8403-2932C43FD225}" srcOrd="1" destOrd="0" presId="urn:microsoft.com/office/officeart/2005/8/layout/process2"/>
+    <dgm:cxn modelId="{35D62279-7CA6-3E4F-8314-6D4371BE05C6}" type="presOf" srcId="{C75CBB5E-1C65-0B44-8764-6220EE814722}" destId="{A4D5DBAA-00D1-7C49-ABE5-7FF88C02BE5E}" srcOrd="0" destOrd="0" presId="urn:microsoft.com/office/officeart/2005/8/layout/process2"/>
+    <dgm:cxn modelId="{3317F57C-51C7-104F-97C1-B240443A48EF}" type="presOf" srcId="{92E4E18F-5A4C-874B-9738-43DE3C0A0EE0}" destId="{9F661577-5ABF-664E-8FB1-AB1BC3EA82A4}" srcOrd="0" destOrd="0" presId="urn:microsoft.com/office/officeart/2005/8/layout/process2"/>
+    <dgm:cxn modelId="{57E6F87C-2AA9-384C-B9E4-919E2C69D75F}" type="presOf" srcId="{6DCF9E46-9A2E-5F4E-8506-621A5EF8B219}" destId="{CB31FAC1-CD40-7345-B58C-09B8470C79A4}" srcOrd="0" destOrd="0" presId="urn:microsoft.com/office/officeart/2005/8/layout/process2"/>
+    <dgm:cxn modelId="{E0CCCF81-CEA1-BC4A-AA5E-0C19FC55AADC}" type="presOf" srcId="{419A5F7B-4D36-894C-89DE-3875257B7FD2}" destId="{D4E1F3FC-275E-164A-B2A8-E0C074709F71}" srcOrd="0" destOrd="0" presId="urn:microsoft.com/office/officeart/2005/8/layout/process2"/>
+    <dgm:cxn modelId="{60B1F883-4B62-1645-912D-8961536D38BC}" type="presOf" srcId="{C266CD39-B6F4-4845-A878-AFDBF86E72BE}" destId="{FDF86C91-8A57-B84A-A2C8-323DA85F37B6}" srcOrd="1" destOrd="0" presId="urn:microsoft.com/office/officeart/2005/8/layout/process2"/>
+    <dgm:cxn modelId="{0D267E84-1054-1A4B-B1F4-1626D174CA6B}" type="presOf" srcId="{419A5F7B-4D36-894C-89DE-3875257B7FD2}" destId="{A32575DD-4DDA-F245-98A6-188C37CDDAAF}" srcOrd="1" destOrd="0" presId="urn:microsoft.com/office/officeart/2005/8/layout/process2"/>
+    <dgm:cxn modelId="{E19F29A9-D596-2047-A66F-B9AD0E4F8F1A}" type="presOf" srcId="{8FA836D6-0FDD-9C4B-8B64-4EB48F9F9702}" destId="{538B4804-B2BD-984E-AABF-7D13E8F5D45E}" srcOrd="0" destOrd="0" presId="urn:microsoft.com/office/officeart/2005/8/layout/process2"/>
+    <dgm:cxn modelId="{F0B38CAB-5ABB-3D46-8D73-307BB71D3A2F}" type="presOf" srcId="{EA2412F8-1E8F-DE49-980F-E3EE374E9380}" destId="{F35DA6AE-F24D-924F-97C5-D3AA1A895B0E}" srcOrd="0" destOrd="0" presId="urn:microsoft.com/office/officeart/2005/8/layout/process2"/>
+    <dgm:cxn modelId="{8C7BEDC2-4842-8749-8679-A049E0A67BBD}" type="presOf" srcId="{523EA00D-21F3-7E47-9F46-31E7071808F2}" destId="{E122829B-736B-5547-8382-E2D65B6302E4}" srcOrd="0" destOrd="0" presId="urn:microsoft.com/office/officeart/2005/8/layout/process2"/>
+    <dgm:cxn modelId="{F40F6FC5-4552-2B49-9563-B6FC524CD6DF}" srcId="{523EA00D-21F3-7E47-9F46-31E7071808F2}" destId="{C75CBB5E-1C65-0B44-8764-6220EE814722}" srcOrd="1" destOrd="0" parTransId="{EEA6CA9E-910D-034E-8BE0-BFA28B6A995E}" sibTransId="{92E4E18F-5A4C-874B-9738-43DE3C0A0EE0}"/>
+    <dgm:cxn modelId="{4C697558-7C9F-C34D-9B7C-1BEAFE321C1C}" type="presParOf" srcId="{E122829B-736B-5547-8382-E2D65B6302E4}" destId="{CB31FAC1-CD40-7345-B58C-09B8470C79A4}" srcOrd="0" destOrd="0" presId="urn:microsoft.com/office/officeart/2005/8/layout/process2"/>
+    <dgm:cxn modelId="{EF6144E0-313A-E94E-9C89-E9E24F08B195}" type="presParOf" srcId="{E122829B-736B-5547-8382-E2D65B6302E4}" destId="{C9CCB7A3-70F2-8D47-A001-F77A5C78827C}" srcOrd="1" destOrd="0" presId="urn:microsoft.com/office/officeart/2005/8/layout/process2"/>
+    <dgm:cxn modelId="{4C3BA6B0-58CF-4948-AE8D-63358F5B86E9}" type="presParOf" srcId="{C9CCB7A3-70F2-8D47-A001-F77A5C78827C}" destId="{FDF86C91-8A57-B84A-A2C8-323DA85F37B6}" srcOrd="0" destOrd="0" presId="urn:microsoft.com/office/officeart/2005/8/layout/process2"/>
+    <dgm:cxn modelId="{B502644D-CF81-7B43-B02D-8A19959C7D0F}" type="presParOf" srcId="{E122829B-736B-5547-8382-E2D65B6302E4}" destId="{A4D5DBAA-00D1-7C49-ABE5-7FF88C02BE5E}" srcOrd="2" destOrd="0" presId="urn:microsoft.com/office/officeart/2005/8/layout/process2"/>
+    <dgm:cxn modelId="{E704CE09-E3CC-6F43-BC49-16C094D7F7CD}" type="presParOf" srcId="{E122829B-736B-5547-8382-E2D65B6302E4}" destId="{9F661577-5ABF-664E-8FB1-AB1BC3EA82A4}" srcOrd="3" destOrd="0" presId="urn:microsoft.com/office/officeart/2005/8/layout/process2"/>
+    <dgm:cxn modelId="{D53891B3-BF00-CF49-B7F2-469945F6F4FC}" type="presParOf" srcId="{9F661577-5ABF-664E-8FB1-AB1BC3EA82A4}" destId="{FE38BE22-0507-F047-8403-2932C43FD225}" srcOrd="0" destOrd="0" presId="urn:microsoft.com/office/officeart/2005/8/layout/process2"/>
+    <dgm:cxn modelId="{93FC8BB2-0868-D441-9828-C0E6E6C5C624}" type="presParOf" srcId="{E122829B-736B-5547-8382-E2D65B6302E4}" destId="{F35DA6AE-F24D-924F-97C5-D3AA1A895B0E}" srcOrd="4" destOrd="0" presId="urn:microsoft.com/office/officeart/2005/8/layout/process2"/>
+    <dgm:cxn modelId="{BBBC7F95-C975-4A43-BF0E-D56FCF76B5F2}" type="presParOf" srcId="{E122829B-736B-5547-8382-E2D65B6302E4}" destId="{D4E1F3FC-275E-164A-B2A8-E0C074709F71}" srcOrd="5" destOrd="0" presId="urn:microsoft.com/office/officeart/2005/8/layout/process2"/>
+    <dgm:cxn modelId="{38C0C0F9-F330-5940-AC55-46551EFACD7B}" type="presParOf" srcId="{D4E1F3FC-275E-164A-B2A8-E0C074709F71}" destId="{A32575DD-4DDA-F245-98A6-188C37CDDAAF}" srcOrd="0" destOrd="0" presId="urn:microsoft.com/office/officeart/2005/8/layout/process2"/>
+    <dgm:cxn modelId="{44FCDF3E-7EB6-964B-8C6E-E79E00F20D8F}" type="presParOf" srcId="{E122829B-736B-5547-8382-E2D65B6302E4}" destId="{538B4804-B2BD-984E-AABF-7D13E8F5D45E}" srcOrd="6" destOrd="0" presId="urn:microsoft.com/office/officeart/2005/8/layout/process2"/>
+  </dgm:cxnLst>
+  <dgm:bg/>
+  <dgm:whole/>
+  <dgm:extLst>
+    <a:ext uri="http://schemas.microsoft.com/office/drawing/2008/diagram">
+      <dsp:dataModelExt xmlns:dsp="http://schemas.microsoft.com/office/drawing/2008/diagram" relId="rId6" minVer="http://schemas.openxmlformats.org/drawingml/2006/diagram"/>
+    </a:ext>
+  </dgm:extLst>
+</dgm:dataModel>
+</file>
+
+<file path=ppt/diagrams/drawing1.xml><?xml version="1.0" encoding="utf-8"?>
+<dsp:drawing xmlns:dgm="http://schemas.openxmlformats.org/drawingml/2006/diagram" xmlns:dsp="http://schemas.microsoft.com/office/drawing/2008/diagram" xmlns:a="http://schemas.openxmlformats.org/drawingml/2006/main">
+  <dsp:spTree>
+    <dsp:nvGrpSpPr>
+      <dsp:cNvPr id="0" name=""/>
+      <dsp:cNvGrpSpPr/>
+    </dsp:nvGrpSpPr>
+    <dsp:grpSpPr/>
+    <dsp:sp modelId="{E486F908-43E2-D045-A731-FB7C0DB48D3A}">
+      <dsp:nvSpPr>
+        <dsp:cNvPr id="0" name=""/>
+        <dsp:cNvSpPr/>
+      </dsp:nvSpPr>
+      <dsp:spPr>
+        <a:xfrm>
+          <a:off x="3032" y="1918494"/>
+          <a:ext cx="1148291" cy="688974"/>
+        </a:xfrm>
+        <a:prstGeom prst="roundRect">
+          <a:avLst>
+            <a:gd name="adj" fmla="val 10000"/>
+          </a:avLst>
+        </a:prstGeom>
+        <a:solidFill>
+          <a:schemeClr val="accent1">
+            <a:hueOff val="0"/>
+            <a:satOff val="0"/>
+            <a:lumOff val="0"/>
+            <a:alphaOff val="0"/>
+          </a:schemeClr>
+        </a:solidFill>
+        <a:ln w="25400" cap="flat" cmpd="sng" algn="ctr">
+          <a:solidFill>
+            <a:schemeClr val="lt1">
+              <a:hueOff val="0"/>
+              <a:satOff val="0"/>
+              <a:lumOff val="0"/>
+              <a:alphaOff val="0"/>
+            </a:schemeClr>
+          </a:solidFill>
+          <a:prstDash val="solid"/>
+        </a:ln>
+        <a:effectLst/>
+      </dsp:spPr>
+      <dsp:style>
+        <a:lnRef idx="2">
+          <a:scrgbClr r="0" g="0" b="0"/>
+        </a:lnRef>
+        <a:fillRef idx="1">
+          <a:scrgbClr r="0" g="0" b="0"/>
+        </a:fillRef>
+        <a:effectRef idx="0">
+          <a:scrgbClr r="0" g="0" b="0"/>
+        </a:effectRef>
+        <a:fontRef idx="minor">
+          <a:schemeClr val="lt1"/>
+        </a:fontRef>
+      </dsp:style>
+      <dsp:txBody>
+        <a:bodyPr spcFirstLastPara="0" vert="horz" wrap="square" lIns="49530" tIns="49530" rIns="49530" bIns="49530" numCol="1" spcCol="1270" anchor="ctr" anchorCtr="0">
+          <a:noAutofit/>
+        </a:bodyPr>
+        <a:lstStyle/>
+        <a:p>
+          <a:pPr marL="0" lvl="0" indent="0" algn="ctr" defTabSz="577850">
+            <a:lnSpc>
+              <a:spcPct val="90000"/>
+            </a:lnSpc>
+            <a:spcBef>
+              <a:spcPct val="0"/>
+            </a:spcBef>
+            <a:spcAft>
+              <a:spcPct val="35000"/>
+            </a:spcAft>
+            <a:buNone/>
+          </a:pPr>
+          <a:r>
+            <a:rPr lang="en-US" sz="1300" kern="1200" baseline="0" dirty="0"/>
+            <a:t> Build tree</a:t>
+          </a:r>
+          <a:endParaRPr lang="en-US" sz="1300" kern="1200" dirty="0"/>
+        </a:p>
+      </dsp:txBody>
+      <dsp:txXfrm>
+        <a:off x="23211" y="1938673"/>
+        <a:ext cx="1107933" cy="648616"/>
+      </dsp:txXfrm>
+    </dsp:sp>
+    <dsp:sp modelId="{DF391383-4C71-074A-86AB-890C55D5BC5E}">
+      <dsp:nvSpPr>
+        <dsp:cNvPr id="0" name=""/>
+        <dsp:cNvSpPr/>
+      </dsp:nvSpPr>
+      <dsp:spPr>
+        <a:xfrm>
+          <a:off x="1266152" y="2120593"/>
+          <a:ext cx="243437" cy="284776"/>
+        </a:xfrm>
+        <a:prstGeom prst="rightArrow">
+          <a:avLst>
+            <a:gd name="adj1" fmla="val 60000"/>
+            <a:gd name="adj2" fmla="val 50000"/>
+          </a:avLst>
+        </a:prstGeom>
+        <a:solidFill>
+          <a:schemeClr val="accent1">
+            <a:tint val="60000"/>
+            <a:hueOff val="0"/>
+            <a:satOff val="0"/>
+            <a:lumOff val="0"/>
+            <a:alphaOff val="0"/>
+          </a:schemeClr>
+        </a:solidFill>
+        <a:ln>
+          <a:noFill/>
+        </a:ln>
+        <a:effectLst/>
+      </dsp:spPr>
+      <dsp:style>
+        <a:lnRef idx="0">
+          <a:scrgbClr r="0" g="0" b="0"/>
+        </a:lnRef>
+        <a:fillRef idx="1">
+          <a:scrgbClr r="0" g="0" b="0"/>
+        </a:fillRef>
+        <a:effectRef idx="0">
+          <a:scrgbClr r="0" g="0" b="0"/>
+        </a:effectRef>
+        <a:fontRef idx="minor">
+          <a:schemeClr val="lt1"/>
+        </a:fontRef>
+      </dsp:style>
+      <dsp:txBody>
+        <a:bodyPr spcFirstLastPara="0" vert="horz" wrap="square" lIns="0" tIns="0" rIns="0" bIns="0" numCol="1" spcCol="1270" anchor="ctr" anchorCtr="0">
+          <a:noAutofit/>
+        </a:bodyPr>
+        <a:lstStyle/>
+        <a:p>
+          <a:pPr marL="0" lvl="0" indent="0" algn="ctr" defTabSz="488950">
+            <a:lnSpc>
+              <a:spcPct val="90000"/>
+            </a:lnSpc>
+            <a:spcBef>
+              <a:spcPct val="0"/>
+            </a:spcBef>
+            <a:spcAft>
+              <a:spcPct val="35000"/>
+            </a:spcAft>
+            <a:buNone/>
+          </a:pPr>
+          <a:endParaRPr lang="en-US" sz="1100" kern="1200"/>
+        </a:p>
+      </dsp:txBody>
+      <dsp:txXfrm>
+        <a:off x="1266152" y="2177548"/>
+        <a:ext cx="170406" cy="170866"/>
+      </dsp:txXfrm>
+    </dsp:sp>
+    <dsp:sp modelId="{C6220A3A-C93E-1D4C-8007-BA55276B29D3}">
+      <dsp:nvSpPr>
+        <dsp:cNvPr id="0" name=""/>
+        <dsp:cNvSpPr/>
+      </dsp:nvSpPr>
+      <dsp:spPr>
+        <a:xfrm>
+          <a:off x="1610639" y="1918494"/>
+          <a:ext cx="1148291" cy="688974"/>
+        </a:xfrm>
+        <a:prstGeom prst="roundRect">
+          <a:avLst>
+            <a:gd name="adj" fmla="val 10000"/>
+          </a:avLst>
+        </a:prstGeom>
+        <a:solidFill>
+          <a:schemeClr val="accent1">
+            <a:hueOff val="0"/>
+            <a:satOff val="0"/>
+            <a:lumOff val="0"/>
+            <a:alphaOff val="0"/>
+          </a:schemeClr>
+        </a:solidFill>
+        <a:ln w="25400" cap="flat" cmpd="sng" algn="ctr">
+          <a:solidFill>
+            <a:schemeClr val="lt1">
+              <a:hueOff val="0"/>
+              <a:satOff val="0"/>
+              <a:lumOff val="0"/>
+              <a:alphaOff val="0"/>
+            </a:schemeClr>
+          </a:solidFill>
+          <a:prstDash val="solid"/>
+        </a:ln>
+        <a:effectLst/>
+      </dsp:spPr>
+      <dsp:style>
+        <a:lnRef idx="2">
+          <a:scrgbClr r="0" g="0" b="0"/>
+        </a:lnRef>
+        <a:fillRef idx="1">
+          <a:scrgbClr r="0" g="0" b="0"/>
+        </a:fillRef>
+        <a:effectRef idx="0">
+          <a:scrgbClr r="0" g="0" b="0"/>
+        </a:effectRef>
+        <a:fontRef idx="minor">
+          <a:schemeClr val="lt1"/>
+        </a:fontRef>
+      </dsp:style>
+      <dsp:txBody>
+        <a:bodyPr spcFirstLastPara="0" vert="horz" wrap="square" lIns="49530" tIns="49530" rIns="49530" bIns="49530" numCol="1" spcCol="1270" anchor="ctr" anchorCtr="0">
+          <a:noAutofit/>
+        </a:bodyPr>
+        <a:lstStyle/>
+        <a:p>
+          <a:pPr marL="0" lvl="0" indent="0" algn="ctr" defTabSz="577850">
+            <a:lnSpc>
+              <a:spcPct val="90000"/>
+            </a:lnSpc>
+            <a:spcBef>
+              <a:spcPct val="0"/>
+            </a:spcBef>
+            <a:spcAft>
+              <a:spcPct val="35000"/>
+            </a:spcAft>
+            <a:buNone/>
+          </a:pPr>
+          <a:r>
+            <a:rPr lang="en-US" sz="1300" kern="1200" baseline="0" dirty="0"/>
+            <a:t> traverse with priority queue</a:t>
+          </a:r>
+          <a:endParaRPr lang="en-US" sz="1300" kern="1200" dirty="0"/>
+        </a:p>
+      </dsp:txBody>
+      <dsp:txXfrm>
+        <a:off x="1630818" y="1938673"/>
+        <a:ext cx="1107933" cy="648616"/>
+      </dsp:txXfrm>
+    </dsp:sp>
+    <dsp:sp modelId="{61B2ED6E-BDBE-EA44-9654-9AA797219885}">
+      <dsp:nvSpPr>
+        <dsp:cNvPr id="0" name=""/>
+        <dsp:cNvSpPr/>
+      </dsp:nvSpPr>
+      <dsp:spPr>
+        <a:xfrm>
+          <a:off x="2873760" y="2120593"/>
+          <a:ext cx="243437" cy="284776"/>
+        </a:xfrm>
+        <a:prstGeom prst="rightArrow">
+          <a:avLst>
+            <a:gd name="adj1" fmla="val 60000"/>
+            <a:gd name="adj2" fmla="val 50000"/>
+          </a:avLst>
+        </a:prstGeom>
+        <a:solidFill>
+          <a:schemeClr val="accent1">
+            <a:tint val="60000"/>
+            <a:hueOff val="0"/>
+            <a:satOff val="0"/>
+            <a:lumOff val="0"/>
+            <a:alphaOff val="0"/>
+          </a:schemeClr>
+        </a:solidFill>
+        <a:ln>
+          <a:noFill/>
+        </a:ln>
+        <a:effectLst/>
+      </dsp:spPr>
+      <dsp:style>
+        <a:lnRef idx="0">
+          <a:scrgbClr r="0" g="0" b="0"/>
+        </a:lnRef>
+        <a:fillRef idx="1">
+          <a:scrgbClr r="0" g="0" b="0"/>
+        </a:fillRef>
+        <a:effectRef idx="0">
+          <a:scrgbClr r="0" g="0" b="0"/>
+        </a:effectRef>
+        <a:fontRef idx="minor">
+          <a:schemeClr val="lt1"/>
+        </a:fontRef>
+      </dsp:style>
+      <dsp:txBody>
+        <a:bodyPr spcFirstLastPara="0" vert="horz" wrap="square" lIns="0" tIns="0" rIns="0" bIns="0" numCol="1" spcCol="1270" anchor="ctr" anchorCtr="0">
+          <a:noAutofit/>
+        </a:bodyPr>
+        <a:lstStyle/>
+        <a:p>
+          <a:pPr marL="0" lvl="0" indent="0" algn="ctr" defTabSz="488950">
+            <a:lnSpc>
+              <a:spcPct val="90000"/>
+            </a:lnSpc>
+            <a:spcBef>
+              <a:spcPct val="0"/>
+            </a:spcBef>
+            <a:spcAft>
+              <a:spcPct val="35000"/>
+            </a:spcAft>
+            <a:buNone/>
+          </a:pPr>
+          <a:endParaRPr lang="en-US" sz="1100" kern="1200"/>
+        </a:p>
+      </dsp:txBody>
+      <dsp:txXfrm>
+        <a:off x="2873760" y="2177548"/>
+        <a:ext cx="170406" cy="170866"/>
+      </dsp:txXfrm>
+    </dsp:sp>
+    <dsp:sp modelId="{71D8F636-A497-F245-A36A-9AD94D705F73}">
+      <dsp:nvSpPr>
+        <dsp:cNvPr id="0" name=""/>
+        <dsp:cNvSpPr/>
+      </dsp:nvSpPr>
+      <dsp:spPr>
+        <a:xfrm>
+          <a:off x="3218247" y="1918494"/>
+          <a:ext cx="1148291" cy="688974"/>
+        </a:xfrm>
+        <a:prstGeom prst="roundRect">
+          <a:avLst>
+            <a:gd name="adj" fmla="val 10000"/>
+          </a:avLst>
+        </a:prstGeom>
+        <a:solidFill>
+          <a:schemeClr val="accent1">
+            <a:hueOff val="0"/>
+            <a:satOff val="0"/>
+            <a:lumOff val="0"/>
+            <a:alphaOff val="0"/>
+          </a:schemeClr>
+        </a:solidFill>
+        <a:ln w="25400" cap="flat" cmpd="sng" algn="ctr">
+          <a:solidFill>
+            <a:schemeClr val="lt1">
+              <a:hueOff val="0"/>
+              <a:satOff val="0"/>
+              <a:lumOff val="0"/>
+              <a:alphaOff val="0"/>
+            </a:schemeClr>
+          </a:solidFill>
+          <a:prstDash val="solid"/>
+        </a:ln>
+        <a:effectLst/>
+      </dsp:spPr>
+      <dsp:style>
+        <a:lnRef idx="2">
+          <a:scrgbClr r="0" g="0" b="0"/>
+        </a:lnRef>
+        <a:fillRef idx="1">
+          <a:scrgbClr r="0" g="0" b="0"/>
+        </a:fillRef>
+        <a:effectRef idx="0">
+          <a:scrgbClr r="0" g="0" b="0"/>
+        </a:effectRef>
+        <a:fontRef idx="minor">
+          <a:schemeClr val="lt1"/>
+        </a:fontRef>
+      </dsp:style>
+      <dsp:txBody>
+        <a:bodyPr spcFirstLastPara="0" vert="horz" wrap="square" lIns="49530" tIns="49530" rIns="49530" bIns="49530" numCol="1" spcCol="1270" anchor="ctr" anchorCtr="0">
+          <a:noAutofit/>
+        </a:bodyPr>
+        <a:lstStyle/>
+        <a:p>
+          <a:pPr marL="0" lvl="0" indent="0" algn="ctr" defTabSz="577850">
+            <a:lnSpc>
+              <a:spcPct val="90000"/>
+            </a:lnSpc>
+            <a:spcBef>
+              <a:spcPct val="0"/>
+            </a:spcBef>
+            <a:spcAft>
+              <a:spcPct val="35000"/>
+            </a:spcAft>
+            <a:buNone/>
+          </a:pPr>
+          <a:r>
+            <a:rPr lang="en-US" sz="1300" kern="1200" baseline="0" dirty="0"/>
+            <a:t>prune aggressively</a:t>
+          </a:r>
+          <a:endParaRPr lang="en-US" sz="1300" kern="1200" dirty="0"/>
+        </a:p>
+      </dsp:txBody>
+      <dsp:txXfrm>
+        <a:off x="3238426" y="1938673"/>
+        <a:ext cx="1107933" cy="648616"/>
+      </dsp:txXfrm>
+    </dsp:sp>
+    <dsp:sp modelId="{9902C82A-EF70-0842-A586-64EC59F343E3}">
+      <dsp:nvSpPr>
+        <dsp:cNvPr id="0" name=""/>
+        <dsp:cNvSpPr/>
+      </dsp:nvSpPr>
+      <dsp:spPr>
+        <a:xfrm>
+          <a:off x="4481367" y="2120593"/>
+          <a:ext cx="243437" cy="284776"/>
+        </a:xfrm>
+        <a:prstGeom prst="rightArrow">
+          <a:avLst>
+            <a:gd name="adj1" fmla="val 60000"/>
+            <a:gd name="adj2" fmla="val 50000"/>
+          </a:avLst>
+        </a:prstGeom>
+        <a:solidFill>
+          <a:schemeClr val="accent1">
+            <a:tint val="60000"/>
+            <a:hueOff val="0"/>
+            <a:satOff val="0"/>
+            <a:lumOff val="0"/>
+            <a:alphaOff val="0"/>
+          </a:schemeClr>
+        </a:solidFill>
+        <a:ln>
+          <a:noFill/>
+        </a:ln>
+        <a:effectLst/>
+      </dsp:spPr>
+      <dsp:style>
+        <a:lnRef idx="0">
+          <a:scrgbClr r="0" g="0" b="0"/>
+        </a:lnRef>
+        <a:fillRef idx="1">
+          <a:scrgbClr r="0" g="0" b="0"/>
+        </a:fillRef>
+        <a:effectRef idx="0">
+          <a:scrgbClr r="0" g="0" b="0"/>
+        </a:effectRef>
+        <a:fontRef idx="minor">
+          <a:schemeClr val="lt1"/>
+        </a:fontRef>
+      </dsp:style>
+      <dsp:txBody>
+        <a:bodyPr spcFirstLastPara="0" vert="horz" wrap="square" lIns="0" tIns="0" rIns="0" bIns="0" numCol="1" spcCol="1270" anchor="ctr" anchorCtr="0">
+          <a:noAutofit/>
+        </a:bodyPr>
+        <a:lstStyle/>
+        <a:p>
+          <a:pPr marL="0" lvl="0" indent="0" algn="ctr" defTabSz="488950">
+            <a:lnSpc>
+              <a:spcPct val="90000"/>
+            </a:lnSpc>
+            <a:spcBef>
+              <a:spcPct val="0"/>
+            </a:spcBef>
+            <a:spcAft>
+              <a:spcPct val="35000"/>
+            </a:spcAft>
+            <a:buNone/>
+          </a:pPr>
+          <a:endParaRPr lang="en-US" sz="1100" kern="1200"/>
+        </a:p>
+      </dsp:txBody>
+      <dsp:txXfrm>
+        <a:off x="4481367" y="2177548"/>
+        <a:ext cx="170406" cy="170866"/>
+      </dsp:txXfrm>
+    </dsp:sp>
+    <dsp:sp modelId="{23E89909-B3C7-884D-8451-851715244850}">
+      <dsp:nvSpPr>
+        <dsp:cNvPr id="0" name=""/>
+        <dsp:cNvSpPr/>
+      </dsp:nvSpPr>
+      <dsp:spPr>
+        <a:xfrm>
+          <a:off x="4825854" y="1918494"/>
+          <a:ext cx="1148291" cy="688974"/>
+        </a:xfrm>
+        <a:prstGeom prst="roundRect">
+          <a:avLst>
+            <a:gd name="adj" fmla="val 10000"/>
+          </a:avLst>
+        </a:prstGeom>
+        <a:solidFill>
+          <a:schemeClr val="accent1">
+            <a:hueOff val="0"/>
+            <a:satOff val="0"/>
+            <a:lumOff val="0"/>
+            <a:alphaOff val="0"/>
+          </a:schemeClr>
+        </a:solidFill>
+        <a:ln w="25400" cap="flat" cmpd="sng" algn="ctr">
+          <a:solidFill>
+            <a:schemeClr val="lt1">
+              <a:hueOff val="0"/>
+              <a:satOff val="0"/>
+              <a:lumOff val="0"/>
+              <a:alphaOff val="0"/>
+            </a:schemeClr>
+          </a:solidFill>
+          <a:prstDash val="solid"/>
+        </a:ln>
+        <a:effectLst/>
+      </dsp:spPr>
+      <dsp:style>
+        <a:lnRef idx="2">
+          <a:scrgbClr r="0" g="0" b="0"/>
+        </a:lnRef>
+        <a:fillRef idx="1">
+          <a:scrgbClr r="0" g="0" b="0"/>
+        </a:fillRef>
+        <a:effectRef idx="0">
+          <a:scrgbClr r="0" g="0" b="0"/>
+        </a:effectRef>
+        <a:fontRef idx="minor">
+          <a:schemeClr val="lt1"/>
+        </a:fontRef>
+      </dsp:style>
+      <dsp:txBody>
+        <a:bodyPr spcFirstLastPara="0" vert="horz" wrap="square" lIns="49530" tIns="49530" rIns="49530" bIns="49530" numCol="1" spcCol="1270" anchor="ctr" anchorCtr="0">
+          <a:noAutofit/>
+        </a:bodyPr>
+        <a:lstStyle/>
+        <a:p>
+          <a:pPr marL="0" lvl="0" indent="0" algn="ctr" defTabSz="577850">
+            <a:lnSpc>
+              <a:spcPct val="90000"/>
+            </a:lnSpc>
+            <a:spcBef>
+              <a:spcPct val="0"/>
+            </a:spcBef>
+            <a:spcAft>
+              <a:spcPct val="35000"/>
+            </a:spcAft>
+            <a:buNone/>
+          </a:pPr>
+          <a:r>
+            <a:rPr lang="en-US" sz="1300" i="1" kern="1200" dirty="0"/>
+            <a:t>Sort by cost</a:t>
+          </a:r>
+          <a:endParaRPr lang="en-US" sz="1300" kern="1200" dirty="0"/>
+        </a:p>
+      </dsp:txBody>
+      <dsp:txXfrm>
+        <a:off x="4846033" y="1938673"/>
+        <a:ext cx="1107933" cy="648616"/>
+      </dsp:txXfrm>
+    </dsp:sp>
+    <dsp:sp modelId="{6237A407-3CB4-AD45-91F1-2E2C5BAF6044}">
+      <dsp:nvSpPr>
+        <dsp:cNvPr id="0" name=""/>
+        <dsp:cNvSpPr/>
+      </dsp:nvSpPr>
+      <dsp:spPr>
+        <a:xfrm>
+          <a:off x="6088975" y="2120593"/>
+          <a:ext cx="243437" cy="284776"/>
+        </a:xfrm>
+        <a:prstGeom prst="rightArrow">
+          <a:avLst>
+            <a:gd name="adj1" fmla="val 60000"/>
+            <a:gd name="adj2" fmla="val 50000"/>
+          </a:avLst>
+        </a:prstGeom>
+        <a:solidFill>
+          <a:schemeClr val="accent1">
+            <a:tint val="60000"/>
+            <a:hueOff val="0"/>
+            <a:satOff val="0"/>
+            <a:lumOff val="0"/>
+            <a:alphaOff val="0"/>
+          </a:schemeClr>
+        </a:solidFill>
+        <a:ln>
+          <a:noFill/>
+        </a:ln>
+        <a:effectLst/>
+      </dsp:spPr>
+      <dsp:style>
+        <a:lnRef idx="0">
+          <a:scrgbClr r="0" g="0" b="0"/>
+        </a:lnRef>
+        <a:fillRef idx="1">
+          <a:scrgbClr r="0" g="0" b="0"/>
+        </a:fillRef>
+        <a:effectRef idx="0">
+          <a:scrgbClr r="0" g="0" b="0"/>
+        </a:effectRef>
+        <a:fontRef idx="minor">
+          <a:schemeClr val="lt1"/>
+        </a:fontRef>
+      </dsp:style>
+      <dsp:txBody>
+        <a:bodyPr spcFirstLastPara="0" vert="horz" wrap="square" lIns="0" tIns="0" rIns="0" bIns="0" numCol="1" spcCol="1270" anchor="ctr" anchorCtr="0">
+          <a:noAutofit/>
+        </a:bodyPr>
+        <a:lstStyle/>
+        <a:p>
+          <a:pPr marL="0" lvl="0" indent="0" algn="ctr" defTabSz="488950">
+            <a:lnSpc>
+              <a:spcPct val="90000"/>
+            </a:lnSpc>
+            <a:spcBef>
+              <a:spcPct val="0"/>
+            </a:spcBef>
+            <a:spcAft>
+              <a:spcPct val="35000"/>
+            </a:spcAft>
+            <a:buNone/>
+          </a:pPr>
+          <a:endParaRPr lang="en-US" sz="1100" kern="1200"/>
+        </a:p>
+      </dsp:txBody>
+      <dsp:txXfrm>
+        <a:off x="6088975" y="2177548"/>
+        <a:ext cx="170406" cy="170866"/>
+      </dsp:txXfrm>
+    </dsp:sp>
+    <dsp:sp modelId="{FB9E8825-203F-7441-BD9F-C5508E0E8A50}">
+      <dsp:nvSpPr>
+        <dsp:cNvPr id="0" name=""/>
+        <dsp:cNvSpPr/>
+      </dsp:nvSpPr>
+      <dsp:spPr>
+        <a:xfrm>
+          <a:off x="6433462" y="1918494"/>
+          <a:ext cx="1148291" cy="688974"/>
+        </a:xfrm>
+        <a:prstGeom prst="roundRect">
+          <a:avLst>
+            <a:gd name="adj" fmla="val 10000"/>
+          </a:avLst>
+        </a:prstGeom>
+        <a:solidFill>
+          <a:schemeClr val="accent1">
+            <a:hueOff val="0"/>
+            <a:satOff val="0"/>
+            <a:lumOff val="0"/>
+            <a:alphaOff val="0"/>
+          </a:schemeClr>
+        </a:solidFill>
+        <a:ln w="25400" cap="flat" cmpd="sng" algn="ctr">
+          <a:solidFill>
+            <a:schemeClr val="lt1">
+              <a:hueOff val="0"/>
+              <a:satOff val="0"/>
+              <a:lumOff val="0"/>
+              <a:alphaOff val="0"/>
+            </a:schemeClr>
+          </a:solidFill>
+          <a:prstDash val="solid"/>
+        </a:ln>
+        <a:effectLst/>
+      </dsp:spPr>
+      <dsp:style>
+        <a:lnRef idx="2">
+          <a:scrgbClr r="0" g="0" b="0"/>
+        </a:lnRef>
+        <a:fillRef idx="1">
+          <a:scrgbClr r="0" g="0" b="0"/>
+        </a:fillRef>
+        <a:effectRef idx="0">
+          <a:scrgbClr r="0" g="0" b="0"/>
+        </a:effectRef>
+        <a:fontRef idx="minor">
+          <a:schemeClr val="lt1"/>
+        </a:fontRef>
+      </dsp:style>
+      <dsp:txBody>
+        <a:bodyPr spcFirstLastPara="0" vert="horz" wrap="square" lIns="49530" tIns="49530" rIns="49530" bIns="49530" numCol="1" spcCol="1270" anchor="ctr" anchorCtr="0">
+          <a:noAutofit/>
+        </a:bodyPr>
+        <a:lstStyle/>
+        <a:p>
+          <a:pPr marL="0" lvl="0" indent="0" algn="ctr" defTabSz="577850">
+            <a:lnSpc>
+              <a:spcPct val="90000"/>
+            </a:lnSpc>
+            <a:spcBef>
+              <a:spcPct val="0"/>
+            </a:spcBef>
+            <a:spcAft>
+              <a:spcPct val="35000"/>
+            </a:spcAft>
+            <a:buNone/>
+          </a:pPr>
+          <a:r>
+            <a:rPr lang="en-US" sz="1300" i="1" kern="1200" dirty="0"/>
+            <a:t>chunk into groups</a:t>
+          </a:r>
+          <a:endParaRPr lang="en-US" sz="1300" kern="1200" dirty="0"/>
+        </a:p>
+      </dsp:txBody>
+      <dsp:txXfrm>
+        <a:off x="6453641" y="1938673"/>
+        <a:ext cx="1107933" cy="648616"/>
+      </dsp:txXfrm>
+    </dsp:sp>
+    <dsp:sp modelId="{A881ABDA-1C17-9D4C-BDE4-D0DD02E59FA7}">
+      <dsp:nvSpPr>
+        <dsp:cNvPr id="0" name=""/>
+        <dsp:cNvSpPr/>
+      </dsp:nvSpPr>
+      <dsp:spPr>
+        <a:xfrm>
+          <a:off x="7696582" y="2120593"/>
+          <a:ext cx="243437" cy="284776"/>
+        </a:xfrm>
+        <a:prstGeom prst="rightArrow">
+          <a:avLst>
+            <a:gd name="adj1" fmla="val 60000"/>
+            <a:gd name="adj2" fmla="val 50000"/>
+          </a:avLst>
+        </a:prstGeom>
+        <a:solidFill>
+          <a:schemeClr val="accent1">
+            <a:tint val="60000"/>
+            <a:hueOff val="0"/>
+            <a:satOff val="0"/>
+            <a:lumOff val="0"/>
+            <a:alphaOff val="0"/>
+          </a:schemeClr>
+        </a:solidFill>
+        <a:ln>
+          <a:noFill/>
+        </a:ln>
+        <a:effectLst/>
+      </dsp:spPr>
+      <dsp:style>
+        <a:lnRef idx="0">
+          <a:scrgbClr r="0" g="0" b="0"/>
+        </a:lnRef>
+        <a:fillRef idx="1">
+          <a:scrgbClr r="0" g="0" b="0"/>
+        </a:fillRef>
+        <a:effectRef idx="0">
+          <a:scrgbClr r="0" g="0" b="0"/>
+        </a:effectRef>
+        <a:fontRef idx="minor">
+          <a:schemeClr val="lt1"/>
+        </a:fontRef>
+      </dsp:style>
+      <dsp:txBody>
+        <a:bodyPr spcFirstLastPara="0" vert="horz" wrap="square" lIns="0" tIns="0" rIns="0" bIns="0" numCol="1" spcCol="1270" anchor="ctr" anchorCtr="0">
+          <a:noAutofit/>
+        </a:bodyPr>
+        <a:lstStyle/>
+        <a:p>
+          <a:pPr marL="0" lvl="0" indent="0" algn="ctr" defTabSz="488950">
+            <a:lnSpc>
+              <a:spcPct val="90000"/>
+            </a:lnSpc>
+            <a:spcBef>
+              <a:spcPct val="0"/>
+            </a:spcBef>
+            <a:spcAft>
+              <a:spcPct val="35000"/>
+            </a:spcAft>
+            <a:buNone/>
+          </a:pPr>
+          <a:endParaRPr lang="en-US" sz="1100" kern="1200"/>
+        </a:p>
+      </dsp:txBody>
+      <dsp:txXfrm>
+        <a:off x="7696582" y="2177548"/>
+        <a:ext cx="170406" cy="170866"/>
+      </dsp:txXfrm>
+    </dsp:sp>
+    <dsp:sp modelId="{F96CF766-FC41-294A-8D43-4CA417C7FA0C}">
+      <dsp:nvSpPr>
+        <dsp:cNvPr id="0" name=""/>
+        <dsp:cNvSpPr/>
+      </dsp:nvSpPr>
+      <dsp:spPr>
+        <a:xfrm>
+          <a:off x="8041070" y="1918494"/>
+          <a:ext cx="1148291" cy="688974"/>
+        </a:xfrm>
+        <a:prstGeom prst="roundRect">
+          <a:avLst>
+            <a:gd name="adj" fmla="val 10000"/>
+          </a:avLst>
+        </a:prstGeom>
+        <a:solidFill>
+          <a:schemeClr val="accent1">
+            <a:hueOff val="0"/>
+            <a:satOff val="0"/>
+            <a:lumOff val="0"/>
+            <a:alphaOff val="0"/>
+          </a:schemeClr>
+        </a:solidFill>
+        <a:ln w="25400" cap="flat" cmpd="sng" algn="ctr">
+          <a:solidFill>
+            <a:schemeClr val="lt1">
+              <a:hueOff val="0"/>
+              <a:satOff val="0"/>
+              <a:lumOff val="0"/>
+              <a:alphaOff val="0"/>
+            </a:schemeClr>
+          </a:solidFill>
+          <a:prstDash val="solid"/>
+        </a:ln>
+        <a:effectLst/>
+      </dsp:spPr>
+      <dsp:style>
+        <a:lnRef idx="2">
+          <a:scrgbClr r="0" g="0" b="0"/>
+        </a:lnRef>
+        <a:fillRef idx="1">
+          <a:scrgbClr r="0" g="0" b="0"/>
+        </a:fillRef>
+        <a:effectRef idx="0">
+          <a:scrgbClr r="0" g="0" b="0"/>
+        </a:effectRef>
+        <a:fontRef idx="minor">
+          <a:schemeClr val="lt1"/>
+        </a:fontRef>
+      </dsp:style>
+      <dsp:txBody>
+        <a:bodyPr spcFirstLastPara="0" vert="horz" wrap="square" lIns="49530" tIns="49530" rIns="49530" bIns="49530" numCol="1" spcCol="1270" anchor="ctr" anchorCtr="0">
+          <a:noAutofit/>
+        </a:bodyPr>
+        <a:lstStyle/>
+        <a:p>
+          <a:pPr marL="0" lvl="0" indent="0" algn="ctr" defTabSz="577850">
+            <a:lnSpc>
+              <a:spcPct val="90000"/>
+            </a:lnSpc>
+            <a:spcBef>
+              <a:spcPct val="0"/>
+            </a:spcBef>
+            <a:spcAft>
+              <a:spcPct val="35000"/>
+            </a:spcAft>
+            <a:buNone/>
+          </a:pPr>
+          <a:r>
+            <a:rPr lang="en-US" sz="1300" i="1" kern="1200" dirty="0"/>
+            <a:t> build levels</a:t>
+          </a:r>
+          <a:endParaRPr lang="en-US" sz="1300" kern="1200" dirty="0"/>
+        </a:p>
+      </dsp:txBody>
+      <dsp:txXfrm>
+        <a:off x="8061249" y="1938673"/>
+        <a:ext cx="1107933" cy="648616"/>
+      </dsp:txXfrm>
+    </dsp:sp>
+    <dsp:sp modelId="{C16A224E-751D-2547-B8A9-1689E310BD32}">
+      <dsp:nvSpPr>
+        <dsp:cNvPr id="0" name=""/>
+        <dsp:cNvSpPr/>
+      </dsp:nvSpPr>
+      <dsp:spPr>
+        <a:xfrm>
+          <a:off x="9304190" y="2120593"/>
+          <a:ext cx="243437" cy="284776"/>
+        </a:xfrm>
+        <a:prstGeom prst="rightArrow">
+          <a:avLst>
+            <a:gd name="adj1" fmla="val 60000"/>
+            <a:gd name="adj2" fmla="val 50000"/>
+          </a:avLst>
+        </a:prstGeom>
+        <a:solidFill>
+          <a:schemeClr val="accent1">
+            <a:tint val="60000"/>
+            <a:hueOff val="0"/>
+            <a:satOff val="0"/>
+            <a:lumOff val="0"/>
+            <a:alphaOff val="0"/>
+          </a:schemeClr>
+        </a:solidFill>
+        <a:ln>
+          <a:noFill/>
+        </a:ln>
+        <a:effectLst/>
+      </dsp:spPr>
+      <dsp:style>
+        <a:lnRef idx="0">
+          <a:scrgbClr r="0" g="0" b="0"/>
+        </a:lnRef>
+        <a:fillRef idx="1">
+          <a:scrgbClr r="0" g="0" b="0"/>
+        </a:fillRef>
+        <a:effectRef idx="0">
+          <a:scrgbClr r="0" g="0" b="0"/>
+        </a:effectRef>
+        <a:fontRef idx="minor">
+          <a:schemeClr val="lt1"/>
+        </a:fontRef>
+      </dsp:style>
+      <dsp:txBody>
+        <a:bodyPr spcFirstLastPara="0" vert="horz" wrap="square" lIns="0" tIns="0" rIns="0" bIns="0" numCol="1" spcCol="1270" anchor="ctr" anchorCtr="0">
+          <a:noAutofit/>
+        </a:bodyPr>
+        <a:lstStyle/>
+        <a:p>
+          <a:pPr marL="0" lvl="0" indent="0" algn="ctr" defTabSz="488950">
+            <a:lnSpc>
+              <a:spcPct val="90000"/>
+            </a:lnSpc>
+            <a:spcBef>
+              <a:spcPct val="0"/>
+            </a:spcBef>
+            <a:spcAft>
+              <a:spcPct val="35000"/>
+            </a:spcAft>
+            <a:buNone/>
+          </a:pPr>
+          <a:endParaRPr lang="en-US" sz="1100" kern="1200"/>
+        </a:p>
+      </dsp:txBody>
+      <dsp:txXfrm>
+        <a:off x="9304190" y="2177548"/>
+        <a:ext cx="170406" cy="170866"/>
+      </dsp:txXfrm>
+    </dsp:sp>
+    <dsp:sp modelId="{E31D816A-D98F-A042-880C-F0C321819F5D}">
+      <dsp:nvSpPr>
+        <dsp:cNvPr id="0" name=""/>
+        <dsp:cNvSpPr/>
+      </dsp:nvSpPr>
+      <dsp:spPr>
+        <a:xfrm>
+          <a:off x="9648677" y="1918494"/>
+          <a:ext cx="1148291" cy="688974"/>
+        </a:xfrm>
+        <a:prstGeom prst="roundRect">
+          <a:avLst>
+            <a:gd name="adj" fmla="val 10000"/>
+          </a:avLst>
+        </a:prstGeom>
+        <a:solidFill>
+          <a:schemeClr val="accent1">
+            <a:hueOff val="0"/>
+            <a:satOff val="0"/>
+            <a:lumOff val="0"/>
+            <a:alphaOff val="0"/>
+          </a:schemeClr>
+        </a:solidFill>
+        <a:ln w="25400" cap="flat" cmpd="sng" algn="ctr">
+          <a:solidFill>
+            <a:schemeClr val="lt1">
+              <a:hueOff val="0"/>
+              <a:satOff val="0"/>
+              <a:lumOff val="0"/>
+              <a:alphaOff val="0"/>
+            </a:schemeClr>
+          </a:solidFill>
+          <a:prstDash val="solid"/>
+        </a:ln>
+        <a:effectLst/>
+      </dsp:spPr>
+      <dsp:style>
+        <a:lnRef idx="2">
+          <a:scrgbClr r="0" g="0" b="0"/>
+        </a:lnRef>
+        <a:fillRef idx="1">
+          <a:scrgbClr r="0" g="0" b="0"/>
+        </a:fillRef>
+        <a:effectRef idx="0">
+          <a:scrgbClr r="0" g="0" b="0"/>
+        </a:effectRef>
+        <a:fontRef idx="minor">
+          <a:schemeClr val="lt1"/>
+        </a:fontRef>
+      </dsp:style>
+      <dsp:txBody>
+        <a:bodyPr spcFirstLastPara="0" vert="horz" wrap="square" lIns="49530" tIns="49530" rIns="49530" bIns="49530" numCol="1" spcCol="1270" anchor="ctr" anchorCtr="0">
+          <a:noAutofit/>
+        </a:bodyPr>
+        <a:lstStyle/>
+        <a:p>
+          <a:pPr marL="0" lvl="0" indent="0" algn="ctr" defTabSz="577850">
+            <a:lnSpc>
+              <a:spcPct val="90000"/>
+            </a:lnSpc>
+            <a:spcBef>
+              <a:spcPct val="0"/>
+            </a:spcBef>
+            <a:spcAft>
+              <a:spcPct val="35000"/>
+            </a:spcAft>
+            <a:buNone/>
+          </a:pPr>
+          <a:r>
+            <a:rPr lang="en-US" sz="1300" i="1" kern="1200" dirty="0"/>
+            <a:t>search most promising regions first</a:t>
+          </a:r>
+          <a:endParaRPr lang="en-US" sz="1300" kern="1200" dirty="0"/>
+        </a:p>
+      </dsp:txBody>
+      <dsp:txXfrm>
+        <a:off x="9668856" y="1938673"/>
+        <a:ext cx="1107933" cy="648616"/>
+      </dsp:txXfrm>
+    </dsp:sp>
+  </dsp:spTree>
+</dsp:drawing>
+</file>
+
+<file path=ppt/diagrams/drawing2.xml><?xml version="1.0" encoding="utf-8"?>
+<dsp:drawing xmlns:dgm="http://schemas.openxmlformats.org/drawingml/2006/diagram" xmlns:dsp="http://schemas.microsoft.com/office/drawing/2008/diagram" xmlns:a="http://schemas.openxmlformats.org/drawingml/2006/main">
+  <dsp:spTree>
+    <dsp:nvGrpSpPr>
+      <dsp:cNvPr id="0" name=""/>
+      <dsp:cNvGrpSpPr/>
+    </dsp:nvGrpSpPr>
+    <dsp:grpSpPr/>
+    <dsp:sp modelId="{CB31FAC1-CD40-7345-B58C-09B8470C79A4}">
+      <dsp:nvSpPr>
+        <dsp:cNvPr id="0" name=""/>
+        <dsp:cNvSpPr/>
+      </dsp:nvSpPr>
+      <dsp:spPr>
+        <a:xfrm>
+          <a:off x="1418270" y="1909"/>
+          <a:ext cx="1611542" cy="710444"/>
+        </a:xfrm>
+        <a:prstGeom prst="roundRect">
+          <a:avLst>
+            <a:gd name="adj" fmla="val 10000"/>
+          </a:avLst>
+        </a:prstGeom>
+        <a:solidFill>
+          <a:schemeClr val="accent1">
+            <a:hueOff val="0"/>
+            <a:satOff val="0"/>
+            <a:lumOff val="0"/>
+            <a:alphaOff val="0"/>
+          </a:schemeClr>
+        </a:solidFill>
+        <a:ln w="25400" cap="flat" cmpd="sng" algn="ctr">
+          <a:solidFill>
+            <a:schemeClr val="lt1">
+              <a:hueOff val="0"/>
+              <a:satOff val="0"/>
+              <a:lumOff val="0"/>
+              <a:alphaOff val="0"/>
+            </a:schemeClr>
+          </a:solidFill>
+          <a:prstDash val="solid"/>
+        </a:ln>
+        <a:effectLst/>
+      </dsp:spPr>
+      <dsp:style>
+        <a:lnRef idx="2">
+          <a:scrgbClr r="0" g="0" b="0"/>
+        </a:lnRef>
+        <a:fillRef idx="1">
+          <a:scrgbClr r="0" g="0" b="0"/>
+        </a:fillRef>
+        <a:effectRef idx="0">
+          <a:scrgbClr r="0" g="0" b="0"/>
+        </a:effectRef>
+        <a:fontRef idx="minor">
+          <a:schemeClr val="lt1"/>
+        </a:fontRef>
+      </dsp:style>
+      <dsp:txBody>
+        <a:bodyPr spcFirstLastPara="0" vert="horz" wrap="square" lIns="68580" tIns="68580" rIns="68580" bIns="68580" numCol="1" spcCol="1270" anchor="ctr" anchorCtr="0">
+          <a:noAutofit/>
+        </a:bodyPr>
+        <a:lstStyle/>
+        <a:p>
+          <a:pPr marL="0" lvl="0" indent="0" algn="ctr" defTabSz="800100">
+            <a:lnSpc>
+              <a:spcPct val="90000"/>
+            </a:lnSpc>
+            <a:spcBef>
+              <a:spcPct val="0"/>
+            </a:spcBef>
+            <a:spcAft>
+              <a:spcPct val="35000"/>
+            </a:spcAft>
+            <a:buNone/>
+          </a:pPr>
+          <a:r>
+            <a:rPr lang="en-US" sz="1800" kern="1200" dirty="0"/>
+            <a:t>Sorting</a:t>
+          </a:r>
+          <a:br>
+            <a:rPr lang="en-US" sz="1800" kern="1200" dirty="0"/>
+          </a:br>
+          <a:endParaRPr lang="en-US" sz="1800" kern="1200" dirty="0"/>
+        </a:p>
+      </dsp:txBody>
+      <dsp:txXfrm>
+        <a:off x="1439078" y="22717"/>
+        <a:ext cx="1569926" cy="668828"/>
+      </dsp:txXfrm>
+    </dsp:sp>
+    <dsp:sp modelId="{C9CCB7A3-70F2-8D47-A001-F77A5C78827C}">
+      <dsp:nvSpPr>
+        <dsp:cNvPr id="0" name=""/>
+        <dsp:cNvSpPr/>
+      </dsp:nvSpPr>
+      <dsp:spPr>
+        <a:xfrm rot="5400000">
+          <a:off x="2090833" y="730115"/>
+          <a:ext cx="266416" cy="319699"/>
+        </a:xfrm>
+        <a:prstGeom prst="rightArrow">
+          <a:avLst>
+            <a:gd name="adj1" fmla="val 60000"/>
+            <a:gd name="adj2" fmla="val 50000"/>
+          </a:avLst>
+        </a:prstGeom>
+        <a:solidFill>
+          <a:schemeClr val="accent1">
+            <a:tint val="60000"/>
+            <a:hueOff val="0"/>
+            <a:satOff val="0"/>
+            <a:lumOff val="0"/>
+            <a:alphaOff val="0"/>
+          </a:schemeClr>
+        </a:solidFill>
+        <a:ln>
+          <a:noFill/>
+        </a:ln>
+        <a:effectLst/>
+      </dsp:spPr>
+      <dsp:style>
+        <a:lnRef idx="0">
+          <a:scrgbClr r="0" g="0" b="0"/>
+        </a:lnRef>
+        <a:fillRef idx="1">
+          <a:scrgbClr r="0" g="0" b="0"/>
+        </a:fillRef>
+        <a:effectRef idx="0">
+          <a:scrgbClr r="0" g="0" b="0"/>
+        </a:effectRef>
+        <a:fontRef idx="minor">
+          <a:schemeClr val="lt1"/>
+        </a:fontRef>
+      </dsp:style>
+      <dsp:txBody>
+        <a:bodyPr spcFirstLastPara="0" vert="horz" wrap="square" lIns="0" tIns="0" rIns="0" bIns="0" numCol="1" spcCol="1270" anchor="ctr" anchorCtr="0">
+          <a:noAutofit/>
+        </a:bodyPr>
+        <a:lstStyle/>
+        <a:p>
+          <a:pPr marL="0" lvl="0" indent="0" algn="ctr" defTabSz="622300">
+            <a:lnSpc>
+              <a:spcPct val="90000"/>
+            </a:lnSpc>
+            <a:spcBef>
+              <a:spcPct val="0"/>
+            </a:spcBef>
+            <a:spcAft>
+              <a:spcPct val="35000"/>
+            </a:spcAft>
+            <a:buNone/>
+          </a:pPr>
+          <a:endParaRPr lang="en-US" sz="1400" kern="1200"/>
+        </a:p>
+      </dsp:txBody>
+      <dsp:txXfrm rot="-5400000">
+        <a:off x="2128132" y="756757"/>
+        <a:ext cx="191819" cy="186491"/>
+      </dsp:txXfrm>
+    </dsp:sp>
+    <dsp:sp modelId="{A4D5DBAA-00D1-7C49-ABE5-7FF88C02BE5E}">
+      <dsp:nvSpPr>
+        <dsp:cNvPr id="0" name=""/>
+        <dsp:cNvSpPr/>
+      </dsp:nvSpPr>
+      <dsp:spPr>
+        <a:xfrm>
+          <a:off x="1418270" y="1067576"/>
+          <a:ext cx="1611542" cy="710444"/>
+        </a:xfrm>
+        <a:prstGeom prst="roundRect">
+          <a:avLst>
+            <a:gd name="adj" fmla="val 10000"/>
+          </a:avLst>
+        </a:prstGeom>
+        <a:solidFill>
+          <a:schemeClr val="accent1">
+            <a:hueOff val="0"/>
+            <a:satOff val="0"/>
+            <a:lumOff val="0"/>
+            <a:alphaOff val="0"/>
+          </a:schemeClr>
+        </a:solidFill>
+        <a:ln w="25400" cap="flat" cmpd="sng" algn="ctr">
+          <a:solidFill>
+            <a:schemeClr val="lt1">
+              <a:hueOff val="0"/>
+              <a:satOff val="0"/>
+              <a:lumOff val="0"/>
+              <a:alphaOff val="0"/>
+            </a:schemeClr>
+          </a:solidFill>
+          <a:prstDash val="solid"/>
+        </a:ln>
+        <a:effectLst/>
+      </dsp:spPr>
+      <dsp:style>
+        <a:lnRef idx="2">
+          <a:scrgbClr r="0" g="0" b="0"/>
+        </a:lnRef>
+        <a:fillRef idx="1">
+          <a:scrgbClr r="0" g="0" b="0"/>
+        </a:fillRef>
+        <a:effectRef idx="0">
+          <a:scrgbClr r="0" g="0" b="0"/>
+        </a:effectRef>
+        <a:fontRef idx="minor">
+          <a:schemeClr val="lt1"/>
+        </a:fontRef>
+      </dsp:style>
+      <dsp:txBody>
+        <a:bodyPr spcFirstLastPara="0" vert="horz" wrap="square" lIns="68580" tIns="68580" rIns="68580" bIns="68580" numCol="1" spcCol="1270" anchor="ctr" anchorCtr="0">
+          <a:noAutofit/>
+        </a:bodyPr>
+        <a:lstStyle/>
+        <a:p>
+          <a:pPr marL="0" lvl="0" indent="0" algn="ctr" defTabSz="800100">
+            <a:lnSpc>
+              <a:spcPct val="90000"/>
+            </a:lnSpc>
+            <a:spcBef>
+              <a:spcPct val="0"/>
+            </a:spcBef>
+            <a:spcAft>
+              <a:spcPct val="35000"/>
+            </a:spcAft>
+            <a:buNone/>
+          </a:pPr>
+          <a:r>
+            <a:rPr lang="en-US" sz="1800" kern="1200"/>
+            <a:t>Splitting </a:t>
+          </a:r>
+          <a:r>
+            <a:rPr lang="en-US" sz="1800" kern="1200" dirty="0"/>
+            <a:t>at the median</a:t>
+          </a:r>
+        </a:p>
+      </dsp:txBody>
+      <dsp:txXfrm>
+        <a:off x="1439078" y="1088384"/>
+        <a:ext cx="1569926" cy="668828"/>
+      </dsp:txXfrm>
+    </dsp:sp>
+    <dsp:sp modelId="{9F661577-5ABF-664E-8FB1-AB1BC3EA82A4}">
+      <dsp:nvSpPr>
+        <dsp:cNvPr id="0" name=""/>
+        <dsp:cNvSpPr/>
+      </dsp:nvSpPr>
+      <dsp:spPr>
+        <a:xfrm rot="5400000">
+          <a:off x="2090833" y="1795781"/>
+          <a:ext cx="266416" cy="319699"/>
+        </a:xfrm>
+        <a:prstGeom prst="rightArrow">
+          <a:avLst>
+            <a:gd name="adj1" fmla="val 60000"/>
+            <a:gd name="adj2" fmla="val 50000"/>
+          </a:avLst>
+        </a:prstGeom>
+        <a:solidFill>
+          <a:schemeClr val="accent1">
+            <a:tint val="60000"/>
+            <a:hueOff val="0"/>
+            <a:satOff val="0"/>
+            <a:lumOff val="0"/>
+            <a:alphaOff val="0"/>
+          </a:schemeClr>
+        </a:solidFill>
+        <a:ln>
+          <a:noFill/>
+        </a:ln>
+        <a:effectLst/>
+      </dsp:spPr>
+      <dsp:style>
+        <a:lnRef idx="0">
+          <a:scrgbClr r="0" g="0" b="0"/>
+        </a:lnRef>
+        <a:fillRef idx="1">
+          <a:scrgbClr r="0" g="0" b="0"/>
+        </a:fillRef>
+        <a:effectRef idx="0">
+          <a:scrgbClr r="0" g="0" b="0"/>
+        </a:effectRef>
+        <a:fontRef idx="minor">
+          <a:schemeClr val="lt1"/>
+        </a:fontRef>
+      </dsp:style>
+      <dsp:txBody>
+        <a:bodyPr spcFirstLastPara="0" vert="horz" wrap="square" lIns="0" tIns="0" rIns="0" bIns="0" numCol="1" spcCol="1270" anchor="ctr" anchorCtr="0">
+          <a:noAutofit/>
+        </a:bodyPr>
+        <a:lstStyle/>
+        <a:p>
+          <a:pPr marL="0" lvl="0" indent="0" algn="ctr" defTabSz="622300">
+            <a:lnSpc>
+              <a:spcPct val="90000"/>
+            </a:lnSpc>
+            <a:spcBef>
+              <a:spcPct val="0"/>
+            </a:spcBef>
+            <a:spcAft>
+              <a:spcPct val="35000"/>
+            </a:spcAft>
+            <a:buNone/>
+          </a:pPr>
+          <a:endParaRPr lang="en-US" sz="1400" kern="1200"/>
+        </a:p>
+      </dsp:txBody>
+      <dsp:txXfrm rot="-5400000">
+        <a:off x="2128132" y="1822423"/>
+        <a:ext cx="191819" cy="186491"/>
+      </dsp:txXfrm>
+    </dsp:sp>
+    <dsp:sp modelId="{F35DA6AE-F24D-924F-97C5-D3AA1A895B0E}">
+      <dsp:nvSpPr>
+        <dsp:cNvPr id="0" name=""/>
+        <dsp:cNvSpPr/>
+      </dsp:nvSpPr>
+      <dsp:spPr>
+        <a:xfrm>
+          <a:off x="1418270" y="2133242"/>
+          <a:ext cx="1611542" cy="710444"/>
+        </a:xfrm>
+        <a:prstGeom prst="roundRect">
+          <a:avLst>
+            <a:gd name="adj" fmla="val 10000"/>
+          </a:avLst>
+        </a:prstGeom>
+        <a:solidFill>
+          <a:schemeClr val="accent1">
+            <a:hueOff val="0"/>
+            <a:satOff val="0"/>
+            <a:lumOff val="0"/>
+            <a:alphaOff val="0"/>
+          </a:schemeClr>
+        </a:solidFill>
+        <a:ln w="25400" cap="flat" cmpd="sng" algn="ctr">
+          <a:solidFill>
+            <a:schemeClr val="lt1">
+              <a:hueOff val="0"/>
+              <a:satOff val="0"/>
+              <a:lumOff val="0"/>
+              <a:alphaOff val="0"/>
+            </a:schemeClr>
+          </a:solidFill>
+          <a:prstDash val="solid"/>
+        </a:ln>
+        <a:effectLst/>
+      </dsp:spPr>
+      <dsp:style>
+        <a:lnRef idx="2">
+          <a:scrgbClr r="0" g="0" b="0"/>
+        </a:lnRef>
+        <a:fillRef idx="1">
+          <a:scrgbClr r="0" g="0" b="0"/>
+        </a:fillRef>
+        <a:effectRef idx="0">
+          <a:scrgbClr r="0" g="0" b="0"/>
+        </a:effectRef>
+        <a:fontRef idx="minor">
+          <a:schemeClr val="lt1"/>
+        </a:fontRef>
+      </dsp:style>
+      <dsp:txBody>
+        <a:bodyPr spcFirstLastPara="0" vert="horz" wrap="square" lIns="68580" tIns="68580" rIns="68580" bIns="68580" numCol="1" spcCol="1270" anchor="ctr" anchorCtr="0">
+          <a:noAutofit/>
+        </a:bodyPr>
+        <a:lstStyle/>
+        <a:p>
+          <a:pPr marL="0" lvl="0" indent="0" algn="ctr" defTabSz="800100">
+            <a:lnSpc>
+              <a:spcPct val="90000"/>
+            </a:lnSpc>
+            <a:spcBef>
+              <a:spcPct val="0"/>
+            </a:spcBef>
+            <a:spcAft>
+              <a:spcPct val="35000"/>
+            </a:spcAft>
+            <a:buNone/>
+          </a:pPr>
+          <a:r>
+            <a:rPr lang="en-US" sz="1800" kern="1200" dirty="0"/>
+            <a:t>Applying BBS to each half</a:t>
+          </a:r>
+        </a:p>
+      </dsp:txBody>
+      <dsp:txXfrm>
+        <a:off x="1439078" y="2154050"/>
+        <a:ext cx="1569926" cy="668828"/>
+      </dsp:txXfrm>
+    </dsp:sp>
+    <dsp:sp modelId="{D4E1F3FC-275E-164A-B2A8-E0C074709F71}">
+      <dsp:nvSpPr>
+        <dsp:cNvPr id="0" name=""/>
+        <dsp:cNvSpPr/>
+      </dsp:nvSpPr>
+      <dsp:spPr>
+        <a:xfrm rot="5400000">
+          <a:off x="2090833" y="2861447"/>
+          <a:ext cx="266416" cy="319699"/>
+        </a:xfrm>
+        <a:prstGeom prst="rightArrow">
+          <a:avLst>
+            <a:gd name="adj1" fmla="val 60000"/>
+            <a:gd name="adj2" fmla="val 50000"/>
+          </a:avLst>
+        </a:prstGeom>
+        <a:solidFill>
+          <a:schemeClr val="accent1">
+            <a:tint val="60000"/>
+            <a:hueOff val="0"/>
+            <a:satOff val="0"/>
+            <a:lumOff val="0"/>
+            <a:alphaOff val="0"/>
+          </a:schemeClr>
+        </a:solidFill>
+        <a:ln>
+          <a:noFill/>
+        </a:ln>
+        <a:effectLst/>
+      </dsp:spPr>
+      <dsp:style>
+        <a:lnRef idx="0">
+          <a:scrgbClr r="0" g="0" b="0"/>
+        </a:lnRef>
+        <a:fillRef idx="1">
+          <a:scrgbClr r="0" g="0" b="0"/>
+        </a:fillRef>
+        <a:effectRef idx="0">
+          <a:scrgbClr r="0" g="0" b="0"/>
+        </a:effectRef>
+        <a:fontRef idx="minor">
+          <a:schemeClr val="lt1"/>
+        </a:fontRef>
+      </dsp:style>
+      <dsp:txBody>
+        <a:bodyPr spcFirstLastPara="0" vert="horz" wrap="square" lIns="0" tIns="0" rIns="0" bIns="0" numCol="1" spcCol="1270" anchor="ctr" anchorCtr="0">
+          <a:noAutofit/>
+        </a:bodyPr>
+        <a:lstStyle/>
+        <a:p>
+          <a:pPr marL="0" lvl="0" indent="0" algn="ctr" defTabSz="622300">
+            <a:lnSpc>
+              <a:spcPct val="90000"/>
+            </a:lnSpc>
+            <a:spcBef>
+              <a:spcPct val="0"/>
+            </a:spcBef>
+            <a:spcAft>
+              <a:spcPct val="35000"/>
+            </a:spcAft>
+            <a:buNone/>
+          </a:pPr>
+          <a:endParaRPr lang="en-US" sz="1400" kern="1200"/>
+        </a:p>
+      </dsp:txBody>
+      <dsp:txXfrm rot="-5400000">
+        <a:off x="2128132" y="2888089"/>
+        <a:ext cx="191819" cy="186491"/>
+      </dsp:txXfrm>
+    </dsp:sp>
+    <dsp:sp modelId="{538B4804-B2BD-984E-AABF-7D13E8F5D45E}">
+      <dsp:nvSpPr>
+        <dsp:cNvPr id="0" name=""/>
+        <dsp:cNvSpPr/>
+      </dsp:nvSpPr>
+      <dsp:spPr>
+        <a:xfrm>
+          <a:off x="1418270" y="3198908"/>
+          <a:ext cx="1611542" cy="710444"/>
+        </a:xfrm>
+        <a:prstGeom prst="roundRect">
+          <a:avLst>
+            <a:gd name="adj" fmla="val 10000"/>
+          </a:avLst>
+        </a:prstGeom>
+        <a:solidFill>
+          <a:schemeClr val="accent1">
+            <a:hueOff val="0"/>
+            <a:satOff val="0"/>
+            <a:lumOff val="0"/>
+            <a:alphaOff val="0"/>
+          </a:schemeClr>
+        </a:solidFill>
+        <a:ln w="25400" cap="flat" cmpd="sng" algn="ctr">
+          <a:solidFill>
+            <a:schemeClr val="lt1">
+              <a:hueOff val="0"/>
+              <a:satOff val="0"/>
+              <a:lumOff val="0"/>
+              <a:alphaOff val="0"/>
+            </a:schemeClr>
+          </a:solidFill>
+          <a:prstDash val="solid"/>
+        </a:ln>
+        <a:effectLst/>
+      </dsp:spPr>
+      <dsp:style>
+        <a:lnRef idx="2">
+          <a:scrgbClr r="0" g="0" b="0"/>
+        </a:lnRef>
+        <a:fillRef idx="1">
+          <a:scrgbClr r="0" g="0" b="0"/>
+        </a:fillRef>
+        <a:effectRef idx="0">
+          <a:scrgbClr r="0" g="0" b="0"/>
+        </a:effectRef>
+        <a:fontRef idx="minor">
+          <a:schemeClr val="lt1"/>
+        </a:fontRef>
+      </dsp:style>
+      <dsp:txBody>
+        <a:bodyPr spcFirstLastPara="0" vert="horz" wrap="square" lIns="68580" tIns="68580" rIns="68580" bIns="68580" numCol="1" spcCol="1270" anchor="ctr" anchorCtr="0">
+          <a:noAutofit/>
+        </a:bodyPr>
+        <a:lstStyle/>
+        <a:p>
+          <a:pPr marL="0" lvl="0" indent="0" algn="ctr" defTabSz="800100">
+            <a:lnSpc>
+              <a:spcPct val="90000"/>
+            </a:lnSpc>
+            <a:spcBef>
+              <a:spcPct val="0"/>
+            </a:spcBef>
+            <a:spcAft>
+              <a:spcPct val="35000"/>
+            </a:spcAft>
+            <a:buNone/>
+          </a:pPr>
+          <a:r>
+            <a:rPr lang="en-US" sz="1800" kern="1200" dirty="0"/>
+            <a:t>Merging</a:t>
+          </a:r>
+        </a:p>
+      </dsp:txBody>
+      <dsp:txXfrm>
+        <a:off x="1439078" y="3219716"/>
+        <a:ext cx="1569926" cy="668828"/>
+      </dsp:txXfrm>
+    </dsp:sp>
+  </dsp:spTree>
+</dsp:drawing>
+</file>
+
+<file path=ppt/diagrams/layout1.xml><?xml version="1.0" encoding="utf-8"?>
+<dgm:layoutDef xmlns:dgm="http://schemas.openxmlformats.org/drawingml/2006/diagram" xmlns:a="http://schemas.openxmlformats.org/drawingml/2006/main" uniqueId="urn:microsoft.com/office/officeart/2005/8/layout/process1">
+  <dgm:title val=""/>
+  <dgm:desc val=""/>
+  <dgm:catLst>
+    <dgm:cat type="process" pri="1000"/>
+    <dgm:cat type="convert" pri="15000"/>
+  </dgm:catLst>
+  <dgm:sampData useDef="1">
+    <dgm:dataModel>
+      <dgm:ptLst/>
+      <dgm:bg/>
+      <dgm:whole/>
+    </dgm:dataModel>
+  </dgm:sampData>
+  <dgm:styleData>
+    <dgm:dataModel>
+      <dgm:ptLst>
+        <dgm:pt modelId="0" type="doc"/>
+        <dgm:pt modelId="1"/>
+        <dgm:pt modelId="2"/>
+      </dgm:ptLst>
+      <dgm:cxnLst>
+        <dgm:cxn modelId="3" srcId="0" destId="1" srcOrd="0" destOrd="0"/>
+        <dgm:cxn modelId="4" srcId="0" destId="2" srcOrd="1" destOrd="0"/>
+      </dgm:cxnLst>
+      <dgm:bg/>
+      <dgm:whole/>
+    </dgm:dataModel>
+  </dgm:styleData>
+  <dgm:clrData>
+    <dgm:dataModel>
+      <dgm:ptLst>
+        <dgm:pt modelId="0" type="doc"/>
+        <dgm:pt modelId="1"/>
+        <dgm:pt modelId="2"/>
+        <dgm:pt modelId="3"/>
+        <dgm:pt modelId="4"/>
+      </dgm:ptLst>
+      <dgm:cxnLst>
+        <dgm:cxn modelId="5" srcId="0" destId="1" srcOrd="0" destOrd="0"/>
+        <dgm:cxn modelId="6" srcId="0" destId="2" srcOrd="1" destOrd="0"/>
+        <dgm:cxn modelId="7" srcId="0" destId="3" srcOrd="2" destOrd="0"/>
+        <dgm:cxn modelId="8" srcId="0" destId="4" srcOrd="3" destOrd="0"/>
+      </dgm:cxnLst>
+      <dgm:bg/>
+      <dgm:whole/>
+    </dgm:dataModel>
+  </dgm:clrData>
+  <dgm:layoutNode name="Name0">
+    <dgm:varLst>
+      <dgm:dir/>
+      <dgm:resizeHandles val="exact"/>
+    </dgm:varLst>
+    <dgm:choose name="Name1">
+      <dgm:if name="Name2" func="var" arg="dir" op="equ" val="norm">
+        <dgm:alg type="lin"/>
+      </dgm:if>
+      <dgm:else name="Name3">
+        <dgm:alg type="lin">
+          <dgm:param type="linDir" val="fromR"/>
+        </dgm:alg>
+      </dgm:else>
+    </dgm:choose>
+    <dgm:shape xmlns:r="http://schemas.openxmlformats.org/officeDocument/2006/relationships" r:blip="">
+      <dgm:adjLst/>
+    </dgm:shape>
+    <dgm:presOf/>
+    <dgm:constrLst>
+      <dgm:constr type="w" for="ch" ptType="node" refType="w"/>
+      <dgm:constr type="h" for="ch" ptType="node" op="equ"/>
+      <dgm:constr type="primFontSz" for="ch" ptType="node" op="equ" val="65"/>
+      <dgm:constr type="w" for="ch" ptType="sibTrans" refType="w" refFor="ch" refPtType="node" op="equ" fact="0.4"/>
+      <dgm:constr type="h" for="ch" ptType="sibTrans" op="equ"/>
+      <dgm:constr type="primFontSz" for="des" forName="connectorText" op="equ" val="55"/>
+      <dgm:constr type="primFontSz" for="des" forName="connectorText" refType="primFontSz" refFor="ch" refPtType="node" op="lte" fact="0.8"/>
+    </dgm:constrLst>
+    <dgm:ruleLst/>
+    <dgm:forEach name="nodesForEach" axis="ch" ptType="node">
+      <dgm:layoutNode name="node">
+        <dgm:varLst>
+          <dgm:bulletEnabled val="1"/>
+        </dgm:varLst>
+        <dgm:alg type="tx"/>
+        <dgm:shape xmlns:r="http://schemas.openxmlformats.org/officeDocument/2006/relationships" type="roundRect" r:blip="">
+          <dgm:adjLst>
+            <dgm:adj idx="1" val="0.1"/>
+          </dgm:adjLst>
+        </dgm:shape>
+        <dgm:presOf axis="desOrSelf" ptType="node"/>
+        <dgm:constrLst>
+          <dgm:constr type="h" refType="w" fact="0.6"/>
+          <dgm:constr type="tMarg" refType="primFontSz" fact="0.3"/>
+          <dgm:constr type="bMarg" refType="primFontSz" fact="0.3"/>
+          <dgm:constr type="lMarg" refType="primFontSz" fact="0.3"/>
+          <dgm:constr type="rMarg" refType="primFontSz" fact="0.3"/>
+        </dgm:constrLst>
+        <dgm:ruleLst>
+          <dgm:rule type="primFontSz" val="18" fact="NaN" max="NaN"/>
+          <dgm:rule type="h" val="NaN" fact="1.5" max="NaN"/>
+          <dgm:rule type="primFontSz" val="5" fact="NaN" max="NaN"/>
+          <dgm:rule type="h" val="INF" fact="NaN" max="NaN"/>
+        </dgm:ruleLst>
+      </dgm:layoutNode>
+      <dgm:forEach name="sibTransForEach" axis="followSib" ptType="sibTrans" cnt="1">
+        <dgm:layoutNode name="sibTrans">
+          <dgm:alg type="conn">
+            <dgm:param type="begPts" val="auto"/>
+            <dgm:param type="endPts" val="auto"/>
+          </dgm:alg>
+          <dgm:shape xmlns:r="http://schemas.openxmlformats.org/officeDocument/2006/relationships" type="conn" r:blip="">
+            <dgm:adjLst/>
+          </dgm:shape>
+          <dgm:presOf axis="self"/>
+          <dgm:constrLst>
+            <dgm:constr type="h" refType="w" fact="0.62"/>
+            <dgm:constr type="connDist"/>
+            <dgm:constr type="begPad" refType="connDist" fact="0.25"/>
+            <dgm:constr type="endPad" refType="connDist" fact="0.22"/>
+          </dgm:constrLst>
+          <dgm:ruleLst/>
+          <dgm:layoutNode name="connectorText">
+            <dgm:alg type="tx">
+              <dgm:param type="autoTxRot" val="grav"/>
+            </dgm:alg>
+            <dgm:shape xmlns:r="http://schemas.openxmlformats.org/officeDocument/2006/relationships" type="conn" r:blip="" hideGeom="1">
+              <dgm:adjLst/>
+            </dgm:shape>
+            <dgm:presOf axis="self"/>
+            <dgm:constrLst>
+              <dgm:constr type="lMarg"/>
+              <dgm:constr type="rMarg"/>
+              <dgm:constr type="tMarg"/>
+              <dgm:constr type="bMarg"/>
+            </dgm:constrLst>
+            <dgm:ruleLst>
+              <dgm:rule type="primFontSz" val="5" fact="NaN" max="NaN"/>
+            </dgm:ruleLst>
+          </dgm:layoutNode>
+        </dgm:layoutNode>
+      </dgm:forEach>
+    </dgm:forEach>
+  </dgm:layoutNode>
+</dgm:layoutDef>
+</file>
+
+<file path=ppt/diagrams/layout2.xml><?xml version="1.0" encoding="utf-8"?>
+<dgm:layoutDef xmlns:dgm="http://schemas.openxmlformats.org/drawingml/2006/diagram" xmlns:a="http://schemas.openxmlformats.org/drawingml/2006/main" uniqueId="urn:microsoft.com/office/officeart/2005/8/layout/process2">
+  <dgm:title val=""/>
+  <dgm:desc val=""/>
+  <dgm:catLst>
+    <dgm:cat type="process" pri="13000"/>
+  </dgm:catLst>
+  <dgm:sampData useDef="1">
+    <dgm:dataModel>
+      <dgm:ptLst/>
+      <dgm:bg/>
+      <dgm:whole/>
+    </dgm:dataModel>
+  </dgm:sampData>
+  <dgm:styleData>
+    <dgm:dataModel>
+      <dgm:ptLst>
+        <dgm:pt modelId="0" type="doc"/>
+        <dgm:pt modelId="1"/>
+        <dgm:pt modelId="2"/>
+      </dgm:ptLst>
+      <dgm:cxnLst>
+        <dgm:cxn modelId="3" srcId="0" destId="1" srcOrd="0" destOrd="0"/>
+        <dgm:cxn modelId="4" srcId="0" destId="2" srcOrd="1" destOrd="0"/>
+      </dgm:cxnLst>
+      <dgm:bg/>
+      <dgm:whole/>
+    </dgm:dataModel>
+  </dgm:styleData>
+  <dgm:clrData>
+    <dgm:dataModel>
+      <dgm:ptLst>
+        <dgm:pt modelId="0" type="doc"/>
+        <dgm:pt modelId="1"/>
+        <dgm:pt modelId="2"/>
+        <dgm:pt modelId="3"/>
+        <dgm:pt modelId="4"/>
+      </dgm:ptLst>
+      <dgm:cxnLst>
+        <dgm:cxn modelId="5" srcId="0" destId="1" srcOrd="0" destOrd="0"/>
+        <dgm:cxn modelId="6" srcId="0" destId="2" srcOrd="1" destOrd="0"/>
+        <dgm:cxn modelId="7" srcId="0" destId="3" srcOrd="2" destOrd="0"/>
+        <dgm:cxn modelId="8" srcId="0" destId="4" srcOrd="3" destOrd="0"/>
+      </dgm:cxnLst>
+      <dgm:bg/>
+      <dgm:whole/>
+    </dgm:dataModel>
+  </dgm:clrData>
+  <dgm:layoutNode name="linearFlow">
+    <dgm:varLst>
+      <dgm:resizeHandles val="exact"/>
+    </dgm:varLst>
+    <dgm:alg type="lin">
+      <dgm:param type="linDir" val="fromT"/>
+    </dgm:alg>
+    <dgm:shape xmlns:r="http://schemas.openxmlformats.org/officeDocument/2006/relationships" r:blip="">
+      <dgm:adjLst/>
+    </dgm:shape>
+    <dgm:presOf/>
+    <dgm:constrLst>
+      <dgm:constr type="h" for="ch" ptType="node" refType="h"/>
+      <dgm:constr type="h" for="ch" ptType="sibTrans" refType="h" refFor="ch" refPtType="node" fact="0.5"/>
+      <dgm:constr type="w" for="ch" ptType="node" op="equ"/>
+      <dgm:constr type="primFontSz" for="ch" ptType="node" op="equ" val="65"/>
+      <dgm:constr type="primFontSz" for="des" forName="connectorText" op="equ" val="55"/>
+      <dgm:constr type="primFontSz" for="des" forName="connectorText" refType="primFontSz" refFor="ch" refPtType="node" op="lte" fact="0.8"/>
+    </dgm:constrLst>
+    <dgm:ruleLst/>
+    <dgm:forEach name="nodesForEach" axis="ch" ptType="node">
+      <dgm:layoutNode name="node">
+        <dgm:varLst>
+          <dgm:bulletEnabled val="1"/>
+        </dgm:varLst>
+        <dgm:choose name="Name0">
+          <dgm:if name="Name1" axis="root des" ptType="all node" func="maxDepth" op="gt" val="1">
+            <dgm:alg type="tx">
+              <dgm:param type="parTxLTRAlign" val="l"/>
+              <dgm:param type="parTxRTLAlign" val="r"/>
+              <dgm:param type="txAnchorVertCh" val="mid"/>
+            </dgm:alg>
+          </dgm:if>
+          <dgm:else name="Name2">
+            <dgm:alg type="tx"/>
+          </dgm:else>
+        </dgm:choose>
+        <dgm:shape xmlns:r="http://schemas.openxmlformats.org/officeDocument/2006/relationships" type="roundRect" r:blip="">
+          <dgm:adjLst>
+            <dgm:adj idx="1" val="0.1"/>
+          </dgm:adjLst>
+        </dgm:shape>
+        <dgm:presOf axis="desOrSelf" ptType="node"/>
+        <dgm:constrLst>
+          <dgm:constr type="w" refType="h" fact="1.8"/>
+          <dgm:constr type="tMarg" refType="primFontSz" fact="0.3"/>
+          <dgm:constr type="bMarg" refType="primFontSz" fact="0.3"/>
+          <dgm:constr type="lMarg" refType="primFontSz" fact="0.3"/>
+          <dgm:constr type="rMarg" refType="primFontSz" fact="0.3"/>
+        </dgm:constrLst>
+        <dgm:ruleLst>
+          <dgm:rule type="primFontSz" val="18" fact="NaN" max="NaN"/>
+          <dgm:rule type="w" val="NaN" fact="4" max="NaN"/>
+          <dgm:rule type="primFontSz" val="5" fact="NaN" max="NaN"/>
+        </dgm:ruleLst>
+      </dgm:layoutNode>
+      <dgm:forEach name="sibTransForEach" axis="followSib" ptType="sibTrans" cnt="1">
+        <dgm:layoutNode name="sibTrans">
+          <dgm:alg type="conn">
+            <dgm:param type="begPts" val="auto"/>
+            <dgm:param type="endPts" val="auto"/>
+          </dgm:alg>
+          <dgm:shape xmlns:r="http://schemas.openxmlformats.org/officeDocument/2006/relationships" type="conn" r:blip="">
+            <dgm:adjLst/>
+          </dgm:shape>
+          <dgm:presOf axis="self"/>
+          <dgm:constrLst>
+            <dgm:constr type="w" refType="h" fact="0.9"/>
+            <dgm:constr type="connDist"/>
+            <dgm:constr type="wArH" refType="w" fact="0.5"/>
+            <dgm:constr type="hArH" refType="w"/>
+            <dgm:constr type="stemThick" refType="w" fact="0.6"/>
+            <dgm:constr type="begPad" refType="connDist" fact="0.125"/>
+            <dgm:constr type="endPad" refType="connDist" fact="0.125"/>
+          </dgm:constrLst>
+          <dgm:ruleLst/>
+          <dgm:layoutNode name="connectorText">
+            <dgm:alg type="tx">
+              <dgm:param type="autoTxRot" val="upr"/>
+            </dgm:alg>
+            <dgm:shape xmlns:r="http://schemas.openxmlformats.org/officeDocument/2006/relationships" type="conn" r:blip="" hideGeom="1">
+              <dgm:adjLst/>
+            </dgm:shape>
+            <dgm:presOf axis="self"/>
+            <dgm:constrLst>
+              <dgm:constr type="lMarg"/>
+              <dgm:constr type="rMarg"/>
+              <dgm:constr type="tMarg"/>
+              <dgm:constr type="bMarg"/>
+            </dgm:constrLst>
+            <dgm:ruleLst>
+              <dgm:rule type="primFontSz" val="5" fact="NaN" max="NaN"/>
+            </dgm:ruleLst>
+          </dgm:layoutNode>
+        </dgm:layoutNode>
+      </dgm:forEach>
+    </dgm:forEach>
+  </dgm:layoutNode>
+</dgm:layoutDef>
+</file>
+
+<file path=ppt/diagrams/quickStyle1.xml><?xml version="1.0" encoding="utf-8"?>
+<dgm:styleDef xmlns:dgm="http://schemas.openxmlformats.org/drawingml/2006/diagram" xmlns:a="http://schemas.openxmlformats.org/drawingml/2006/main" uniqueId="urn:microsoft.com/office/officeart/2005/8/quickstyle/simple1">
+  <dgm:title val=""/>
+  <dgm:desc val=""/>
+  <dgm:catLst>
+    <dgm:cat type="simple" pri="10100"/>
+  </dgm:catLst>
+  <dgm:scene3d>
+    <a:camera prst="orthographicFront"/>
+    <a:lightRig rig="threePt" dir="t"/>
+  </dgm:scene3d>
+  <dgm:styleLbl name="node0">
+    <dgm:scene3d>
+      <a:camera prst="orthographicFront"/>
+      <a:lightRig rig="threePt" dir="t"/>
+    </dgm:scene3d>
+    <dgm:sp3d/>
+    <dgm:txPr/>
+    <dgm:style>
+      <a:lnRef idx="2">
+        <a:scrgbClr r="0" g="0" b="0"/>
+      </a:lnRef>
+      <a:fillRef idx="1">
+        <a:scrgbClr r="0" g="0" b="0"/>
+      </a:fillRef>
+      <a:effectRef idx="0">
+        <a:scrgbClr r="0" g="0" b="0"/>
+      </a:effectRef>
+      <a:fontRef idx="minor">
+        <a:schemeClr val="lt1"/>
+      </a:fontRef>
+    </dgm:style>
+  </dgm:styleLbl>
+  <dgm:styleLbl name="lnNode1">
+    <dgm:scene3d>
+      <a:camera prst="orthographicFront"/>
+      <a:lightRig rig="threePt" dir="t"/>
+    </dgm:scene3d>
+    <dgm:sp3d/>
+    <dgm:txPr/>
+    <dgm:style>
+      <a:lnRef idx="2">
+        <a:scrgbClr r="0" g="0" b="0"/>
+      </a:lnRef>
+      <a:fillRef idx="1">
+        <a:scrgbClr r="0" g="0" b="0"/>
+      </a:fillRef>
+      <a:effectRef idx="0">
+        <a:scrgbClr r="0" g="0" b="0"/>
+      </a:effectRef>
+      <a:fontRef idx="minor">
+        <a:schemeClr val="lt1"/>
+      </a:fontRef>
+    </dgm:style>
+  </dgm:styleLbl>
+  <dgm:styleLbl name="vennNode1">
+    <dgm:scene3d>
+      <a:camera prst="orthographicFront"/>
+      <a:lightRig rig="threePt" dir="t"/>
+    </dgm:scene3d>
+    <dgm:sp3d/>
+    <dgm:txPr/>
+    <dgm:style>
+      <a:lnRef idx="2">
+        <a:scrgbClr r="0" g="0" b="0"/>
+      </a:lnRef>
+      <a:fillRef idx="1">
+        <a:scrgbClr r="0" g="0" b="0"/>
+      </a:fillRef>
+      <a:effectRef idx="0">
+        <a:scrgbClr r="0" g="0" b="0"/>
+      </a:effectRef>
+      <a:fontRef idx="minor">
+        <a:schemeClr val="tx1"/>
+      </a:fontRef>
+    </dgm:style>
+  </dgm:styleLbl>
+  <dgm:styleLbl name="alignNode1">
+    <dgm:scene3d>
+      <a:camera prst="orthographicFront"/>
+      <a:lightRig rig="threePt" dir="t"/>
+    </dgm:scene3d>
+    <dgm:sp3d/>
+    <dgm:txPr/>
+    <dgm:style>
+      <a:lnRef idx="2">
+        <a:scrgbClr r="0" g="0" b="0"/>
+      </a:lnRef>
+      <a:fillRef idx="1">
+        <a:scrgbClr r="0" g="0" b="0"/>
+      </a:fillRef>
+      <a:effectRef idx="0">
+        <a:scrgbClr r="0" g="0" b="0"/>
+      </a:effectRef>
+      <a:fontRef idx="minor">
+        <a:schemeClr val="lt1"/>
+      </a:fontRef>
+    </dgm:style>
+  </dgm:styleLbl>
+  <dgm:styleLbl name="node1">
+    <dgm:scene3d>
+      <a:camera prst="orthographicFront"/>
+      <a:lightRig rig="threePt" dir="t"/>
+    </dgm:scene3d>
+    <dgm:sp3d/>
+    <dgm:txPr/>
+    <dgm:style>
+      <a:lnRef idx="2">
+        <a:scrgbClr r="0" g="0" b="0"/>
+      </a:lnRef>
+      <a:fillRef idx="1">
+        <a:scrgbClr r="0" g="0" b="0"/>
+      </a:fillRef>
+      <a:effectRef idx="0">
+        <a:scrgbClr r="0" g="0" b="0"/>
+      </a:effectRef>
+      <a:fontRef idx="minor">
+        <a:schemeClr val="lt1"/>
+      </a:fontRef>
+    </dgm:style>
+  </dgm:styleLbl>
+  <dgm:styleLbl name="node2">
+    <dgm:scene3d>
+      <a:camera prst="orthographicFront"/>
+      <a:lightRig rig="threePt" dir="t"/>
+    </dgm:scene3d>
+    <dgm:sp3d/>
+    <dgm:txPr/>
+    <dgm:style>
+      <a:lnRef idx="2">
+        <a:scrgbClr r="0" g="0" b="0"/>
+      </a:lnRef>
+      <a:fillRef idx="1">
+        <a:scrgbClr r="0" g="0" b="0"/>
+      </a:fillRef>
+      <a:effectRef idx="0">
+        <a:scrgbClr r="0" g="0" b="0"/>
+      </a:effectRef>
+      <a:fontRef idx="minor">
+        <a:schemeClr val="lt1"/>
+      </a:fontRef>
+    </dgm:style>
+  </dgm:styleLbl>
+  <dgm:styleLbl name="node3">
+    <dgm:scene3d>
+      <a:camera prst="orthographicFront"/>
+      <a:lightRig rig="threePt" dir="t"/>
+    </dgm:scene3d>
+    <dgm:sp3d/>
+    <dgm:txPr/>
+    <dgm:style>
+      <a:lnRef idx="2">
+        <a:scrgbClr r="0" g="0" b="0"/>
+      </a:lnRef>
+      <a:fillRef idx="1">
+        <a:scrgbClr r="0" g="0" b="0"/>
+      </a:fillRef>
+      <a:effectRef idx="0">
+        <a:scrgbClr r="0" g="0" b="0"/>
+      </a:effectRef>
+      <a:fontRef idx="minor">
+        <a:schemeClr val="lt1"/>
+      </a:fontRef>
+    </dgm:style>
+  </dgm:styleLbl>
+  <dgm:styleLbl name="node4">
+    <dgm:scene3d>
+      <a:camera prst="orthographicFront"/>
+      <a:lightRig rig="threePt" dir="t"/>
+    </dgm:scene3d>
+    <dgm:sp3d/>
+    <dgm:txPr/>
+    <dgm:style>
+      <a:lnRef idx="2">
+        <a:scrgbClr r="0" g="0" b="0"/>
+      </a:lnRef>
+      <a:fillRef idx="1">
+        <a:scrgbClr r="0" g="0" b="0"/>
+      </a:fillRef>
+      <a:effectRef idx="0">
+        <a:scrgbClr r="0" g="0" b="0"/>
+      </a:effectRef>
+      <a:fontRef idx="minor">
+        <a:schemeClr val="lt1"/>
+      </a:fontRef>
+    </dgm:style>
+  </dgm:styleLbl>
+  <dgm:styleLbl name="fgImgPlace1">
+    <dgm:scene3d>
+      <a:camera prst="orthographicFront"/>
+      <a:lightRig rig="threePt" dir="t"/>
+    </dgm:scene3d>
+    <dgm:sp3d/>
+    <dgm:txPr/>
+    <dgm:style>
+      <a:lnRef idx="2">
+        <a:scrgbClr r="0" g="0" b="0"/>
+      </a:lnRef>
+      <a:fillRef idx="1">
+        <a:scrgbClr r="0" g="0" b="0"/>
+      </a:fillRef>
+      <a:effectRef idx="0">
+        <a:scrgbClr r="0" g="0" b="0"/>
+      </a:effectRef>
+      <a:fontRef idx="minor"/>
+    </dgm:style>
+  </dgm:styleLbl>
+  <dgm:styleLbl name="alignImgPlace1">
+    <dgm:scene3d>
+      <a:camera prst="orthographicFront"/>
+      <a:lightRig rig="threePt" dir="t"/>
+    </dgm:scene3d>
+    <dgm:sp3d/>
+    <dgm:txPr/>
+    <dgm:style>
+      <a:lnRef idx="2">
+        <a:scrgbClr r="0" g="0" b="0"/>
+      </a:lnRef>
+      <a:fillRef idx="1">
+        <a:scrgbClr r="0" g="0" b="0"/>
+      </a:fillRef>
+      <a:effectRef idx="0">
+        <a:scrgbClr r="0" g="0" b="0"/>
+      </a:effectRef>
+      <a:fontRef idx="minor"/>
+    </dgm:style>
+  </dgm:styleLbl>
+  <dgm:styleLbl name="bgImgPlace1">
+    <dgm:scene3d>
+      <a:camera prst="orthographicFront"/>
+      <a:lightRig rig="threePt" dir="t"/>
+    </dgm:scene3d>
+    <dgm:sp3d/>
+    <dgm:txPr/>
+    <dgm:style>
+      <a:lnRef idx="2">
+        <a:scrgbClr r="0" g="0" b="0"/>
+      </a:lnRef>
+      <a:fillRef idx="1">
+        <a:scrgbClr r="0" g="0" b="0"/>
+      </a:fillRef>
+      <a:effectRef idx="0">
+        <a:scrgbClr r="0" g="0" b="0"/>
+      </a:effectRef>
+      <a:fontRef idx="minor"/>
+    </dgm:style>
+  </dgm:styleLbl>
+  <dgm:styleLbl name="sibTrans2D1">
+    <dgm:scene3d>
+      <a:camera prst="orthographicFront"/>
+      <a:lightRig rig="threePt" dir="t"/>
+    </dgm:scene3d>
+    <dgm:sp3d/>
+    <dgm:txPr/>
+    <dgm:style>
+      <a:lnRef idx="0">
+        <a:scrgbClr r="0" g="0" b="0"/>
+      </a:lnRef>
+      <a:fillRef idx="1">
+        <a:scrgbClr r="0" g="0" b="0"/>
+      </a:fillRef>
+      <a:effectRef idx="0">
+        <a:scrgbClr r="0" g="0" b="0"/>
+      </a:effectRef>
+      <a:fontRef idx="minor">
+        <a:schemeClr val="lt1"/>
+      </a:fontRef>
+    </dgm:style>
+  </dgm:styleLbl>
+  <dgm:styleLbl name="fgSibTrans2D1">
+    <dgm:scene3d>
+      <a:camera prst="orthographicFront"/>
+      <a:lightRig rig="threePt" dir="t"/>
+    </dgm:scene3d>
+    <dgm:sp3d/>
+    <dgm:txPr/>
+    <dgm:style>
+      <a:lnRef idx="0">
+        <a:scrgbClr r="0" g="0" b="0"/>
+      </a:lnRef>
+      <a:fillRef idx="1">
+        <a:scrgbClr r="0" g="0" b="0"/>
+      </a:fillRef>
+      <a:effectRef idx="0">
+        <a:scrgbClr r="0" g="0" b="0"/>
+      </a:effectRef>
+      <a:fontRef idx="minor">
+        <a:schemeClr val="lt1"/>
+      </a:fontRef>
+    </dgm:style>
+  </dgm:styleLbl>
+  <dgm:styleLbl name="bgSibTrans2D1">
+    <dgm:scene3d>
+      <a:camera prst="orthographicFront"/>
+      <a:lightRig rig="threePt" dir="t"/>
+    </dgm:scene3d>
+    <dgm:sp3d/>
+    <dgm:txPr/>
+    <dgm:style>
+      <a:lnRef idx="0">
+        <a:scrgbClr r="0" g="0" b="0"/>
+      </a:lnRef>
+      <a:fillRef idx="1">
+        <a:scrgbClr r="0" g="0" b="0"/>
+      </a:fillRef>
+      <a:effectRef idx="0">
+        <a:scrgbClr r="0" g="0" b="0"/>
+      </a:effectRef>
+      <a:fontRef idx="minor">
+        <a:schemeClr val="lt1"/>
+      </a:fontRef>
+    </dgm:style>
+  </dgm:styleLbl>
+  <dgm:styleLbl name="sibTrans1D1">
+    <dgm:scene3d>
+      <a:camera prst="orthographicFront"/>
+      <a:lightRig rig="threePt" dir="t"/>
+    </dgm:scene3d>
+    <dgm:sp3d/>
+    <dgm:txPr/>
+    <dgm:style>
+      <a:lnRef idx="1">
+        <a:scrgbClr r="0" g="0" b="0"/>
+      </a:lnRef>
+      <a:fillRef idx="0">
+        <a:scrgbClr r="0" g="0" b="0"/>
+      </a:fillRef>
+      <a:effectRef idx="0">
+        <a:scrgbClr r="0" g="0" b="0"/>
+      </a:effectRef>
+      <a:fontRef idx="minor"/>
+    </dgm:style>
+  </dgm:styleLbl>
+  <dgm:styleLbl name="callout">
+    <dgm:scene3d>
+      <a:camera prst="orthographicFront"/>
+      <a:lightRig rig="threePt" dir="t"/>
+    </dgm:scene3d>
+    <dgm:sp3d/>
+    <dgm:txPr/>
+    <dgm:style>
+      <a:lnRef idx="2">
+        <a:scrgbClr r="0" g="0" b="0"/>
+      </a:lnRef>
+      <a:fillRef idx="1">
+        <a:scrgbClr r="0" g="0" b="0"/>
+      </a:fillRef>
+      <a:effectRef idx="0">
+        <a:scrgbClr r="0" g="0" b="0"/>
+      </a:effectRef>
+      <a:fontRef idx="minor"/>
+    </dgm:style>
+  </dgm:styleLbl>
+  <dgm:styleLbl name="asst0">
+    <dgm:scene3d>
+      <a:camera prst="orthographicFront"/>
+      <a:lightRig rig="threePt" dir="t"/>
+    </dgm:scene3d>
+    <dgm:sp3d/>
+    <dgm:txPr/>
+    <dgm:style>
+      <a:lnRef idx="2">
+        <a:scrgbClr r="0" g="0" b="0"/>
+      </a:lnRef>
+      <a:fillRef idx="1">
+        <a:scrgbClr r="0" g="0" b="0"/>
+      </a:fillRef>
+      <a:effectRef idx="0">
+        <a:scrgbClr r="0" g="0" b="0"/>
+      </a:effectRef>
+      <a:fontRef idx="minor">
+        <a:schemeClr val="lt1"/>
+      </a:fontRef>
+    </dgm:style>
+  </dgm:styleLbl>
+  <dgm:styleLbl name="asst1">
+    <dgm:scene3d>
+      <a:camera prst="orthographicFront"/>
+      <a:lightRig rig="threePt" dir="t"/>
+    </dgm:scene3d>
+    <dgm:sp3d/>
+    <dgm:txPr/>
+    <dgm:style>
+      <a:lnRef idx="2">
+        <a:scrgbClr r="0" g="0" b="0"/>
+      </a:lnRef>
+      <a:fillRef idx="1">
+        <a:scrgbClr r="0" g="0" b="0"/>
+      </a:fillRef>
+      <a:effectRef idx="0">
+        <a:scrgbClr r="0" g="0" b="0"/>
+      </a:effectRef>
+      <a:fontRef idx="minor">
+        <a:schemeClr val="lt1"/>
+      </a:fontRef>
+    </dgm:style>
+  </dgm:styleLbl>
+  <dgm:styleLbl name="asst2">
+    <dgm:scene3d>
+      <a:camera prst="orthographicFront"/>
+      <a:lightRig rig="threePt" dir="t"/>
+    </dgm:scene3d>
+    <dgm:sp3d/>
+    <dgm:txPr/>
+    <dgm:style>
+      <a:lnRef idx="2">
+        <a:scrgbClr r="0" g="0" b="0"/>
+      </a:lnRef>
+      <a:fillRef idx="1">
+        <a:scrgbClr r="0" g="0" b="0"/>
+      </a:fillRef>
+      <a:effectRef idx="0">
+        <a:scrgbClr r="0" g="0" b="0"/>
+      </a:effectRef>
+      <a:fontRef idx="minor">
+        <a:schemeClr val="lt1"/>
+      </a:fontRef>
+    </dgm:style>
+  </dgm:styleLbl>
+  <dgm:styleLbl name="asst3">
+    <dgm:scene3d>
+      <a:camera prst="orthographicFront"/>
+      <a:lightRig rig="threePt" dir="t"/>
+    </dgm:scene3d>
+    <dgm:sp3d/>
+    <dgm:txPr/>
+    <dgm:style>
+      <a:lnRef idx="2">
+        <a:scrgbClr r="0" g="0" b="0"/>
+      </a:lnRef>
+      <a:fillRef idx="1">
+        <a:scrgbClr r="0" g="0" b="0"/>
+      </a:fillRef>
+      <a:effectRef idx="0">
+        <a:scrgbClr r="0" g="0" b="0"/>
+      </a:effectRef>
+      <a:fontRef idx="minor">
+        <a:schemeClr val="lt1"/>
+      </a:fontRef>
+    </dgm:style>
+  </dgm:styleLbl>
+  <dgm:styleLbl name="asst4">
+    <dgm:scene3d>
+      <a:camera prst="orthographicFront"/>
+      <a:lightRig rig="threePt" dir="t"/>
+    </dgm:scene3d>
+    <dgm:sp3d/>
+    <dgm:txPr/>
+    <dgm:style>
+      <a:lnRef idx="2">
+        <a:scrgbClr r="0" g="0" b="0"/>
+      </a:lnRef>
+      <a:fillRef idx="1">
+        <a:scrgbClr r="0" g="0" b="0"/>
+      </a:fillRef>
+      <a:effectRef idx="0">
+        <a:scrgbClr r="0" g="0" b="0"/>
+      </a:effectRef>
+      <a:fontRef idx="minor">
+        <a:schemeClr val="lt1"/>
+      </a:fontRef>
+    </dgm:style>
+  </dgm:styleLbl>
+  <dgm:styleLbl name="parChTrans2D1">
+    <dgm:scene3d>
+      <a:camera prst="orthographicFront"/>
+      <a:lightRig rig="threePt" dir="t"/>
+    </dgm:scene3d>
+    <dgm:sp3d/>
+    <dgm:txPr/>
+    <dgm:style>
+      <a:lnRef idx="2">
+        <a:scrgbClr r="0" g="0" b="0"/>
+      </a:lnRef>
+      <a:fillRef idx="1">
+        <a:scrgbClr r="0" g="0" b="0"/>
+      </a:fillRef>
+      <a:effectRef idx="0">
+        <a:scrgbClr r="0" g="0" b="0"/>
+      </a:effectRef>
+      <a:fontRef idx="minor">
+        <a:schemeClr val="lt1"/>
+      </a:fontRef>
+    </dgm:style>
+  </dgm:styleLbl>
+  <dgm:styleLbl name="parChTrans2D2">
+    <dgm:scene3d>
+      <a:camera prst="orthographicFront"/>
+      <a:lightRig rig="threePt" dir="t"/>
+    </dgm:scene3d>
+    <dgm:sp3d/>
+    <dgm:txPr/>
+    <dgm:style>
+      <a:lnRef idx="2">
+        <a:scrgbClr r="0" g="0" b="0"/>
+      </a:lnRef>
+      <a:fillRef idx="1">
+        <a:scrgbClr r="0" g="0" b="0"/>
+      </a:fillRef>
+      <a:effectRef idx="0">
+        <a:scrgbClr r="0" g="0" b="0"/>
+      </a:effectRef>
+      <a:fontRef idx="minor">
+        <a:schemeClr val="lt1"/>
+      </a:fontRef>
+    </dgm:style>
+  </dgm:styleLbl>
+  <dgm:styleLbl name="parChTrans2D3">
+    <dgm:scene3d>
+      <a:camera prst="orthographicFront"/>
+      <a:lightRig rig="threePt" dir="t"/>
+    </dgm:scene3d>
+    <dgm:sp3d/>
+    <dgm:txPr/>
+    <dgm:style>
+      <a:lnRef idx="2">
+        <a:scrgbClr r="0" g="0" b="0"/>
+      </a:lnRef>
+      <a:fillRef idx="1">
+        <a:scrgbClr r="0" g="0" b="0"/>
+      </a:fillRef>
+      <a:effectRef idx="0">
+        <a:scrgbClr r="0" g="0" b="0"/>
+      </a:effectRef>
+      <a:fontRef idx="minor">
+        <a:schemeClr val="lt1"/>
+      </a:fontRef>
+    </dgm:style>
+  </dgm:styleLbl>
+  <dgm:styleLbl name="parChTrans2D4">
+    <dgm:scene3d>
+      <a:camera prst="orthographicFront"/>
+      <a:lightRig rig="threePt" dir="t"/>
+    </dgm:scene3d>
+    <dgm:sp3d/>
+    <dgm:txPr/>
+    <dgm:style>
+      <a:lnRef idx="2">
+        <a:scrgbClr r="0" g="0" b="0"/>
+      </a:lnRef>
+      <a:fillRef idx="1">
+        <a:scrgbClr r="0" g="0" b="0"/>
+      </a:fillRef>
+      <a:effectRef idx="0">
+        <a:scrgbClr r="0" g="0" b="0"/>
+      </a:effectRef>
+      <a:fontRef idx="minor">
+        <a:schemeClr val="lt1"/>
+      </a:fontRef>
+    </dgm:style>
+  </dgm:styleLbl>
+  <dgm:styleLbl name="parChTrans1D1">
+    <dgm:scene3d>
+      <a:camera prst="orthographicFront"/>
+      <a:lightRig rig="threePt" dir="t"/>
+    </dgm:scene3d>
+    <dgm:sp3d/>
+    <dgm:txPr/>
+    <dgm:style>
+      <a:lnRef idx="2">
+        <a:scrgbClr r="0" g="0" b="0"/>
+      </a:lnRef>
+      <a:fillRef idx="0">
+        <a:scrgbClr r="0" g="0" b="0"/>
+      </a:fillRef>
+      <a:effectRef idx="0">
+        <a:scrgbClr r="0" g="0" b="0"/>
+      </a:effectRef>
+      <a:fontRef idx="minor"/>
+    </dgm:style>
+  </dgm:styleLbl>
+  <dgm:styleLbl name="parChTrans1D2">
+    <dgm:scene3d>
+      <a:camera prst="orthographicFront"/>
+      <a:lightRig rig="threePt" dir="t"/>
+    </dgm:scene3d>
+    <dgm:sp3d/>
+    <dgm:txPr/>
+    <dgm:style>
+      <a:lnRef idx="2">
+        <a:scrgbClr r="0" g="0" b="0"/>
+      </a:lnRef>
+      <a:fillRef idx="0">
+        <a:scrgbClr r="0" g="0" b="0"/>
+      </a:fillRef>
+      <a:effectRef idx="0">
+        <a:scrgbClr r="0" g="0" b="0"/>
+      </a:effectRef>
+      <a:fontRef idx="minor"/>
+    </dgm:style>
+  </dgm:styleLbl>
+  <dgm:styleLbl name="parChTrans1D3">
+    <dgm:scene3d>
+      <a:camera prst="orthographicFront"/>
+      <a:lightRig rig="threePt" dir="t"/>
+    </dgm:scene3d>
+    <dgm:sp3d/>
+    <dgm:txPr/>
+    <dgm:style>
+      <a:lnRef idx="2">
+        <a:scrgbClr r="0" g="0" b="0"/>
+      </a:lnRef>
+      <a:fillRef idx="0">
+        <a:scrgbClr r="0" g="0" b="0"/>
+      </a:fillRef>
+      <a:effectRef idx="0">
+        <a:scrgbClr r="0" g="0" b="0"/>
+      </a:effectRef>
+      <a:fontRef idx="minor"/>
+    </dgm:style>
+  </dgm:styleLbl>
+  <dgm:styleLbl name="parChTrans1D4">
+    <dgm:scene3d>
+      <a:camera prst="orthographicFront"/>
+      <a:lightRig rig="threePt" dir="t"/>
+    </dgm:scene3d>
+    <dgm:sp3d/>
+    <dgm:txPr/>
+    <dgm:style>
+      <a:lnRef idx="2">
+        <a:scrgbClr r="0" g="0" b="0"/>
+      </a:lnRef>
+      <a:fillRef idx="0">
+        <a:scrgbClr r="0" g="0" b="0"/>
+      </a:fillRef>
+      <a:effectRef idx="0">
+        <a:scrgbClr r="0" g="0" b="0"/>
+      </a:effectRef>
+      <a:fontRef idx="minor"/>
+    </dgm:style>
+  </dgm:styleLbl>
+  <dgm:styleLbl name="fgAcc1">
+    <dgm:scene3d>
+      <a:camera prst="orthographicFront"/>
+      <a:lightRig rig="threePt" dir="t"/>
+    </dgm:scene3d>
+    <dgm:sp3d/>
+    <dgm:txPr/>
+    <dgm:style>
+      <a:lnRef idx="2">
+        <a:scrgbClr r="0" g="0" b="0"/>
+      </a:lnRef>
+      <a:fillRef idx="1">
+        <a:scrgbClr r="0" g="0" b="0"/>
+      </a:fillRef>
+      <a:effectRef idx="0">
+        <a:scrgbClr r="0" g="0" b="0"/>
+      </a:effectRef>
+      <a:fontRef idx="minor"/>
+    </dgm:style>
+  </dgm:styleLbl>
+  <dgm:styleLbl name="conFgAcc1">
+    <dgm:scene3d>
+      <a:camera prst="orthographicFront"/>
+      <a:lightRig rig="threePt" dir="t"/>
+    </dgm:scene3d>
+    <dgm:sp3d/>
+    <dgm:txPr/>
+    <dgm:style>
+      <a:lnRef idx="2">
+        <a:scrgbClr r="0" g="0" b="0"/>
+      </a:lnRef>
+      <a:fillRef idx="1">
+        <a:scrgbClr r="0" g="0" b="0"/>
+      </a:fillRef>
+      <a:effectRef idx="0">
+        <a:scrgbClr r="0" g="0" b="0"/>
+      </a:effectRef>
+      <a:fontRef idx="minor"/>
+    </dgm:style>
+  </dgm:styleLbl>
+  <dgm:styleLbl name="alignAcc1">
+    <dgm:scene3d>
+      <a:camera prst="orthographicFront"/>
+      <a:lightRig rig="threePt" dir="t"/>
+    </dgm:scene3d>
+    <dgm:sp3d/>
+    <dgm:txPr/>
+    <dgm:style>
+      <a:lnRef idx="2">
+        <a:scrgbClr r="0" g="0" b="0"/>
+      </a:lnRef>
+      <a:fillRef idx="1">
+        <a:scrgbClr r="0" g="0" b="0"/>
+      </a:fillRef>
+      <a:effectRef idx="0">
+        <a:scrgbClr r="0" g="0" b="0"/>
+      </a:effectRef>
+      <a:fontRef idx="minor"/>
+    </dgm:style>
+  </dgm:styleLbl>
+  <dgm:styleLbl name="trAlignAcc1">
+    <dgm:scene3d>
+      <a:camera prst="orthographicFront"/>
+      <a:lightRig rig="threePt" dir="t"/>
+    </dgm:scene3d>
+    <dgm:sp3d/>
+    <dgm:txPr/>
+    <dgm:style>
+      <a:lnRef idx="1">
+        <a:scrgbClr r="0" g="0" b="0"/>
+      </a:lnRef>
+      <a:fillRef idx="1">
+        <a:scrgbClr r="0" g="0" b="0"/>
+      </a:fillRef>
+      <a:effectRef idx="0">
+        <a:scrgbClr r="0" g="0" b="0"/>
+      </a:effectRef>
+      <a:fontRef idx="minor"/>
+    </dgm:style>
+  </dgm:styleLbl>
+  <dgm:styleLbl name="bgAcc1">
+    <dgm:scene3d>
+      <a:camera prst="orthographicFront"/>
+      <a:lightRig rig="threePt" dir="t"/>
+    </dgm:scene3d>
+    <dgm:sp3d/>
+    <dgm:txPr/>
+    <dgm:style>
+      <a:lnRef idx="2">
+        <a:scrgbClr r="0" g="0" b="0"/>
+      </a:lnRef>
+      <a:fillRef idx="1">
+        <a:scrgbClr r="0" g="0" b="0"/>
+      </a:fillRef>
+      <a:effectRef idx="0">
+        <a:scrgbClr r="0" g="0" b="0"/>
+      </a:effectRef>
+      <a:fontRef idx="minor"/>
+    </dgm:style>
+  </dgm:styleLbl>
+  <dgm:styleLbl name="solidFgAcc1">
+    <dgm:scene3d>
+      <a:camera prst="orthographicFront"/>
+      <a:lightRig rig="threePt" dir="t"/>
+    </dgm:scene3d>
+    <dgm:sp3d/>
+    <dgm:txPr/>
+    <dgm:style>
+      <a:lnRef idx="2">
+        <a:scrgbClr r="0" g="0" b="0"/>
+      </a:lnRef>
+      <a:fillRef idx="1">
+        <a:scrgbClr r="0" g="0" b="0"/>
+      </a:fillRef>
+      <a:effectRef idx="0">
+        <a:scrgbClr r="0" g="0" b="0"/>
+      </a:effectRef>
+      <a:fontRef idx="minor"/>
+    </dgm:style>
+  </dgm:styleLbl>
+  <dgm:styleLbl name="solidAlignAcc1">
+    <dgm:scene3d>
+      <a:camera prst="orthographicFront"/>
+      <a:lightRig rig="threePt" dir="t"/>
+    </dgm:scene3d>
+    <dgm:sp3d/>
+    <dgm:txPr/>
+    <dgm:style>
+      <a:lnRef idx="2">
+        <a:scrgbClr r="0" g="0" b="0"/>
+      </a:lnRef>
+      <a:fillRef idx="1">
+        <a:scrgbClr r="0" g="0" b="0"/>
+      </a:fillRef>
+      <a:effectRef idx="0">
+        <a:scrgbClr r="0" g="0" b="0"/>
+      </a:effectRef>
+      <a:fontRef idx="minor"/>
+    </dgm:style>
+  </dgm:styleLbl>
+  <dgm:styleLbl name="solidBgAcc1">
+    <dgm:scene3d>
+      <a:camera prst="orthographicFront"/>
+      <a:lightRig rig="threePt" dir="t"/>
+    </dgm:scene3d>
+    <dgm:sp3d/>
+    <dgm:txPr/>
+    <dgm:style>
+      <a:lnRef idx="2">
+        <a:scrgbClr r="0" g="0" b="0"/>
+      </a:lnRef>
+      <a:fillRef idx="1">
+        <a:scrgbClr r="0" g="0" b="0"/>
+      </a:fillRef>
+      <a:effectRef idx="0">
+        <a:scrgbClr r="0" g="0" b="0"/>
+      </a:effectRef>
+      <a:fontRef idx="minor"/>
+    </dgm:style>
+  </dgm:styleLbl>
+  <dgm:styleLbl name="fgAccFollowNode1">
+    <dgm:scene3d>
+      <a:camera prst="orthographicFront"/>
+      <a:lightRig rig="threePt" dir="t"/>
+    </dgm:scene3d>
+    <dgm:sp3d/>
+    <dgm:txPr/>
+    <dgm:style>
+      <a:lnRef idx="2">
+        <a:scrgbClr r="0" g="0" b="0"/>
+      </a:lnRef>
+      <a:fillRef idx="1">
+        <a:scrgbClr r="0" g="0" b="0"/>
+      </a:fillRef>
+      <a:effectRef idx="0">
+        <a:scrgbClr r="0" g="0" b="0"/>
+      </a:effectRef>
+      <a:fontRef idx="minor"/>
+    </dgm:style>
+  </dgm:styleLbl>
+  <dgm:styleLbl name="alignAccFollowNode1">
+    <dgm:scene3d>
+      <a:camera prst="orthographicFront"/>
+      <a:lightRig rig="threePt" dir="t"/>
+    </dgm:scene3d>
+    <dgm:sp3d/>
+    <dgm:txPr/>
+    <dgm:style>
+      <a:lnRef idx="2">
+        <a:scrgbClr r="0" g="0" b="0"/>
+      </a:lnRef>
+      <a:fillRef idx="1">
+        <a:scrgbClr r="0" g="0" b="0"/>
+      </a:fillRef>
+      <a:effectRef idx="0">
+        <a:scrgbClr r="0" g="0" b="0"/>
+      </a:effectRef>
+      <a:fontRef idx="minor"/>
+    </dgm:style>
+  </dgm:styleLbl>
+  <dgm:styleLbl name="bgAccFollowNode1">
+    <dgm:scene3d>
+      <a:camera prst="orthographicFront"/>
+      <a:lightRig rig="threePt" dir="t"/>
+    </dgm:scene3d>
+    <dgm:sp3d/>
+    <dgm:txPr/>
+    <dgm:style>
+      <a:lnRef idx="2">
+        <a:scrgbClr r="0" g="0" b="0"/>
+      </a:lnRef>
+      <a:fillRef idx="1">
+        <a:scrgbClr r="0" g="0" b="0"/>
+      </a:fillRef>
+      <a:effectRef idx="0">
+        <a:scrgbClr r="0" g="0" b="0"/>
+      </a:effectRef>
+      <a:fontRef idx="minor"/>
+    </dgm:style>
+  </dgm:styleLbl>
+  <dgm:styleLbl name="fgAcc0">
+    <dgm:scene3d>
+      <a:camera prst="orthographicFront"/>
+      <a:lightRig rig="threePt" dir="t"/>
+    </dgm:scene3d>
+    <dgm:sp3d/>
+    <dgm:txPr/>
+    <dgm:style>
+      <a:lnRef idx="2">
+        <a:scrgbClr r="0" g="0" b="0"/>
+      </a:lnRef>
+      <a:fillRef idx="1">
+        <a:scrgbClr r="0" g="0" b="0"/>
+      </a:fillRef>
+      <a:effectRef idx="0">
+        <a:scrgbClr r="0" g="0" b="0"/>
+      </a:effectRef>
+      <a:fontRef idx="minor"/>
+    </dgm:style>
+  </dgm:styleLbl>
+  <dgm:styleLbl name="fgAcc2">
+    <dgm:scene3d>
+      <a:camera prst="orthographicFront"/>
+      <a:lightRig rig="threePt" dir="t"/>
+    </dgm:scene3d>
+    <dgm:sp3d/>
+    <dgm:txPr/>
+    <dgm:style>
+      <a:lnRef idx="2">
+        <a:scrgbClr r="0" g="0" b="0"/>
+      </a:lnRef>
+      <a:fillRef idx="1">
+        <a:scrgbClr r="0" g="0" b="0"/>
+      </a:fillRef>
+      <a:effectRef idx="0">
+        <a:scrgbClr r="0" g="0" b="0"/>
+      </a:effectRef>
+      <a:fontRef idx="minor"/>
+    </dgm:style>
+  </dgm:styleLbl>
+  <dgm:styleLbl name="fgAcc3">
+    <dgm:scene3d>
+      <a:camera prst="orthographicFront"/>
+      <a:lightRig rig="threePt" dir="t"/>
+    </dgm:scene3d>
+    <dgm:sp3d/>
+    <dgm:txPr/>
+    <dgm:style>
+      <a:lnRef idx="2">
+        <a:scrgbClr r="0" g="0" b="0"/>
+      </a:lnRef>
+      <a:fillRef idx="1">
+        <a:scrgbClr r="0" g="0" b="0"/>
+      </a:fillRef>
+      <a:effectRef idx="0">
+        <a:scrgbClr r="0" g="0" b="0"/>
+      </a:effectRef>
+      <a:fontRef idx="minor"/>
+    </dgm:style>
+  </dgm:styleLbl>
+  <dgm:styleLbl name="fgAcc4">
+    <dgm:scene3d>
+      <a:camera prst="orthographicFront"/>
+      <a:lightRig rig="threePt" dir="t"/>
+    </dgm:scene3d>
+    <dgm:sp3d/>
+    <dgm:txPr/>
+    <dgm:style>
+      <a:lnRef idx="2">
+        <a:scrgbClr r="0" g="0" b="0"/>
+      </a:lnRef>
+      <a:fillRef idx="1">
+        <a:scrgbClr r="0" g="0" b="0"/>
+      </a:fillRef>
+      <a:effectRef idx="0">
+        <a:scrgbClr r="0" g="0" b="0"/>
+      </a:effectRef>
+      <a:fontRef idx="minor"/>
+    </dgm:style>
+  </dgm:styleLbl>
+  <dgm:styleLbl name="bgShp">
+    <dgm:scene3d>
+      <a:camera prst="orthographicFront"/>
+      <a:lightRig rig="threePt" dir="t"/>
+    </dgm:scene3d>
+    <dgm:sp3d/>
+    <dgm:txPr/>
+    <dgm:style>
+      <a:lnRef idx="0">
+        <a:scrgbClr r="0" g="0" b="0"/>
+      </a:lnRef>
+      <a:fillRef idx="1">
+        <a:scrgbClr r="0" g="0" b="0"/>
+      </a:fillRef>
+      <a:effectRef idx="0">
+        <a:scrgbClr r="0" g="0" b="0"/>
+      </a:effectRef>
+      <a:fontRef idx="minor"/>
+    </dgm:style>
+  </dgm:styleLbl>
+  <dgm:styleLbl name="dkBgShp">
+    <dgm:scene3d>
+      <a:camera prst="orthographicFront"/>
+      <a:lightRig rig="threePt" dir="t"/>
+    </dgm:scene3d>
+    <dgm:sp3d/>
+    <dgm:txPr/>
+    <dgm:style>
+      <a:lnRef idx="0">
+        <a:scrgbClr r="0" g="0" b="0"/>
+      </a:lnRef>
+      <a:fillRef idx="1">
+        <a:scrgbClr r="0" g="0" b="0"/>
+      </a:fillRef>
+      <a:effectRef idx="0">
+        <a:scrgbClr r="0" g="0" b="0"/>
+      </a:effectRef>
+      <a:fontRef idx="minor"/>
+    </dgm:style>
+  </dgm:styleLbl>
+  <dgm:styleLbl name="trBgShp">
+    <dgm:scene3d>
+      <a:camera prst="orthographicFront"/>
+      <a:lightRig rig="threePt" dir="t"/>
+    </dgm:scene3d>
+    <dgm:sp3d/>
+    <dgm:txPr/>
+    <dgm:style>
+      <a:lnRef idx="0">
+        <a:scrgbClr r="0" g="0" b="0"/>
+      </a:lnRef>
+      <a:fillRef idx="1">
+        <a:scrgbClr r="0" g="0" b="0"/>
+      </a:fillRef>
+      <a:effectRef idx="0">
+        <a:scrgbClr r="0" g="0" b="0"/>
+      </a:effectRef>
+      <a:fontRef idx="minor"/>
+    </dgm:style>
+  </dgm:styleLbl>
+  <dgm:styleLbl name="fgShp">
+    <dgm:scene3d>
+      <a:camera prst="orthographicFront"/>
+      <a:lightRig rig="threePt" dir="t"/>
+    </dgm:scene3d>
+    <dgm:sp3d/>
+    <dgm:txPr/>
+    <dgm:style>
+      <a:lnRef idx="2">
+        <a:scrgbClr r="0" g="0" b="0"/>
+      </a:lnRef>
+      <a:fillRef idx="1">
+        <a:scrgbClr r="0" g="0" b="0"/>
+      </a:fillRef>
+      <a:effectRef idx="0">
+        <a:scrgbClr r="0" g="0" b="0"/>
+      </a:effectRef>
+      <a:fontRef idx="minor"/>
+    </dgm:style>
+  </dgm:styleLbl>
+  <dgm:styleLbl name="revTx">
+    <dgm:scene3d>
+      <a:camera prst="orthographicFront"/>
+      <a:lightRig rig="threePt" dir="t"/>
+    </dgm:scene3d>
+    <dgm:sp3d/>
+    <dgm:txPr/>
+    <dgm:style>
+      <a:lnRef idx="0">
+        <a:scrgbClr r="0" g="0" b="0"/>
+      </a:lnRef>
+      <a:fillRef idx="0">
+        <a:scrgbClr r="0" g="0" b="0"/>
+      </a:fillRef>
+      <a:effectRef idx="0">
+        <a:scrgbClr r="0" g="0" b="0"/>
+      </a:effectRef>
+      <a:fontRef idx="minor"/>
+    </dgm:style>
+  </dgm:styleLbl>
+</dgm:styleDef>
+</file>
+
+<file path=ppt/diagrams/quickStyle2.xml><?xml version="1.0" encoding="utf-8"?>
+<dgm:styleDef xmlns:dgm="http://schemas.openxmlformats.org/drawingml/2006/diagram" xmlns:a="http://schemas.openxmlformats.org/drawingml/2006/main" uniqueId="urn:microsoft.com/office/officeart/2005/8/quickstyle/simple1">
+  <dgm:title val=""/>
+  <dgm:desc val=""/>
+  <dgm:catLst>
+    <dgm:cat type="simple" pri="10100"/>
+  </dgm:catLst>
+  <dgm:scene3d>
+    <a:camera prst="orthographicFront"/>
+    <a:lightRig rig="threePt" dir="t"/>
+  </dgm:scene3d>
+  <dgm:styleLbl name="node0">
+    <dgm:scene3d>
+      <a:camera prst="orthographicFront"/>
+      <a:lightRig rig="threePt" dir="t"/>
+    </dgm:scene3d>
+    <dgm:sp3d/>
+    <dgm:txPr/>
+    <dgm:style>
+      <a:lnRef idx="2">
+        <a:scrgbClr r="0" g="0" b="0"/>
+      </a:lnRef>
+      <a:fillRef idx="1">
+        <a:scrgbClr r="0" g="0" b="0"/>
+      </a:fillRef>
+      <a:effectRef idx="0">
+        <a:scrgbClr r="0" g="0" b="0"/>
+      </a:effectRef>
+      <a:fontRef idx="minor">
+        <a:schemeClr val="lt1"/>
+      </a:fontRef>
+    </dgm:style>
+  </dgm:styleLbl>
+  <dgm:styleLbl name="lnNode1">
+    <dgm:scene3d>
+      <a:camera prst="orthographicFront"/>
+      <a:lightRig rig="threePt" dir="t"/>
+    </dgm:scene3d>
+    <dgm:sp3d/>
+    <dgm:txPr/>
+    <dgm:style>
+      <a:lnRef idx="2">
+        <a:scrgbClr r="0" g="0" b="0"/>
+      </a:lnRef>
+      <a:fillRef idx="1">
+        <a:scrgbClr r="0" g="0" b="0"/>
+      </a:fillRef>
+      <a:effectRef idx="0">
+        <a:scrgbClr r="0" g="0" b="0"/>
+      </a:effectRef>
+      <a:fontRef idx="minor">
+        <a:schemeClr val="lt1"/>
+      </a:fontRef>
+    </dgm:style>
+  </dgm:styleLbl>
+  <dgm:styleLbl name="vennNode1">
+    <dgm:scene3d>
+      <a:camera prst="orthographicFront"/>
+      <a:lightRig rig="threePt" dir="t"/>
+    </dgm:scene3d>
+    <dgm:sp3d/>
+    <dgm:txPr/>
+    <dgm:style>
+      <a:lnRef idx="2">
+        <a:scrgbClr r="0" g="0" b="0"/>
+      </a:lnRef>
+      <a:fillRef idx="1">
+        <a:scrgbClr r="0" g="0" b="0"/>
+      </a:fillRef>
+      <a:effectRef idx="0">
+        <a:scrgbClr r="0" g="0" b="0"/>
+      </a:effectRef>
+      <a:fontRef idx="minor">
+        <a:schemeClr val="tx1"/>
+      </a:fontRef>
+    </dgm:style>
+  </dgm:styleLbl>
+  <dgm:styleLbl name="alignNode1">
+    <dgm:scene3d>
+      <a:camera prst="orthographicFront"/>
+      <a:lightRig rig="threePt" dir="t"/>
+    </dgm:scene3d>
+    <dgm:sp3d/>
+    <dgm:txPr/>
+    <dgm:style>
+      <a:lnRef idx="2">
+        <a:scrgbClr r="0" g="0" b="0"/>
+      </a:lnRef>
+      <a:fillRef idx="1">
+        <a:scrgbClr r="0" g="0" b="0"/>
+      </a:fillRef>
+      <a:effectRef idx="0">
+        <a:scrgbClr r="0" g="0" b="0"/>
+      </a:effectRef>
+      <a:fontRef idx="minor">
+        <a:schemeClr val="lt1"/>
+      </a:fontRef>
+    </dgm:style>
+  </dgm:styleLbl>
+  <dgm:styleLbl name="node1">
+    <dgm:scene3d>
+      <a:camera prst="orthographicFront"/>
+      <a:lightRig rig="threePt" dir="t"/>
+    </dgm:scene3d>
+    <dgm:sp3d/>
+    <dgm:txPr/>
+    <dgm:style>
+      <a:lnRef idx="2">
+        <a:scrgbClr r="0" g="0" b="0"/>
+      </a:lnRef>
+      <a:fillRef idx="1">
+        <a:scrgbClr r="0" g="0" b="0"/>
+      </a:fillRef>
+      <a:effectRef idx="0">
+        <a:scrgbClr r="0" g="0" b="0"/>
+      </a:effectRef>
+      <a:fontRef idx="minor">
+        <a:schemeClr val="lt1"/>
+      </a:fontRef>
+    </dgm:style>
+  </dgm:styleLbl>
+  <dgm:styleLbl name="node2">
+    <dgm:scene3d>
+      <a:camera prst="orthographicFront"/>
+      <a:lightRig rig="threePt" dir="t"/>
+    </dgm:scene3d>
+    <dgm:sp3d/>
+    <dgm:txPr/>
+    <dgm:style>
+      <a:lnRef idx="2">
+        <a:scrgbClr r="0" g="0" b="0"/>
+      </a:lnRef>
+      <a:fillRef idx="1">
+        <a:scrgbClr r="0" g="0" b="0"/>
+      </a:fillRef>
+      <a:effectRef idx="0">
+        <a:scrgbClr r="0" g="0" b="0"/>
+      </a:effectRef>
+      <a:fontRef idx="minor">
+        <a:schemeClr val="lt1"/>
+      </a:fontRef>
+    </dgm:style>
+  </dgm:styleLbl>
+  <dgm:styleLbl name="node3">
+    <dgm:scene3d>
+      <a:camera prst="orthographicFront"/>
+      <a:lightRig rig="threePt" dir="t"/>
+    </dgm:scene3d>
+    <dgm:sp3d/>
+    <dgm:txPr/>
+    <dgm:style>
+      <a:lnRef idx="2">
+        <a:scrgbClr r="0" g="0" b="0"/>
+      </a:lnRef>
+      <a:fillRef idx="1">
+        <a:scrgbClr r="0" g="0" b="0"/>
+      </a:fillRef>
+      <a:effectRef idx="0">
+        <a:scrgbClr r="0" g="0" b="0"/>
+      </a:effectRef>
+      <a:fontRef idx="minor">
+        <a:schemeClr val="lt1"/>
+      </a:fontRef>
+    </dgm:style>
+  </dgm:styleLbl>
+  <dgm:styleLbl name="node4">
+    <dgm:scene3d>
+      <a:camera prst="orthographicFront"/>
+      <a:lightRig rig="threePt" dir="t"/>
+    </dgm:scene3d>
+    <dgm:sp3d/>
+    <dgm:txPr/>
+    <dgm:style>
+      <a:lnRef idx="2">
+        <a:scrgbClr r="0" g="0" b="0"/>
+      </a:lnRef>
+      <a:fillRef idx="1">
+        <a:scrgbClr r="0" g="0" b="0"/>
+      </a:fillRef>
+      <a:effectRef idx="0">
+        <a:scrgbClr r="0" g="0" b="0"/>
+      </a:effectRef>
+      <a:fontRef idx="minor">
+        <a:schemeClr val="lt1"/>
+      </a:fontRef>
+    </dgm:style>
+  </dgm:styleLbl>
+  <dgm:styleLbl name="fgImgPlace1">
+    <dgm:scene3d>
+      <a:camera prst="orthographicFront"/>
+      <a:lightRig rig="threePt" dir="t"/>
+    </dgm:scene3d>
+    <dgm:sp3d/>
+    <dgm:txPr/>
+    <dgm:style>
+      <a:lnRef idx="2">
+        <a:scrgbClr r="0" g="0" b="0"/>
+      </a:lnRef>
+      <a:fillRef idx="1">
+        <a:scrgbClr r="0" g="0" b="0"/>
+      </a:fillRef>
+      <a:effectRef idx="0">
+        <a:scrgbClr r="0" g="0" b="0"/>
+      </a:effectRef>
+      <a:fontRef idx="minor"/>
+    </dgm:style>
+  </dgm:styleLbl>
+  <dgm:styleLbl name="alignImgPlace1">
+    <dgm:scene3d>
+      <a:camera prst="orthographicFront"/>
+      <a:lightRig rig="threePt" dir="t"/>
+    </dgm:scene3d>
+    <dgm:sp3d/>
+    <dgm:txPr/>
+    <dgm:style>
+      <a:lnRef idx="2">
+        <a:scrgbClr r="0" g="0" b="0"/>
+      </a:lnRef>
+      <a:fillRef idx="1">
+        <a:scrgbClr r="0" g="0" b="0"/>
+      </a:fillRef>
+      <a:effectRef idx="0">
+        <a:scrgbClr r="0" g="0" b="0"/>
+      </a:effectRef>
+      <a:fontRef idx="minor"/>
+    </dgm:style>
+  </dgm:styleLbl>
+  <dgm:styleLbl name="bgImgPlace1">
+    <dgm:scene3d>
+      <a:camera prst="orthographicFront"/>
+      <a:lightRig rig="threePt" dir="t"/>
+    </dgm:scene3d>
+    <dgm:sp3d/>
+    <dgm:txPr/>
+    <dgm:style>
+      <a:lnRef idx="2">
+        <a:scrgbClr r="0" g="0" b="0"/>
+      </a:lnRef>
+      <a:fillRef idx="1">
+        <a:scrgbClr r="0" g="0" b="0"/>
+      </a:fillRef>
+      <a:effectRef idx="0">
+        <a:scrgbClr r="0" g="0" b="0"/>
+      </a:effectRef>
+      <a:fontRef idx="minor"/>
+    </dgm:style>
+  </dgm:styleLbl>
+  <dgm:styleLbl name="sibTrans2D1">
+    <dgm:scene3d>
+      <a:camera prst="orthographicFront"/>
+      <a:lightRig rig="threePt" dir="t"/>
+    </dgm:scene3d>
+    <dgm:sp3d/>
+    <dgm:txPr/>
+    <dgm:style>
+      <a:lnRef idx="0">
+        <a:scrgbClr r="0" g="0" b="0"/>
+      </a:lnRef>
+      <a:fillRef idx="1">
+        <a:scrgbClr r="0" g="0" b="0"/>
+      </a:fillRef>
+      <a:effectRef idx="0">
+        <a:scrgbClr r="0" g="0" b="0"/>
+      </a:effectRef>
+      <a:fontRef idx="minor">
+        <a:schemeClr val="lt1"/>
+      </a:fontRef>
+    </dgm:style>
+  </dgm:styleLbl>
+  <dgm:styleLbl name="fgSibTrans2D1">
+    <dgm:scene3d>
+      <a:camera prst="orthographicFront"/>
+      <a:lightRig rig="threePt" dir="t"/>
+    </dgm:scene3d>
+    <dgm:sp3d/>
+    <dgm:txPr/>
+    <dgm:style>
+      <a:lnRef idx="0">
+        <a:scrgbClr r="0" g="0" b="0"/>
+      </a:lnRef>
+      <a:fillRef idx="1">
+        <a:scrgbClr r="0" g="0" b="0"/>
+      </a:fillRef>
+      <a:effectRef idx="0">
+        <a:scrgbClr r="0" g="0" b="0"/>
+      </a:effectRef>
+      <a:fontRef idx="minor">
+        <a:schemeClr val="lt1"/>
+      </a:fontRef>
+    </dgm:style>
+  </dgm:styleLbl>
+  <dgm:styleLbl name="bgSibTrans2D1">
+    <dgm:scene3d>
+      <a:camera prst="orthographicFront"/>
+      <a:lightRig rig="threePt" dir="t"/>
+    </dgm:scene3d>
+    <dgm:sp3d/>
+    <dgm:txPr/>
+    <dgm:style>
+      <a:lnRef idx="0">
+        <a:scrgbClr r="0" g="0" b="0"/>
+      </a:lnRef>
+      <a:fillRef idx="1">
+        <a:scrgbClr r="0" g="0" b="0"/>
+      </a:fillRef>
+      <a:effectRef idx="0">
+        <a:scrgbClr r="0" g="0" b="0"/>
+      </a:effectRef>
+      <a:fontRef idx="minor">
+        <a:schemeClr val="lt1"/>
+      </a:fontRef>
+    </dgm:style>
+  </dgm:styleLbl>
+  <dgm:styleLbl name="sibTrans1D1">
+    <dgm:scene3d>
+      <a:camera prst="orthographicFront"/>
+      <a:lightRig rig="threePt" dir="t"/>
+    </dgm:scene3d>
+    <dgm:sp3d/>
+    <dgm:txPr/>
+    <dgm:style>
+      <a:lnRef idx="1">
+        <a:scrgbClr r="0" g="0" b="0"/>
+      </a:lnRef>
+      <a:fillRef idx="0">
+        <a:scrgbClr r="0" g="0" b="0"/>
+      </a:fillRef>
+      <a:effectRef idx="0">
+        <a:scrgbClr r="0" g="0" b="0"/>
+      </a:effectRef>
+      <a:fontRef idx="minor"/>
+    </dgm:style>
+  </dgm:styleLbl>
+  <dgm:styleLbl name="callout">
+    <dgm:scene3d>
+      <a:camera prst="orthographicFront"/>
+      <a:lightRig rig="threePt" dir="t"/>
+    </dgm:scene3d>
+    <dgm:sp3d/>
+    <dgm:txPr/>
+    <dgm:style>
+      <a:lnRef idx="2">
+        <a:scrgbClr r="0" g="0" b="0"/>
+      </a:lnRef>
+      <a:fillRef idx="1">
+        <a:scrgbClr r="0" g="0" b="0"/>
+      </a:fillRef>
+      <a:effectRef idx="0">
+        <a:scrgbClr r="0" g="0" b="0"/>
+      </a:effectRef>
+      <a:fontRef idx="minor"/>
+    </dgm:style>
+  </dgm:styleLbl>
+  <dgm:styleLbl name="asst0">
+    <dgm:scene3d>
+      <a:camera prst="orthographicFront"/>
+      <a:lightRig rig="threePt" dir="t"/>
+    </dgm:scene3d>
+    <dgm:sp3d/>
+    <dgm:txPr/>
+    <dgm:style>
+      <a:lnRef idx="2">
+        <a:scrgbClr r="0" g="0" b="0"/>
+      </a:lnRef>
+      <a:fillRef idx="1">
+        <a:scrgbClr r="0" g="0" b="0"/>
+      </a:fillRef>
+      <a:effectRef idx="0">
+        <a:scrgbClr r="0" g="0" b="0"/>
+      </a:effectRef>
+      <a:fontRef idx="minor">
+        <a:schemeClr val="lt1"/>
+      </a:fontRef>
+    </dgm:style>
+  </dgm:styleLbl>
+  <dgm:styleLbl name="asst1">
+    <dgm:scene3d>
+      <a:camera prst="orthographicFront"/>
+      <a:lightRig rig="threePt" dir="t"/>
+    </dgm:scene3d>
+    <dgm:sp3d/>
+    <dgm:txPr/>
+    <dgm:style>
+      <a:lnRef idx="2">
+        <a:scrgbClr r="0" g="0" b="0"/>
+      </a:lnRef>
+      <a:fillRef idx="1">
+        <a:scrgbClr r="0" g="0" b="0"/>
+      </a:fillRef>
+      <a:effectRef idx="0">
+        <a:scrgbClr r="0" g="0" b="0"/>
+      </a:effectRef>
+      <a:fontRef idx="minor">
+        <a:schemeClr val="lt1"/>
+      </a:fontRef>
+    </dgm:style>
+  </dgm:styleLbl>
+  <dgm:styleLbl name="asst2">
+    <dgm:scene3d>
+      <a:camera prst="orthographicFront"/>
+      <a:lightRig rig="threePt" dir="t"/>
+    </dgm:scene3d>
+    <dgm:sp3d/>
+    <dgm:txPr/>
+    <dgm:style>
+      <a:lnRef idx="2">
+        <a:scrgbClr r="0" g="0" b="0"/>
+      </a:lnRef>
+      <a:fillRef idx="1">
+        <a:scrgbClr r="0" g="0" b="0"/>
+      </a:fillRef>
+      <a:effectRef idx="0">
+        <a:scrgbClr r="0" g="0" b="0"/>
+      </a:effectRef>
+      <a:fontRef idx="minor">
+        <a:schemeClr val="lt1"/>
+      </a:fontRef>
+    </dgm:style>
+  </dgm:styleLbl>
+  <dgm:styleLbl name="asst3">
+    <dgm:scene3d>
+      <a:camera prst="orthographicFront"/>
+      <a:lightRig rig="threePt" dir="t"/>
+    </dgm:scene3d>
+    <dgm:sp3d/>
+    <dgm:txPr/>
+    <dgm:style>
+      <a:lnRef idx="2">
+        <a:scrgbClr r="0" g="0" b="0"/>
+      </a:lnRef>
+      <a:fillRef idx="1">
+        <a:scrgbClr r="0" g="0" b="0"/>
+      </a:fillRef>
+      <a:effectRef idx="0">
+        <a:scrgbClr r="0" g="0" b="0"/>
+      </a:effectRef>
+      <a:fontRef idx="minor">
+        <a:schemeClr val="lt1"/>
+      </a:fontRef>
+    </dgm:style>
+  </dgm:styleLbl>
+  <dgm:styleLbl name="asst4">
+    <dgm:scene3d>
+      <a:camera prst="orthographicFront"/>
+      <a:lightRig rig="threePt" dir="t"/>
+    </dgm:scene3d>
+    <dgm:sp3d/>
+    <dgm:txPr/>
+    <dgm:style>
+      <a:lnRef idx="2">
+        <a:scrgbClr r="0" g="0" b="0"/>
+      </a:lnRef>
+      <a:fillRef idx="1">
+        <a:scrgbClr r="0" g="0" b="0"/>
+      </a:fillRef>
+      <a:effectRef idx="0">
+        <a:scrgbClr r="0" g="0" b="0"/>
+      </a:effectRef>
+      <a:fontRef idx="minor">
+        <a:schemeClr val="lt1"/>
+      </a:fontRef>
+    </dgm:style>
+  </dgm:styleLbl>
+  <dgm:styleLbl name="parChTrans2D1">
+    <dgm:scene3d>
+      <a:camera prst="orthographicFront"/>
+      <a:lightRig rig="threePt" dir="t"/>
+    </dgm:scene3d>
+    <dgm:sp3d/>
+    <dgm:txPr/>
+    <dgm:style>
+      <a:lnRef idx="2">
+        <a:scrgbClr r="0" g="0" b="0"/>
+      </a:lnRef>
+      <a:fillRef idx="1">
+        <a:scrgbClr r="0" g="0" b="0"/>
+      </a:fillRef>
+      <a:effectRef idx="0">
+        <a:scrgbClr r="0" g="0" b="0"/>
+      </a:effectRef>
+      <a:fontRef idx="minor">
+        <a:schemeClr val="lt1"/>
+      </a:fontRef>
+    </dgm:style>
+  </dgm:styleLbl>
+  <dgm:styleLbl name="parChTrans2D2">
+    <dgm:scene3d>
+      <a:camera prst="orthographicFront"/>
+      <a:lightRig rig="threePt" dir="t"/>
+    </dgm:scene3d>
+    <dgm:sp3d/>
+    <dgm:txPr/>
+    <dgm:style>
+      <a:lnRef idx="2">
+        <a:scrgbClr r="0" g="0" b="0"/>
+      </a:lnRef>
+      <a:fillRef idx="1">
+        <a:scrgbClr r="0" g="0" b="0"/>
+      </a:fillRef>
+      <a:effectRef idx="0">
+        <a:scrgbClr r="0" g="0" b="0"/>
+      </a:effectRef>
+      <a:fontRef idx="minor">
+        <a:schemeClr val="lt1"/>
+      </a:fontRef>
+    </dgm:style>
+  </dgm:styleLbl>
+  <dgm:styleLbl name="parChTrans2D3">
+    <dgm:scene3d>
+      <a:camera prst="orthographicFront"/>
+      <a:lightRig rig="threePt" dir="t"/>
+    </dgm:scene3d>
+    <dgm:sp3d/>
+    <dgm:txPr/>
+    <dgm:style>
+      <a:lnRef idx="2">
+        <a:scrgbClr r="0" g="0" b="0"/>
+      </a:lnRef>
+      <a:fillRef idx="1">
+        <a:scrgbClr r="0" g="0" b="0"/>
+      </a:fillRef>
+      <a:effectRef idx="0">
+        <a:scrgbClr r="0" g="0" b="0"/>
+      </a:effectRef>
+      <a:fontRef idx="minor">
+        <a:schemeClr val="lt1"/>
+      </a:fontRef>
+    </dgm:style>
+  </dgm:styleLbl>
+  <dgm:styleLbl name="parChTrans2D4">
+    <dgm:scene3d>
+      <a:camera prst="orthographicFront"/>
+      <a:lightRig rig="threePt" dir="t"/>
+    </dgm:scene3d>
+    <dgm:sp3d/>
+    <dgm:txPr/>
+    <dgm:style>
+      <a:lnRef idx="2">
+        <a:scrgbClr r="0" g="0" b="0"/>
+      </a:lnRef>
+      <a:fillRef idx="1">
+        <a:scrgbClr r="0" g="0" b="0"/>
+      </a:fillRef>
+      <a:effectRef idx="0">
+        <a:scrgbClr r="0" g="0" b="0"/>
+      </a:effectRef>
+      <a:fontRef idx="minor">
+        <a:schemeClr val="lt1"/>
+      </a:fontRef>
+    </dgm:style>
+  </dgm:styleLbl>
+  <dgm:styleLbl name="parChTrans1D1">
+    <dgm:scene3d>
+      <a:camera prst="orthographicFront"/>
+      <a:lightRig rig="threePt" dir="t"/>
+    </dgm:scene3d>
+    <dgm:sp3d/>
+    <dgm:txPr/>
+    <dgm:style>
+      <a:lnRef idx="2">
+        <a:scrgbClr r="0" g="0" b="0"/>
+      </a:lnRef>
+      <a:fillRef idx="0">
+        <a:scrgbClr r="0" g="0" b="0"/>
+      </a:fillRef>
+      <a:effectRef idx="0">
+        <a:scrgbClr r="0" g="0" b="0"/>
+      </a:effectRef>
+      <a:fontRef idx="minor"/>
+    </dgm:style>
+  </dgm:styleLbl>
+  <dgm:styleLbl name="parChTrans1D2">
+    <dgm:scene3d>
+      <a:camera prst="orthographicFront"/>
+      <a:lightRig rig="threePt" dir="t"/>
+    </dgm:scene3d>
+    <dgm:sp3d/>
+    <dgm:txPr/>
+    <dgm:style>
+      <a:lnRef idx="2">
+        <a:scrgbClr r="0" g="0" b="0"/>
+      </a:lnRef>
+      <a:fillRef idx="0">
+        <a:scrgbClr r="0" g="0" b="0"/>
+      </a:fillRef>
+      <a:effectRef idx="0">
+        <a:scrgbClr r="0" g="0" b="0"/>
+      </a:effectRef>
+      <a:fontRef idx="minor"/>
+    </dgm:style>
+  </dgm:styleLbl>
+  <dgm:styleLbl name="parChTrans1D3">
+    <dgm:scene3d>
+      <a:camera prst="orthographicFront"/>
+      <a:lightRig rig="threePt" dir="t"/>
+    </dgm:scene3d>
+    <dgm:sp3d/>
+    <dgm:txPr/>
+    <dgm:style>
+      <a:lnRef idx="2">
+        <a:scrgbClr r="0" g="0" b="0"/>
+      </a:lnRef>
+      <a:fillRef idx="0">
+        <a:scrgbClr r="0" g="0" b="0"/>
+      </a:fillRef>
+      <a:effectRef idx="0">
+        <a:scrgbClr r="0" g="0" b="0"/>
+      </a:effectRef>
+      <a:fontRef idx="minor"/>
+    </dgm:style>
+  </dgm:styleLbl>
+  <dgm:styleLbl name="parChTrans1D4">
+    <dgm:scene3d>
+      <a:camera prst="orthographicFront"/>
+      <a:lightRig rig="threePt" dir="t"/>
+    </dgm:scene3d>
+    <dgm:sp3d/>
+    <dgm:txPr/>
+    <dgm:style>
+      <a:lnRef idx="2">
+        <a:scrgbClr r="0" g="0" b="0"/>
+      </a:lnRef>
+      <a:fillRef idx="0">
+        <a:scrgbClr r="0" g="0" b="0"/>
+      </a:fillRef>
+      <a:effectRef idx="0">
+        <a:scrgbClr r="0" g="0" b="0"/>
+      </a:effectRef>
+      <a:fontRef idx="minor"/>
+    </dgm:style>
+  </dgm:styleLbl>
+  <dgm:styleLbl name="fgAcc1">
+    <dgm:scene3d>
+      <a:camera prst="orthographicFront"/>
+      <a:lightRig rig="threePt" dir="t"/>
+    </dgm:scene3d>
+    <dgm:sp3d/>
+    <dgm:txPr/>
+    <dgm:style>
+      <a:lnRef idx="2">
+        <a:scrgbClr r="0" g="0" b="0"/>
+      </a:lnRef>
+      <a:fillRef idx="1">
+        <a:scrgbClr r="0" g="0" b="0"/>
+      </a:fillRef>
+      <a:effectRef idx="0">
+        <a:scrgbClr r="0" g="0" b="0"/>
+      </a:effectRef>
+      <a:fontRef idx="minor"/>
+    </dgm:style>
+  </dgm:styleLbl>
+  <dgm:styleLbl name="conFgAcc1">
+    <dgm:scene3d>
+      <a:camera prst="orthographicFront"/>
+      <a:lightRig rig="threePt" dir="t"/>
+    </dgm:scene3d>
+    <dgm:sp3d/>
+    <dgm:txPr/>
+    <dgm:style>
+      <a:lnRef idx="2">
+        <a:scrgbClr r="0" g="0" b="0"/>
+      </a:lnRef>
+      <a:fillRef idx="1">
+        <a:scrgbClr r="0" g="0" b="0"/>
+      </a:fillRef>
+      <a:effectRef idx="0">
+        <a:scrgbClr r="0" g="0" b="0"/>
+      </a:effectRef>
+      <a:fontRef idx="minor"/>
+    </dgm:style>
+  </dgm:styleLbl>
+  <dgm:styleLbl name="alignAcc1">
+    <dgm:scene3d>
+      <a:camera prst="orthographicFront"/>
+      <a:lightRig rig="threePt" dir="t"/>
+    </dgm:scene3d>
+    <dgm:sp3d/>
+    <dgm:txPr/>
+    <dgm:style>
+      <a:lnRef idx="2">
+        <a:scrgbClr r="0" g="0" b="0"/>
+      </a:lnRef>
+      <a:fillRef idx="1">
+        <a:scrgbClr r="0" g="0" b="0"/>
+      </a:fillRef>
+      <a:effectRef idx="0">
+        <a:scrgbClr r="0" g="0" b="0"/>
+      </a:effectRef>
+      <a:fontRef idx="minor"/>
+    </dgm:style>
+  </dgm:styleLbl>
+  <dgm:styleLbl name="trAlignAcc1">
+    <dgm:scene3d>
+      <a:camera prst="orthographicFront"/>
+      <a:lightRig rig="threePt" dir="t"/>
+    </dgm:scene3d>
+    <dgm:sp3d/>
+    <dgm:txPr/>
+    <dgm:style>
+      <a:lnRef idx="1">
+        <a:scrgbClr r="0" g="0" b="0"/>
+      </a:lnRef>
+      <a:fillRef idx="1">
+        <a:scrgbClr r="0" g="0" b="0"/>
+      </a:fillRef>
+      <a:effectRef idx="0">
+        <a:scrgbClr r="0" g="0" b="0"/>
+      </a:effectRef>
+      <a:fontRef idx="minor"/>
+    </dgm:style>
+  </dgm:styleLbl>
+  <dgm:styleLbl name="bgAcc1">
+    <dgm:scene3d>
+      <a:camera prst="orthographicFront"/>
+      <a:lightRig rig="threePt" dir="t"/>
+    </dgm:scene3d>
+    <dgm:sp3d/>
+    <dgm:txPr/>
+    <dgm:style>
+      <a:lnRef idx="2">
+        <a:scrgbClr r="0" g="0" b="0"/>
+      </a:lnRef>
+      <a:fillRef idx="1">
+        <a:scrgbClr r="0" g="0" b="0"/>
+      </a:fillRef>
+      <a:effectRef idx="0">
+        <a:scrgbClr r="0" g="0" b="0"/>
+      </a:effectRef>
+      <a:fontRef idx="minor"/>
+    </dgm:style>
+  </dgm:styleLbl>
+  <dgm:styleLbl name="solidFgAcc1">
+    <dgm:scene3d>
+      <a:camera prst="orthographicFront"/>
+      <a:lightRig rig="threePt" dir="t"/>
+    </dgm:scene3d>
+    <dgm:sp3d/>
+    <dgm:txPr/>
+    <dgm:style>
+      <a:lnRef idx="2">
+        <a:scrgbClr r="0" g="0" b="0"/>
+      </a:lnRef>
+      <a:fillRef idx="1">
+        <a:scrgbClr r="0" g="0" b="0"/>
+      </a:fillRef>
+      <a:effectRef idx="0">
+        <a:scrgbClr r="0" g="0" b="0"/>
+      </a:effectRef>
+      <a:fontRef idx="minor"/>
+    </dgm:style>
+  </dgm:styleLbl>
+  <dgm:styleLbl name="solidAlignAcc1">
+    <dgm:scene3d>
+      <a:camera prst="orthographicFront"/>
+      <a:lightRig rig="threePt" dir="t"/>
+    </dgm:scene3d>
+    <dgm:sp3d/>
+    <dgm:txPr/>
+    <dgm:style>
+      <a:lnRef idx="2">
+        <a:scrgbClr r="0" g="0" b="0"/>
+      </a:lnRef>
+      <a:fillRef idx="1">
+        <a:scrgbClr r="0" g="0" b="0"/>
+      </a:fillRef>
+      <a:effectRef idx="0">
+        <a:scrgbClr r="0" g="0" b="0"/>
+      </a:effectRef>
+      <a:fontRef idx="minor"/>
+    </dgm:style>
+  </dgm:styleLbl>
+  <dgm:styleLbl name="solidBgAcc1">
+    <dgm:scene3d>
+      <a:camera prst="orthographicFront"/>
+      <a:lightRig rig="threePt" dir="t"/>
+    </dgm:scene3d>
+    <dgm:sp3d/>
+    <dgm:txPr/>
+    <dgm:style>
+      <a:lnRef idx="2">
+        <a:scrgbClr r="0" g="0" b="0"/>
+      </a:lnRef>
+      <a:fillRef idx="1">
+        <a:scrgbClr r="0" g="0" b="0"/>
+      </a:fillRef>
+      <a:effectRef idx="0">
+        <a:scrgbClr r="0" g="0" b="0"/>
+      </a:effectRef>
+      <a:fontRef idx="minor"/>
+    </dgm:style>
+  </dgm:styleLbl>
+  <dgm:styleLbl name="fgAccFollowNode1">
+    <dgm:scene3d>
+      <a:camera prst="orthographicFront"/>
+      <a:lightRig rig="threePt" dir="t"/>
+    </dgm:scene3d>
+    <dgm:sp3d/>
+    <dgm:txPr/>
+    <dgm:style>
+      <a:lnRef idx="2">
+        <a:scrgbClr r="0" g="0" b="0"/>
+      </a:lnRef>
+      <a:fillRef idx="1">
+        <a:scrgbClr r="0" g="0" b="0"/>
+      </a:fillRef>
+      <a:effectRef idx="0">
+        <a:scrgbClr r="0" g="0" b="0"/>
+      </a:effectRef>
+      <a:fontRef idx="minor"/>
+    </dgm:style>
+  </dgm:styleLbl>
+  <dgm:styleLbl name="alignAccFollowNode1">
+    <dgm:scene3d>
+      <a:camera prst="orthographicFront"/>
+      <a:lightRig rig="threePt" dir="t"/>
+    </dgm:scene3d>
+    <dgm:sp3d/>
+    <dgm:txPr/>
+    <dgm:style>
+      <a:lnRef idx="2">
+        <a:scrgbClr r="0" g="0" b="0"/>
+      </a:lnRef>
+      <a:fillRef idx="1">
+        <a:scrgbClr r="0" g="0" b="0"/>
+      </a:fillRef>
+      <a:effectRef idx="0">
+        <a:scrgbClr r="0" g="0" b="0"/>
+      </a:effectRef>
+      <a:fontRef idx="minor"/>
+    </dgm:style>
+  </dgm:styleLbl>
+  <dgm:styleLbl name="bgAccFollowNode1">
+    <dgm:scene3d>
+      <a:camera prst="orthographicFront"/>
+      <a:lightRig rig="threePt" dir="t"/>
+    </dgm:scene3d>
+    <dgm:sp3d/>
+    <dgm:txPr/>
+    <dgm:style>
+      <a:lnRef idx="2">
+        <a:scrgbClr r="0" g="0" b="0"/>
+      </a:lnRef>
+      <a:fillRef idx="1">
+        <a:scrgbClr r="0" g="0" b="0"/>
+      </a:fillRef>
+      <a:effectRef idx="0">
+        <a:scrgbClr r="0" g="0" b="0"/>
+      </a:effectRef>
+      <a:fontRef idx="minor"/>
+    </dgm:style>
+  </dgm:styleLbl>
+  <dgm:styleLbl name="fgAcc0">
+    <dgm:scene3d>
+      <a:camera prst="orthographicFront"/>
+      <a:lightRig rig="threePt" dir="t"/>
+    </dgm:scene3d>
+    <dgm:sp3d/>
+    <dgm:txPr/>
+    <dgm:style>
+      <a:lnRef idx="2">
+        <a:scrgbClr r="0" g="0" b="0"/>
+      </a:lnRef>
+      <a:fillRef idx="1">
+        <a:scrgbClr r="0" g="0" b="0"/>
+      </a:fillRef>
+      <a:effectRef idx="0">
+        <a:scrgbClr r="0" g="0" b="0"/>
+      </a:effectRef>
+      <a:fontRef idx="minor"/>
+    </dgm:style>
+  </dgm:styleLbl>
+  <dgm:styleLbl name="fgAcc2">
+    <dgm:scene3d>
+      <a:camera prst="orthographicFront"/>
+      <a:lightRig rig="threePt" dir="t"/>
+    </dgm:scene3d>
+    <dgm:sp3d/>
+    <dgm:txPr/>
+    <dgm:style>
+      <a:lnRef idx="2">
+        <a:scrgbClr r="0" g="0" b="0"/>
+      </a:lnRef>
+      <a:fillRef idx="1">
+        <a:scrgbClr r="0" g="0" b="0"/>
+      </a:fillRef>
+      <a:effectRef idx="0">
+        <a:scrgbClr r="0" g="0" b="0"/>
+      </a:effectRef>
+      <a:fontRef idx="minor"/>
+    </dgm:style>
+  </dgm:styleLbl>
+  <dgm:styleLbl name="fgAcc3">
+    <dgm:scene3d>
+      <a:camera prst="orthographicFront"/>
+      <a:lightRig rig="threePt" dir="t"/>
+    </dgm:scene3d>
+    <dgm:sp3d/>
+    <dgm:txPr/>
+    <dgm:style>
+      <a:lnRef idx="2">
+        <a:scrgbClr r="0" g="0" b="0"/>
+      </a:lnRef>
+      <a:fillRef idx="1">
+        <a:scrgbClr r="0" g="0" b="0"/>
+      </a:fillRef>
+      <a:effectRef idx="0">
+        <a:scrgbClr r="0" g="0" b="0"/>
+      </a:effectRef>
+      <a:fontRef idx="minor"/>
+    </dgm:style>
+  </dgm:styleLbl>
+  <dgm:styleLbl name="fgAcc4">
+    <dgm:scene3d>
+      <a:camera prst="orthographicFront"/>
+      <a:lightRig rig="threePt" dir="t"/>
+    </dgm:scene3d>
+    <dgm:sp3d/>
+    <dgm:txPr/>
+    <dgm:style>
+      <a:lnRef idx="2">
+        <a:scrgbClr r="0" g="0" b="0"/>
+      </a:lnRef>
+      <a:fillRef idx="1">
+        <a:scrgbClr r="0" g="0" b="0"/>
+      </a:fillRef>
+      <a:effectRef idx="0">
+        <a:scrgbClr r="0" g="0" b="0"/>
+      </a:effectRef>
+      <a:fontRef idx="minor"/>
+    </dgm:style>
+  </dgm:styleLbl>
+  <dgm:styleLbl name="bgShp">
+    <dgm:scene3d>
+      <a:camera prst="orthographicFront"/>
+      <a:lightRig rig="threePt" dir="t"/>
+    </dgm:scene3d>
+    <dgm:sp3d/>
+    <dgm:txPr/>
+    <dgm:style>
+      <a:lnRef idx="0">
+        <a:scrgbClr r="0" g="0" b="0"/>
+      </a:lnRef>
+      <a:fillRef idx="1">
+        <a:scrgbClr r="0" g="0" b="0"/>
+      </a:fillRef>
+      <a:effectRef idx="0">
+        <a:scrgbClr r="0" g="0" b="0"/>
+      </a:effectRef>
+      <a:fontRef idx="minor"/>
+    </dgm:style>
+  </dgm:styleLbl>
+  <dgm:styleLbl name="dkBgShp">
+    <dgm:scene3d>
+      <a:camera prst="orthographicFront"/>
+      <a:lightRig rig="threePt" dir="t"/>
+    </dgm:scene3d>
+    <dgm:sp3d/>
+    <dgm:txPr/>
+    <dgm:style>
+      <a:lnRef idx="0">
+        <a:scrgbClr r="0" g="0" b="0"/>
+      </a:lnRef>
+      <a:fillRef idx="1">
+        <a:scrgbClr r="0" g="0" b="0"/>
+      </a:fillRef>
+      <a:effectRef idx="0">
+        <a:scrgbClr r="0" g="0" b="0"/>
+      </a:effectRef>
+      <a:fontRef idx="minor"/>
+    </dgm:style>
+  </dgm:styleLbl>
+  <dgm:styleLbl name="trBgShp">
+    <dgm:scene3d>
+      <a:camera prst="orthographicFront"/>
+      <a:lightRig rig="threePt" dir="t"/>
+    </dgm:scene3d>
+    <dgm:sp3d/>
+    <dgm:txPr/>
+    <dgm:style>
+      <a:lnRef idx="0">
+        <a:scrgbClr r="0" g="0" b="0"/>
+      </a:lnRef>
+      <a:fillRef idx="1">
+        <a:scrgbClr r="0" g="0" b="0"/>
+      </a:fillRef>
+      <a:effectRef idx="0">
+        <a:scrgbClr r="0" g="0" b="0"/>
+      </a:effectRef>
+      <a:fontRef idx="minor"/>
+    </dgm:style>
+  </dgm:styleLbl>
+  <dgm:styleLbl name="fgShp">
+    <dgm:scene3d>
+      <a:camera prst="orthographicFront"/>
+      <a:lightRig rig="threePt" dir="t"/>
+    </dgm:scene3d>
+    <dgm:sp3d/>
+    <dgm:txPr/>
+    <dgm:style>
+      <a:lnRef idx="2">
+        <a:scrgbClr r="0" g="0" b="0"/>
+      </a:lnRef>
+      <a:fillRef idx="1">
+        <a:scrgbClr r="0" g="0" b="0"/>
+      </a:fillRef>
+      <a:effectRef idx="0">
+        <a:scrgbClr r="0" g="0" b="0"/>
+      </a:effectRef>
+      <a:fontRef idx="minor"/>
+    </dgm:style>
+  </dgm:styleLbl>
+  <dgm:styleLbl name="revTx">
+    <dgm:scene3d>
+      <a:camera prst="orthographicFront"/>
+      <a:lightRig rig="threePt" dir="t"/>
+    </dgm:scene3d>
+    <dgm:sp3d/>
+    <dgm:txPr/>
+    <dgm:style>
+      <a:lnRef idx="0">
+        <a:scrgbClr r="0" g="0" b="0"/>
+      </a:lnRef>
+      <a:fillRef idx="0">
+        <a:scrgbClr r="0" g="0" b="0"/>
+      </a:fillRef>
+      <a:effectRef idx="0">
+        <a:scrgbClr r="0" g="0" b="0"/>
+      </a:effectRef>
+      <a:fontRef idx="minor"/>
+    </dgm:style>
+  </dgm:styleLbl>
+</dgm:styleDef>
 </file>
 
 <file path=ppt/handoutMasters/handoutMaster1.xml><?xml version="1.0" encoding="utf-8"?>
@@ -7257,33 +13367,61 @@
           </a:bodyPr>
           <a:lstStyle/>
           <a:p>
+            <a:pPr marL="285750" indent="-285750">
+              <a:buFont typeface="Arial" panose="020B0604020202020204" pitchFamily="34" charset="0"/>
+              <a:buChar char="•"/>
+            </a:pPr>
             <a:r>
               <a:rPr lang="en-US" dirty="0"/>
               <a:t>In this approach we compare every house against every other house.</a:t>
             </a:r>
           </a:p>
           <a:p>
+            <a:pPr marL="285750" indent="-285750">
+              <a:buFont typeface="Arial" panose="020B0604020202020204" pitchFamily="34" charset="0"/>
+              <a:buChar char="•"/>
+            </a:pPr>
             <a:endParaRPr lang="en-US" dirty="0"/>
           </a:p>
           <a:p>
+            <a:pPr marL="285750" indent="-285750">
+              <a:buFont typeface="Arial" panose="020B0604020202020204" pitchFamily="34" charset="0"/>
+              <a:buChar char="•"/>
+            </a:pPr>
             <a:r>
               <a:rPr lang="en-US" dirty="0"/>
               <a:t>It is very slow for this particular “city1” dataset which has more than 300,000 data points.</a:t>
             </a:r>
           </a:p>
           <a:p>
+            <a:pPr marL="285750" indent="-285750">
+              <a:buFont typeface="Arial" panose="020B0604020202020204" pitchFamily="34" charset="0"/>
+              <a:buChar char="•"/>
+            </a:pPr>
             <a:endParaRPr lang="en-US" dirty="0"/>
           </a:p>
           <a:p>
+            <a:pPr marL="285750" indent="-285750">
+              <a:buFont typeface="Arial" panose="020B0604020202020204" pitchFamily="34" charset="0"/>
+              <a:buChar char="•"/>
+            </a:pPr>
             <a:r>
               <a:rPr lang="en-US" dirty="0"/>
               <a:t>For each house, we are using the pre-established domination logic to check if any other house dominates it.</a:t>
             </a:r>
           </a:p>
           <a:p>
+            <a:pPr marL="285750" indent="-285750">
+              <a:buFont typeface="Arial" panose="020B0604020202020204" pitchFamily="34" charset="0"/>
+              <a:buChar char="•"/>
+            </a:pPr>
             <a:endParaRPr lang="en-US" dirty="0"/>
           </a:p>
           <a:p>
+            <a:pPr marL="285750" indent="-285750">
+              <a:buFont typeface="Arial" panose="020B0604020202020204" pitchFamily="34" charset="0"/>
+              <a:buChar char="•"/>
+            </a:pPr>
             <a:r>
               <a:rPr lang="en-AU" dirty="0"/>
               <a:t>It is very inefficient, hence has the highest execution time among the three algorithms used for skyline search.</a:t>
@@ -7704,7 +13842,7 @@
         <p:spPr>
           <a:xfrm>
             <a:off x="849086" y="1775756"/>
-            <a:ext cx="6741322" cy="369332"/>
+            <a:ext cx="6741322" cy="3970318"/>
           </a:xfrm>
           <a:prstGeom prst="rect">
             <a:avLst/>
@@ -7717,9 +13855,60 @@
           </a:bodyPr>
           <a:lstStyle/>
           <a:p>
+            <a:pPr marL="285750" indent="-285750">
+              <a:buFont typeface="Arial" panose="020B0604020202020204" pitchFamily="34" charset="0"/>
+              <a:buChar char="•"/>
+            </a:pPr>
+            <a:r>
+              <a:rPr lang="en-US" dirty="0"/>
+              <a:t>R-tree spatial indexing for efficient pruning where 300,000 houses are organized into hierarchical spatial groups instead of checking individually like algorithm 1</a:t>
+            </a:r>
+          </a:p>
+          <a:p>
+            <a:pPr marL="285750" indent="-285750">
+              <a:buFont typeface="Arial" panose="020B0604020202020204" pitchFamily="34" charset="0"/>
+              <a:buChar char="•"/>
+            </a:pPr>
+            <a:endParaRPr lang="en-US" b="1" dirty="0"/>
+          </a:p>
+          <a:p>
+            <a:pPr marL="285750" indent="-285750">
+              <a:buFont typeface="Arial" panose="020B0604020202020204" pitchFamily="34" charset="0"/>
+              <a:buChar char="•"/>
+            </a:pPr>
+            <a:r>
+              <a:rPr lang="en-US" dirty="0"/>
+              <a:t>For MBR, we group the houses into spatial regions with boundaries. Each folder contains houses with cost range $150k-$200k, size range 80-120m²</a:t>
+            </a:r>
+          </a:p>
+          <a:p>
+            <a:pPr marL="285750" indent="-285750">
+              <a:buFont typeface="Arial" panose="020B0604020202020204" pitchFamily="34" charset="0"/>
+              <a:buChar char="•"/>
+            </a:pPr>
+            <a:endParaRPr lang="en-US" b="1" dirty="0"/>
+          </a:p>
+          <a:p>
+            <a:pPr marL="285750" indent="-285750">
+              <a:buFont typeface="Arial" panose="020B0604020202020204" pitchFamily="34" charset="0"/>
+              <a:buChar char="•"/>
+            </a:pPr>
+            <a:r>
+              <a:rPr lang="en-US" dirty="0"/>
+              <a:t>For pruning, we skip entire regions dominated by skyline points. If skyline has $100k/150m² house, skipping all folders labeled "$200k+ houses"</a:t>
+            </a:r>
+          </a:p>
+          <a:p>
+            <a:endParaRPr lang="en-AU" dirty="0"/>
+          </a:p>
+          <a:p>
+            <a:pPr marL="285750" indent="-285750">
+              <a:buFont typeface="Arial" panose="020B0604020202020204" pitchFamily="34" charset="0"/>
+              <a:buChar char="•"/>
+            </a:pPr>
             <a:r>
               <a:rPr lang="en-AU" dirty="0"/>
-              <a:t>Text</a:t>
+              <a:t>Faster compared to Sequential Scan due to the pruning efficiency</a:t>
             </a:r>
           </a:p>
         </p:txBody>
@@ -7754,10 +13943,583 @@
           </a:p>
         </p:txBody>
       </p:sp>
+      <p:pic>
+        <p:nvPicPr>
+          <p:cNvPr id="7" name="Picture 6">
+            <a:extLst>
+              <a:ext uri="{FF2B5EF4-FFF2-40B4-BE49-F238E27FC236}">
+                <a16:creationId xmlns:a16="http://schemas.microsoft.com/office/drawing/2014/main" id="{CA19CAC7-7373-5947-AF9A-2DFCFC981990}"/>
+              </a:ext>
+            </a:extLst>
+          </p:cNvPr>
+          <p:cNvPicPr>
+            <a:picLocks noChangeAspect="1"/>
+          </p:cNvPicPr>
+          <p:nvPr/>
+        </p:nvPicPr>
+        <p:blipFill>
+          <a:blip r:embed="rId2">
+            <a:extLst>
+              <a:ext uri="{28A0092B-C50C-407E-A947-70E740481C1C}">
+                <a14:useLocalDpi xmlns:a14="http://schemas.microsoft.com/office/drawing/2010/main" val="0"/>
+              </a:ext>
+            </a:extLst>
+          </a:blip>
+          <a:stretch>
+            <a:fillRect/>
+          </a:stretch>
+        </p:blipFill>
+        <p:spPr>
+          <a:xfrm>
+            <a:off x="7396222" y="1752986"/>
+            <a:ext cx="4059133" cy="4372606"/>
+          </a:xfrm>
+          <a:prstGeom prst="rect">
+            <a:avLst/>
+          </a:prstGeom>
+        </p:spPr>
+      </p:pic>
     </p:spTree>
     <p:extLst>
       <p:ext uri="{BB962C8B-B14F-4D97-AF65-F5344CB8AC3E}">
         <p14:creationId xmlns:p14="http://schemas.microsoft.com/office/powerpoint/2010/main" val="2593344496"/>
+      </p:ext>
+    </p:extLst>
+  </p:cSld>
+  <p:clrMapOvr>
+    <a:masterClrMapping/>
+  </p:clrMapOvr>
+</p:sld>
+</file>
+
+<file path=ppt/slides/slide8.xml><?xml version="1.0" encoding="utf-8"?>
+<p:sld xmlns:a="http://schemas.openxmlformats.org/drawingml/2006/main" xmlns:r="http://schemas.openxmlformats.org/officeDocument/2006/relationships" xmlns:p="http://schemas.openxmlformats.org/presentationml/2006/main">
+  <p:cSld>
+    <p:spTree>
+      <p:nvGrpSpPr>
+        <p:cNvPr id="1" name=""/>
+        <p:cNvGrpSpPr/>
+        <p:nvPr/>
+      </p:nvGrpSpPr>
+      <p:grpSpPr>
+        <a:xfrm>
+          <a:off x="0" y="0"/>
+          <a:ext cx="0" cy="0"/>
+          <a:chOff x="0" y="0"/>
+          <a:chExt cx="0" cy="0"/>
+        </a:xfrm>
+      </p:grpSpPr>
+      <p:sp>
+        <p:nvSpPr>
+          <p:cNvPr id="2" name="Title 1"/>
+          <p:cNvSpPr>
+            <a:spLocks noGrp="1"/>
+          </p:cNvSpPr>
+          <p:nvPr>
+            <p:ph type="title"/>
+          </p:nvPr>
+        </p:nvSpPr>
+        <p:spPr/>
+        <p:txBody>
+          <a:bodyPr/>
+          <a:lstStyle/>
+          <a:p>
+            <a:r>
+              <a:rPr lang="en-AU" dirty="0"/>
+              <a:t>Algorithm 2 : Branch and Bound Skyline</a:t>
+            </a:r>
+          </a:p>
+        </p:txBody>
+      </p:sp>
+      <p:graphicFrame>
+        <p:nvGraphicFramePr>
+          <p:cNvPr id="8" name="Content Placeholder 7">
+            <a:extLst>
+              <a:ext uri="{FF2B5EF4-FFF2-40B4-BE49-F238E27FC236}">
+                <a16:creationId xmlns:a16="http://schemas.microsoft.com/office/drawing/2014/main" id="{7F8DB7F8-290E-B245-BCE5-510FF5ECAF5D}"/>
+              </a:ext>
+            </a:extLst>
+          </p:cNvPr>
+          <p:cNvGraphicFramePr>
+            <a:graphicFrameLocks noGrp="1"/>
+          </p:cNvGraphicFramePr>
+          <p:nvPr>
+            <p:ph idx="1"/>
+            <p:extLst>
+              <p:ext uri="{D42A27DB-BD31-4B8C-83A1-F6EECF244321}">
+                <p14:modId xmlns:p14="http://schemas.microsoft.com/office/powerpoint/2010/main" val="2460635581"/>
+              </p:ext>
+            </p:extLst>
+          </p:nvPr>
+        </p:nvGraphicFramePr>
+        <p:xfrm>
+          <a:off x="720000" y="1620000"/>
+          <a:ext cx="10800001" cy="4525963"/>
+        </p:xfrm>
+        <a:graphic>
+          <a:graphicData uri="http://schemas.openxmlformats.org/drawingml/2006/diagram">
+            <dgm:relIds xmlns:dgm="http://schemas.openxmlformats.org/drawingml/2006/diagram" xmlns:r="http://schemas.openxmlformats.org/officeDocument/2006/relationships" r:dm="rId2" r:lo="rId3" r:qs="rId4" r:cs="rId5"/>
+          </a:graphicData>
+        </a:graphic>
+      </p:graphicFrame>
+      <p:sp>
+        <p:nvSpPr>
+          <p:cNvPr id="4" name="Footer Placeholder 3"/>
+          <p:cNvSpPr>
+            <a:spLocks noGrp="1"/>
+          </p:cNvSpPr>
+          <p:nvPr>
+            <p:ph type="ftr" sz="quarter" idx="11"/>
+          </p:nvPr>
+        </p:nvSpPr>
+        <p:spPr/>
+        <p:txBody>
+          <a:bodyPr/>
+          <a:lstStyle/>
+          <a:p>
+            <a:r>
+              <a:rPr lang="en-AU"/>
+              <a:t>OFFICE | FACULTY | DEPARTMENT</a:t>
+            </a:r>
+            <a:endParaRPr lang="en-AU" dirty="0"/>
+          </a:p>
+        </p:txBody>
+      </p:sp>
+      <p:sp>
+        <p:nvSpPr>
+          <p:cNvPr id="5" name="Slide Number Placeholder 4"/>
+          <p:cNvSpPr>
+            <a:spLocks noGrp="1"/>
+          </p:cNvSpPr>
+          <p:nvPr>
+            <p:ph type="sldNum" sz="quarter" idx="12"/>
+          </p:nvPr>
+        </p:nvSpPr>
+        <p:spPr/>
+        <p:txBody>
+          <a:bodyPr/>
+          <a:lstStyle/>
+          <a:p>
+            <a:fld id="{D9C42BCC-44E8-4F98-A8FE-EAF16D8C1E6E}" type="slidenum">
+              <a:rPr lang="en-AU" smtClean="0"/>
+              <a:pPr/>
+              <a:t>8</a:t>
+            </a:fld>
+            <a:endParaRPr lang="en-AU"/>
+          </a:p>
+        </p:txBody>
+      </p:sp>
+      <p:sp>
+        <p:nvSpPr>
+          <p:cNvPr id="6" name="Text Placeholder 5"/>
+          <p:cNvSpPr>
+            <a:spLocks noGrp="1"/>
+          </p:cNvSpPr>
+          <p:nvPr>
+            <p:ph type="body" sz="quarter" idx="15"/>
+          </p:nvPr>
+        </p:nvSpPr>
+        <p:spPr/>
+        <p:txBody>
+          <a:bodyPr/>
+          <a:lstStyle/>
+          <a:p>
+            <a:r>
+              <a:rPr lang="en-AU" dirty="0"/>
+              <a:t>Process of BBS</a:t>
+            </a:r>
+          </a:p>
+        </p:txBody>
+      </p:sp>
+    </p:spTree>
+    <p:extLst>
+      <p:ext uri="{BB962C8B-B14F-4D97-AF65-F5344CB8AC3E}">
+        <p14:creationId xmlns:p14="http://schemas.microsoft.com/office/powerpoint/2010/main" val="1032059764"/>
+      </p:ext>
+    </p:extLst>
+  </p:cSld>
+  <p:clrMapOvr>
+    <a:masterClrMapping/>
+  </p:clrMapOvr>
+</p:sld>
+</file>
+
+<file path=ppt/slides/slide9.xml><?xml version="1.0" encoding="utf-8"?>
+<p:sld xmlns:a="http://schemas.openxmlformats.org/drawingml/2006/main" xmlns:r="http://schemas.openxmlformats.org/officeDocument/2006/relationships" xmlns:p="http://schemas.openxmlformats.org/presentationml/2006/main">
+  <p:cSld>
+    <p:spTree>
+      <p:nvGrpSpPr>
+        <p:cNvPr id="1" name=""/>
+        <p:cNvGrpSpPr/>
+        <p:nvPr/>
+      </p:nvGrpSpPr>
+      <p:grpSpPr>
+        <a:xfrm>
+          <a:off x="0" y="0"/>
+          <a:ext cx="0" cy="0"/>
+          <a:chOff x="0" y="0"/>
+          <a:chExt cx="0" cy="0"/>
+        </a:xfrm>
+      </p:grpSpPr>
+      <p:sp>
+        <p:nvSpPr>
+          <p:cNvPr id="9" name="Content Placeholder 37"/>
+          <p:cNvSpPr txBox="1">
+            <a:spLocks/>
+          </p:cNvSpPr>
+          <p:nvPr/>
+        </p:nvSpPr>
+        <p:spPr>
+          <a:xfrm>
+            <a:off x="736644" y="1601998"/>
+            <a:ext cx="10736899" cy="4709351"/>
+          </a:xfrm>
+          <a:prstGeom prst="rect">
+            <a:avLst/>
+          </a:prstGeom>
+          <a:solidFill>
+            <a:srgbClr val="E6E4DC"/>
+          </a:solidFill>
+        </p:spPr>
+        <p:txBody>
+          <a:bodyPr vert="horz" lIns="91440" tIns="45720" rIns="91440" bIns="45720" rtlCol="0">
+            <a:normAutofit/>
+          </a:bodyPr>
+          <a:lstStyle>
+            <a:lvl1pPr marL="342900" indent="-342900" algn="l" defTabSz="914400" rtl="0" eaLnBrk="1" latinLnBrk="0" hangingPunct="1">
+              <a:spcBef>
+                <a:spcPct val="20000"/>
+              </a:spcBef>
+              <a:buFont typeface="Arial" panose="020B0604020202020204" pitchFamily="34" charset="0"/>
+              <a:buChar char="•"/>
+              <a:defRPr sz="1800" kern="1200">
+                <a:solidFill>
+                  <a:schemeClr val="tx1"/>
+                </a:solidFill>
+                <a:latin typeface="+mn-lt"/>
+                <a:ea typeface="+mn-ea"/>
+                <a:cs typeface="+mn-cs"/>
+              </a:defRPr>
+            </a:lvl1pPr>
+            <a:lvl2pPr marL="800100" indent="-342900" algn="l" defTabSz="914400" rtl="0" eaLnBrk="1" latinLnBrk="0" hangingPunct="1">
+              <a:spcBef>
+                <a:spcPct val="20000"/>
+              </a:spcBef>
+              <a:buFont typeface="Georgia" panose="02040502050405020303" pitchFamily="18" charset="0"/>
+              <a:buChar char="―"/>
+              <a:defRPr sz="1600" kern="1200">
+                <a:solidFill>
+                  <a:schemeClr val="tx1"/>
+                </a:solidFill>
+                <a:latin typeface="+mn-lt"/>
+                <a:ea typeface="+mn-ea"/>
+                <a:cs typeface="+mn-cs"/>
+              </a:defRPr>
+            </a:lvl2pPr>
+            <a:lvl3pPr marL="1200150" indent="-285750" algn="l" defTabSz="914400" rtl="0" eaLnBrk="1" latinLnBrk="0" hangingPunct="1">
+              <a:spcBef>
+                <a:spcPct val="20000"/>
+              </a:spcBef>
+              <a:buFont typeface="Wingdings" panose="05000000000000000000" pitchFamily="2" charset="2"/>
+              <a:buChar char="§"/>
+              <a:defRPr sz="1400" kern="1200">
+                <a:solidFill>
+                  <a:schemeClr val="tx1"/>
+                </a:solidFill>
+                <a:latin typeface="+mn-lt"/>
+                <a:ea typeface="+mn-ea"/>
+                <a:cs typeface="+mn-cs"/>
+              </a:defRPr>
+            </a:lvl3pPr>
+            <a:lvl4pPr marL="1600200" indent="-228600" algn="l" defTabSz="914400" rtl="0" eaLnBrk="1" latinLnBrk="0" hangingPunct="1">
+              <a:spcBef>
+                <a:spcPct val="20000"/>
+              </a:spcBef>
+              <a:buFont typeface="Arial" panose="020B0604020202020204" pitchFamily="34" charset="0"/>
+              <a:buChar char="•"/>
+              <a:defRPr sz="1400" kern="1200">
+                <a:solidFill>
+                  <a:schemeClr val="tx1"/>
+                </a:solidFill>
+                <a:latin typeface="+mn-lt"/>
+                <a:ea typeface="+mn-ea"/>
+                <a:cs typeface="+mn-cs"/>
+              </a:defRPr>
+            </a:lvl4pPr>
+            <a:lvl5pPr marL="2057400" indent="-228600" algn="l" defTabSz="914400" rtl="0" eaLnBrk="1" latinLnBrk="0" hangingPunct="1">
+              <a:spcBef>
+                <a:spcPct val="20000"/>
+              </a:spcBef>
+              <a:buFont typeface="Georgia" panose="02040502050405020303" pitchFamily="18" charset="0"/>
+              <a:buChar char="―"/>
+              <a:defRPr sz="1400" kern="1200">
+                <a:solidFill>
+                  <a:schemeClr val="tx1"/>
+                </a:solidFill>
+                <a:latin typeface="+mn-lt"/>
+                <a:ea typeface="+mn-ea"/>
+                <a:cs typeface="+mn-cs"/>
+              </a:defRPr>
+            </a:lvl5pPr>
+            <a:lvl6pPr marL="2514600" indent="-228600" algn="l" defTabSz="914400" rtl="0" eaLnBrk="1" latinLnBrk="0" hangingPunct="1">
+              <a:spcBef>
+                <a:spcPct val="20000"/>
+              </a:spcBef>
+              <a:buFont typeface="Arial" panose="020B0604020202020204" pitchFamily="34" charset="0"/>
+              <a:buChar char="•"/>
+              <a:defRPr sz="2000" kern="1200">
+                <a:solidFill>
+                  <a:schemeClr val="tx1"/>
+                </a:solidFill>
+                <a:latin typeface="+mn-lt"/>
+                <a:ea typeface="+mn-ea"/>
+                <a:cs typeface="+mn-cs"/>
+              </a:defRPr>
+            </a:lvl6pPr>
+            <a:lvl7pPr marL="2971800" indent="-228600" algn="l" defTabSz="914400" rtl="0" eaLnBrk="1" latinLnBrk="0" hangingPunct="1">
+              <a:spcBef>
+                <a:spcPct val="20000"/>
+              </a:spcBef>
+              <a:buFont typeface="Arial" panose="020B0604020202020204" pitchFamily="34" charset="0"/>
+              <a:buChar char="•"/>
+              <a:defRPr sz="2000" kern="1200">
+                <a:solidFill>
+                  <a:schemeClr val="tx1"/>
+                </a:solidFill>
+                <a:latin typeface="+mn-lt"/>
+                <a:ea typeface="+mn-ea"/>
+                <a:cs typeface="+mn-cs"/>
+              </a:defRPr>
+            </a:lvl7pPr>
+            <a:lvl8pPr marL="3429000" indent="-228600" algn="l" defTabSz="914400" rtl="0" eaLnBrk="1" latinLnBrk="0" hangingPunct="1">
+              <a:spcBef>
+                <a:spcPct val="20000"/>
+              </a:spcBef>
+              <a:buFont typeface="Arial" panose="020B0604020202020204" pitchFamily="34" charset="0"/>
+              <a:buChar char="•"/>
+              <a:defRPr sz="2000" kern="1200">
+                <a:solidFill>
+                  <a:schemeClr val="tx1"/>
+                </a:solidFill>
+                <a:latin typeface="+mn-lt"/>
+                <a:ea typeface="+mn-ea"/>
+                <a:cs typeface="+mn-cs"/>
+              </a:defRPr>
+            </a:lvl8pPr>
+            <a:lvl9pPr marL="3886200" indent="-228600" algn="l" defTabSz="914400" rtl="0" eaLnBrk="1" latinLnBrk="0" hangingPunct="1">
+              <a:spcBef>
+                <a:spcPct val="20000"/>
+              </a:spcBef>
+              <a:buFont typeface="Arial" panose="020B0604020202020204" pitchFamily="34" charset="0"/>
+              <a:buChar char="•"/>
+              <a:defRPr sz="2000" kern="1200">
+                <a:solidFill>
+                  <a:schemeClr val="tx1"/>
+                </a:solidFill>
+                <a:latin typeface="+mn-lt"/>
+                <a:ea typeface="+mn-ea"/>
+                <a:cs typeface="+mn-cs"/>
+              </a:defRPr>
+            </a:lvl9pPr>
+          </a:lstStyle>
+          <a:p>
+            <a:pPr marL="1371600" lvl="3" indent="0">
+              <a:buNone/>
+            </a:pPr>
+            <a:endParaRPr lang="en-AU" dirty="0"/>
+          </a:p>
+        </p:txBody>
+      </p:sp>
+      <p:sp>
+        <p:nvSpPr>
+          <p:cNvPr id="2" name="Title 1"/>
+          <p:cNvSpPr>
+            <a:spLocks noGrp="1"/>
+          </p:cNvSpPr>
+          <p:nvPr>
+            <p:ph type="title"/>
+          </p:nvPr>
+        </p:nvSpPr>
+        <p:spPr/>
+        <p:txBody>
+          <a:bodyPr/>
+          <a:lstStyle/>
+          <a:p>
+            <a:r>
+              <a:rPr lang="en-AU" dirty="0"/>
+              <a:t>Algorithm 3 : Divide and Conquer BBS</a:t>
+            </a:r>
+          </a:p>
+        </p:txBody>
+      </p:sp>
+      <p:sp>
+        <p:nvSpPr>
+          <p:cNvPr id="3" name="Footer Placeholder 2"/>
+          <p:cNvSpPr>
+            <a:spLocks noGrp="1"/>
+          </p:cNvSpPr>
+          <p:nvPr>
+            <p:ph type="ftr" sz="quarter" idx="11"/>
+          </p:nvPr>
+        </p:nvSpPr>
+        <p:spPr/>
+        <p:txBody>
+          <a:bodyPr/>
+          <a:lstStyle/>
+          <a:p>
+            <a:r>
+              <a:rPr lang="en-AU"/>
+              <a:t>OFFICE | FACULTY | DEPARTMENT</a:t>
+            </a:r>
+            <a:endParaRPr lang="en-AU" dirty="0"/>
+          </a:p>
+        </p:txBody>
+      </p:sp>
+      <p:sp>
+        <p:nvSpPr>
+          <p:cNvPr id="4" name="Slide Number Placeholder 3"/>
+          <p:cNvSpPr>
+            <a:spLocks noGrp="1"/>
+          </p:cNvSpPr>
+          <p:nvPr>
+            <p:ph type="sldNum" sz="quarter" idx="12"/>
+          </p:nvPr>
+        </p:nvSpPr>
+        <p:spPr/>
+        <p:txBody>
+          <a:bodyPr/>
+          <a:lstStyle/>
+          <a:p>
+            <a:fld id="{D9C42BCC-44E8-4F98-A8FE-EAF16D8C1E6E}" type="slidenum">
+              <a:rPr lang="en-AU" smtClean="0"/>
+              <a:pPr/>
+              <a:t>9</a:t>
+            </a:fld>
+            <a:endParaRPr lang="en-AU" dirty="0"/>
+          </a:p>
+        </p:txBody>
+      </p:sp>
+      <p:sp>
+        <p:nvSpPr>
+          <p:cNvPr id="5" name="Text Placeholder 4"/>
+          <p:cNvSpPr>
+            <a:spLocks noGrp="1"/>
+          </p:cNvSpPr>
+          <p:nvPr>
+            <p:ph type="body" sz="quarter" idx="15"/>
+          </p:nvPr>
+        </p:nvSpPr>
+        <p:spPr/>
+        <p:txBody>
+          <a:bodyPr/>
+          <a:lstStyle/>
+          <a:p>
+            <a:r>
+              <a:rPr lang="en-AU" dirty="0"/>
+              <a:t>Split THEM , SOLVE THEM AND MERGE THEM</a:t>
+            </a:r>
+          </a:p>
+        </p:txBody>
+      </p:sp>
+      <p:sp>
+        <p:nvSpPr>
+          <p:cNvPr id="17" name="TextBox 16"/>
+          <p:cNvSpPr txBox="1"/>
+          <p:nvPr/>
+        </p:nvSpPr>
+        <p:spPr>
+          <a:xfrm>
+            <a:off x="892186" y="3135778"/>
+            <a:ext cx="6741322" cy="2031325"/>
+          </a:xfrm>
+          <a:prstGeom prst="rect">
+            <a:avLst/>
+          </a:prstGeom>
+          <a:noFill/>
+        </p:spPr>
+        <p:txBody>
+          <a:bodyPr wrap="square" rtlCol="0">
+            <a:spAutoFit/>
+          </a:bodyPr>
+          <a:lstStyle/>
+          <a:p>
+            <a:pPr marL="285750" indent="-285750">
+              <a:buFont typeface="Arial" panose="020B0604020202020204" pitchFamily="34" charset="0"/>
+              <a:buChar char="•"/>
+            </a:pPr>
+            <a:r>
+              <a:rPr lang="en-US" dirty="0"/>
+              <a:t>BBS but with extra steps involving division and merging</a:t>
+            </a:r>
+          </a:p>
+          <a:p>
+            <a:pPr marL="285750" indent="-285750">
+              <a:buFont typeface="Arial" panose="020B0604020202020204" pitchFamily="34" charset="0"/>
+              <a:buChar char="•"/>
+            </a:pPr>
+            <a:endParaRPr lang="en-US" dirty="0"/>
+          </a:p>
+          <a:p>
+            <a:pPr marL="285750" indent="-285750">
+              <a:buFont typeface="Arial" panose="020B0604020202020204" pitchFamily="34" charset="0"/>
+              <a:buChar char="•"/>
+            </a:pPr>
+            <a:r>
+              <a:rPr lang="en-US" dirty="0"/>
+              <a:t>Dividing dataset by cost, solving each half separately</a:t>
+            </a:r>
+          </a:p>
+          <a:p>
+            <a:pPr marL="285750" indent="-285750">
+              <a:buFont typeface="Arial" panose="020B0604020202020204" pitchFamily="34" charset="0"/>
+              <a:buChar char="•"/>
+            </a:pPr>
+            <a:endParaRPr lang="en-US" dirty="0"/>
+          </a:p>
+          <a:p>
+            <a:pPr marL="285750" indent="-285750">
+              <a:buFont typeface="Arial" panose="020B0604020202020204" pitchFamily="34" charset="0"/>
+              <a:buChar char="•"/>
+            </a:pPr>
+            <a:r>
+              <a:rPr lang="en-US" dirty="0"/>
+              <a:t>For the final filtering step , which is merging both skylines, we apply our standard skyline checking to the merged candidates to  obtain only non-dominated points.</a:t>
+            </a:r>
+          </a:p>
+        </p:txBody>
+      </p:sp>
+      <p:graphicFrame>
+        <p:nvGraphicFramePr>
+          <p:cNvPr id="14" name="Diagram 13">
+            <a:extLst>
+              <a:ext uri="{FF2B5EF4-FFF2-40B4-BE49-F238E27FC236}">
+                <a16:creationId xmlns:a16="http://schemas.microsoft.com/office/drawing/2014/main" id="{D097AAE4-97CE-7A4F-8608-3D2B75D09CFA}"/>
+              </a:ext>
+            </a:extLst>
+          </p:cNvPr>
+          <p:cNvGraphicFramePr/>
+          <p:nvPr>
+            <p:extLst>
+              <p:ext uri="{D42A27DB-BD31-4B8C-83A1-F6EECF244321}">
+                <p14:modId xmlns:p14="http://schemas.microsoft.com/office/powerpoint/2010/main" val="1252753870"/>
+              </p:ext>
+            </p:extLst>
+          </p:nvPr>
+        </p:nvGraphicFramePr>
+        <p:xfrm>
+          <a:off x="7435516" y="2038017"/>
+          <a:ext cx="4448084" cy="3911263"/>
+        </p:xfrm>
+        <a:graphic>
+          <a:graphicData uri="http://schemas.openxmlformats.org/drawingml/2006/diagram">
+            <dgm:relIds xmlns:dgm="http://schemas.openxmlformats.org/drawingml/2006/diagram" xmlns:r="http://schemas.openxmlformats.org/officeDocument/2006/relationships" r:dm="rId2" r:lo="rId3" r:qs="rId4" r:cs="rId5"/>
+          </a:graphicData>
+        </a:graphic>
+      </p:graphicFrame>
+    </p:spTree>
+    <p:extLst>
+      <p:ext uri="{BB962C8B-B14F-4D97-AF65-F5344CB8AC3E}">
+        <p14:creationId xmlns:p14="http://schemas.microsoft.com/office/powerpoint/2010/main" val="1252433627"/>
       </p:ext>
     </p:extLst>
   </p:cSld>

--- a/Slides.pptx
+++ b/Slides.pptx
@@ -1,14 +1,14 @@
 
 <file path=ppt/presentation.xml><?xml version="1.0" encoding="utf-8"?>
-<p:presentation xmlns:a="http://schemas.openxmlformats.org/drawingml/2006/main" xmlns:r="http://schemas.openxmlformats.org/officeDocument/2006/relationships" xmlns:p="http://schemas.openxmlformats.org/presentationml/2006/main" saveSubsetFonts="1">
+<p:presentation xmlns:a="http://schemas.openxmlformats.org/drawingml/2006/main" xmlns:r="http://schemas.openxmlformats.org/officeDocument/2006/relationships" xmlns:p="http://schemas.openxmlformats.org/presentationml/2006/main" firstSlideNum="2" saveSubsetFonts="1">
   <p:sldMasterIdLst>
     <p:sldMasterId id="2147483648" r:id="rId1"/>
   </p:sldMasterIdLst>
   <p:notesMasterIdLst>
-    <p:notesMasterId r:id="rId11"/>
+    <p:notesMasterId r:id="rId16"/>
   </p:notesMasterIdLst>
   <p:handoutMasterIdLst>
-    <p:handoutMasterId r:id="rId12"/>
+    <p:handoutMasterId r:id="rId17"/>
   </p:handoutMasterIdLst>
   <p:sldIdLst>
     <p:sldId id="328" r:id="rId2"/>
@@ -20,6 +20,11 @@
     <p:sldId id="330" r:id="rId8"/>
     <p:sldId id="259" r:id="rId9"/>
     <p:sldId id="331" r:id="rId10"/>
+    <p:sldId id="332" r:id="rId11"/>
+    <p:sldId id="292" r:id="rId12"/>
+    <p:sldId id="333" r:id="rId13"/>
+    <p:sldId id="334" r:id="rId14"/>
+    <p:sldId id="335" r:id="rId15"/>
   </p:sldIdLst>
   <p:sldSz cx="12192000" cy="6858000"/>
   <p:notesSz cx="7099300" cy="10234613"/>
@@ -141,6 +146,933 @@
 <p:cmAuthorLst xmlns:a="http://schemas.openxmlformats.org/drawingml/2006/main" xmlns:r="http://schemas.openxmlformats.org/officeDocument/2006/relationships" xmlns:p="http://schemas.openxmlformats.org/presentationml/2006/main">
   <p:cmAuthor id="0" name="Windows User" initials="WU" lastIdx="3" clrIdx="0"/>
 </p:cmAuthorLst>
+</file>
+
+<file path=ppt/charts/chart1.xml><?xml version="1.0" encoding="utf-8"?>
+<c:chartSpace xmlns:c="http://schemas.openxmlformats.org/drawingml/2006/chart" xmlns:a="http://schemas.openxmlformats.org/drawingml/2006/main" xmlns:r="http://schemas.openxmlformats.org/officeDocument/2006/relationships" xmlns:c16r2="http://schemas.microsoft.com/office/drawing/2015/06/chart">
+  <c:date1904 val="0"/>
+  <c:lang val="en-US"/>
+  <c:roundedCorners val="0"/>
+  <mc:AlternateContent xmlns:mc="http://schemas.openxmlformats.org/markup-compatibility/2006">
+    <mc:Choice xmlns:c14="http://schemas.microsoft.com/office/drawing/2007/8/2/chart" Requires="c14">
+      <c14:style val="102"/>
+    </mc:Choice>
+    <mc:Fallback>
+      <c:style val="2"/>
+    </mc:Fallback>
+  </mc:AlternateContent>
+  <c:chart>
+    <c:title>
+      <c:overlay val="0"/>
+      <c:spPr>
+        <a:noFill/>
+        <a:ln>
+          <a:noFill/>
+        </a:ln>
+        <a:effectLst/>
+      </c:spPr>
+      <c:txPr>
+        <a:bodyPr rot="0" spcFirstLastPara="1" vertOverflow="ellipsis" vert="horz" wrap="square" anchor="ctr" anchorCtr="1"/>
+        <a:lstStyle/>
+        <a:p>
+          <a:pPr>
+            <a:defRPr sz="1400" b="0" i="0" u="none" strike="noStrike" kern="1200" cap="none" spc="20" baseline="0">
+              <a:solidFill>
+                <a:schemeClr val="tx1">
+                  <a:lumMod val="50000"/>
+                  <a:lumOff val="50000"/>
+                </a:schemeClr>
+              </a:solidFill>
+              <a:latin typeface="+mn-lt"/>
+              <a:ea typeface="+mn-ea"/>
+              <a:cs typeface="+mn-cs"/>
+            </a:defRPr>
+          </a:pPr>
+          <a:endParaRPr lang="en-US"/>
+        </a:p>
+      </c:txPr>
+    </c:title>
+    <c:autoTitleDeleted val="0"/>
+    <c:plotArea>
+      <c:layout/>
+      <c:barChart>
+        <c:barDir val="col"/>
+        <c:grouping val="clustered"/>
+        <c:varyColors val="0"/>
+        <c:ser>
+          <c:idx val="0"/>
+          <c:order val="0"/>
+          <c:tx>
+            <c:strRef>
+              <c:f>'[Chart in Microsoft PowerPoint]Sheet1'!$I$6</c:f>
+              <c:strCache>
+                <c:ptCount val="1"/>
+                <c:pt idx="0">
+                  <c:v>Execution Time(seconds)</c:v>
+                </c:pt>
+              </c:strCache>
+            </c:strRef>
+          </c:tx>
+          <c:spPr>
+            <a:gradFill rotWithShape="1">
+              <a:gsLst>
+                <a:gs pos="0">
+                  <a:schemeClr val="accent1">
+                    <a:lumMod val="110000"/>
+                    <a:satMod val="105000"/>
+                    <a:tint val="67000"/>
+                  </a:schemeClr>
+                </a:gs>
+                <a:gs pos="50000">
+                  <a:schemeClr val="accent1">
+                    <a:lumMod val="105000"/>
+                    <a:satMod val="103000"/>
+                    <a:tint val="73000"/>
+                  </a:schemeClr>
+                </a:gs>
+                <a:gs pos="100000">
+                  <a:schemeClr val="accent1">
+                    <a:lumMod val="105000"/>
+                    <a:satMod val="109000"/>
+                    <a:tint val="81000"/>
+                  </a:schemeClr>
+                </a:gs>
+              </a:gsLst>
+              <a:lin ang="5400000" scaled="0"/>
+            </a:gradFill>
+            <a:ln w="9525" cap="flat" cmpd="sng" algn="ctr">
+              <a:solidFill>
+                <a:schemeClr val="accent1">
+                  <a:shade val="95000"/>
+                </a:schemeClr>
+              </a:solidFill>
+              <a:round/>
+            </a:ln>
+            <a:effectLst/>
+          </c:spPr>
+          <c:invertIfNegative val="0"/>
+          <c:dLbls>
+            <c:spPr>
+              <a:noFill/>
+              <a:ln>
+                <a:noFill/>
+              </a:ln>
+              <a:effectLst/>
+            </c:spPr>
+            <c:txPr>
+              <a:bodyPr rot="0" spcFirstLastPara="1" vertOverflow="ellipsis" vert="horz" wrap="square" lIns="38100" tIns="19050" rIns="38100" bIns="19050" anchor="ctr" anchorCtr="1">
+                <a:spAutoFit/>
+              </a:bodyPr>
+              <a:lstStyle/>
+              <a:p>
+                <a:pPr>
+                  <a:defRPr sz="900" b="0" i="0" u="none" strike="noStrike" kern="1200" baseline="0">
+                    <a:solidFill>
+                      <a:schemeClr val="tx1">
+                        <a:lumMod val="50000"/>
+                        <a:lumOff val="50000"/>
+                      </a:schemeClr>
+                    </a:solidFill>
+                    <a:latin typeface="+mn-lt"/>
+                    <a:ea typeface="+mn-ea"/>
+                    <a:cs typeface="+mn-cs"/>
+                  </a:defRPr>
+                </a:pPr>
+                <a:endParaRPr lang="en-US"/>
+              </a:p>
+            </c:txPr>
+            <c:showLegendKey val="0"/>
+            <c:showVal val="1"/>
+            <c:showCatName val="0"/>
+            <c:showSerName val="0"/>
+            <c:showPercent val="0"/>
+            <c:showBubbleSize val="0"/>
+            <c:showLeaderLines val="0"/>
+            <c:extLst>
+              <c:ext xmlns:c15="http://schemas.microsoft.com/office/drawing/2012/chart" uri="{CE6537A1-D6FC-4f65-9D91-7224C49458BB}">
+                <c15:showLeaderLines val="1"/>
+                <c15:leaderLines>
+                  <c:spPr>
+                    <a:ln w="9525">
+                      <a:solidFill>
+                        <a:schemeClr val="tx1">
+                          <a:lumMod val="35000"/>
+                          <a:lumOff val="65000"/>
+                        </a:schemeClr>
+                      </a:solidFill>
+                    </a:ln>
+                    <a:effectLst/>
+                  </c:spPr>
+                </c15:leaderLines>
+              </c:ext>
+            </c:extLst>
+          </c:dLbls>
+          <c:cat>
+            <c:strRef>
+              <c:f>'[Chart in Microsoft PowerPoint]Sheet1'!$J$5:$L$5</c:f>
+              <c:strCache>
+                <c:ptCount val="3"/>
+                <c:pt idx="0">
+                  <c:v>Sequential Scan</c:v>
+                </c:pt>
+                <c:pt idx="1">
+                  <c:v>BBS</c:v>
+                </c:pt>
+                <c:pt idx="2">
+                  <c:v>BBS with Divide and Conquer</c:v>
+                </c:pt>
+              </c:strCache>
+            </c:strRef>
+          </c:cat>
+          <c:val>
+            <c:numRef>
+              <c:f>'[Chart in Microsoft PowerPoint]Sheet1'!$J$6:$L$6</c:f>
+              <c:numCache>
+                <c:formatCode>General</c:formatCode>
+                <c:ptCount val="3"/>
+                <c:pt idx="0">
+                  <c:v>0.91049999999999998</c:v>
+                </c:pt>
+                <c:pt idx="1">
+                  <c:v>0.10050000000000001</c:v>
+                </c:pt>
+                <c:pt idx="2">
+                  <c:v>0.1474</c:v>
+                </c:pt>
+              </c:numCache>
+            </c:numRef>
+          </c:val>
+          <c:extLst>
+            <c:ext xmlns:c16="http://schemas.microsoft.com/office/drawing/2014/chart" uri="{C3380CC4-5D6E-409C-BE32-E72D297353CC}">
+              <c16:uniqueId val="{00000000-79BE-3546-A21B-8CD62120A3F6}"/>
+            </c:ext>
+          </c:extLst>
+        </c:ser>
+        <c:dLbls>
+          <c:showLegendKey val="0"/>
+          <c:showVal val="0"/>
+          <c:showCatName val="0"/>
+          <c:showSerName val="0"/>
+          <c:showPercent val="0"/>
+          <c:showBubbleSize val="0"/>
+        </c:dLbls>
+        <c:gapWidth val="100"/>
+        <c:overlap val="-24"/>
+        <c:axId val="2008638895"/>
+        <c:axId val="2008636783"/>
+      </c:barChart>
+      <c:catAx>
+        <c:axId val="2008638895"/>
+        <c:scaling>
+          <c:orientation val="minMax"/>
+        </c:scaling>
+        <c:delete val="0"/>
+        <c:axPos val="b"/>
+        <c:numFmt formatCode="General" sourceLinked="1"/>
+        <c:majorTickMark val="none"/>
+        <c:minorTickMark val="none"/>
+        <c:tickLblPos val="nextTo"/>
+        <c:spPr>
+          <a:noFill/>
+          <a:ln w="9525" cap="flat" cmpd="sng" algn="ctr">
+            <a:solidFill>
+              <a:schemeClr val="tx1">
+                <a:lumMod val="15000"/>
+                <a:lumOff val="85000"/>
+              </a:schemeClr>
+            </a:solidFill>
+            <a:round/>
+          </a:ln>
+          <a:effectLst/>
+        </c:spPr>
+        <c:txPr>
+          <a:bodyPr rot="-60000000" spcFirstLastPara="1" vertOverflow="ellipsis" vert="horz" wrap="square" anchor="ctr" anchorCtr="1"/>
+          <a:lstStyle/>
+          <a:p>
+            <a:pPr>
+              <a:defRPr sz="900" b="0" i="0" u="none" strike="noStrike" kern="1200" baseline="0">
+                <a:solidFill>
+                  <a:schemeClr val="tx1">
+                    <a:lumMod val="50000"/>
+                    <a:lumOff val="50000"/>
+                  </a:schemeClr>
+                </a:solidFill>
+                <a:latin typeface="+mn-lt"/>
+                <a:ea typeface="+mn-ea"/>
+                <a:cs typeface="+mn-cs"/>
+              </a:defRPr>
+            </a:pPr>
+            <a:endParaRPr lang="en-US"/>
+          </a:p>
+        </c:txPr>
+        <c:crossAx val="2008636783"/>
+        <c:crosses val="autoZero"/>
+        <c:auto val="1"/>
+        <c:lblAlgn val="ctr"/>
+        <c:lblOffset val="100"/>
+        <c:noMultiLvlLbl val="0"/>
+      </c:catAx>
+      <c:valAx>
+        <c:axId val="2008636783"/>
+        <c:scaling>
+          <c:orientation val="minMax"/>
+        </c:scaling>
+        <c:delete val="0"/>
+        <c:axPos val="l"/>
+        <c:majorGridlines>
+          <c:spPr>
+            <a:ln w="9525" cap="flat" cmpd="sng" algn="ctr">
+              <a:solidFill>
+                <a:schemeClr val="tx1">
+                  <a:lumMod val="15000"/>
+                  <a:lumOff val="85000"/>
+                </a:schemeClr>
+              </a:solidFill>
+              <a:round/>
+            </a:ln>
+            <a:effectLst/>
+          </c:spPr>
+        </c:majorGridlines>
+        <c:numFmt formatCode="General" sourceLinked="1"/>
+        <c:majorTickMark val="none"/>
+        <c:minorTickMark val="none"/>
+        <c:tickLblPos val="nextTo"/>
+        <c:spPr>
+          <a:noFill/>
+          <a:ln>
+            <a:noFill/>
+          </a:ln>
+          <a:effectLst/>
+        </c:spPr>
+        <c:txPr>
+          <a:bodyPr rot="-60000000" spcFirstLastPara="1" vertOverflow="ellipsis" vert="horz" wrap="square" anchor="ctr" anchorCtr="1"/>
+          <a:lstStyle/>
+          <a:p>
+            <a:pPr>
+              <a:defRPr sz="900" b="0" i="0" u="none" strike="noStrike" kern="1200" baseline="0">
+                <a:solidFill>
+                  <a:schemeClr val="tx1">
+                    <a:lumMod val="50000"/>
+                    <a:lumOff val="50000"/>
+                  </a:schemeClr>
+                </a:solidFill>
+                <a:latin typeface="+mn-lt"/>
+                <a:ea typeface="+mn-ea"/>
+                <a:cs typeface="+mn-cs"/>
+              </a:defRPr>
+            </a:pPr>
+            <a:endParaRPr lang="en-US"/>
+          </a:p>
+        </c:txPr>
+        <c:crossAx val="2008638895"/>
+        <c:crosses val="autoZero"/>
+        <c:crossBetween val="between"/>
+      </c:valAx>
+      <c:spPr>
+        <a:noFill/>
+        <a:ln>
+          <a:noFill/>
+        </a:ln>
+        <a:effectLst/>
+      </c:spPr>
+    </c:plotArea>
+    <c:plotVisOnly val="1"/>
+    <c:dispBlanksAs val="gap"/>
+    <c:extLst>
+      <c:ext xmlns:c16r3="http://schemas.microsoft.com/office/drawing/2017/03/chart" uri="{56B9EC1D-385E-4148-901F-78D8002777C0}">
+        <c16r3:dataDisplayOptions16>
+          <c16r3:dispNaAsBlank val="1"/>
+        </c16r3:dataDisplayOptions16>
+      </c:ext>
+    </c:extLst>
+    <c:showDLblsOverMax val="0"/>
+  </c:chart>
+  <c:spPr>
+    <a:noFill/>
+    <a:ln>
+      <a:noFill/>
+    </a:ln>
+    <a:effectLst/>
+  </c:spPr>
+  <c:txPr>
+    <a:bodyPr/>
+    <a:lstStyle/>
+    <a:p>
+      <a:pPr>
+        <a:defRPr/>
+      </a:pPr>
+      <a:endParaRPr lang="en-US"/>
+    </a:p>
+  </c:txPr>
+  <c:externalData r:id="rId3">
+    <c:autoUpdate val="0"/>
+  </c:externalData>
+</c:chartSpace>
+</file>
+
+<file path=ppt/charts/colors1.xml><?xml version="1.0" encoding="utf-8"?>
+<cs:colorStyle xmlns:cs="http://schemas.microsoft.com/office/drawing/2012/chartStyle" xmlns:a="http://schemas.openxmlformats.org/drawingml/2006/main" meth="cycle" id="10">
+  <a:schemeClr val="accent1"/>
+  <a:schemeClr val="accent2"/>
+  <a:schemeClr val="accent3"/>
+  <a:schemeClr val="accent4"/>
+  <a:schemeClr val="accent5"/>
+  <a:schemeClr val="accent6"/>
+  <cs:variation/>
+  <cs:variation>
+    <a:lumMod val="60000"/>
+  </cs:variation>
+  <cs:variation>
+    <a:lumMod val="80000"/>
+    <a:lumOff val="20000"/>
+  </cs:variation>
+  <cs:variation>
+    <a:lumMod val="80000"/>
+  </cs:variation>
+  <cs:variation>
+    <a:lumMod val="60000"/>
+    <a:lumOff val="40000"/>
+  </cs:variation>
+  <cs:variation>
+    <a:lumMod val="50000"/>
+  </cs:variation>
+  <cs:variation>
+    <a:lumMod val="70000"/>
+    <a:lumOff val="30000"/>
+  </cs:variation>
+  <cs:variation>
+    <a:lumMod val="70000"/>
+  </cs:variation>
+  <cs:variation>
+    <a:lumMod val="50000"/>
+    <a:lumOff val="50000"/>
+  </cs:variation>
+</cs:colorStyle>
+</file>
+
+<file path=ppt/charts/style1.xml><?xml version="1.0" encoding="utf-8"?>
+<cs:chartStyle xmlns:cs="http://schemas.microsoft.com/office/drawing/2012/chartStyle" xmlns:a="http://schemas.openxmlformats.org/drawingml/2006/main" id="206">
+  <cs:axisTitle>
+    <cs:lnRef idx="0"/>
+    <cs:fillRef idx="0"/>
+    <cs:effectRef idx="0"/>
+    <cs:fontRef idx="minor">
+      <a:schemeClr val="tx1">
+        <a:lumMod val="50000"/>
+        <a:lumOff val="50000"/>
+      </a:schemeClr>
+    </cs:fontRef>
+    <cs:defRPr sz="900" kern="1200" cap="all"/>
+  </cs:axisTitle>
+  <cs:categoryAxis>
+    <cs:lnRef idx="0"/>
+    <cs:fillRef idx="0"/>
+    <cs:effectRef idx="0"/>
+    <cs:fontRef idx="minor">
+      <a:schemeClr val="tx1">
+        <a:lumMod val="50000"/>
+        <a:lumOff val="50000"/>
+      </a:schemeClr>
+    </cs:fontRef>
+    <cs:spPr>
+      <a:ln w="9525" cap="flat" cmpd="sng" algn="ctr">
+        <a:solidFill>
+          <a:schemeClr val="tx1">
+            <a:lumMod val="15000"/>
+            <a:lumOff val="85000"/>
+          </a:schemeClr>
+        </a:solidFill>
+        <a:round/>
+      </a:ln>
+    </cs:spPr>
+    <cs:defRPr sz="900" kern="1200"/>
+  </cs:categoryAxis>
+  <cs:chartArea mods="allowNoFillOverride allowNoLineOverride">
+    <cs:lnRef idx="0"/>
+    <cs:fillRef idx="0"/>
+    <cs:effectRef idx="0"/>
+    <cs:fontRef idx="minor">
+      <a:schemeClr val="dk1"/>
+    </cs:fontRef>
+    <cs:spPr>
+      <a:solidFill>
+        <a:schemeClr val="bg1"/>
+      </a:solidFill>
+      <a:ln w="9525" cap="flat" cmpd="sng" algn="ctr">
+        <a:solidFill>
+          <a:schemeClr val="tx1">
+            <a:lumMod val="15000"/>
+            <a:lumOff val="85000"/>
+          </a:schemeClr>
+        </a:solidFill>
+        <a:round/>
+      </a:ln>
+    </cs:spPr>
+    <cs:defRPr sz="900" kern="1200"/>
+  </cs:chartArea>
+  <cs:dataLabel>
+    <cs:lnRef idx="0"/>
+    <cs:fillRef idx="0"/>
+    <cs:effectRef idx="0"/>
+    <cs:fontRef idx="minor">
+      <a:schemeClr val="tx1">
+        <a:lumMod val="50000"/>
+        <a:lumOff val="50000"/>
+      </a:schemeClr>
+    </cs:fontRef>
+    <cs:defRPr sz="900" kern="1200"/>
+  </cs:dataLabel>
+  <cs:dataLabelCallout>
+    <cs:lnRef idx="0"/>
+    <cs:fillRef idx="0"/>
+    <cs:effectRef idx="0"/>
+    <cs:fontRef idx="minor">
+      <a:schemeClr val="dk1">
+        <a:lumMod val="65000"/>
+        <a:lumOff val="35000"/>
+      </a:schemeClr>
+    </cs:fontRef>
+    <cs:spPr>
+      <a:solidFill>
+        <a:schemeClr val="lt1"/>
+      </a:solidFill>
+      <a:ln>
+        <a:solidFill>
+          <a:schemeClr val="dk1">
+            <a:lumMod val="25000"/>
+            <a:lumOff val="75000"/>
+          </a:schemeClr>
+        </a:solidFill>
+      </a:ln>
+    </cs:spPr>
+    <cs:defRPr sz="900" kern="1200"/>
+    <cs:bodyPr rot="0" spcFirstLastPara="1" vertOverflow="clip" horzOverflow="clip" vert="horz" wrap="square" lIns="36576" tIns="18288" rIns="36576" bIns="18288" anchor="ctr" anchorCtr="1">
+      <a:spAutoFit/>
+    </cs:bodyPr>
+  </cs:dataLabelCallout>
+  <cs:dataPoint>
+    <cs:lnRef idx="0">
+      <cs:styleClr val="auto"/>
+    </cs:lnRef>
+    <cs:fillRef idx="2">
+      <cs:styleClr val="auto"/>
+    </cs:fillRef>
+    <cs:effectRef idx="1"/>
+    <cs:fontRef idx="minor">
+      <a:schemeClr val="dk1"/>
+    </cs:fontRef>
+    <cs:spPr>
+      <a:ln w="9525" cap="flat" cmpd="sng" algn="ctr">
+        <a:solidFill>
+          <a:schemeClr val="phClr">
+            <a:shade val="95000"/>
+          </a:schemeClr>
+        </a:solidFill>
+        <a:round/>
+      </a:ln>
+    </cs:spPr>
+  </cs:dataPoint>
+  <cs:dataPoint3D>
+    <cs:lnRef idx="0">
+      <cs:styleClr val="auto"/>
+    </cs:lnRef>
+    <cs:fillRef idx="2">
+      <cs:styleClr val="auto"/>
+    </cs:fillRef>
+    <cs:effectRef idx="1"/>
+    <cs:fontRef idx="minor">
+      <a:schemeClr val="dk1"/>
+    </cs:fontRef>
+    <cs:spPr>
+      <a:ln w="9525" cap="flat" cmpd="sng" algn="ctr">
+        <a:solidFill>
+          <a:schemeClr val="phClr">
+            <a:shade val="95000"/>
+          </a:schemeClr>
+        </a:solidFill>
+        <a:round/>
+      </a:ln>
+    </cs:spPr>
+  </cs:dataPoint3D>
+  <cs:dataPointLine>
+    <cs:lnRef idx="0">
+      <cs:styleClr val="auto"/>
+    </cs:lnRef>
+    <cs:fillRef idx="2">
+      <cs:styleClr val="auto"/>
+    </cs:fillRef>
+    <cs:effectRef idx="1"/>
+    <cs:fontRef idx="minor">
+      <a:schemeClr val="dk1"/>
+    </cs:fontRef>
+    <cs:spPr>
+      <a:ln w="15875" cap="rnd">
+        <a:solidFill>
+          <a:schemeClr val="phClr"/>
+        </a:solidFill>
+        <a:round/>
+      </a:ln>
+    </cs:spPr>
+  </cs:dataPointLine>
+  <cs:dataPointMarker>
+    <cs:lnRef idx="0">
+      <cs:styleClr val="auto"/>
+    </cs:lnRef>
+    <cs:fillRef idx="2">
+      <cs:styleClr val="auto"/>
+    </cs:fillRef>
+    <cs:effectRef idx="1"/>
+    <cs:fontRef idx="minor">
+      <a:schemeClr val="dk1"/>
+    </cs:fontRef>
+    <cs:spPr>
+      <a:ln w="9525" cap="flat" cmpd="sng" algn="ctr">
+        <a:solidFill>
+          <a:schemeClr val="phClr">
+            <a:shade val="95000"/>
+          </a:schemeClr>
+        </a:solidFill>
+        <a:round/>
+      </a:ln>
+    </cs:spPr>
+  </cs:dataPointMarker>
+  <cs:dataPointMarkerLayout symbol="circle" size="4"/>
+  <cs:dataPointWireframe>
+    <cs:lnRef idx="0">
+      <cs:styleClr val="auto"/>
+    </cs:lnRef>
+    <cs:fillRef idx="2"/>
+    <cs:effectRef idx="0"/>
+    <cs:fontRef idx="minor">
+      <a:schemeClr val="dk1"/>
+    </cs:fontRef>
+    <cs:spPr>
+      <a:ln w="9525" cap="rnd">
+        <a:solidFill>
+          <a:schemeClr val="phClr"/>
+        </a:solidFill>
+        <a:round/>
+      </a:ln>
+    </cs:spPr>
+  </cs:dataPointWireframe>
+  <cs:dataTable>
+    <cs:lnRef idx="0"/>
+    <cs:fillRef idx="0"/>
+    <cs:effectRef idx="0"/>
+    <cs:fontRef idx="minor">
+      <a:schemeClr val="tx1">
+        <a:lumMod val="50000"/>
+        <a:lumOff val="50000"/>
+      </a:schemeClr>
+    </cs:fontRef>
+    <cs:spPr>
+      <a:ln w="9525">
+        <a:solidFill>
+          <a:schemeClr val="tx1">
+            <a:lumMod val="15000"/>
+            <a:lumOff val="85000"/>
+          </a:schemeClr>
+        </a:solidFill>
+      </a:ln>
+    </cs:spPr>
+    <cs:defRPr sz="900" kern="1200"/>
+  </cs:dataTable>
+  <cs:downBar>
+    <cs:lnRef idx="0"/>
+    <cs:fillRef idx="0"/>
+    <cs:effectRef idx="0"/>
+    <cs:fontRef idx="minor">
+      <a:schemeClr val="dk1"/>
+    </cs:fontRef>
+    <cs:spPr>
+      <a:solidFill>
+        <a:schemeClr val="dk1">
+          <a:lumMod val="75000"/>
+          <a:lumOff val="25000"/>
+        </a:schemeClr>
+      </a:solidFill>
+      <a:ln w="9525">
+        <a:solidFill>
+          <a:schemeClr val="tx1">
+            <a:lumMod val="50000"/>
+            <a:lumOff val="50000"/>
+          </a:schemeClr>
+        </a:solidFill>
+      </a:ln>
+    </cs:spPr>
+  </cs:downBar>
+  <cs:dropLine>
+    <cs:lnRef idx="0"/>
+    <cs:fillRef idx="0"/>
+    <cs:effectRef idx="0"/>
+    <cs:fontRef idx="minor">
+      <a:schemeClr val="dk1"/>
+    </cs:fontRef>
+    <cs:spPr>
+      <a:ln w="9525">
+        <a:solidFill>
+          <a:schemeClr val="tx1">
+            <a:lumMod val="35000"/>
+            <a:lumOff val="65000"/>
+          </a:schemeClr>
+        </a:solidFill>
+        <a:prstDash val="dash"/>
+      </a:ln>
+    </cs:spPr>
+  </cs:dropLine>
+  <cs:errorBar>
+    <cs:lnRef idx="0"/>
+    <cs:fillRef idx="0"/>
+    <cs:effectRef idx="0"/>
+    <cs:fontRef idx="minor">
+      <a:schemeClr val="dk1"/>
+    </cs:fontRef>
+    <cs:spPr>
+      <a:ln w="9525">
+        <a:solidFill>
+          <a:schemeClr val="tx1">
+            <a:lumMod val="50000"/>
+            <a:lumOff val="50000"/>
+          </a:schemeClr>
+        </a:solidFill>
+      </a:ln>
+    </cs:spPr>
+  </cs:errorBar>
+  <cs:floor>
+    <cs:lnRef idx="0"/>
+    <cs:fillRef idx="0"/>
+    <cs:effectRef idx="0"/>
+    <cs:fontRef idx="minor">
+      <a:schemeClr val="dk1"/>
+    </cs:fontRef>
+  </cs:floor>
+  <cs:gridlineMajor>
+    <cs:lnRef idx="0"/>
+    <cs:fillRef idx="0"/>
+    <cs:effectRef idx="0"/>
+    <cs:fontRef idx="minor">
+      <a:schemeClr val="dk1"/>
+    </cs:fontRef>
+    <cs:spPr>
+      <a:ln w="9525" cap="flat" cmpd="sng" algn="ctr">
+        <a:solidFill>
+          <a:schemeClr val="tx1">
+            <a:lumMod val="15000"/>
+            <a:lumOff val="85000"/>
+          </a:schemeClr>
+        </a:solidFill>
+        <a:round/>
+      </a:ln>
+    </cs:spPr>
+  </cs:gridlineMajor>
+  <cs:gridlineMinor>
+    <cs:lnRef idx="0"/>
+    <cs:fillRef idx="0"/>
+    <cs:effectRef idx="0"/>
+    <cs:fontRef idx="minor">
+      <a:schemeClr val="dk1"/>
+    </cs:fontRef>
+    <cs:spPr>
+      <a:ln>
+        <a:solidFill>
+          <a:schemeClr val="tx1">
+            <a:lumMod val="5000"/>
+            <a:lumOff val="95000"/>
+          </a:schemeClr>
+        </a:solidFill>
+      </a:ln>
+    </cs:spPr>
+  </cs:gridlineMinor>
+  <cs:hiLoLine>
+    <cs:lnRef idx="0"/>
+    <cs:fillRef idx="0"/>
+    <cs:effectRef idx="0"/>
+    <cs:fontRef idx="minor">
+      <a:schemeClr val="dk1"/>
+    </cs:fontRef>
+    <cs:spPr>
+      <a:ln w="9525">
+        <a:solidFill>
+          <a:schemeClr val="tx1">
+            <a:lumMod val="50000"/>
+            <a:lumOff val="50000"/>
+          </a:schemeClr>
+        </a:solidFill>
+        <a:prstDash val="dash"/>
+      </a:ln>
+    </cs:spPr>
+  </cs:hiLoLine>
+  <cs:leaderLine>
+    <cs:lnRef idx="0"/>
+    <cs:fillRef idx="0"/>
+    <cs:effectRef idx="0"/>
+    <cs:fontRef idx="minor">
+      <a:schemeClr val="dk1"/>
+    </cs:fontRef>
+    <cs:spPr>
+      <a:ln w="9525">
+        <a:solidFill>
+          <a:schemeClr val="tx1">
+            <a:lumMod val="35000"/>
+            <a:lumOff val="65000"/>
+          </a:schemeClr>
+        </a:solidFill>
+      </a:ln>
+    </cs:spPr>
+  </cs:leaderLine>
+  <cs:legend>
+    <cs:lnRef idx="0"/>
+    <cs:fillRef idx="0"/>
+    <cs:effectRef idx="0"/>
+    <cs:fontRef idx="minor">
+      <a:schemeClr val="tx1">
+        <a:lumMod val="50000"/>
+        <a:lumOff val="50000"/>
+      </a:schemeClr>
+    </cs:fontRef>
+    <cs:defRPr sz="900" kern="1200"/>
+  </cs:legend>
+  <cs:plotArea mods="allowNoFillOverride allowNoLineOverride">
+    <cs:lnRef idx="0"/>
+    <cs:fillRef idx="0"/>
+    <cs:effectRef idx="0"/>
+    <cs:fontRef idx="minor">
+      <a:schemeClr val="dk1"/>
+    </cs:fontRef>
+  </cs:plotArea>
+  <cs:plotArea3D mods="allowNoFillOverride allowNoLineOverride">
+    <cs:lnRef idx="0"/>
+    <cs:fillRef idx="0"/>
+    <cs:effectRef idx="0"/>
+    <cs:fontRef idx="minor">
+      <a:schemeClr val="dk1"/>
+    </cs:fontRef>
+  </cs:plotArea3D>
+  <cs:seriesAxis>
+    <cs:lnRef idx="0"/>
+    <cs:fillRef idx="0"/>
+    <cs:effectRef idx="0"/>
+    <cs:fontRef idx="minor">
+      <a:schemeClr val="tx1">
+        <a:lumMod val="50000"/>
+        <a:lumOff val="50000"/>
+      </a:schemeClr>
+    </cs:fontRef>
+    <cs:spPr>
+      <a:ln w="9525" cap="flat" cmpd="sng" algn="ctr">
+        <a:solidFill>
+          <a:schemeClr val="tx1">
+            <a:lumMod val="15000"/>
+            <a:lumOff val="85000"/>
+          </a:schemeClr>
+        </a:solidFill>
+        <a:round/>
+      </a:ln>
+    </cs:spPr>
+    <cs:defRPr sz="900" kern="1200"/>
+  </cs:seriesAxis>
+  <cs:seriesLine>
+    <cs:lnRef idx="0"/>
+    <cs:fillRef idx="0"/>
+    <cs:effectRef idx="0"/>
+    <cs:fontRef idx="minor">
+      <a:schemeClr val="dk1"/>
+    </cs:fontRef>
+    <cs:spPr>
+      <a:ln w="9525">
+        <a:solidFill>
+          <a:schemeClr val="tx1">
+            <a:lumMod val="35000"/>
+            <a:lumOff val="65000"/>
+          </a:schemeClr>
+        </a:solidFill>
+        <a:prstDash val="dash"/>
+      </a:ln>
+    </cs:spPr>
+  </cs:seriesLine>
+  <cs:title>
+    <cs:lnRef idx="0"/>
+    <cs:fillRef idx="0"/>
+    <cs:effectRef idx="0"/>
+    <cs:fontRef idx="minor">
+      <a:schemeClr val="tx1">
+        <a:lumMod val="50000"/>
+        <a:lumOff val="50000"/>
+      </a:schemeClr>
+    </cs:fontRef>
+    <cs:defRPr sz="1400" kern="1200" cap="none" spc="20" baseline="0"/>
+  </cs:title>
+  <cs:trendline>
+    <cs:lnRef idx="0">
+      <cs:styleClr val="auto"/>
+    </cs:lnRef>
+    <cs:fillRef idx="2"/>
+    <cs:effectRef idx="0"/>
+    <cs:fontRef idx="minor">
+      <a:schemeClr val="dk1"/>
+    </cs:fontRef>
+    <cs:spPr>
+      <a:ln w="9525" cap="rnd">
+        <a:solidFill>
+          <a:schemeClr val="phClr"/>
+        </a:solidFill>
+      </a:ln>
+    </cs:spPr>
+  </cs:trendline>
+  <cs:trendlineLabel>
+    <cs:lnRef idx="0"/>
+    <cs:fillRef idx="0"/>
+    <cs:effectRef idx="0"/>
+    <cs:fontRef idx="minor">
+      <a:schemeClr val="tx1">
+        <a:lumMod val="50000"/>
+        <a:lumOff val="50000"/>
+      </a:schemeClr>
+    </cs:fontRef>
+    <cs:defRPr sz="900" kern="1200"/>
+  </cs:trendlineLabel>
+  <cs:upBar>
+    <cs:lnRef idx="0"/>
+    <cs:fillRef idx="0"/>
+    <cs:effectRef idx="0"/>
+    <cs:fontRef idx="minor">
+      <a:schemeClr val="dk1"/>
+    </cs:fontRef>
+    <cs:spPr>
+      <a:solidFill>
+        <a:schemeClr val="lt1"/>
+      </a:solidFill>
+      <a:ln w="9525">
+        <a:solidFill>
+          <a:schemeClr val="tx1">
+            <a:lumMod val="50000"/>
+            <a:lumOff val="50000"/>
+          </a:schemeClr>
+        </a:solidFill>
+      </a:ln>
+    </cs:spPr>
+  </cs:upBar>
+  <cs:valueAxis>
+    <cs:lnRef idx="0"/>
+    <cs:fillRef idx="0"/>
+    <cs:effectRef idx="0"/>
+    <cs:fontRef idx="minor">
+      <a:schemeClr val="tx1">
+        <a:lumMod val="50000"/>
+        <a:lumOff val="50000"/>
+      </a:schemeClr>
+    </cs:fontRef>
+    <cs:defRPr sz="900" kern="1200"/>
+  </cs:valueAxis>
+  <cs:wall>
+    <cs:lnRef idx="0"/>
+    <cs:fillRef idx="0"/>
+    <cs:effectRef idx="0"/>
+    <cs:fontRef idx="minor">
+      <a:schemeClr val="dk1"/>
+    </cs:fontRef>
+  </cs:wall>
+</cs:chartStyle>
 </file>
 
 <file path=ppt/diagrams/colors1.xml><?xml version="1.0" encoding="utf-8"?>
@@ -7114,7 +8046,7 @@
           <a:p>
             <a:r>
               <a:rPr lang="en-AU"/>
-              <a:t>OFFICE | FACULTY | DEPARTMENT</a:t>
+              <a:t>BIG DATA ASSIGNMENT 2</a:t>
             </a:r>
             <a:endParaRPr lang="en-AU" dirty="0"/>
           </a:p>
@@ -7266,7 +8198,7 @@
           <a:p>
             <a:r>
               <a:rPr lang="en-AU"/>
-              <a:t>OFFICE | FACULTY | DEPARTMENT</a:t>
+              <a:t>BIG DATA ASSIGNMENT 2</a:t>
             </a:r>
           </a:p>
         </p:txBody>
@@ -9564,9 +10496,10 @@
           </a:lstStyle>
           <a:p>
             <a:r>
-              <a:rPr lang="en-AU" dirty="0"/>
-              <a:t>OFFICE | FACULTY | DEPARTMENT</a:t>
-            </a:r>
+              <a:rPr lang="en-AU"/>
+              <a:t>BIG DATA ASSIGNMENT 2</a:t>
+            </a:r>
+            <a:endParaRPr lang="en-AU" dirty="0"/>
           </a:p>
         </p:txBody>
       </p:sp>
@@ -9800,7 +10733,7 @@
           <a:p>
             <a:r>
               <a:rPr lang="en-AU"/>
-              <a:t>OFFICE | FACULTY | DEPARTMENT</a:t>
+              <a:t>BIG DATA ASSIGNMENT 2</a:t>
             </a:r>
             <a:endParaRPr lang="en-AU" dirty="0"/>
           </a:p>
@@ -9989,7 +10922,7 @@
           <a:p>
             <a:r>
               <a:rPr lang="en-AU"/>
-              <a:t>OFFICE | FACULTY | DEPARTMENT</a:t>
+              <a:t>BIG DATA ASSIGNMENT 2</a:t>
             </a:r>
             <a:endParaRPr lang="en-AU" dirty="0"/>
           </a:p>
@@ -10104,7 +11037,7 @@
   <p:clrMapOvr>
     <a:masterClrMapping/>
   </p:clrMapOvr>
-  <p:extLst>
+  <p:extLst mod="1">
     <p:ext uri="{DCECCB84-F9BA-43D5-87BE-67443E8EF086}">
       <p15:sldGuideLst xmlns:p15="http://schemas.microsoft.com/office/powerpoint/2012/main">
         <p15:guide id="1" orient="horz" pos="2160" userDrawn="1">
@@ -10194,7 +11127,7 @@
           <a:p>
             <a:r>
               <a:rPr lang="en-AU"/>
-              <a:t>OFFICE | FACULTY | DEPARTMENT</a:t>
+              <a:t>BIG DATA ASSIGNMENT 2</a:t>
             </a:r>
             <a:endParaRPr lang="en-AU" dirty="0"/>
           </a:p>
@@ -10504,9 +11437,10 @@
           </a:lstStyle>
           <a:p>
             <a:r>
-              <a:rPr lang="en-AU" dirty="0"/>
-              <a:t>OFFICE | FACULTY | DEPARTMENT</a:t>
-            </a:r>
+              <a:rPr lang="en-AU"/>
+              <a:t>BIG DATA ASSIGNMENT 2</a:t>
+            </a:r>
+            <a:endParaRPr lang="en-AU" dirty="0"/>
           </a:p>
         </p:txBody>
       </p:sp>
@@ -10771,7 +11705,7 @@
           <a:p>
             <a:r>
               <a:rPr lang="en-AU"/>
-              <a:t>OFFICE | FACULTY | DEPARTMENT</a:t>
+              <a:t>BIG DATA ASSIGNMENT 2</a:t>
             </a:r>
             <a:endParaRPr lang="en-AU" dirty="0"/>
           </a:p>
@@ -11157,7 +12091,7 @@
       </a:lvl9pPr>
     </p:otherStyle>
   </p:txStyles>
-  <p:extLst>
+  <p:extLst mod="1">
     <p:ext uri="{27BBF7A9-308A-43DC-89C8-2F10F3537804}">
       <p15:sldGuideLst xmlns:p15="http://schemas.microsoft.com/office/powerpoint/2012/main">
         <p15:guide id="1" orient="horz" pos="232" userDrawn="1">
@@ -11310,6 +12244,1937 @@
     <p:extLst>
       <p:ext uri="{BB962C8B-B14F-4D97-AF65-F5344CB8AC3E}">
         <p14:creationId xmlns:p14="http://schemas.microsoft.com/office/powerpoint/2010/main" val="2387359276"/>
+      </p:ext>
+    </p:extLst>
+  </p:cSld>
+  <p:clrMapOvr>
+    <a:masterClrMapping/>
+  </p:clrMapOvr>
+</p:sld>
+</file>
+
+<file path=ppt/slides/slide10.xml><?xml version="1.0" encoding="utf-8"?>
+<p:sld xmlns:a="http://schemas.openxmlformats.org/drawingml/2006/main" xmlns:r="http://schemas.openxmlformats.org/officeDocument/2006/relationships" xmlns:p="http://schemas.openxmlformats.org/presentationml/2006/main">
+  <p:cSld>
+    <p:spTree>
+      <p:nvGrpSpPr>
+        <p:cNvPr id="1" name=""/>
+        <p:cNvGrpSpPr/>
+        <p:nvPr/>
+      </p:nvGrpSpPr>
+      <p:grpSpPr>
+        <a:xfrm>
+          <a:off x="0" y="0"/>
+          <a:ext cx="0" cy="0"/>
+          <a:chOff x="0" y="0"/>
+          <a:chExt cx="0" cy="0"/>
+        </a:xfrm>
+      </p:grpSpPr>
+      <p:sp>
+        <p:nvSpPr>
+          <p:cNvPr id="2" name="Title 1"/>
+          <p:cNvSpPr>
+            <a:spLocks noGrp="1"/>
+          </p:cNvSpPr>
+          <p:nvPr>
+            <p:ph type="title"/>
+          </p:nvPr>
+        </p:nvSpPr>
+        <p:spPr/>
+        <p:txBody>
+          <a:bodyPr/>
+          <a:lstStyle/>
+          <a:p>
+            <a:r>
+              <a:rPr lang="en-AU" dirty="0"/>
+              <a:t>Implementation of Key Program Properties</a:t>
+            </a:r>
+          </a:p>
+        </p:txBody>
+      </p:sp>
+      <p:sp>
+        <p:nvSpPr>
+          <p:cNvPr id="3" name="Content Placeholder 2"/>
+          <p:cNvSpPr>
+            <a:spLocks noGrp="1"/>
+          </p:cNvSpPr>
+          <p:nvPr>
+            <p:ph idx="1"/>
+          </p:nvPr>
+        </p:nvSpPr>
+        <p:spPr/>
+        <p:txBody>
+          <a:bodyPr/>
+          <a:lstStyle/>
+          <a:p>
+            <a:pPr marL="285750" indent="-285750">
+              <a:buFont typeface="Arial" panose="020B0604020202020204" pitchFamily="34" charset="0"/>
+              <a:buChar char="•"/>
+            </a:pPr>
+            <a:r>
+              <a:rPr lang="en-US" b="1" dirty="0"/>
+              <a:t>Data Structure:</a:t>
+            </a:r>
+            <a:r>
+              <a:rPr lang="en-US" dirty="0"/>
+              <a:t> Tuples  in the structure of (ID, cost, size)</a:t>
+            </a:r>
+          </a:p>
+          <a:p>
+            <a:endParaRPr lang="en-US" dirty="0"/>
+          </a:p>
+          <a:p>
+            <a:pPr marL="285750" indent="-285750">
+              <a:buFont typeface="Arial" panose="020B0604020202020204" pitchFamily="34" charset="0"/>
+              <a:buChar char="•"/>
+            </a:pPr>
+            <a:r>
+              <a:rPr lang="en-US" b="1" dirty="0"/>
+              <a:t>R-tree Construction:</a:t>
+            </a:r>
+            <a:r>
+              <a:rPr lang="en-US" dirty="0"/>
+              <a:t> Bulk loading has been used with 100 entries per node</a:t>
+            </a:r>
+          </a:p>
+          <a:p>
+            <a:pPr marL="285750" indent="-285750">
+              <a:buFont typeface="Arial" panose="020B0604020202020204" pitchFamily="34" charset="0"/>
+              <a:buChar char="•"/>
+            </a:pPr>
+            <a:endParaRPr lang="en-US" dirty="0"/>
+          </a:p>
+          <a:p>
+            <a:pPr marL="285750" indent="-285750">
+              <a:buFont typeface="Arial" panose="020B0604020202020204" pitchFamily="34" charset="0"/>
+              <a:buChar char="•"/>
+            </a:pPr>
+            <a:r>
+              <a:rPr lang="en-US" b="1" dirty="0"/>
+              <a:t>Priority Queue:</a:t>
+            </a:r>
+            <a:r>
+              <a:rPr lang="en-US" dirty="0"/>
+              <a:t> Heapq() has been used for node processing</a:t>
+            </a:r>
+          </a:p>
+          <a:p>
+            <a:pPr marL="285750" indent="-285750">
+              <a:buFont typeface="Arial" panose="020B0604020202020204" pitchFamily="34" charset="0"/>
+              <a:buChar char="•"/>
+            </a:pPr>
+            <a:endParaRPr lang="en-US" dirty="0"/>
+          </a:p>
+          <a:p>
+            <a:pPr marL="285750" indent="-285750">
+              <a:buFont typeface="Arial" panose="020B0604020202020204" pitchFamily="34" charset="0"/>
+              <a:buChar char="•"/>
+            </a:pPr>
+            <a:r>
+              <a:rPr lang="en-US" b="1" dirty="0"/>
+              <a:t>Error Handling:</a:t>
+            </a:r>
+            <a:r>
+              <a:rPr lang="en-US" dirty="0"/>
+              <a:t> Data Validation is present along with error handling for file I/O operations.</a:t>
+            </a:r>
+          </a:p>
+          <a:p>
+            <a:endParaRPr lang="en-US" dirty="0"/>
+          </a:p>
+          <a:p>
+            <a:pPr marL="285750" indent="-285750">
+              <a:buFont typeface="Arial" panose="020B0604020202020204" pitchFamily="34" charset="0"/>
+              <a:buChar char="•"/>
+            </a:pPr>
+            <a:r>
+              <a:rPr lang="en-US" b="1" dirty="0"/>
+              <a:t>No External Dependencies:</a:t>
+            </a:r>
+            <a:r>
+              <a:rPr lang="en-US" dirty="0"/>
+              <a:t> No external library has been used which requires manual installation</a:t>
+            </a:r>
+            <a:endParaRPr lang="en-AU" dirty="0"/>
+          </a:p>
+        </p:txBody>
+      </p:sp>
+      <p:sp>
+        <p:nvSpPr>
+          <p:cNvPr id="4" name="Footer Placeholder 3"/>
+          <p:cNvSpPr>
+            <a:spLocks noGrp="1"/>
+          </p:cNvSpPr>
+          <p:nvPr>
+            <p:ph type="ftr" sz="quarter" idx="11"/>
+          </p:nvPr>
+        </p:nvSpPr>
+        <p:spPr/>
+        <p:txBody>
+          <a:bodyPr/>
+          <a:lstStyle/>
+          <a:p>
+            <a:r>
+              <a:rPr lang="en-AU"/>
+              <a:t>BIG DATA ASSIGNMENT 2</a:t>
+            </a:r>
+            <a:endParaRPr lang="en-AU" dirty="0"/>
+          </a:p>
+        </p:txBody>
+      </p:sp>
+      <p:sp>
+        <p:nvSpPr>
+          <p:cNvPr id="5" name="Slide Number Placeholder 4"/>
+          <p:cNvSpPr>
+            <a:spLocks noGrp="1"/>
+          </p:cNvSpPr>
+          <p:nvPr>
+            <p:ph type="sldNum" sz="quarter" idx="12"/>
+          </p:nvPr>
+        </p:nvSpPr>
+        <p:spPr/>
+        <p:txBody>
+          <a:bodyPr/>
+          <a:lstStyle/>
+          <a:p>
+            <a:fld id="{D9C42BCC-44E8-4F98-A8FE-EAF16D8C1E6E}" type="slidenum">
+              <a:rPr lang="en-AU" smtClean="0"/>
+              <a:pPr/>
+              <a:t>11</a:t>
+            </a:fld>
+            <a:endParaRPr lang="en-AU"/>
+          </a:p>
+        </p:txBody>
+      </p:sp>
+      <p:sp>
+        <p:nvSpPr>
+          <p:cNvPr id="6" name="Text Placeholder 5"/>
+          <p:cNvSpPr>
+            <a:spLocks noGrp="1"/>
+          </p:cNvSpPr>
+          <p:nvPr>
+            <p:ph type="body" sz="quarter" idx="15"/>
+          </p:nvPr>
+        </p:nvSpPr>
+        <p:spPr/>
+        <p:txBody>
+          <a:bodyPr/>
+          <a:lstStyle/>
+          <a:p>
+            <a:r>
+              <a:rPr lang="en-AU" dirty="0"/>
+              <a:t>Technical Implementations in the  CODE</a:t>
+            </a:r>
+          </a:p>
+        </p:txBody>
+      </p:sp>
+      <p:pic>
+        <p:nvPicPr>
+          <p:cNvPr id="7" name="Picture 6">
+            <a:extLst>
+              <a:ext uri="{FF2B5EF4-FFF2-40B4-BE49-F238E27FC236}">
+                <a16:creationId xmlns:a16="http://schemas.microsoft.com/office/drawing/2014/main" id="{B19EB188-1D51-E44A-B1BA-959E1041D7AB}"/>
+              </a:ext>
+            </a:extLst>
+          </p:cNvPr>
+          <p:cNvPicPr>
+            <a:picLocks noChangeAspect="1"/>
+          </p:cNvPicPr>
+          <p:nvPr/>
+        </p:nvPicPr>
+        <p:blipFill>
+          <a:blip r:embed="rId2"/>
+          <a:stretch>
+            <a:fillRect/>
+          </a:stretch>
+        </p:blipFill>
+        <p:spPr>
+          <a:xfrm>
+            <a:off x="0" y="0"/>
+            <a:ext cx="12192000" cy="6858000"/>
+          </a:xfrm>
+          <a:prstGeom prst="rect">
+            <a:avLst/>
+          </a:prstGeom>
+        </p:spPr>
+      </p:pic>
+    </p:spTree>
+    <p:extLst>
+      <p:ext uri="{BB962C8B-B14F-4D97-AF65-F5344CB8AC3E}">
+        <p14:creationId xmlns:p14="http://schemas.microsoft.com/office/powerpoint/2010/main" val="1143648282"/>
+      </p:ext>
+    </p:extLst>
+  </p:cSld>
+  <p:clrMapOvr>
+    <a:masterClrMapping/>
+  </p:clrMapOvr>
+</p:sld>
+</file>
+
+<file path=ppt/slides/slide11.xml><?xml version="1.0" encoding="utf-8"?>
+<p:sld xmlns:a="http://schemas.openxmlformats.org/drawingml/2006/main" xmlns:r="http://schemas.openxmlformats.org/officeDocument/2006/relationships" xmlns:p="http://schemas.openxmlformats.org/presentationml/2006/main">
+  <p:cSld>
+    <p:spTree>
+      <p:nvGrpSpPr>
+        <p:cNvPr id="1" name=""/>
+        <p:cNvGrpSpPr/>
+        <p:nvPr/>
+      </p:nvGrpSpPr>
+      <p:grpSpPr>
+        <a:xfrm>
+          <a:off x="0" y="0"/>
+          <a:ext cx="0" cy="0"/>
+          <a:chOff x="0" y="0"/>
+          <a:chExt cx="0" cy="0"/>
+        </a:xfrm>
+      </p:grpSpPr>
+      <p:sp>
+        <p:nvSpPr>
+          <p:cNvPr id="2" name="Title 1"/>
+          <p:cNvSpPr>
+            <a:spLocks noGrp="1"/>
+          </p:cNvSpPr>
+          <p:nvPr>
+            <p:ph type="title"/>
+          </p:nvPr>
+        </p:nvSpPr>
+        <p:spPr/>
+        <p:txBody>
+          <a:bodyPr/>
+          <a:lstStyle/>
+          <a:p>
+            <a:r>
+              <a:rPr lang="en-AU" dirty="0"/>
+              <a:t>Evaluation of Results</a:t>
+            </a:r>
+          </a:p>
+        </p:txBody>
+      </p:sp>
+      <p:sp>
+        <p:nvSpPr>
+          <p:cNvPr id="7" name="Text Placeholder 6"/>
+          <p:cNvSpPr>
+            <a:spLocks noGrp="1"/>
+          </p:cNvSpPr>
+          <p:nvPr>
+            <p:ph type="body" sz="quarter" idx="15"/>
+          </p:nvPr>
+        </p:nvSpPr>
+        <p:spPr/>
+        <p:txBody>
+          <a:bodyPr/>
+          <a:lstStyle/>
+          <a:p>
+            <a:r>
+              <a:rPr lang="en-AU" dirty="0"/>
+              <a:t>Comparison between the algorithms</a:t>
+            </a:r>
+          </a:p>
+        </p:txBody>
+      </p:sp>
+      <p:graphicFrame>
+        <p:nvGraphicFramePr>
+          <p:cNvPr id="11" name="Content Placeholder 10">
+            <a:extLst>
+              <a:ext uri="{FF2B5EF4-FFF2-40B4-BE49-F238E27FC236}">
+                <a16:creationId xmlns:a16="http://schemas.microsoft.com/office/drawing/2014/main" id="{F64B5FD6-CC30-3F4E-90D6-D2FDB397003B}"/>
+              </a:ext>
+            </a:extLst>
+          </p:cNvPr>
+          <p:cNvGraphicFramePr>
+            <a:graphicFrameLocks noGrp="1"/>
+          </p:cNvGraphicFramePr>
+          <p:nvPr>
+            <p:ph idx="1"/>
+          </p:nvPr>
+        </p:nvGraphicFramePr>
+        <p:xfrm>
+          <a:off x="720725" y="1619250"/>
+          <a:ext cx="10799763" cy="4525963"/>
+        </p:xfrm>
+        <a:graphic>
+          <a:graphicData uri="http://schemas.openxmlformats.org/drawingml/2006/chart">
+            <c:chart xmlns:c="http://schemas.openxmlformats.org/drawingml/2006/chart" xmlns:r="http://schemas.openxmlformats.org/officeDocument/2006/relationships" r:id="rId2"/>
+          </a:graphicData>
+        </a:graphic>
+      </p:graphicFrame>
+      <p:sp>
+        <p:nvSpPr>
+          <p:cNvPr id="12" name="Footer Placeholder 11">
+            <a:extLst>
+              <a:ext uri="{FF2B5EF4-FFF2-40B4-BE49-F238E27FC236}">
+                <a16:creationId xmlns:a16="http://schemas.microsoft.com/office/drawing/2014/main" id="{C9929E6F-1037-4245-876D-2BDC1D948B10}"/>
+              </a:ext>
+            </a:extLst>
+          </p:cNvPr>
+          <p:cNvSpPr>
+            <a:spLocks noGrp="1"/>
+          </p:cNvSpPr>
+          <p:nvPr>
+            <p:ph type="ftr" sz="quarter" idx="11"/>
+          </p:nvPr>
+        </p:nvSpPr>
+        <p:spPr/>
+        <p:txBody>
+          <a:bodyPr/>
+          <a:lstStyle/>
+          <a:p>
+            <a:r>
+              <a:rPr lang="en-AU"/>
+              <a:t>BIG DATA ASSIGNMENT 2</a:t>
+            </a:r>
+            <a:endParaRPr lang="en-AU" dirty="0"/>
+          </a:p>
+        </p:txBody>
+      </p:sp>
+      <p:sp>
+        <p:nvSpPr>
+          <p:cNvPr id="13" name="Slide Number Placeholder 12">
+            <a:extLst>
+              <a:ext uri="{FF2B5EF4-FFF2-40B4-BE49-F238E27FC236}">
+                <a16:creationId xmlns:a16="http://schemas.microsoft.com/office/drawing/2014/main" id="{A8893BD9-E2CA-D94D-83D1-08A3B75A5532}"/>
+              </a:ext>
+            </a:extLst>
+          </p:cNvPr>
+          <p:cNvSpPr>
+            <a:spLocks noGrp="1"/>
+          </p:cNvSpPr>
+          <p:nvPr>
+            <p:ph type="sldNum" sz="quarter" idx="12"/>
+          </p:nvPr>
+        </p:nvSpPr>
+        <p:spPr/>
+        <p:txBody>
+          <a:bodyPr/>
+          <a:lstStyle/>
+          <a:p>
+            <a:fld id="{D9C42BCC-44E8-4F98-A8FE-EAF16D8C1E6E}" type="slidenum">
+              <a:rPr lang="en-AU" smtClean="0"/>
+              <a:pPr/>
+              <a:t>12</a:t>
+            </a:fld>
+            <a:endParaRPr lang="en-AU"/>
+          </a:p>
+        </p:txBody>
+      </p:sp>
+    </p:spTree>
+    <p:extLst>
+      <p:ext uri="{BB962C8B-B14F-4D97-AF65-F5344CB8AC3E}">
+        <p14:creationId xmlns:p14="http://schemas.microsoft.com/office/powerpoint/2010/main" val="1077713178"/>
+      </p:ext>
+    </p:extLst>
+  </p:cSld>
+  <p:clrMapOvr>
+    <a:masterClrMapping/>
+  </p:clrMapOvr>
+</p:sld>
+</file>
+
+<file path=ppt/slides/slide12.xml><?xml version="1.0" encoding="utf-8"?>
+<p:sld xmlns:a="http://schemas.openxmlformats.org/drawingml/2006/main" xmlns:r="http://schemas.openxmlformats.org/officeDocument/2006/relationships" xmlns:p="http://schemas.openxmlformats.org/presentationml/2006/main">
+  <p:cSld>
+    <p:spTree>
+      <p:nvGrpSpPr>
+        <p:cNvPr id="1" name=""/>
+        <p:cNvGrpSpPr/>
+        <p:nvPr/>
+      </p:nvGrpSpPr>
+      <p:grpSpPr>
+        <a:xfrm>
+          <a:off x="0" y="0"/>
+          <a:ext cx="0" cy="0"/>
+          <a:chOff x="0" y="0"/>
+          <a:chExt cx="0" cy="0"/>
+        </a:xfrm>
+      </p:grpSpPr>
+      <p:sp>
+        <p:nvSpPr>
+          <p:cNvPr id="9" name="Content Placeholder 37"/>
+          <p:cNvSpPr txBox="1">
+            <a:spLocks/>
+          </p:cNvSpPr>
+          <p:nvPr/>
+        </p:nvSpPr>
+        <p:spPr>
+          <a:xfrm>
+            <a:off x="736644" y="1601998"/>
+            <a:ext cx="10736899" cy="4709351"/>
+          </a:xfrm>
+          <a:prstGeom prst="rect">
+            <a:avLst/>
+          </a:prstGeom>
+          <a:solidFill>
+            <a:srgbClr val="E6E4DC"/>
+          </a:solidFill>
+        </p:spPr>
+        <p:txBody>
+          <a:bodyPr vert="horz" lIns="91440" tIns="45720" rIns="91440" bIns="45720" rtlCol="0">
+            <a:normAutofit/>
+          </a:bodyPr>
+          <a:lstStyle>
+            <a:lvl1pPr marL="342900" indent="-342900" algn="l" defTabSz="914400" rtl="0" eaLnBrk="1" latinLnBrk="0" hangingPunct="1">
+              <a:spcBef>
+                <a:spcPct val="20000"/>
+              </a:spcBef>
+              <a:buFont typeface="Arial" panose="020B0604020202020204" pitchFamily="34" charset="0"/>
+              <a:buChar char="•"/>
+              <a:defRPr sz="1800" kern="1200">
+                <a:solidFill>
+                  <a:schemeClr val="tx1"/>
+                </a:solidFill>
+                <a:latin typeface="+mn-lt"/>
+                <a:ea typeface="+mn-ea"/>
+                <a:cs typeface="+mn-cs"/>
+              </a:defRPr>
+            </a:lvl1pPr>
+            <a:lvl2pPr marL="800100" indent="-342900" algn="l" defTabSz="914400" rtl="0" eaLnBrk="1" latinLnBrk="0" hangingPunct="1">
+              <a:spcBef>
+                <a:spcPct val="20000"/>
+              </a:spcBef>
+              <a:buFont typeface="Georgia" panose="02040502050405020303" pitchFamily="18" charset="0"/>
+              <a:buChar char="―"/>
+              <a:defRPr sz="1600" kern="1200">
+                <a:solidFill>
+                  <a:schemeClr val="tx1"/>
+                </a:solidFill>
+                <a:latin typeface="+mn-lt"/>
+                <a:ea typeface="+mn-ea"/>
+                <a:cs typeface="+mn-cs"/>
+              </a:defRPr>
+            </a:lvl2pPr>
+            <a:lvl3pPr marL="1200150" indent="-285750" algn="l" defTabSz="914400" rtl="0" eaLnBrk="1" latinLnBrk="0" hangingPunct="1">
+              <a:spcBef>
+                <a:spcPct val="20000"/>
+              </a:spcBef>
+              <a:buFont typeface="Wingdings" panose="05000000000000000000" pitchFamily="2" charset="2"/>
+              <a:buChar char="§"/>
+              <a:defRPr sz="1400" kern="1200">
+                <a:solidFill>
+                  <a:schemeClr val="tx1"/>
+                </a:solidFill>
+                <a:latin typeface="+mn-lt"/>
+                <a:ea typeface="+mn-ea"/>
+                <a:cs typeface="+mn-cs"/>
+              </a:defRPr>
+            </a:lvl3pPr>
+            <a:lvl4pPr marL="1600200" indent="-228600" algn="l" defTabSz="914400" rtl="0" eaLnBrk="1" latinLnBrk="0" hangingPunct="1">
+              <a:spcBef>
+                <a:spcPct val="20000"/>
+              </a:spcBef>
+              <a:buFont typeface="Arial" panose="020B0604020202020204" pitchFamily="34" charset="0"/>
+              <a:buChar char="•"/>
+              <a:defRPr sz="1400" kern="1200">
+                <a:solidFill>
+                  <a:schemeClr val="tx1"/>
+                </a:solidFill>
+                <a:latin typeface="+mn-lt"/>
+                <a:ea typeface="+mn-ea"/>
+                <a:cs typeface="+mn-cs"/>
+              </a:defRPr>
+            </a:lvl4pPr>
+            <a:lvl5pPr marL="2057400" indent="-228600" algn="l" defTabSz="914400" rtl="0" eaLnBrk="1" latinLnBrk="0" hangingPunct="1">
+              <a:spcBef>
+                <a:spcPct val="20000"/>
+              </a:spcBef>
+              <a:buFont typeface="Georgia" panose="02040502050405020303" pitchFamily="18" charset="0"/>
+              <a:buChar char="―"/>
+              <a:defRPr sz="1400" kern="1200">
+                <a:solidFill>
+                  <a:schemeClr val="tx1"/>
+                </a:solidFill>
+                <a:latin typeface="+mn-lt"/>
+                <a:ea typeface="+mn-ea"/>
+                <a:cs typeface="+mn-cs"/>
+              </a:defRPr>
+            </a:lvl5pPr>
+            <a:lvl6pPr marL="2514600" indent="-228600" algn="l" defTabSz="914400" rtl="0" eaLnBrk="1" latinLnBrk="0" hangingPunct="1">
+              <a:spcBef>
+                <a:spcPct val="20000"/>
+              </a:spcBef>
+              <a:buFont typeface="Arial" panose="020B0604020202020204" pitchFamily="34" charset="0"/>
+              <a:buChar char="•"/>
+              <a:defRPr sz="2000" kern="1200">
+                <a:solidFill>
+                  <a:schemeClr val="tx1"/>
+                </a:solidFill>
+                <a:latin typeface="+mn-lt"/>
+                <a:ea typeface="+mn-ea"/>
+                <a:cs typeface="+mn-cs"/>
+              </a:defRPr>
+            </a:lvl6pPr>
+            <a:lvl7pPr marL="2971800" indent="-228600" algn="l" defTabSz="914400" rtl="0" eaLnBrk="1" latinLnBrk="0" hangingPunct="1">
+              <a:spcBef>
+                <a:spcPct val="20000"/>
+              </a:spcBef>
+              <a:buFont typeface="Arial" panose="020B0604020202020204" pitchFamily="34" charset="0"/>
+              <a:buChar char="•"/>
+              <a:defRPr sz="2000" kern="1200">
+                <a:solidFill>
+                  <a:schemeClr val="tx1"/>
+                </a:solidFill>
+                <a:latin typeface="+mn-lt"/>
+                <a:ea typeface="+mn-ea"/>
+                <a:cs typeface="+mn-cs"/>
+              </a:defRPr>
+            </a:lvl7pPr>
+            <a:lvl8pPr marL="3429000" indent="-228600" algn="l" defTabSz="914400" rtl="0" eaLnBrk="1" latinLnBrk="0" hangingPunct="1">
+              <a:spcBef>
+                <a:spcPct val="20000"/>
+              </a:spcBef>
+              <a:buFont typeface="Arial" panose="020B0604020202020204" pitchFamily="34" charset="0"/>
+              <a:buChar char="•"/>
+              <a:defRPr sz="2000" kern="1200">
+                <a:solidFill>
+                  <a:schemeClr val="tx1"/>
+                </a:solidFill>
+                <a:latin typeface="+mn-lt"/>
+                <a:ea typeface="+mn-ea"/>
+                <a:cs typeface="+mn-cs"/>
+              </a:defRPr>
+            </a:lvl8pPr>
+            <a:lvl9pPr marL="3886200" indent="-228600" algn="l" defTabSz="914400" rtl="0" eaLnBrk="1" latinLnBrk="0" hangingPunct="1">
+              <a:spcBef>
+                <a:spcPct val="20000"/>
+              </a:spcBef>
+              <a:buFont typeface="Arial" panose="020B0604020202020204" pitchFamily="34" charset="0"/>
+              <a:buChar char="•"/>
+              <a:defRPr sz="2000" kern="1200">
+                <a:solidFill>
+                  <a:schemeClr val="tx1"/>
+                </a:solidFill>
+                <a:latin typeface="+mn-lt"/>
+                <a:ea typeface="+mn-ea"/>
+                <a:cs typeface="+mn-cs"/>
+              </a:defRPr>
+            </a:lvl9pPr>
+          </a:lstStyle>
+          <a:p>
+            <a:pPr marL="1371600" lvl="3" indent="0">
+              <a:buNone/>
+            </a:pPr>
+            <a:endParaRPr lang="en-AU" dirty="0"/>
+          </a:p>
+        </p:txBody>
+      </p:sp>
+      <p:sp>
+        <p:nvSpPr>
+          <p:cNvPr id="25" name="Rectangle 24"/>
+          <p:cNvSpPr/>
+          <p:nvPr/>
+        </p:nvSpPr>
+        <p:spPr>
+          <a:xfrm>
+            <a:off x="7929154" y="1775756"/>
+            <a:ext cx="3348446" cy="4349836"/>
+          </a:xfrm>
+          <a:prstGeom prst="rect">
+            <a:avLst/>
+          </a:prstGeom>
+          <a:solidFill>
+            <a:schemeClr val="bg1"/>
+          </a:solidFill>
+          <a:ln w="12700">
+            <a:solidFill>
+              <a:srgbClr val="D6D2C4"/>
+            </a:solidFill>
+          </a:ln>
+        </p:spPr>
+        <p:style>
+          <a:lnRef idx="2">
+            <a:schemeClr val="accent1">
+              <a:shade val="50000"/>
+            </a:schemeClr>
+          </a:lnRef>
+          <a:fillRef idx="1">
+            <a:schemeClr val="accent1"/>
+          </a:fillRef>
+          <a:effectRef idx="0">
+            <a:schemeClr val="accent1"/>
+          </a:effectRef>
+          <a:fontRef idx="minor">
+            <a:schemeClr val="lt1"/>
+          </a:fontRef>
+        </p:style>
+        <p:txBody>
+          <a:bodyPr rtlCol="0" anchor="ctr"/>
+          <a:lstStyle/>
+          <a:p>
+            <a:pPr algn="ctr"/>
+            <a:endParaRPr lang="en-AU"/>
+          </a:p>
+        </p:txBody>
+      </p:sp>
+      <p:sp>
+        <p:nvSpPr>
+          <p:cNvPr id="2" name="Title 1"/>
+          <p:cNvSpPr>
+            <a:spLocks noGrp="1"/>
+          </p:cNvSpPr>
+          <p:nvPr>
+            <p:ph type="title"/>
+          </p:nvPr>
+        </p:nvSpPr>
+        <p:spPr/>
+        <p:txBody>
+          <a:bodyPr/>
+          <a:lstStyle/>
+          <a:p>
+            <a:r>
+              <a:rPr lang="en-AU" dirty="0"/>
+              <a:t>Skyline Points</a:t>
+            </a:r>
+          </a:p>
+        </p:txBody>
+      </p:sp>
+      <p:sp>
+        <p:nvSpPr>
+          <p:cNvPr id="3" name="Footer Placeholder 2"/>
+          <p:cNvSpPr>
+            <a:spLocks noGrp="1"/>
+          </p:cNvSpPr>
+          <p:nvPr>
+            <p:ph type="ftr" sz="quarter" idx="11"/>
+          </p:nvPr>
+        </p:nvSpPr>
+        <p:spPr/>
+        <p:txBody>
+          <a:bodyPr/>
+          <a:lstStyle/>
+          <a:p>
+            <a:r>
+              <a:rPr lang="en-AU"/>
+              <a:t>BIG DATA ASSIGNMENT 2</a:t>
+            </a:r>
+            <a:endParaRPr lang="en-AU" dirty="0"/>
+          </a:p>
+        </p:txBody>
+      </p:sp>
+      <p:sp>
+        <p:nvSpPr>
+          <p:cNvPr id="4" name="Slide Number Placeholder 3"/>
+          <p:cNvSpPr>
+            <a:spLocks noGrp="1"/>
+          </p:cNvSpPr>
+          <p:nvPr>
+            <p:ph type="sldNum" sz="quarter" idx="12"/>
+          </p:nvPr>
+        </p:nvSpPr>
+        <p:spPr/>
+        <p:txBody>
+          <a:bodyPr/>
+          <a:lstStyle/>
+          <a:p>
+            <a:fld id="{D9C42BCC-44E8-4F98-A8FE-EAF16D8C1E6E}" type="slidenum">
+              <a:rPr lang="en-AU" smtClean="0"/>
+              <a:pPr/>
+              <a:t>13</a:t>
+            </a:fld>
+            <a:endParaRPr lang="en-AU" dirty="0"/>
+          </a:p>
+        </p:txBody>
+      </p:sp>
+      <p:sp>
+        <p:nvSpPr>
+          <p:cNvPr id="5" name="Text Placeholder 4"/>
+          <p:cNvSpPr>
+            <a:spLocks noGrp="1"/>
+          </p:cNvSpPr>
+          <p:nvPr>
+            <p:ph type="body" sz="quarter" idx="15"/>
+          </p:nvPr>
+        </p:nvSpPr>
+        <p:spPr/>
+        <p:txBody>
+          <a:bodyPr/>
+          <a:lstStyle/>
+          <a:p>
+            <a:r>
+              <a:rPr lang="en-AU" dirty="0"/>
+              <a:t>SOLUTION TO THE HOUSE SELECTION PROBLEM</a:t>
+            </a:r>
+          </a:p>
+        </p:txBody>
+      </p:sp>
+      <p:sp>
+        <p:nvSpPr>
+          <p:cNvPr id="17" name="TextBox 16"/>
+          <p:cNvSpPr txBox="1"/>
+          <p:nvPr/>
+        </p:nvSpPr>
+        <p:spPr>
+          <a:xfrm>
+            <a:off x="892186" y="2709272"/>
+            <a:ext cx="6741322" cy="3416320"/>
+          </a:xfrm>
+          <a:prstGeom prst="rect">
+            <a:avLst/>
+          </a:prstGeom>
+          <a:noFill/>
+        </p:spPr>
+        <p:txBody>
+          <a:bodyPr wrap="square" rtlCol="0">
+            <a:spAutoFit/>
+          </a:bodyPr>
+          <a:lstStyle/>
+          <a:p>
+            <a:pPr marL="342900" indent="-342900">
+              <a:buFont typeface="+mj-lt"/>
+              <a:buAutoNum type="arabicPeriod"/>
+            </a:pPr>
+            <a:r>
+              <a:rPr lang="en-US" b="1" dirty="0"/>
+              <a:t> The cheapest house is 14825:</a:t>
+            </a:r>
+            <a:r>
+              <a:rPr lang="en-US" dirty="0"/>
+              <a:t> $100k, 331m² </a:t>
+            </a:r>
+          </a:p>
+          <a:p>
+            <a:pPr marL="342900" indent="-342900">
+              <a:buFont typeface="+mj-lt"/>
+              <a:buAutoNum type="arabicPeriod"/>
+            </a:pPr>
+            <a:endParaRPr lang="en-US" b="1" dirty="0"/>
+          </a:p>
+          <a:p>
+            <a:pPr marL="342900" indent="-342900">
+              <a:buFont typeface="+mj-lt"/>
+              <a:buAutoNum type="arabicPeriod"/>
+            </a:pPr>
+            <a:r>
+              <a:rPr lang="en-US" b="1" dirty="0"/>
+              <a:t>The house with the balanced values as per the two criteria is 50171:</a:t>
+            </a:r>
+            <a:r>
+              <a:rPr lang="en-US" dirty="0"/>
+              <a:t> $100k, 424m² </a:t>
+            </a:r>
+          </a:p>
+          <a:p>
+            <a:pPr marL="342900" indent="-342900">
+              <a:buFont typeface="+mj-lt"/>
+              <a:buAutoNum type="arabicPeriod"/>
+            </a:pPr>
+            <a:endParaRPr lang="en-US" dirty="0"/>
+          </a:p>
+          <a:p>
+            <a:pPr marL="342900" indent="-342900">
+              <a:buFont typeface="+mj-lt"/>
+              <a:buAutoNum type="arabicPeriod"/>
+            </a:pPr>
+            <a:r>
+              <a:rPr lang="en-US" b="1" dirty="0"/>
+              <a:t>The largest house is 88124:</a:t>
+            </a:r>
+            <a:r>
+              <a:rPr lang="en-US" dirty="0"/>
+              <a:t> $413k, 500m² </a:t>
+            </a:r>
+          </a:p>
+          <a:p>
+            <a:pPr marL="342900" indent="-342900">
+              <a:buFont typeface="+mj-lt"/>
+              <a:buAutoNum type="arabicPeriod"/>
+            </a:pPr>
+            <a:endParaRPr lang="en-US" dirty="0"/>
+          </a:p>
+          <a:p>
+            <a:pPr marL="342900" indent="-342900">
+              <a:buFont typeface="+mj-lt"/>
+              <a:buAutoNum type="arabicPeriod"/>
+            </a:pPr>
+            <a:r>
+              <a:rPr lang="en-US" b="1" dirty="0"/>
+              <a:t>The best house in the entire dataset is 105741:</a:t>
+            </a:r>
+            <a:r>
+              <a:rPr lang="en-US" dirty="0"/>
+              <a:t> $100k, 500m² </a:t>
+            </a:r>
+            <a:r>
+              <a:rPr lang="en-US" b="1" dirty="0"/>
+              <a:t>	</a:t>
+            </a:r>
+          </a:p>
+          <a:p>
+            <a:endParaRPr lang="en-US" b="1" dirty="0"/>
+          </a:p>
+          <a:p>
+            <a:r>
+              <a:rPr lang="en-US" dirty="0"/>
+              <a:t>There are also 4 other points with optimal trade-offs.</a:t>
+            </a:r>
+          </a:p>
+          <a:p>
+            <a:pPr marL="285750" indent="-285750">
+              <a:buFont typeface="Arial" panose="020B0604020202020204" pitchFamily="34" charset="0"/>
+              <a:buChar char="•"/>
+            </a:pPr>
+            <a:endParaRPr lang="en-AU" dirty="0"/>
+          </a:p>
+        </p:txBody>
+      </p:sp>
+      <p:pic>
+        <p:nvPicPr>
+          <p:cNvPr id="8" name="Picture 7">
+            <a:extLst>
+              <a:ext uri="{FF2B5EF4-FFF2-40B4-BE49-F238E27FC236}">
+                <a16:creationId xmlns:a16="http://schemas.microsoft.com/office/drawing/2014/main" id="{AB41B08C-578D-544C-BA86-EF1561D08420}"/>
+              </a:ext>
+            </a:extLst>
+          </p:cNvPr>
+          <p:cNvPicPr>
+            <a:picLocks noChangeAspect="1"/>
+          </p:cNvPicPr>
+          <p:nvPr/>
+        </p:nvPicPr>
+        <p:blipFill rotWithShape="1">
+          <a:blip r:embed="rId2">
+            <a:extLst>
+              <a:ext uri="{28A0092B-C50C-407E-A947-70E740481C1C}">
+                <a14:useLocalDpi xmlns:a14="http://schemas.microsoft.com/office/drawing/2010/main" val="0"/>
+              </a:ext>
+            </a:extLst>
+          </a:blip>
+          <a:srcRect l="733" r="69075"/>
+          <a:stretch/>
+        </p:blipFill>
+        <p:spPr>
+          <a:xfrm>
+            <a:off x="7929154" y="1775756"/>
+            <a:ext cx="3348446" cy="4397418"/>
+          </a:xfrm>
+          <a:prstGeom prst="rect">
+            <a:avLst/>
+          </a:prstGeom>
+        </p:spPr>
+      </p:pic>
+      <p:sp>
+        <p:nvSpPr>
+          <p:cNvPr id="13" name="TextBox 12">
+            <a:extLst>
+              <a:ext uri="{FF2B5EF4-FFF2-40B4-BE49-F238E27FC236}">
+                <a16:creationId xmlns:a16="http://schemas.microsoft.com/office/drawing/2014/main" id="{68876E19-34DD-C149-8DFB-5F2DC77D424C}"/>
+              </a:ext>
+            </a:extLst>
+          </p:cNvPr>
+          <p:cNvSpPr txBox="1"/>
+          <p:nvPr/>
+        </p:nvSpPr>
+        <p:spPr>
+          <a:xfrm>
+            <a:off x="962238" y="2090492"/>
+            <a:ext cx="6741322" cy="369332"/>
+          </a:xfrm>
+          <a:prstGeom prst="rect">
+            <a:avLst/>
+          </a:prstGeom>
+          <a:noFill/>
+        </p:spPr>
+        <p:txBody>
+          <a:bodyPr wrap="square" rtlCol="0">
+            <a:spAutoFit/>
+          </a:bodyPr>
+          <a:lstStyle/>
+          <a:p>
+            <a:r>
+              <a:rPr lang="en-US" b="1" dirty="0"/>
+              <a:t>All 3 algorithms output the same 8 skyline points.</a:t>
+            </a:r>
+            <a:endParaRPr lang="en-AU" dirty="0"/>
+          </a:p>
+        </p:txBody>
+      </p:sp>
+    </p:spTree>
+    <p:extLst>
+      <p:ext uri="{BB962C8B-B14F-4D97-AF65-F5344CB8AC3E}">
+        <p14:creationId xmlns:p14="http://schemas.microsoft.com/office/powerpoint/2010/main" val="385307091"/>
+      </p:ext>
+    </p:extLst>
+  </p:cSld>
+  <p:clrMapOvr>
+    <a:masterClrMapping/>
+  </p:clrMapOvr>
+</p:sld>
+</file>
+
+<file path=ppt/slides/slide13.xml><?xml version="1.0" encoding="utf-8"?>
+<p:sld xmlns:a="http://schemas.openxmlformats.org/drawingml/2006/main" xmlns:r="http://schemas.openxmlformats.org/officeDocument/2006/relationships" xmlns:p="http://schemas.openxmlformats.org/presentationml/2006/main">
+  <p:cSld>
+    <p:spTree>
+      <p:nvGrpSpPr>
+        <p:cNvPr id="1" name=""/>
+        <p:cNvGrpSpPr/>
+        <p:nvPr/>
+      </p:nvGrpSpPr>
+      <p:grpSpPr>
+        <a:xfrm>
+          <a:off x="0" y="0"/>
+          <a:ext cx="0" cy="0"/>
+          <a:chOff x="0" y="0"/>
+          <a:chExt cx="0" cy="0"/>
+        </a:xfrm>
+      </p:grpSpPr>
+      <p:sp>
+        <p:nvSpPr>
+          <p:cNvPr id="9" name="Content Placeholder 37"/>
+          <p:cNvSpPr txBox="1">
+            <a:spLocks/>
+          </p:cNvSpPr>
+          <p:nvPr/>
+        </p:nvSpPr>
+        <p:spPr>
+          <a:xfrm>
+            <a:off x="736644" y="1601998"/>
+            <a:ext cx="10736899" cy="4709351"/>
+          </a:xfrm>
+          <a:prstGeom prst="rect">
+            <a:avLst/>
+          </a:prstGeom>
+          <a:solidFill>
+            <a:srgbClr val="E6E4DC"/>
+          </a:solidFill>
+        </p:spPr>
+        <p:txBody>
+          <a:bodyPr vert="horz" lIns="91440" tIns="45720" rIns="91440" bIns="45720" rtlCol="0">
+            <a:normAutofit/>
+          </a:bodyPr>
+          <a:lstStyle>
+            <a:lvl1pPr marL="342900" indent="-342900" algn="l" defTabSz="914400" rtl="0" eaLnBrk="1" latinLnBrk="0" hangingPunct="1">
+              <a:spcBef>
+                <a:spcPct val="20000"/>
+              </a:spcBef>
+              <a:buFont typeface="Arial" panose="020B0604020202020204" pitchFamily="34" charset="0"/>
+              <a:buChar char="•"/>
+              <a:defRPr sz="1800" kern="1200">
+                <a:solidFill>
+                  <a:schemeClr val="tx1"/>
+                </a:solidFill>
+                <a:latin typeface="+mn-lt"/>
+                <a:ea typeface="+mn-ea"/>
+                <a:cs typeface="+mn-cs"/>
+              </a:defRPr>
+            </a:lvl1pPr>
+            <a:lvl2pPr marL="800100" indent="-342900" algn="l" defTabSz="914400" rtl="0" eaLnBrk="1" latinLnBrk="0" hangingPunct="1">
+              <a:spcBef>
+                <a:spcPct val="20000"/>
+              </a:spcBef>
+              <a:buFont typeface="Georgia" panose="02040502050405020303" pitchFamily="18" charset="0"/>
+              <a:buChar char="―"/>
+              <a:defRPr sz="1600" kern="1200">
+                <a:solidFill>
+                  <a:schemeClr val="tx1"/>
+                </a:solidFill>
+                <a:latin typeface="+mn-lt"/>
+                <a:ea typeface="+mn-ea"/>
+                <a:cs typeface="+mn-cs"/>
+              </a:defRPr>
+            </a:lvl2pPr>
+            <a:lvl3pPr marL="1200150" indent="-285750" algn="l" defTabSz="914400" rtl="0" eaLnBrk="1" latinLnBrk="0" hangingPunct="1">
+              <a:spcBef>
+                <a:spcPct val="20000"/>
+              </a:spcBef>
+              <a:buFont typeface="Wingdings" panose="05000000000000000000" pitchFamily="2" charset="2"/>
+              <a:buChar char="§"/>
+              <a:defRPr sz="1400" kern="1200">
+                <a:solidFill>
+                  <a:schemeClr val="tx1"/>
+                </a:solidFill>
+                <a:latin typeface="+mn-lt"/>
+                <a:ea typeface="+mn-ea"/>
+                <a:cs typeface="+mn-cs"/>
+              </a:defRPr>
+            </a:lvl3pPr>
+            <a:lvl4pPr marL="1600200" indent="-228600" algn="l" defTabSz="914400" rtl="0" eaLnBrk="1" latinLnBrk="0" hangingPunct="1">
+              <a:spcBef>
+                <a:spcPct val="20000"/>
+              </a:spcBef>
+              <a:buFont typeface="Arial" panose="020B0604020202020204" pitchFamily="34" charset="0"/>
+              <a:buChar char="•"/>
+              <a:defRPr sz="1400" kern="1200">
+                <a:solidFill>
+                  <a:schemeClr val="tx1"/>
+                </a:solidFill>
+                <a:latin typeface="+mn-lt"/>
+                <a:ea typeface="+mn-ea"/>
+                <a:cs typeface="+mn-cs"/>
+              </a:defRPr>
+            </a:lvl4pPr>
+            <a:lvl5pPr marL="2057400" indent="-228600" algn="l" defTabSz="914400" rtl="0" eaLnBrk="1" latinLnBrk="0" hangingPunct="1">
+              <a:spcBef>
+                <a:spcPct val="20000"/>
+              </a:spcBef>
+              <a:buFont typeface="Georgia" panose="02040502050405020303" pitchFamily="18" charset="0"/>
+              <a:buChar char="―"/>
+              <a:defRPr sz="1400" kern="1200">
+                <a:solidFill>
+                  <a:schemeClr val="tx1"/>
+                </a:solidFill>
+                <a:latin typeface="+mn-lt"/>
+                <a:ea typeface="+mn-ea"/>
+                <a:cs typeface="+mn-cs"/>
+              </a:defRPr>
+            </a:lvl5pPr>
+            <a:lvl6pPr marL="2514600" indent="-228600" algn="l" defTabSz="914400" rtl="0" eaLnBrk="1" latinLnBrk="0" hangingPunct="1">
+              <a:spcBef>
+                <a:spcPct val="20000"/>
+              </a:spcBef>
+              <a:buFont typeface="Arial" panose="020B0604020202020204" pitchFamily="34" charset="0"/>
+              <a:buChar char="•"/>
+              <a:defRPr sz="2000" kern="1200">
+                <a:solidFill>
+                  <a:schemeClr val="tx1"/>
+                </a:solidFill>
+                <a:latin typeface="+mn-lt"/>
+                <a:ea typeface="+mn-ea"/>
+                <a:cs typeface="+mn-cs"/>
+              </a:defRPr>
+            </a:lvl6pPr>
+            <a:lvl7pPr marL="2971800" indent="-228600" algn="l" defTabSz="914400" rtl="0" eaLnBrk="1" latinLnBrk="0" hangingPunct="1">
+              <a:spcBef>
+                <a:spcPct val="20000"/>
+              </a:spcBef>
+              <a:buFont typeface="Arial" panose="020B0604020202020204" pitchFamily="34" charset="0"/>
+              <a:buChar char="•"/>
+              <a:defRPr sz="2000" kern="1200">
+                <a:solidFill>
+                  <a:schemeClr val="tx1"/>
+                </a:solidFill>
+                <a:latin typeface="+mn-lt"/>
+                <a:ea typeface="+mn-ea"/>
+                <a:cs typeface="+mn-cs"/>
+              </a:defRPr>
+            </a:lvl7pPr>
+            <a:lvl8pPr marL="3429000" indent="-228600" algn="l" defTabSz="914400" rtl="0" eaLnBrk="1" latinLnBrk="0" hangingPunct="1">
+              <a:spcBef>
+                <a:spcPct val="20000"/>
+              </a:spcBef>
+              <a:buFont typeface="Arial" panose="020B0604020202020204" pitchFamily="34" charset="0"/>
+              <a:buChar char="•"/>
+              <a:defRPr sz="2000" kern="1200">
+                <a:solidFill>
+                  <a:schemeClr val="tx1"/>
+                </a:solidFill>
+                <a:latin typeface="+mn-lt"/>
+                <a:ea typeface="+mn-ea"/>
+                <a:cs typeface="+mn-cs"/>
+              </a:defRPr>
+            </a:lvl8pPr>
+            <a:lvl9pPr marL="3886200" indent="-228600" algn="l" defTabSz="914400" rtl="0" eaLnBrk="1" latinLnBrk="0" hangingPunct="1">
+              <a:spcBef>
+                <a:spcPct val="20000"/>
+              </a:spcBef>
+              <a:buFont typeface="Arial" panose="020B0604020202020204" pitchFamily="34" charset="0"/>
+              <a:buChar char="•"/>
+              <a:defRPr sz="2000" kern="1200">
+                <a:solidFill>
+                  <a:schemeClr val="tx1"/>
+                </a:solidFill>
+                <a:latin typeface="+mn-lt"/>
+                <a:ea typeface="+mn-ea"/>
+                <a:cs typeface="+mn-cs"/>
+              </a:defRPr>
+            </a:lvl9pPr>
+          </a:lstStyle>
+          <a:p>
+            <a:pPr marL="1371600" lvl="3" indent="0">
+              <a:buNone/>
+            </a:pPr>
+            <a:endParaRPr lang="en-AU" dirty="0"/>
+          </a:p>
+        </p:txBody>
+      </p:sp>
+      <p:sp>
+        <p:nvSpPr>
+          <p:cNvPr id="2" name="Title 1"/>
+          <p:cNvSpPr>
+            <a:spLocks noGrp="1"/>
+          </p:cNvSpPr>
+          <p:nvPr>
+            <p:ph type="title"/>
+          </p:nvPr>
+        </p:nvSpPr>
+        <p:spPr/>
+        <p:txBody>
+          <a:bodyPr/>
+          <a:lstStyle/>
+          <a:p>
+            <a:r>
+              <a:rPr lang="en-AU" dirty="0"/>
+              <a:t>Other Real World Examples</a:t>
+            </a:r>
+          </a:p>
+        </p:txBody>
+      </p:sp>
+      <p:sp>
+        <p:nvSpPr>
+          <p:cNvPr id="3" name="Footer Placeholder 2"/>
+          <p:cNvSpPr>
+            <a:spLocks noGrp="1"/>
+          </p:cNvSpPr>
+          <p:nvPr>
+            <p:ph type="ftr" sz="quarter" idx="11"/>
+          </p:nvPr>
+        </p:nvSpPr>
+        <p:spPr/>
+        <p:txBody>
+          <a:bodyPr/>
+          <a:lstStyle/>
+          <a:p>
+            <a:r>
+              <a:rPr lang="en-AU"/>
+              <a:t>BIG DATA ASSIGNMENT 2</a:t>
+            </a:r>
+            <a:endParaRPr lang="en-AU" dirty="0"/>
+          </a:p>
+        </p:txBody>
+      </p:sp>
+      <p:sp>
+        <p:nvSpPr>
+          <p:cNvPr id="4" name="Slide Number Placeholder 3"/>
+          <p:cNvSpPr>
+            <a:spLocks noGrp="1"/>
+          </p:cNvSpPr>
+          <p:nvPr>
+            <p:ph type="sldNum" sz="quarter" idx="12"/>
+          </p:nvPr>
+        </p:nvSpPr>
+        <p:spPr/>
+        <p:txBody>
+          <a:bodyPr/>
+          <a:lstStyle/>
+          <a:p>
+            <a:fld id="{D9C42BCC-44E8-4F98-A8FE-EAF16D8C1E6E}" type="slidenum">
+              <a:rPr lang="en-AU" smtClean="0"/>
+              <a:pPr/>
+              <a:t>14</a:t>
+            </a:fld>
+            <a:endParaRPr lang="en-AU" dirty="0"/>
+          </a:p>
+        </p:txBody>
+      </p:sp>
+      <p:sp>
+        <p:nvSpPr>
+          <p:cNvPr id="5" name="Text Placeholder 4"/>
+          <p:cNvSpPr>
+            <a:spLocks noGrp="1"/>
+          </p:cNvSpPr>
+          <p:nvPr>
+            <p:ph type="body" sz="quarter" idx="15"/>
+          </p:nvPr>
+        </p:nvSpPr>
+        <p:spPr/>
+        <p:txBody>
+          <a:bodyPr/>
+          <a:lstStyle/>
+          <a:p>
+            <a:r>
+              <a:rPr lang="en-AU" dirty="0"/>
+              <a:t>APPLICATIONS OF THIS PROGRAM IN OTHER SECTORS</a:t>
+            </a:r>
+          </a:p>
+        </p:txBody>
+      </p:sp>
+      <p:sp>
+        <p:nvSpPr>
+          <p:cNvPr id="17" name="TextBox 16"/>
+          <p:cNvSpPr txBox="1"/>
+          <p:nvPr/>
+        </p:nvSpPr>
+        <p:spPr>
+          <a:xfrm>
+            <a:off x="1072275" y="2519513"/>
+            <a:ext cx="6741322" cy="2862322"/>
+          </a:xfrm>
+          <a:prstGeom prst="rect">
+            <a:avLst/>
+          </a:prstGeom>
+          <a:noFill/>
+        </p:spPr>
+        <p:txBody>
+          <a:bodyPr wrap="square" rtlCol="0">
+            <a:spAutoFit/>
+          </a:bodyPr>
+          <a:lstStyle/>
+          <a:p>
+            <a:pPr marL="342900" indent="-342900">
+              <a:buFont typeface="+mj-lt"/>
+              <a:buAutoNum type="arabicPeriod"/>
+            </a:pPr>
+            <a:r>
+              <a:rPr lang="en-US" b="1" dirty="0"/>
+              <a:t>Job Selection:</a:t>
+            </a:r>
+            <a:r>
+              <a:rPr lang="en-US" dirty="0"/>
+              <a:t> Salary vs work-life balance vs career growth potential</a:t>
+            </a:r>
+          </a:p>
+          <a:p>
+            <a:pPr marL="342900" indent="-342900">
+              <a:buFont typeface="+mj-lt"/>
+              <a:buAutoNum type="arabicPeriod"/>
+            </a:pPr>
+            <a:endParaRPr lang="en-US" dirty="0"/>
+          </a:p>
+          <a:p>
+            <a:pPr marL="342900" indent="-342900">
+              <a:buFont typeface="+mj-lt"/>
+              <a:buAutoNum type="arabicPeriod"/>
+            </a:pPr>
+            <a:r>
+              <a:rPr lang="en-US" b="1" dirty="0"/>
+              <a:t>Restaurant Selection:</a:t>
+            </a:r>
+            <a:r>
+              <a:rPr lang="en-US" dirty="0"/>
+              <a:t> Cost vs rating vs distance from home</a:t>
+            </a:r>
+          </a:p>
+          <a:p>
+            <a:pPr marL="342900" indent="-342900">
+              <a:buFont typeface="+mj-lt"/>
+              <a:buAutoNum type="arabicPeriod"/>
+            </a:pPr>
+            <a:endParaRPr lang="en-US" dirty="0"/>
+          </a:p>
+          <a:p>
+            <a:pPr marL="342900" indent="-342900">
+              <a:buFont typeface="+mj-lt"/>
+              <a:buAutoNum type="arabicPeriod"/>
+            </a:pPr>
+            <a:r>
+              <a:rPr lang="en-US" b="1" dirty="0"/>
+              <a:t>University Selection:</a:t>
+            </a:r>
+            <a:r>
+              <a:rPr lang="en-US" dirty="0"/>
+              <a:t> Tuition cost vs academic ranking vs location preference</a:t>
+            </a:r>
+          </a:p>
+          <a:p>
+            <a:pPr marL="342900" indent="-342900">
+              <a:buFont typeface="+mj-lt"/>
+              <a:buAutoNum type="arabicPeriod"/>
+            </a:pPr>
+            <a:endParaRPr lang="en-US" dirty="0"/>
+          </a:p>
+          <a:p>
+            <a:pPr marL="342900" indent="-342900">
+              <a:buFont typeface="+mj-lt"/>
+              <a:buAutoNum type="arabicPeriod"/>
+            </a:pPr>
+            <a:r>
+              <a:rPr lang="en-US" b="1" dirty="0"/>
+              <a:t>Car Shopping:</a:t>
+            </a:r>
+            <a:r>
+              <a:rPr lang="en-US" dirty="0"/>
+              <a:t> Price vs fuel efficiency vs safety rating</a:t>
+            </a:r>
+          </a:p>
+          <a:p>
+            <a:endParaRPr lang="en-US" dirty="0"/>
+          </a:p>
+        </p:txBody>
+      </p:sp>
+      <p:sp>
+        <p:nvSpPr>
+          <p:cNvPr id="20" name="TextBox 19"/>
+          <p:cNvSpPr txBox="1"/>
+          <p:nvPr/>
+        </p:nvSpPr>
+        <p:spPr>
+          <a:xfrm>
+            <a:off x="8907600" y="2951112"/>
+            <a:ext cx="1464399" cy="369332"/>
+          </a:xfrm>
+          <a:prstGeom prst="rect">
+            <a:avLst/>
+          </a:prstGeom>
+          <a:noFill/>
+        </p:spPr>
+        <p:txBody>
+          <a:bodyPr wrap="square" rtlCol="0">
+            <a:spAutoFit/>
+          </a:bodyPr>
+          <a:lstStyle/>
+          <a:p>
+            <a:pPr algn="ctr"/>
+            <a:r>
+              <a:rPr lang="en-AU" dirty="0"/>
+              <a:t>Image</a:t>
+            </a:r>
+          </a:p>
+        </p:txBody>
+      </p:sp>
+      <p:pic>
+        <p:nvPicPr>
+          <p:cNvPr id="7" name="Picture 6">
+            <a:extLst>
+              <a:ext uri="{FF2B5EF4-FFF2-40B4-BE49-F238E27FC236}">
+                <a16:creationId xmlns:a16="http://schemas.microsoft.com/office/drawing/2014/main" id="{D299F8DD-C0A4-C04D-A013-B642E9CADFAC}"/>
+              </a:ext>
+            </a:extLst>
+          </p:cNvPr>
+          <p:cNvPicPr>
+            <a:picLocks noChangeAspect="1"/>
+          </p:cNvPicPr>
+          <p:nvPr/>
+        </p:nvPicPr>
+        <p:blipFill>
+          <a:blip r:embed="rId2">
+            <a:extLst>
+              <a:ext uri="{28A0092B-C50C-407E-A947-70E740481C1C}">
+                <a14:useLocalDpi xmlns:a14="http://schemas.microsoft.com/office/drawing/2010/main" val="0"/>
+              </a:ext>
+            </a:extLst>
+          </a:blip>
+          <a:stretch>
+            <a:fillRect/>
+          </a:stretch>
+        </p:blipFill>
+        <p:spPr>
+          <a:xfrm>
+            <a:off x="7676941" y="2348237"/>
+            <a:ext cx="3778415" cy="3037404"/>
+          </a:xfrm>
+          <a:prstGeom prst="rect">
+            <a:avLst/>
+          </a:prstGeom>
+        </p:spPr>
+      </p:pic>
+    </p:spTree>
+    <p:extLst>
+      <p:ext uri="{BB962C8B-B14F-4D97-AF65-F5344CB8AC3E}">
+        <p14:creationId xmlns:p14="http://schemas.microsoft.com/office/powerpoint/2010/main" val="3872368226"/>
+      </p:ext>
+    </p:extLst>
+  </p:cSld>
+  <p:clrMapOvr>
+    <a:masterClrMapping/>
+  </p:clrMapOvr>
+</p:sld>
+</file>
+
+<file path=ppt/slides/slide14.xml><?xml version="1.0" encoding="utf-8"?>
+<p:sld xmlns:a="http://schemas.openxmlformats.org/drawingml/2006/main" xmlns:r="http://schemas.openxmlformats.org/officeDocument/2006/relationships" xmlns:p="http://schemas.openxmlformats.org/presentationml/2006/main">
+  <p:cSld>
+    <p:spTree>
+      <p:nvGrpSpPr>
+        <p:cNvPr id="1" name=""/>
+        <p:cNvGrpSpPr/>
+        <p:nvPr/>
+      </p:nvGrpSpPr>
+      <p:grpSpPr>
+        <a:xfrm>
+          <a:off x="0" y="0"/>
+          <a:ext cx="0" cy="0"/>
+          <a:chOff x="0" y="0"/>
+          <a:chExt cx="0" cy="0"/>
+        </a:xfrm>
+      </p:grpSpPr>
+      <p:sp>
+        <p:nvSpPr>
+          <p:cNvPr id="9" name="Content Placeholder 37"/>
+          <p:cNvSpPr txBox="1">
+            <a:spLocks/>
+          </p:cNvSpPr>
+          <p:nvPr/>
+        </p:nvSpPr>
+        <p:spPr>
+          <a:xfrm>
+            <a:off x="695326" y="1620000"/>
+            <a:ext cx="10761574" cy="4709351"/>
+          </a:xfrm>
+          <a:prstGeom prst="rect">
+            <a:avLst/>
+          </a:prstGeom>
+          <a:solidFill>
+            <a:srgbClr val="E6E4DC"/>
+          </a:solidFill>
+        </p:spPr>
+        <p:txBody>
+          <a:bodyPr vert="horz" lIns="91440" tIns="45720" rIns="91440" bIns="45720" rtlCol="0">
+            <a:normAutofit/>
+          </a:bodyPr>
+          <a:lstStyle>
+            <a:lvl1pPr marL="342900" indent="-342900" algn="l" defTabSz="914400" rtl="0" eaLnBrk="1" latinLnBrk="0" hangingPunct="1">
+              <a:spcBef>
+                <a:spcPct val="20000"/>
+              </a:spcBef>
+              <a:buFont typeface="Arial" panose="020B0604020202020204" pitchFamily="34" charset="0"/>
+              <a:buChar char="•"/>
+              <a:defRPr sz="1800" kern="1200">
+                <a:solidFill>
+                  <a:schemeClr val="tx1"/>
+                </a:solidFill>
+                <a:latin typeface="+mn-lt"/>
+                <a:ea typeface="+mn-ea"/>
+                <a:cs typeface="+mn-cs"/>
+              </a:defRPr>
+            </a:lvl1pPr>
+            <a:lvl2pPr marL="800100" indent="-342900" algn="l" defTabSz="914400" rtl="0" eaLnBrk="1" latinLnBrk="0" hangingPunct="1">
+              <a:spcBef>
+                <a:spcPct val="20000"/>
+              </a:spcBef>
+              <a:buFont typeface="Georgia" panose="02040502050405020303" pitchFamily="18" charset="0"/>
+              <a:buChar char="―"/>
+              <a:defRPr sz="1600" kern="1200">
+                <a:solidFill>
+                  <a:schemeClr val="tx1"/>
+                </a:solidFill>
+                <a:latin typeface="+mn-lt"/>
+                <a:ea typeface="+mn-ea"/>
+                <a:cs typeface="+mn-cs"/>
+              </a:defRPr>
+            </a:lvl2pPr>
+            <a:lvl3pPr marL="1200150" indent="-285750" algn="l" defTabSz="914400" rtl="0" eaLnBrk="1" latinLnBrk="0" hangingPunct="1">
+              <a:spcBef>
+                <a:spcPct val="20000"/>
+              </a:spcBef>
+              <a:buFont typeface="Wingdings" panose="05000000000000000000" pitchFamily="2" charset="2"/>
+              <a:buChar char="§"/>
+              <a:defRPr sz="1400" kern="1200">
+                <a:solidFill>
+                  <a:schemeClr val="tx1"/>
+                </a:solidFill>
+                <a:latin typeface="+mn-lt"/>
+                <a:ea typeface="+mn-ea"/>
+                <a:cs typeface="+mn-cs"/>
+              </a:defRPr>
+            </a:lvl3pPr>
+            <a:lvl4pPr marL="1600200" indent="-228600" algn="l" defTabSz="914400" rtl="0" eaLnBrk="1" latinLnBrk="0" hangingPunct="1">
+              <a:spcBef>
+                <a:spcPct val="20000"/>
+              </a:spcBef>
+              <a:buFont typeface="Arial" panose="020B0604020202020204" pitchFamily="34" charset="0"/>
+              <a:buChar char="•"/>
+              <a:defRPr sz="1400" kern="1200">
+                <a:solidFill>
+                  <a:schemeClr val="tx1"/>
+                </a:solidFill>
+                <a:latin typeface="+mn-lt"/>
+                <a:ea typeface="+mn-ea"/>
+                <a:cs typeface="+mn-cs"/>
+              </a:defRPr>
+            </a:lvl4pPr>
+            <a:lvl5pPr marL="2057400" indent="-228600" algn="l" defTabSz="914400" rtl="0" eaLnBrk="1" latinLnBrk="0" hangingPunct="1">
+              <a:spcBef>
+                <a:spcPct val="20000"/>
+              </a:spcBef>
+              <a:buFont typeface="Georgia" panose="02040502050405020303" pitchFamily="18" charset="0"/>
+              <a:buChar char="―"/>
+              <a:defRPr sz="1400" kern="1200">
+                <a:solidFill>
+                  <a:schemeClr val="tx1"/>
+                </a:solidFill>
+                <a:latin typeface="+mn-lt"/>
+                <a:ea typeface="+mn-ea"/>
+                <a:cs typeface="+mn-cs"/>
+              </a:defRPr>
+            </a:lvl5pPr>
+            <a:lvl6pPr marL="2514600" indent="-228600" algn="l" defTabSz="914400" rtl="0" eaLnBrk="1" latinLnBrk="0" hangingPunct="1">
+              <a:spcBef>
+                <a:spcPct val="20000"/>
+              </a:spcBef>
+              <a:buFont typeface="Arial" panose="020B0604020202020204" pitchFamily="34" charset="0"/>
+              <a:buChar char="•"/>
+              <a:defRPr sz="2000" kern="1200">
+                <a:solidFill>
+                  <a:schemeClr val="tx1"/>
+                </a:solidFill>
+                <a:latin typeface="+mn-lt"/>
+                <a:ea typeface="+mn-ea"/>
+                <a:cs typeface="+mn-cs"/>
+              </a:defRPr>
+            </a:lvl6pPr>
+            <a:lvl7pPr marL="2971800" indent="-228600" algn="l" defTabSz="914400" rtl="0" eaLnBrk="1" latinLnBrk="0" hangingPunct="1">
+              <a:spcBef>
+                <a:spcPct val="20000"/>
+              </a:spcBef>
+              <a:buFont typeface="Arial" panose="020B0604020202020204" pitchFamily="34" charset="0"/>
+              <a:buChar char="•"/>
+              <a:defRPr sz="2000" kern="1200">
+                <a:solidFill>
+                  <a:schemeClr val="tx1"/>
+                </a:solidFill>
+                <a:latin typeface="+mn-lt"/>
+                <a:ea typeface="+mn-ea"/>
+                <a:cs typeface="+mn-cs"/>
+              </a:defRPr>
+            </a:lvl7pPr>
+            <a:lvl8pPr marL="3429000" indent="-228600" algn="l" defTabSz="914400" rtl="0" eaLnBrk="1" latinLnBrk="0" hangingPunct="1">
+              <a:spcBef>
+                <a:spcPct val="20000"/>
+              </a:spcBef>
+              <a:buFont typeface="Arial" panose="020B0604020202020204" pitchFamily="34" charset="0"/>
+              <a:buChar char="•"/>
+              <a:defRPr sz="2000" kern="1200">
+                <a:solidFill>
+                  <a:schemeClr val="tx1"/>
+                </a:solidFill>
+                <a:latin typeface="+mn-lt"/>
+                <a:ea typeface="+mn-ea"/>
+                <a:cs typeface="+mn-cs"/>
+              </a:defRPr>
+            </a:lvl8pPr>
+            <a:lvl9pPr marL="3886200" indent="-228600" algn="l" defTabSz="914400" rtl="0" eaLnBrk="1" latinLnBrk="0" hangingPunct="1">
+              <a:spcBef>
+                <a:spcPct val="20000"/>
+              </a:spcBef>
+              <a:buFont typeface="Arial" panose="020B0604020202020204" pitchFamily="34" charset="0"/>
+              <a:buChar char="•"/>
+              <a:defRPr sz="2000" kern="1200">
+                <a:solidFill>
+                  <a:schemeClr val="tx1"/>
+                </a:solidFill>
+                <a:latin typeface="+mn-lt"/>
+                <a:ea typeface="+mn-ea"/>
+                <a:cs typeface="+mn-cs"/>
+              </a:defRPr>
+            </a:lvl9pPr>
+          </a:lstStyle>
+          <a:p>
+            <a:pPr marL="1371600" lvl="3" indent="0">
+              <a:buNone/>
+            </a:pPr>
+            <a:endParaRPr lang="en-AU" dirty="0"/>
+          </a:p>
+        </p:txBody>
+      </p:sp>
+      <p:sp>
+        <p:nvSpPr>
+          <p:cNvPr id="2" name="Title 1"/>
+          <p:cNvSpPr>
+            <a:spLocks noGrp="1"/>
+          </p:cNvSpPr>
+          <p:nvPr>
+            <p:ph type="title"/>
+          </p:nvPr>
+        </p:nvSpPr>
+        <p:spPr/>
+        <p:txBody>
+          <a:bodyPr/>
+          <a:lstStyle/>
+          <a:p>
+            <a:r>
+              <a:rPr lang="en-AU" dirty="0"/>
+              <a:t>Conclusion</a:t>
+            </a:r>
+          </a:p>
+        </p:txBody>
+      </p:sp>
+      <p:sp>
+        <p:nvSpPr>
+          <p:cNvPr id="3" name="Footer Placeholder 2"/>
+          <p:cNvSpPr>
+            <a:spLocks noGrp="1"/>
+          </p:cNvSpPr>
+          <p:nvPr>
+            <p:ph type="ftr" sz="quarter" idx="11"/>
+          </p:nvPr>
+        </p:nvSpPr>
+        <p:spPr/>
+        <p:txBody>
+          <a:bodyPr/>
+          <a:lstStyle/>
+          <a:p>
+            <a:r>
+              <a:rPr lang="en-AU"/>
+              <a:t>BIG DATA ASSIGNMENT 2</a:t>
+            </a:r>
+            <a:endParaRPr lang="en-AU" dirty="0"/>
+          </a:p>
+        </p:txBody>
+      </p:sp>
+      <p:sp>
+        <p:nvSpPr>
+          <p:cNvPr id="4" name="Slide Number Placeholder 3"/>
+          <p:cNvSpPr>
+            <a:spLocks noGrp="1"/>
+          </p:cNvSpPr>
+          <p:nvPr>
+            <p:ph type="sldNum" sz="quarter" idx="12"/>
+          </p:nvPr>
+        </p:nvSpPr>
+        <p:spPr/>
+        <p:txBody>
+          <a:bodyPr/>
+          <a:lstStyle/>
+          <a:p>
+            <a:fld id="{D9C42BCC-44E8-4F98-A8FE-EAF16D8C1E6E}" type="slidenum">
+              <a:rPr lang="en-AU" smtClean="0"/>
+              <a:pPr/>
+              <a:t>15</a:t>
+            </a:fld>
+            <a:endParaRPr lang="en-AU" dirty="0"/>
+          </a:p>
+        </p:txBody>
+      </p:sp>
+      <p:sp>
+        <p:nvSpPr>
+          <p:cNvPr id="5" name="Text Placeholder 4"/>
+          <p:cNvSpPr>
+            <a:spLocks noGrp="1"/>
+          </p:cNvSpPr>
+          <p:nvPr>
+            <p:ph type="body" sz="quarter" idx="15"/>
+          </p:nvPr>
+        </p:nvSpPr>
+        <p:spPr/>
+        <p:txBody>
+          <a:bodyPr/>
+          <a:lstStyle/>
+          <a:p>
+            <a:r>
+              <a:rPr lang="en-AU" dirty="0"/>
+              <a:t>Takeaways from task 1</a:t>
+            </a:r>
+          </a:p>
+        </p:txBody>
+      </p:sp>
+      <p:sp>
+        <p:nvSpPr>
+          <p:cNvPr id="10" name="Content Placeholder 2"/>
+          <p:cNvSpPr txBox="1">
+            <a:spLocks/>
+          </p:cNvSpPr>
+          <p:nvPr/>
+        </p:nvSpPr>
+        <p:spPr>
+          <a:xfrm>
+            <a:off x="4450702" y="1761885"/>
+            <a:ext cx="6767929" cy="4389575"/>
+          </a:xfrm>
+          <a:prstGeom prst="rect">
+            <a:avLst/>
+          </a:prstGeom>
+        </p:spPr>
+        <p:txBody>
+          <a:bodyPr/>
+          <a:lstStyle>
+            <a:lvl1pPr marL="342900" indent="-342900" algn="l" defTabSz="914400" rtl="0" eaLnBrk="1" latinLnBrk="0" hangingPunct="1">
+              <a:spcBef>
+                <a:spcPct val="20000"/>
+              </a:spcBef>
+              <a:buFont typeface="Arial" panose="020B0604020202020204" pitchFamily="34" charset="0"/>
+              <a:buChar char="•"/>
+              <a:defRPr sz="1800" kern="1200">
+                <a:solidFill>
+                  <a:schemeClr val="tx1"/>
+                </a:solidFill>
+                <a:latin typeface="+mn-lt"/>
+                <a:ea typeface="+mn-ea"/>
+                <a:cs typeface="+mn-cs"/>
+              </a:defRPr>
+            </a:lvl1pPr>
+            <a:lvl2pPr marL="800100" indent="-342900" algn="l" defTabSz="914400" rtl="0" eaLnBrk="1" latinLnBrk="0" hangingPunct="1">
+              <a:spcBef>
+                <a:spcPct val="20000"/>
+              </a:spcBef>
+              <a:buFont typeface="Georgia" panose="02040502050405020303" pitchFamily="18" charset="0"/>
+              <a:buChar char="―"/>
+              <a:defRPr sz="1600" kern="1200">
+                <a:solidFill>
+                  <a:schemeClr val="tx1"/>
+                </a:solidFill>
+                <a:latin typeface="+mn-lt"/>
+                <a:ea typeface="+mn-ea"/>
+                <a:cs typeface="+mn-cs"/>
+              </a:defRPr>
+            </a:lvl2pPr>
+            <a:lvl3pPr marL="1200150" indent="-285750" algn="l" defTabSz="914400" rtl="0" eaLnBrk="1" latinLnBrk="0" hangingPunct="1">
+              <a:spcBef>
+                <a:spcPct val="20000"/>
+              </a:spcBef>
+              <a:buFont typeface="Wingdings" panose="05000000000000000000" pitchFamily="2" charset="2"/>
+              <a:buChar char="§"/>
+              <a:defRPr sz="1400" kern="1200">
+                <a:solidFill>
+                  <a:schemeClr val="tx1"/>
+                </a:solidFill>
+                <a:latin typeface="+mn-lt"/>
+                <a:ea typeface="+mn-ea"/>
+                <a:cs typeface="+mn-cs"/>
+              </a:defRPr>
+            </a:lvl3pPr>
+            <a:lvl4pPr marL="1600200" indent="-228600" algn="l" defTabSz="914400" rtl="0" eaLnBrk="1" latinLnBrk="0" hangingPunct="1">
+              <a:spcBef>
+                <a:spcPct val="20000"/>
+              </a:spcBef>
+              <a:buFont typeface="Arial" panose="020B0604020202020204" pitchFamily="34" charset="0"/>
+              <a:buChar char="•"/>
+              <a:defRPr sz="1400" kern="1200">
+                <a:solidFill>
+                  <a:schemeClr val="tx1"/>
+                </a:solidFill>
+                <a:latin typeface="+mn-lt"/>
+                <a:ea typeface="+mn-ea"/>
+                <a:cs typeface="+mn-cs"/>
+              </a:defRPr>
+            </a:lvl4pPr>
+            <a:lvl5pPr marL="2057400" indent="-228600" algn="l" defTabSz="914400" rtl="0" eaLnBrk="1" latinLnBrk="0" hangingPunct="1">
+              <a:spcBef>
+                <a:spcPct val="20000"/>
+              </a:spcBef>
+              <a:buFont typeface="Georgia" panose="02040502050405020303" pitchFamily="18" charset="0"/>
+              <a:buChar char="―"/>
+              <a:defRPr sz="1400" kern="1200">
+                <a:solidFill>
+                  <a:schemeClr val="tx1"/>
+                </a:solidFill>
+                <a:latin typeface="+mn-lt"/>
+                <a:ea typeface="+mn-ea"/>
+                <a:cs typeface="+mn-cs"/>
+              </a:defRPr>
+            </a:lvl5pPr>
+            <a:lvl6pPr marL="2514600" indent="-228600" algn="l" defTabSz="914400" rtl="0" eaLnBrk="1" latinLnBrk="0" hangingPunct="1">
+              <a:spcBef>
+                <a:spcPct val="20000"/>
+              </a:spcBef>
+              <a:buFont typeface="Arial" panose="020B0604020202020204" pitchFamily="34" charset="0"/>
+              <a:buChar char="•"/>
+              <a:defRPr sz="2000" kern="1200">
+                <a:solidFill>
+                  <a:schemeClr val="tx1"/>
+                </a:solidFill>
+                <a:latin typeface="+mn-lt"/>
+                <a:ea typeface="+mn-ea"/>
+                <a:cs typeface="+mn-cs"/>
+              </a:defRPr>
+            </a:lvl6pPr>
+            <a:lvl7pPr marL="2971800" indent="-228600" algn="l" defTabSz="914400" rtl="0" eaLnBrk="1" latinLnBrk="0" hangingPunct="1">
+              <a:spcBef>
+                <a:spcPct val="20000"/>
+              </a:spcBef>
+              <a:buFont typeface="Arial" panose="020B0604020202020204" pitchFamily="34" charset="0"/>
+              <a:buChar char="•"/>
+              <a:defRPr sz="2000" kern="1200">
+                <a:solidFill>
+                  <a:schemeClr val="tx1"/>
+                </a:solidFill>
+                <a:latin typeface="+mn-lt"/>
+                <a:ea typeface="+mn-ea"/>
+                <a:cs typeface="+mn-cs"/>
+              </a:defRPr>
+            </a:lvl7pPr>
+            <a:lvl8pPr marL="3429000" indent="-228600" algn="l" defTabSz="914400" rtl="0" eaLnBrk="1" latinLnBrk="0" hangingPunct="1">
+              <a:spcBef>
+                <a:spcPct val="20000"/>
+              </a:spcBef>
+              <a:buFont typeface="Arial" panose="020B0604020202020204" pitchFamily="34" charset="0"/>
+              <a:buChar char="•"/>
+              <a:defRPr sz="2000" kern="1200">
+                <a:solidFill>
+                  <a:schemeClr val="tx1"/>
+                </a:solidFill>
+                <a:latin typeface="+mn-lt"/>
+                <a:ea typeface="+mn-ea"/>
+                <a:cs typeface="+mn-cs"/>
+              </a:defRPr>
+            </a:lvl8pPr>
+            <a:lvl9pPr marL="3886200" indent="-228600" algn="l" defTabSz="914400" rtl="0" eaLnBrk="1" latinLnBrk="0" hangingPunct="1">
+              <a:spcBef>
+                <a:spcPct val="20000"/>
+              </a:spcBef>
+              <a:buFont typeface="Arial" panose="020B0604020202020204" pitchFamily="34" charset="0"/>
+              <a:buChar char="•"/>
+              <a:defRPr sz="2000" kern="1200">
+                <a:solidFill>
+                  <a:schemeClr val="tx1"/>
+                </a:solidFill>
+                <a:latin typeface="+mn-lt"/>
+                <a:ea typeface="+mn-ea"/>
+                <a:cs typeface="+mn-cs"/>
+              </a:defRPr>
+            </a:lvl9pPr>
+          </a:lstStyle>
+          <a:p>
+            <a:r>
+              <a:rPr lang="en-US" dirty="0"/>
+              <a:t>Spatial indexing improves performance significantly </a:t>
+            </a:r>
+          </a:p>
+          <a:p>
+            <a:endParaRPr lang="en-US" dirty="0"/>
+          </a:p>
+          <a:p>
+            <a:r>
+              <a:rPr lang="en-US" dirty="0"/>
+              <a:t>R-trees enable effective pruning for such complex and large data problems</a:t>
+            </a:r>
+          </a:p>
+          <a:p>
+            <a:endParaRPr lang="en-US" dirty="0"/>
+          </a:p>
+          <a:p>
+            <a:r>
+              <a:rPr lang="en-US" dirty="0"/>
+              <a:t>Algorithm choice matters based on dataset characteristics</a:t>
+            </a:r>
+          </a:p>
+          <a:p>
+            <a:r>
+              <a:rPr lang="en-US" dirty="0"/>
+              <a:t>Implementation simplicity can be more valuable than complexity</a:t>
+            </a:r>
+          </a:p>
+          <a:p>
+            <a:r>
+              <a:rPr lang="en-US" dirty="0"/>
+              <a:t>Skyline algorithms solve real optimization problems</a:t>
+            </a:r>
+          </a:p>
+          <a:p>
+            <a:pPr>
+              <a:spcBef>
+                <a:spcPts val="1200"/>
+              </a:spcBef>
+              <a:buClr>
+                <a:srgbClr val="A6192E"/>
+              </a:buClr>
+              <a:buFont typeface="+mj-lt"/>
+              <a:buAutoNum type="arabicPeriod"/>
+            </a:pPr>
+            <a:endParaRPr lang="en-AU" dirty="0"/>
+          </a:p>
+        </p:txBody>
+      </p:sp>
+      <p:pic>
+        <p:nvPicPr>
+          <p:cNvPr id="13" name="Picture 12" descr="MAC21_190.5x254_PowerPoint_Images_Cov v3.png"/>
+          <p:cNvPicPr>
+            <a:picLocks noChangeAspect="1"/>
+          </p:cNvPicPr>
+          <p:nvPr/>
+        </p:nvPicPr>
+        <p:blipFill rotWithShape="1">
+          <a:blip r:embed="rId2">
+            <a:extLst>
+              <a:ext uri="{28A0092B-C50C-407E-A947-70E740481C1C}">
+                <a14:useLocalDpi xmlns:a14="http://schemas.microsoft.com/office/drawing/2010/main" val="0"/>
+              </a:ext>
+            </a:extLst>
+          </a:blip>
+          <a:srcRect l="4364"/>
+          <a:stretch/>
+        </p:blipFill>
+        <p:spPr>
+          <a:xfrm>
+            <a:off x="695326" y="1499839"/>
+            <a:ext cx="3029286" cy="4956132"/>
+          </a:xfrm>
+          <a:prstGeom prst="rect">
+            <a:avLst/>
+          </a:prstGeom>
+        </p:spPr>
+      </p:pic>
+    </p:spTree>
+    <p:extLst>
+      <p:ext uri="{BB962C8B-B14F-4D97-AF65-F5344CB8AC3E}">
+        <p14:creationId xmlns:p14="http://schemas.microsoft.com/office/powerpoint/2010/main" val="440609495"/>
       </p:ext>
     </p:extLst>
   </p:cSld>
@@ -12170,7 +15035,7 @@
           <a:p>
             <a:r>
               <a:rPr lang="en-AU"/>
-              <a:t>OFFICE | FACULTY | DEPARTMENT</a:t>
+              <a:t>BIG DATA ASSIGNMENT 2</a:t>
             </a:r>
             <a:endParaRPr lang="en-AU" dirty="0"/>
           </a:p>
@@ -12194,7 +15059,7 @@
             <a:fld id="{D9C42BCC-44E8-4F98-A8FE-EAF16D8C1E6E}" type="slidenum">
               <a:rPr lang="en-AU" smtClean="0"/>
               <a:pPr/>
-              <a:t>3</a:t>
+              <a:t>4</a:t>
             </a:fld>
             <a:endParaRPr lang="en-AU" dirty="0"/>
           </a:p>
@@ -12836,7 +15701,7 @@
           <a:p>
             <a:r>
               <a:rPr lang="en-AU"/>
-              <a:t>OFFICE | FACULTY | DEPARTMENT</a:t>
+              <a:t>BIG DATA ASSIGNMENT 2</a:t>
             </a:r>
             <a:endParaRPr lang="en-AU" dirty="0"/>
           </a:p>
@@ -12860,7 +15725,7 @@
             <a:fld id="{D9C42BCC-44E8-4F98-A8FE-EAF16D8C1E6E}" type="slidenum">
               <a:rPr lang="en-AU" smtClean="0"/>
               <a:pPr/>
-              <a:t>5</a:t>
+              <a:t>6</a:t>
             </a:fld>
             <a:endParaRPr lang="en-AU" dirty="0"/>
           </a:p>
@@ -13293,7 +16158,7 @@
           <a:p>
             <a:r>
               <a:rPr lang="en-AU"/>
-              <a:t>OFFICE | FACULTY | DEPARTMENT</a:t>
+              <a:t>BIG DATA ASSIGNMENT 2</a:t>
             </a:r>
             <a:endParaRPr lang="en-AU" dirty="0"/>
           </a:p>
@@ -13317,7 +16182,7 @@
             <a:fld id="{D9C42BCC-44E8-4F98-A8FE-EAF16D8C1E6E}" type="slidenum">
               <a:rPr lang="en-AU" smtClean="0"/>
               <a:pPr/>
-              <a:t>6</a:t>
+              <a:t>7</a:t>
             </a:fld>
             <a:endParaRPr lang="en-AU" dirty="0"/>
           </a:p>
@@ -13781,7 +16646,7 @@
           <a:p>
             <a:r>
               <a:rPr lang="en-AU"/>
-              <a:t>OFFICE | FACULTY | DEPARTMENT</a:t>
+              <a:t>BIG DATA ASSIGNMENT 2</a:t>
             </a:r>
             <a:endParaRPr lang="en-AU" dirty="0"/>
           </a:p>
@@ -13805,7 +16670,7 @@
             <a:fld id="{D9C42BCC-44E8-4F98-A8FE-EAF16D8C1E6E}" type="slidenum">
               <a:rPr lang="en-AU" smtClean="0"/>
               <a:pPr/>
-              <a:t>7</a:t>
+              <a:t>8</a:t>
             </a:fld>
             <a:endParaRPr lang="en-AU" dirty="0"/>
           </a:p>
@@ -14079,7 +16944,7 @@
           <a:p>
             <a:r>
               <a:rPr lang="en-AU"/>
-              <a:t>OFFICE | FACULTY | DEPARTMENT</a:t>
+              <a:t>BIG DATA ASSIGNMENT 2</a:t>
             </a:r>
             <a:endParaRPr lang="en-AU" dirty="0"/>
           </a:p>
@@ -14103,7 +16968,7 @@
             <a:fld id="{D9C42BCC-44E8-4F98-A8FE-EAF16D8C1E6E}" type="slidenum">
               <a:rPr lang="en-AU" smtClean="0"/>
               <a:pPr/>
-              <a:t>8</a:t>
+              <a:t>9</a:t>
             </a:fld>
             <a:endParaRPr lang="en-AU"/>
           </a:p>
@@ -14369,7 +17234,7 @@
           <a:p>
             <a:r>
               <a:rPr lang="en-AU"/>
-              <a:t>OFFICE | FACULTY | DEPARTMENT</a:t>
+              <a:t>BIG DATA ASSIGNMENT 2</a:t>
             </a:r>
             <a:endParaRPr lang="en-AU" dirty="0"/>
           </a:p>
@@ -14393,7 +17258,7 @@
             <a:fld id="{D9C42BCC-44E8-4F98-A8FE-EAF16D8C1E6E}" type="slidenum">
               <a:rPr lang="en-AU" smtClean="0"/>
               <a:pPr/>
-              <a:t>9</a:t>
+              <a:t>10</a:t>
             </a:fld>
             <a:endParaRPr lang="en-AU" dirty="0"/>
           </a:p>

--- a/Slides.pptx
+++ b/Slides.pptx
@@ -7698,6 +7698,641 @@
 </p:notesMaster>
 </file>
 
+<file path=ppt/notesSlides/notesSlide1.xml><?xml version="1.0" encoding="utf-8"?>
+<p:notes xmlns:a="http://schemas.openxmlformats.org/drawingml/2006/main" xmlns:r="http://schemas.openxmlformats.org/officeDocument/2006/relationships" xmlns:p="http://schemas.openxmlformats.org/presentationml/2006/main">
+  <p:cSld>
+    <p:spTree>
+      <p:nvGrpSpPr>
+        <p:cNvPr id="1" name=""/>
+        <p:cNvGrpSpPr/>
+        <p:nvPr/>
+      </p:nvGrpSpPr>
+      <p:grpSpPr>
+        <a:xfrm>
+          <a:off x="0" y="0"/>
+          <a:ext cx="0" cy="0"/>
+          <a:chOff x="0" y="0"/>
+          <a:chExt cx="0" cy="0"/>
+        </a:xfrm>
+      </p:grpSpPr>
+      <p:sp>
+        <p:nvSpPr>
+          <p:cNvPr id="2" name="Slide Image Placeholder 1"/>
+          <p:cNvSpPr>
+            <a:spLocks noGrp="1" noRot="1" noChangeAspect="1"/>
+          </p:cNvSpPr>
+          <p:nvPr>
+            <p:ph type="sldImg"/>
+          </p:nvPr>
+        </p:nvSpPr>
+        <p:spPr/>
+      </p:sp>
+      <p:sp>
+        <p:nvSpPr>
+          <p:cNvPr id="3" name="Notes Placeholder 2"/>
+          <p:cNvSpPr>
+            <a:spLocks noGrp="1"/>
+          </p:cNvSpPr>
+          <p:nvPr>
+            <p:ph type="body" idx="1"/>
+          </p:nvPr>
+        </p:nvSpPr>
+        <p:spPr/>
+        <p:txBody>
+          <a:bodyPr/>
+          <a:lstStyle/>
+          <a:p>
+            <a:endParaRPr lang="en-US" dirty="0"/>
+          </a:p>
+        </p:txBody>
+      </p:sp>
+      <p:sp>
+        <p:nvSpPr>
+          <p:cNvPr id="4" name="Slide Number Placeholder 3"/>
+          <p:cNvSpPr>
+            <a:spLocks noGrp="1"/>
+          </p:cNvSpPr>
+          <p:nvPr>
+            <p:ph type="sldNum" sz="quarter" idx="5"/>
+          </p:nvPr>
+        </p:nvSpPr>
+        <p:spPr/>
+        <p:txBody>
+          <a:bodyPr/>
+          <a:lstStyle/>
+          <a:p>
+            <a:fld id="{5780AC98-8E30-490D-A639-38DF0F70C274}" type="slidenum">
+              <a:rPr lang="en-AU" smtClean="0"/>
+              <a:t>2</a:t>
+            </a:fld>
+            <a:endParaRPr lang="en-AU"/>
+          </a:p>
+        </p:txBody>
+      </p:sp>
+    </p:spTree>
+    <p:extLst>
+      <p:ext uri="{BB962C8B-B14F-4D97-AF65-F5344CB8AC3E}">
+        <p14:creationId xmlns:p14="http://schemas.microsoft.com/office/powerpoint/2010/main" val="1304385468"/>
+      </p:ext>
+    </p:extLst>
+  </p:cSld>
+  <p:clrMapOvr>
+    <a:masterClrMapping/>
+  </p:clrMapOvr>
+</p:notes>
+</file>
+
+<file path=ppt/notesSlides/notesSlide2.xml><?xml version="1.0" encoding="utf-8"?>
+<p:notes xmlns:a="http://schemas.openxmlformats.org/drawingml/2006/main" xmlns:r="http://schemas.openxmlformats.org/officeDocument/2006/relationships" xmlns:p="http://schemas.openxmlformats.org/presentationml/2006/main">
+  <p:cSld>
+    <p:spTree>
+      <p:nvGrpSpPr>
+        <p:cNvPr id="1" name=""/>
+        <p:cNvGrpSpPr/>
+        <p:nvPr/>
+      </p:nvGrpSpPr>
+      <p:grpSpPr>
+        <a:xfrm>
+          <a:off x="0" y="0"/>
+          <a:ext cx="0" cy="0"/>
+          <a:chOff x="0" y="0"/>
+          <a:chExt cx="0" cy="0"/>
+        </a:xfrm>
+      </p:grpSpPr>
+      <p:sp>
+        <p:nvSpPr>
+          <p:cNvPr id="2" name="Slide Image Placeholder 1"/>
+          <p:cNvSpPr>
+            <a:spLocks noGrp="1" noRot="1" noChangeAspect="1"/>
+          </p:cNvSpPr>
+          <p:nvPr>
+            <p:ph type="sldImg"/>
+          </p:nvPr>
+        </p:nvSpPr>
+        <p:spPr/>
+      </p:sp>
+      <p:sp>
+        <p:nvSpPr>
+          <p:cNvPr id="3" name="Notes Placeholder 2"/>
+          <p:cNvSpPr>
+            <a:spLocks noGrp="1"/>
+          </p:cNvSpPr>
+          <p:nvPr>
+            <p:ph type="body" idx="1"/>
+          </p:nvPr>
+        </p:nvSpPr>
+        <p:spPr/>
+        <p:txBody>
+          <a:bodyPr/>
+          <a:lstStyle/>
+          <a:p>
+            <a:r>
+              <a:rPr lang="en-US" sz="1200" kern="1200" dirty="0">
+                <a:solidFill>
+                  <a:schemeClr val="tx1"/>
+                </a:solidFill>
+                <a:effectLst/>
+                <a:latin typeface="+mn-lt"/>
+                <a:ea typeface="+mn-ea"/>
+                <a:cs typeface="+mn-cs"/>
+              </a:rPr>
+              <a:t>Good morning/afternoon and evening guys.  I’m here to present my analysis</a:t>
+            </a:r>
+          </a:p>
+          <a:p>
+            <a:r>
+              <a:rPr lang="en-US" sz="1200" kern="1200" dirty="0">
+                <a:solidFill>
+                  <a:schemeClr val="tx1"/>
+                </a:solidFill>
+                <a:effectLst/>
+                <a:latin typeface="+mn-lt"/>
+                <a:ea typeface="+mn-ea"/>
+                <a:cs typeface="+mn-cs"/>
+              </a:rPr>
+              <a:t>of skyline search algorithms which is a part of of our group assignment. The algorithms are applied to real estate dataset which I as selected cityy1. I implemented three different algorithms to find optimal houses based on cost and size criteria. </a:t>
+            </a:r>
+            <a:endParaRPr lang="en-US" dirty="0"/>
+          </a:p>
+        </p:txBody>
+      </p:sp>
+      <p:sp>
+        <p:nvSpPr>
+          <p:cNvPr id="4" name="Slide Number Placeholder 3"/>
+          <p:cNvSpPr>
+            <a:spLocks noGrp="1"/>
+          </p:cNvSpPr>
+          <p:nvPr>
+            <p:ph type="sldNum" sz="quarter" idx="5"/>
+          </p:nvPr>
+        </p:nvSpPr>
+        <p:spPr/>
+        <p:txBody>
+          <a:bodyPr/>
+          <a:lstStyle/>
+          <a:p>
+            <a:fld id="{5780AC98-8E30-490D-A639-38DF0F70C274}" type="slidenum">
+              <a:rPr lang="en-AU" smtClean="0"/>
+              <a:t>5</a:t>
+            </a:fld>
+            <a:endParaRPr lang="en-AU"/>
+          </a:p>
+        </p:txBody>
+      </p:sp>
+    </p:spTree>
+    <p:extLst>
+      <p:ext uri="{BB962C8B-B14F-4D97-AF65-F5344CB8AC3E}">
+        <p14:creationId xmlns:p14="http://schemas.microsoft.com/office/powerpoint/2010/main" val="2362455556"/>
+      </p:ext>
+    </p:extLst>
+  </p:cSld>
+  <p:clrMapOvr>
+    <a:masterClrMapping/>
+  </p:clrMapOvr>
+</p:notes>
+</file>
+
+<file path=ppt/notesSlides/notesSlide3.xml><?xml version="1.0" encoding="utf-8"?>
+<p:notes xmlns:a="http://schemas.openxmlformats.org/drawingml/2006/main" xmlns:r="http://schemas.openxmlformats.org/officeDocument/2006/relationships" xmlns:p="http://schemas.openxmlformats.org/presentationml/2006/main">
+  <p:cSld>
+    <p:spTree>
+      <p:nvGrpSpPr>
+        <p:cNvPr id="1" name=""/>
+        <p:cNvGrpSpPr/>
+        <p:nvPr/>
+      </p:nvGrpSpPr>
+      <p:grpSpPr>
+        <a:xfrm>
+          <a:off x="0" y="0"/>
+          <a:ext cx="0" cy="0"/>
+          <a:chOff x="0" y="0"/>
+          <a:chExt cx="0" cy="0"/>
+        </a:xfrm>
+      </p:grpSpPr>
+      <p:sp>
+        <p:nvSpPr>
+          <p:cNvPr id="2" name="Slide Image Placeholder 1"/>
+          <p:cNvSpPr>
+            <a:spLocks noGrp="1" noRot="1" noChangeAspect="1"/>
+          </p:cNvSpPr>
+          <p:nvPr>
+            <p:ph type="sldImg"/>
+          </p:nvPr>
+        </p:nvSpPr>
+        <p:spPr/>
+      </p:sp>
+      <p:sp>
+        <p:nvSpPr>
+          <p:cNvPr id="3" name="Notes Placeholder 2"/>
+          <p:cNvSpPr>
+            <a:spLocks noGrp="1"/>
+          </p:cNvSpPr>
+          <p:nvPr>
+            <p:ph type="body" idx="1"/>
+          </p:nvPr>
+        </p:nvSpPr>
+        <p:spPr/>
+        <p:txBody>
+          <a:bodyPr/>
+          <a:lstStyle/>
+          <a:p>
+            <a:r>
+              <a:rPr lang="en-US" sz="1200" kern="1200" dirty="0">
+                <a:solidFill>
+                  <a:schemeClr val="tx1"/>
+                </a:solidFill>
+                <a:effectLst/>
+                <a:latin typeface="+mn-lt"/>
+                <a:ea typeface="+mn-ea"/>
+                <a:cs typeface="+mn-cs"/>
+              </a:rPr>
+              <a:t>Let me start by explaining what we mean by the skyline</a:t>
+            </a:r>
+          </a:p>
+          <a:p>
+            <a:r>
+              <a:rPr lang="en-US" sz="1200" kern="1200" dirty="0">
+                <a:solidFill>
+                  <a:schemeClr val="tx1"/>
+                </a:solidFill>
+                <a:effectLst/>
+                <a:latin typeface="+mn-lt"/>
+                <a:ea typeface="+mn-ea"/>
+                <a:cs typeface="+mn-cs"/>
+              </a:rPr>
+              <a:t>problem.  I want to give an example here where we are looking to buy a house and we mainly focus about two things: we want the house to be</a:t>
+            </a:r>
+          </a:p>
+          <a:p>
+            <a:r>
+              <a:rPr lang="en-US" sz="1200" kern="1200" dirty="0">
+                <a:solidFill>
+                  <a:schemeClr val="tx1"/>
+                </a:solidFill>
+                <a:effectLst/>
+                <a:latin typeface="+mn-lt"/>
+                <a:ea typeface="+mn-ea"/>
+                <a:cs typeface="+mn-cs"/>
+              </a:rPr>
+              <a:t>as cheap as possible and as large as possible. </a:t>
+            </a:r>
+          </a:p>
+          <a:p>
+            <a:endParaRPr lang="en-US" sz="1200" kern="1200" dirty="0">
+              <a:solidFill>
+                <a:schemeClr val="tx1"/>
+              </a:solidFill>
+              <a:effectLst/>
+              <a:latin typeface="+mn-lt"/>
+              <a:ea typeface="+mn-ea"/>
+              <a:cs typeface="+mn-cs"/>
+            </a:endParaRPr>
+          </a:p>
+          <a:p>
+            <a:r>
+              <a:rPr lang="en-US" sz="1200" kern="1200" dirty="0">
+                <a:solidFill>
+                  <a:schemeClr val="tx1"/>
+                </a:solidFill>
+                <a:effectLst/>
+                <a:latin typeface="+mn-lt"/>
+                <a:ea typeface="+mn-ea"/>
+                <a:cs typeface="+mn-cs"/>
+              </a:rPr>
+              <a:t>It’s a real fact that some houses are clearly better</a:t>
+            </a:r>
+          </a:p>
+          <a:p>
+            <a:r>
+              <a:rPr lang="en-US" sz="1200" kern="1200" dirty="0">
+                <a:solidFill>
+                  <a:schemeClr val="tx1"/>
+                </a:solidFill>
+                <a:effectLst/>
+                <a:latin typeface="+mn-lt"/>
+                <a:ea typeface="+mn-ea"/>
+                <a:cs typeface="+mn-cs"/>
+              </a:rPr>
+              <a:t>than others.  House A costs $150k for 100 square meters, and House B costs</a:t>
+            </a:r>
+          </a:p>
+          <a:p>
+            <a:r>
+              <a:rPr lang="en-US" sz="1200" kern="1200" dirty="0">
+                <a:solidFill>
+                  <a:schemeClr val="tx1"/>
+                </a:solidFill>
+                <a:effectLst/>
+                <a:latin typeface="+mn-lt"/>
+                <a:ea typeface="+mn-ea"/>
+                <a:cs typeface="+mn-cs"/>
+              </a:rPr>
+              <a:t>$200k for 90 square meters, then House A dominates House B because it's both cheaper and</a:t>
+            </a:r>
+          </a:p>
+          <a:p>
+            <a:r>
+              <a:rPr lang="en-US" sz="1200" kern="1200" dirty="0">
+                <a:solidFill>
+                  <a:schemeClr val="tx1"/>
+                </a:solidFill>
+                <a:effectLst/>
+                <a:latin typeface="+mn-lt"/>
+                <a:ea typeface="+mn-ea"/>
+                <a:cs typeface="+mn-cs"/>
+              </a:rPr>
+              <a:t>larger. </a:t>
+            </a:r>
+          </a:p>
+          <a:p>
+            <a:r>
+              <a:rPr lang="en-US" sz="1200" kern="1200" dirty="0">
+                <a:solidFill>
+                  <a:schemeClr val="tx1"/>
+                </a:solidFill>
+                <a:effectLst/>
+                <a:latin typeface="+mn-lt"/>
+                <a:ea typeface="+mn-ea"/>
+                <a:cs typeface="+mn-cs"/>
+              </a:rPr>
+              <a:t>The skyline consists of all houses that aren't dominated by any other house - these</a:t>
+            </a:r>
+          </a:p>
+          <a:p>
+            <a:r>
+              <a:rPr lang="en-US" sz="1200" kern="1200" dirty="0">
+                <a:solidFill>
+                  <a:schemeClr val="tx1"/>
+                </a:solidFill>
+                <a:effectLst/>
+                <a:latin typeface="+mn-lt"/>
+                <a:ea typeface="+mn-ea"/>
+                <a:cs typeface="+mn-cs"/>
+              </a:rPr>
+              <a:t>represent your best options. In my dataset of 300,000 houses, </a:t>
+            </a:r>
+          </a:p>
+          <a:p>
+            <a:r>
+              <a:rPr lang="en-US" sz="1200" kern="1200" dirty="0">
+                <a:solidFill>
+                  <a:schemeClr val="tx1"/>
+                </a:solidFill>
+                <a:effectLst/>
+                <a:latin typeface="+mn-lt"/>
+                <a:ea typeface="+mn-ea"/>
+                <a:cs typeface="+mn-cs"/>
+              </a:rPr>
+              <a:t>I found 8 skyline points that represent the optimal trade-offs between cost and size. Which ill discuss further in upcoming slides</a:t>
+            </a:r>
+          </a:p>
+          <a:p>
+            <a:endParaRPr lang="en-US" dirty="0"/>
+          </a:p>
+        </p:txBody>
+      </p:sp>
+      <p:sp>
+        <p:nvSpPr>
+          <p:cNvPr id="4" name="Slide Number Placeholder 3"/>
+          <p:cNvSpPr>
+            <a:spLocks noGrp="1"/>
+          </p:cNvSpPr>
+          <p:nvPr>
+            <p:ph type="sldNum" sz="quarter" idx="5"/>
+          </p:nvPr>
+        </p:nvSpPr>
+        <p:spPr/>
+        <p:txBody>
+          <a:bodyPr/>
+          <a:lstStyle/>
+          <a:p>
+            <a:fld id="{5780AC98-8E30-490D-A639-38DF0F70C274}" type="slidenum">
+              <a:rPr lang="en-AU" smtClean="0"/>
+              <a:t>6</a:t>
+            </a:fld>
+            <a:endParaRPr lang="en-AU"/>
+          </a:p>
+        </p:txBody>
+      </p:sp>
+    </p:spTree>
+    <p:extLst>
+      <p:ext uri="{BB962C8B-B14F-4D97-AF65-F5344CB8AC3E}">
+        <p14:creationId xmlns:p14="http://schemas.microsoft.com/office/powerpoint/2010/main" val="24459039"/>
+      </p:ext>
+    </p:extLst>
+  </p:cSld>
+  <p:clrMapOvr>
+    <a:masterClrMapping/>
+  </p:clrMapOvr>
+</p:notes>
+</file>
+
+<file path=ppt/notesSlides/notesSlide4.xml><?xml version="1.0" encoding="utf-8"?>
+<p:notes xmlns:a="http://schemas.openxmlformats.org/drawingml/2006/main" xmlns:r="http://schemas.openxmlformats.org/officeDocument/2006/relationships" xmlns:p="http://schemas.openxmlformats.org/presentationml/2006/main">
+  <p:cSld>
+    <p:spTree>
+      <p:nvGrpSpPr>
+        <p:cNvPr id="1" name=""/>
+        <p:cNvGrpSpPr/>
+        <p:nvPr/>
+      </p:nvGrpSpPr>
+      <p:grpSpPr>
+        <a:xfrm>
+          <a:off x="0" y="0"/>
+          <a:ext cx="0" cy="0"/>
+          <a:chOff x="0" y="0"/>
+          <a:chExt cx="0" cy="0"/>
+        </a:xfrm>
+      </p:grpSpPr>
+      <p:sp>
+        <p:nvSpPr>
+          <p:cNvPr id="2" name="Slide Image Placeholder 1"/>
+          <p:cNvSpPr>
+            <a:spLocks noGrp="1" noRot="1" noChangeAspect="1"/>
+          </p:cNvSpPr>
+          <p:nvPr>
+            <p:ph type="sldImg"/>
+          </p:nvPr>
+        </p:nvSpPr>
+        <p:spPr/>
+      </p:sp>
+      <p:sp>
+        <p:nvSpPr>
+          <p:cNvPr id="3" name="Notes Placeholder 2"/>
+          <p:cNvSpPr>
+            <a:spLocks noGrp="1"/>
+          </p:cNvSpPr>
+          <p:nvPr>
+            <p:ph type="body" idx="1"/>
+          </p:nvPr>
+        </p:nvSpPr>
+        <p:spPr/>
+        <p:txBody>
+          <a:bodyPr/>
+          <a:lstStyle/>
+          <a:p>
+            <a:r>
+              <a:rPr lang="en-US" sz="1200" kern="1200" dirty="0">
+                <a:solidFill>
+                  <a:schemeClr val="tx1"/>
+                </a:solidFill>
+                <a:effectLst/>
+                <a:latin typeface="+mn-lt"/>
+                <a:ea typeface="+mn-ea"/>
+                <a:cs typeface="+mn-cs"/>
+              </a:rPr>
+              <a:t>The first algorithm I implemented is Sequential Scan, which</a:t>
+            </a:r>
+          </a:p>
+          <a:p>
+            <a:r>
+              <a:rPr lang="en-US" sz="1200" kern="1200" dirty="0">
+                <a:solidFill>
+                  <a:schemeClr val="tx1"/>
+                </a:solidFill>
+                <a:effectLst/>
+                <a:latin typeface="+mn-lt"/>
+                <a:ea typeface="+mn-ea"/>
+                <a:cs typeface="+mn-cs"/>
+              </a:rPr>
+              <a:t>is the brute force approach. For every house in the dataset, I compare it against every other</a:t>
+            </a:r>
+          </a:p>
+          <a:p>
+            <a:r>
+              <a:rPr lang="en-US" sz="1200" kern="1200" dirty="0">
+                <a:solidFill>
+                  <a:schemeClr val="tx1"/>
+                </a:solidFill>
+                <a:effectLst/>
+                <a:latin typeface="+mn-lt"/>
+                <a:ea typeface="+mn-ea"/>
+                <a:cs typeface="+mn-cs"/>
+              </a:rPr>
+              <a:t>house to see if it's dominated. This means for 300,000 houses, I'm doing 90 </a:t>
+            </a:r>
+            <a:r>
+              <a:rPr lang="en-US" sz="1200" kern="1200" dirty="0" err="1">
+                <a:solidFill>
+                  <a:schemeClr val="tx1"/>
+                </a:solidFill>
+                <a:effectLst/>
+                <a:latin typeface="+mn-lt"/>
+                <a:ea typeface="+mn-ea"/>
+                <a:cs typeface="+mn-cs"/>
+              </a:rPr>
+              <a:t>billioncomparisons</a:t>
+            </a:r>
+            <a:r>
+              <a:rPr lang="en-US" sz="1200" kern="1200" dirty="0">
+                <a:solidFill>
+                  <a:schemeClr val="tx1"/>
+                </a:solidFill>
+                <a:effectLst/>
+                <a:latin typeface="+mn-lt"/>
+                <a:ea typeface="+mn-ea"/>
+                <a:cs typeface="+mn-cs"/>
+              </a:rPr>
+              <a:t>! The algorithm is straightforward - for each house, I loop through all others and</a:t>
+            </a:r>
+          </a:p>
+          <a:p>
+            <a:r>
+              <a:rPr lang="en-US" sz="1200" kern="1200" dirty="0">
+                <a:solidFill>
+                  <a:schemeClr val="tx1"/>
+                </a:solidFill>
+                <a:effectLst/>
+                <a:latin typeface="+mn-lt"/>
+                <a:ea typeface="+mn-ea"/>
+                <a:cs typeface="+mn-cs"/>
+              </a:rPr>
+              <a:t>check if any house has both lower cost and higher size. If I find such a house, the current</a:t>
+            </a:r>
+          </a:p>
+          <a:p>
+            <a:r>
+              <a:rPr lang="en-US" sz="1200" kern="1200" dirty="0">
+                <a:solidFill>
+                  <a:schemeClr val="tx1"/>
+                </a:solidFill>
+                <a:effectLst/>
+                <a:latin typeface="+mn-lt"/>
+                <a:ea typeface="+mn-ea"/>
+                <a:cs typeface="+mn-cs"/>
+              </a:rPr>
+              <a:t>house is eliminated from the skyline. While this approach is simple to understand and</a:t>
+            </a:r>
+          </a:p>
+          <a:p>
+            <a:r>
+              <a:rPr lang="en-US" sz="1200" kern="1200" dirty="0">
+                <a:solidFill>
+                  <a:schemeClr val="tx1"/>
+                </a:solidFill>
+                <a:effectLst/>
+                <a:latin typeface="+mn-lt"/>
+                <a:ea typeface="+mn-ea"/>
+                <a:cs typeface="+mn-cs"/>
+              </a:rPr>
+              <a:t>implement, it's extremely slow with O(n²) time complexity. In my testing, this took over 0.9</a:t>
+            </a:r>
+          </a:p>
+          <a:p>
+            <a:r>
+              <a:rPr lang="en-US" sz="1200" kern="1200" dirty="0">
+                <a:solidFill>
+                  <a:schemeClr val="tx1"/>
+                </a:solidFill>
+                <a:effectLst/>
+                <a:latin typeface="+mn-lt"/>
+                <a:ea typeface="+mn-ea"/>
+                <a:cs typeface="+mn-cs"/>
+              </a:rPr>
+              <a:t>seconds, which serves as our baseline for comparison."</a:t>
+            </a:r>
+          </a:p>
+          <a:p>
+            <a:endParaRPr lang="en-US" dirty="0"/>
+          </a:p>
+        </p:txBody>
+      </p:sp>
+      <p:sp>
+        <p:nvSpPr>
+          <p:cNvPr id="4" name="Slide Number Placeholder 3"/>
+          <p:cNvSpPr>
+            <a:spLocks noGrp="1"/>
+          </p:cNvSpPr>
+          <p:nvPr>
+            <p:ph type="sldNum" sz="quarter" idx="5"/>
+          </p:nvPr>
+        </p:nvSpPr>
+        <p:spPr/>
+        <p:txBody>
+          <a:bodyPr/>
+          <a:lstStyle/>
+          <a:p>
+            <a:fld id="{5780AC98-8E30-490D-A639-38DF0F70C274}" type="slidenum">
+              <a:rPr lang="en-AU" smtClean="0"/>
+              <a:t>7</a:t>
+            </a:fld>
+            <a:endParaRPr lang="en-AU"/>
+          </a:p>
+        </p:txBody>
+      </p:sp>
+    </p:spTree>
+    <p:extLst>
+      <p:ext uri="{BB962C8B-B14F-4D97-AF65-F5344CB8AC3E}">
+        <p14:creationId xmlns:p14="http://schemas.microsoft.com/office/powerpoint/2010/main" val="3537732848"/>
+      </p:ext>
+    </p:extLst>
+  </p:cSld>
+  <p:clrMapOvr>
+    <a:masterClrMapping/>
+  </p:clrMapOvr>
+</p:notes>
+</file>
+
 <file path=ppt/slideLayouts/slideLayout1.xml><?xml version="1.0" encoding="utf-8"?>
 <p:sldLayout xmlns:a="http://schemas.openxmlformats.org/drawingml/2006/main" xmlns:r="http://schemas.openxmlformats.org/officeDocument/2006/relationships" xmlns:p="http://schemas.openxmlformats.org/presentationml/2006/main" preserve="1" userDrawn="1">
   <p:cSld name="Title Slide">
@@ -7972,6 +8607,9 @@
   <p:clrMapOvr>
     <a:masterClrMapping/>
   </p:clrMapOvr>
+  <p:transition spd="slow">
+    <p:wipe/>
+  </p:transition>
 </p:sldLayout>
 </file>
 
@@ -8156,6 +8794,9 @@
   <p:clrMapOvr>
     <a:masterClrMapping/>
   </p:clrMapOvr>
+  <p:transition spd="slow">
+    <p:wipe/>
+  </p:transition>
 </p:sldLayout>
 </file>
 
@@ -8241,6 +8882,9 @@
   <p:clrMapOvr>
     <a:masterClrMapping/>
   </p:clrMapOvr>
+  <p:transition spd="slow">
+    <p:wipe/>
+  </p:transition>
 </p:sldLayout>
 </file>
 
@@ -8372,6 +9016,9 @@
   <p:clrMapOvr>
     <a:masterClrMapping/>
   </p:clrMapOvr>
+  <p:transition spd="slow">
+    <p:wipe/>
+  </p:transition>
 </p:sldLayout>
 </file>
 
@@ -9344,6 +9991,9 @@
   <p:clrMapOvr>
     <a:masterClrMapping/>
   </p:clrMapOvr>
+  <p:transition spd="slow">
+    <p:wipe/>
+  </p:transition>
 </p:sldLayout>
 </file>
 
@@ -9782,6 +10432,9 @@
   <p:clrMapOvr>
     <a:masterClrMapping/>
   </p:clrMapOvr>
+  <p:transition spd="slow">
+    <p:wipe/>
+  </p:transition>
 </p:sldLayout>
 </file>
 
@@ -10108,6 +10761,9 @@
   <p:clrMapOvr>
     <a:masterClrMapping/>
   </p:clrMapOvr>
+  <p:transition spd="slow">
+    <p:wipe/>
+  </p:transition>
 </p:sldLayout>
 </file>
 
@@ -10390,6 +11046,9 @@
   <p:clrMapOvr>
     <a:masterClrMapping/>
   </p:clrMapOvr>
+  <p:transition spd="slow">
+    <p:wipe/>
+  </p:transition>
 </p:sldLayout>
 </file>
 
@@ -10584,6 +11243,9 @@
   <p:clrMapOvr>
     <a:masterClrMapping/>
   </p:clrMapOvr>
+  <p:transition spd="slow">
+    <p:wipe/>
+  </p:transition>
 </p:sldLayout>
 </file>
 
@@ -10815,6 +11477,9 @@
   <p:clrMapOvr>
     <a:masterClrMapping/>
   </p:clrMapOvr>
+  <p:transition spd="slow">
+    <p:wipe/>
+  </p:transition>
 </p:sldLayout>
 </file>
 
@@ -11037,6 +11702,9 @@
   <p:clrMapOvr>
     <a:masterClrMapping/>
   </p:clrMapOvr>
+  <p:transition spd="slow">
+    <p:wipe/>
+  </p:transition>
   <p:extLst mod="1">
     <p:ext uri="{DCECCB84-F9BA-43D5-87BE-67443E8EF086}">
       <p15:sldGuideLst xmlns:p15="http://schemas.microsoft.com/office/powerpoint/2012/main">
@@ -11364,6 +12032,9 @@
   <p:clrMapOvr>
     <a:masterClrMapping/>
   </p:clrMapOvr>
+  <p:transition spd="slow">
+    <p:wipe/>
+  </p:transition>
 </p:sldLayout>
 </file>
 
@@ -11520,6 +12191,9 @@
   <p:clrMapOvr>
     <a:masterClrMapping/>
   </p:clrMapOvr>
+  <p:transition spd="slow">
+    <p:wipe/>
+  </p:transition>
 </p:sldLayout>
 </file>
 
@@ -11840,6 +12514,9 @@
     <p:sldLayoutId id="2147483665" r:id="rId12"/>
     <p:sldLayoutId id="2147483669" r:id="rId13"/>
   </p:sldLayoutIdLst>
+  <p:transition spd="slow">
+    <p:wipe/>
+  </p:transition>
   <p:hf hdr="0" dt="0"/>
   <p:txStyles>
     <p:titleStyle>
@@ -12111,7 +12788,7 @@
 </file>
 
 <file path=ppt/slides/slide1.xml><?xml version="1.0" encoding="utf-8"?>
-<p:sld xmlns:a="http://schemas.openxmlformats.org/drawingml/2006/main" xmlns:r="http://schemas.openxmlformats.org/officeDocument/2006/relationships" xmlns:p="http://schemas.openxmlformats.org/presentationml/2006/main">
+<p:sld xmlns:a="http://schemas.openxmlformats.org/drawingml/2006/main" xmlns:r="http://schemas.openxmlformats.org/officeDocument/2006/relationships" xmlns:p="http://schemas.openxmlformats.org/presentationml/2006/main" show="0">
   <p:cSld>
     <p:spTree>
       <p:nvGrpSpPr>
@@ -12219,7 +12896,7 @@
           <p:nvPr/>
         </p:nvPicPr>
         <p:blipFill>
-          <a:blip r:embed="rId2">
+          <a:blip r:embed="rId3">
             <a:extLst>
               <a:ext uri="{28A0092B-C50C-407E-A947-70E740481C1C}">
                 <a14:useLocalDpi xmlns:a14="http://schemas.microsoft.com/office/drawing/2010/main" val="0"/>
@@ -12250,6 +12927,9 @@
   <p:clrMapOvr>
     <a:masterClrMapping/>
   </p:clrMapOvr>
+  <p:transition spd="slow">
+    <p:wipe/>
+  </p:transition>
 </p:sld>
 </file>
 
@@ -12508,6 +13188,9 @@
   <p:clrMapOvr>
     <a:masterClrMapping/>
   </p:clrMapOvr>
+  <p:transition spd="slow">
+    <p:wipe/>
+  </p:transition>
 </p:sld>
 </file>
 
@@ -12667,6 +13350,9 @@
   <p:clrMapOvr>
     <a:masterClrMapping/>
   </p:clrMapOvr>
+  <p:transition spd="slow">
+    <p:wipe/>
+  </p:transition>
 </p:sld>
 </file>
 
@@ -13196,6 +13882,9 @@
   <p:clrMapOvr>
     <a:masterClrMapping/>
   </p:clrMapOvr>
+  <p:transition spd="slow">
+    <p:wipe/>
+  </p:transition>
 </p:sld>
 </file>
 
@@ -13655,6 +14344,9 @@
   <p:clrMapOvr>
     <a:masterClrMapping/>
   </p:clrMapOvr>
+  <p:transition spd="slow">
+    <p:wipe/>
+  </p:transition>
 </p:sld>
 </file>
 
@@ -14181,11 +14873,14 @@
   <p:clrMapOvr>
     <a:masterClrMapping/>
   </p:clrMapOvr>
+  <p:transition spd="slow">
+    <p:wipe/>
+  </p:transition>
 </p:sld>
 </file>
 
 <file path=ppt/slides/slide2.xml><?xml version="1.0" encoding="utf-8"?>
-<p:sld xmlns:a="http://schemas.openxmlformats.org/drawingml/2006/main" xmlns:r="http://schemas.openxmlformats.org/officeDocument/2006/relationships" xmlns:p="http://schemas.openxmlformats.org/presentationml/2006/main">
+<p:sld xmlns:a="http://schemas.openxmlformats.org/drawingml/2006/main" xmlns:r="http://schemas.openxmlformats.org/officeDocument/2006/relationships" xmlns:p="http://schemas.openxmlformats.org/presentationml/2006/main" show="0">
   <p:cSld>
     <p:spTree>
       <p:nvGrpSpPr>
@@ -14807,11 +15502,14 @@
   <p:clrMapOvr>
     <a:masterClrMapping/>
   </p:clrMapOvr>
+  <p:transition spd="slow">
+    <p:wipe/>
+  </p:transition>
 </p:sld>
 </file>
 
 <file path=ppt/slides/slide3.xml><?xml version="1.0" encoding="utf-8"?>
-<p:sld xmlns:a="http://schemas.openxmlformats.org/drawingml/2006/main" xmlns:r="http://schemas.openxmlformats.org/officeDocument/2006/relationships" xmlns:p="http://schemas.openxmlformats.org/presentationml/2006/main">
+<p:sld xmlns:a="http://schemas.openxmlformats.org/drawingml/2006/main" xmlns:r="http://schemas.openxmlformats.org/officeDocument/2006/relationships" xmlns:p="http://schemas.openxmlformats.org/presentationml/2006/main" show="0">
   <p:cSld>
     <p:spTree>
       <p:nvGrpSpPr>
@@ -15369,6 +16067,9 @@
   <p:clrMapOvr>
     <a:masterClrMapping/>
   </p:clrMapOvr>
+  <p:transition spd="slow">
+    <p:wipe/>
+  </p:transition>
 </p:sld>
 </file>
 
@@ -15406,7 +16107,7 @@
           <a:p>
             <a:r>
               <a:rPr lang="en-AU" dirty="0"/>
-              <a:t>Presented By : Anuj Adhikari</a:t>
+              <a:t>Presented By : Anuj Adhikari( 48547743)</a:t>
             </a:r>
           </a:p>
         </p:txBody>
@@ -15473,6 +16174,9 @@
   <p:clrMapOvr>
     <a:masterClrMapping/>
   </p:clrMapOvr>
+  <p:transition spd="slow">
+    <p:wipe/>
+  </p:transition>
 </p:sld>
 </file>
 
@@ -15882,6 +16586,9 @@
   <p:clrMapOvr>
     <a:masterClrMapping/>
   </p:clrMapOvr>
+  <p:transition spd="slow">
+    <p:wipe/>
+  </p:transition>
 </p:sld>
 </file>
 
@@ -16339,7 +17046,7 @@
           <p:nvPr/>
         </p:nvPicPr>
         <p:blipFill>
-          <a:blip r:embed="rId2">
+          <a:blip r:embed="rId3">
             <a:extLst>
               <a:ext uri="{28A0092B-C50C-407E-A947-70E740481C1C}">
                 <a14:useLocalDpi xmlns:a14="http://schemas.microsoft.com/office/drawing/2010/main" val="0"/>
@@ -16370,6 +17077,9 @@
   <p:clrMapOvr>
     <a:masterClrMapping/>
   </p:clrMapOvr>
+  <p:transition spd="slow">
+    <p:wipe/>
+  </p:transition>
 </p:sld>
 </file>
 
@@ -16854,6 +17564,9 @@
   <p:clrMapOvr>
     <a:masterClrMapping/>
   </p:clrMapOvr>
+  <p:transition spd="slow">
+    <p:wipe/>
+  </p:transition>
 </p:sld>
 </file>
 
@@ -17006,6 +17719,9 @@
   <p:clrMapOvr>
     <a:masterClrMapping/>
   </p:clrMapOvr>
+  <p:transition spd="slow">
+    <p:wipe/>
+  </p:transition>
 </p:sld>
 </file>
 
@@ -17391,6 +18107,9 @@
   <p:clrMapOvr>
     <a:masterClrMapping/>
   </p:clrMapOvr>
+  <p:transition spd="slow">
+    <p:wipe/>
+  </p:transition>
 </p:sld>
 </file>
 
